--- a/DsDotNet/src/Model/Import/Model.Import.Office/sample/ds.pptx
+++ b/DsDotNet/src/Model/Import/Model.Import.Office/sample/ds.pptx
@@ -206,7 +206,7 @@
           <a:p>
             <a:fld id="{2B89E2EC-FE27-4C5F-972C-0BECC28DD028}" type="datetimeFigureOut">
               <a:rPr lang="ko-KR" altLang="en-US" smtClean="0"/>
-              <a:t>2022-10-18</a:t>
+              <a:t>2022-10-19</a:t>
             </a:fld>
             <a:endParaRPr lang="ko-KR" altLang="en-US"/>
           </a:p>
@@ -620,7 +620,7 @@
           <a:p>
             <a:fld id="{74A2778E-F063-4908-8427-F8B35A4747CF}" type="datetimeFigureOut">
               <a:rPr lang="ko-KR" altLang="en-US" smtClean="0"/>
-              <a:t>2022-10-18</a:t>
+              <a:t>2022-10-19</a:t>
             </a:fld>
             <a:endParaRPr lang="ko-KR" altLang="en-US"/>
           </a:p>
@@ -818,7 +818,7 @@
           <a:p>
             <a:fld id="{74A2778E-F063-4908-8427-F8B35A4747CF}" type="datetimeFigureOut">
               <a:rPr lang="ko-KR" altLang="en-US" smtClean="0"/>
-              <a:t>2022-10-18</a:t>
+              <a:t>2022-10-19</a:t>
             </a:fld>
             <a:endParaRPr lang="ko-KR" altLang="en-US"/>
           </a:p>
@@ -1026,7 +1026,7 @@
           <a:p>
             <a:fld id="{74A2778E-F063-4908-8427-F8B35A4747CF}" type="datetimeFigureOut">
               <a:rPr lang="ko-KR" altLang="en-US" smtClean="0"/>
-              <a:t>2022-10-18</a:t>
+              <a:t>2022-10-19</a:t>
             </a:fld>
             <a:endParaRPr lang="ko-KR" altLang="en-US"/>
           </a:p>
@@ -1224,7 +1224,7 @@
           <a:p>
             <a:fld id="{74A2778E-F063-4908-8427-F8B35A4747CF}" type="datetimeFigureOut">
               <a:rPr lang="ko-KR" altLang="en-US" smtClean="0"/>
-              <a:t>2022-10-18</a:t>
+              <a:t>2022-10-19</a:t>
             </a:fld>
             <a:endParaRPr lang="ko-KR" altLang="en-US"/>
           </a:p>
@@ -1499,7 +1499,7 @@
           <a:p>
             <a:fld id="{74A2778E-F063-4908-8427-F8B35A4747CF}" type="datetimeFigureOut">
               <a:rPr lang="ko-KR" altLang="en-US" smtClean="0"/>
-              <a:t>2022-10-18</a:t>
+              <a:t>2022-10-19</a:t>
             </a:fld>
             <a:endParaRPr lang="ko-KR" altLang="en-US"/>
           </a:p>
@@ -1764,7 +1764,7 @@
           <a:p>
             <a:fld id="{74A2778E-F063-4908-8427-F8B35A4747CF}" type="datetimeFigureOut">
               <a:rPr lang="ko-KR" altLang="en-US" smtClean="0"/>
-              <a:t>2022-10-18</a:t>
+              <a:t>2022-10-19</a:t>
             </a:fld>
             <a:endParaRPr lang="ko-KR" altLang="en-US"/>
           </a:p>
@@ -2176,7 +2176,7 @@
           <a:p>
             <a:fld id="{74A2778E-F063-4908-8427-F8B35A4747CF}" type="datetimeFigureOut">
               <a:rPr lang="ko-KR" altLang="en-US" smtClean="0"/>
-              <a:t>2022-10-18</a:t>
+              <a:t>2022-10-19</a:t>
             </a:fld>
             <a:endParaRPr lang="ko-KR" altLang="en-US"/>
           </a:p>
@@ -2317,7 +2317,7 @@
           <a:p>
             <a:fld id="{74A2778E-F063-4908-8427-F8B35A4747CF}" type="datetimeFigureOut">
               <a:rPr lang="ko-KR" altLang="en-US" smtClean="0"/>
-              <a:t>2022-10-18</a:t>
+              <a:t>2022-10-19</a:t>
             </a:fld>
             <a:endParaRPr lang="ko-KR" altLang="en-US"/>
           </a:p>
@@ -2430,7 +2430,7 @@
           <a:p>
             <a:fld id="{74A2778E-F063-4908-8427-F8B35A4747CF}" type="datetimeFigureOut">
               <a:rPr lang="ko-KR" altLang="en-US" smtClean="0"/>
-              <a:t>2022-10-18</a:t>
+              <a:t>2022-10-19</a:t>
             </a:fld>
             <a:endParaRPr lang="ko-KR" altLang="en-US"/>
           </a:p>
@@ -2741,7 +2741,7 @@
           <a:p>
             <a:fld id="{74A2778E-F063-4908-8427-F8B35A4747CF}" type="datetimeFigureOut">
               <a:rPr lang="ko-KR" altLang="en-US" smtClean="0"/>
-              <a:t>2022-10-18</a:t>
+              <a:t>2022-10-19</a:t>
             </a:fld>
             <a:endParaRPr lang="ko-KR" altLang="en-US"/>
           </a:p>
@@ -3029,7 +3029,7 @@
           <a:p>
             <a:fld id="{74A2778E-F063-4908-8427-F8B35A4747CF}" type="datetimeFigureOut">
               <a:rPr lang="ko-KR" altLang="en-US" smtClean="0"/>
-              <a:t>2022-10-18</a:t>
+              <a:t>2022-10-19</a:t>
             </a:fld>
             <a:endParaRPr lang="ko-KR" altLang="en-US"/>
           </a:p>
@@ -3270,7 +3270,7 @@
           <a:p>
             <a:fld id="{74A2778E-F063-4908-8427-F8B35A4747CF}" type="datetimeFigureOut">
               <a:rPr lang="ko-KR" altLang="en-US" smtClean="0"/>
-              <a:t>2022-10-18</a:t>
+              <a:t>2022-10-19</a:t>
             </a:fld>
             <a:endParaRPr lang="ko-KR" altLang="en-US"/>
           </a:p>
@@ -3671,7 +3671,7 @@
 </file>
 
 <file path=ppt/slides/slide1.xml><?xml version="1.0" encoding="utf-8"?>
-<p:sld xmlns:a="http://schemas.openxmlformats.org/drawingml/2006/main" xmlns:r="http://schemas.openxmlformats.org/officeDocument/2006/relationships" xmlns:p="http://schemas.openxmlformats.org/presentationml/2006/main" show="0">
+<p:sld xmlns:a="http://schemas.openxmlformats.org/drawingml/2006/main" xmlns:r="http://schemas.openxmlformats.org/officeDocument/2006/relationships" xmlns:p="http://schemas.openxmlformats.org/presentationml/2006/main">
   <p:cSld>
     <p:spTree>
       <p:nvGrpSpPr>
@@ -4033,6 +4033,230 @@
           </a:fontRef>
         </p:style>
       </p:cxnSp>
+      <p:sp>
+        <p:nvSpPr>
+          <p:cNvPr id="10" name="&quot;허용 안 됨&quot; 기호 9">
+            <a:extLst>
+              <a:ext uri="{FF2B5EF4-FFF2-40B4-BE49-F238E27FC236}">
+                <a16:creationId xmlns:a16="http://schemas.microsoft.com/office/drawing/2014/main" id="{DAE75020-D0C5-6B0A-3792-8CE6FC3760CC}"/>
+              </a:ext>
+            </a:extLst>
+          </p:cNvPr>
+          <p:cNvSpPr/>
+          <p:nvPr/>
+        </p:nvSpPr>
+        <p:spPr>
+          <a:xfrm>
+            <a:off x="2449902" y="4364966"/>
+            <a:ext cx="2070340" cy="1492370"/>
+          </a:xfrm>
+          <a:prstGeom prst="noSmoking">
+            <a:avLst/>
+          </a:prstGeom>
+        </p:spPr>
+        <p:style>
+          <a:lnRef idx="2">
+            <a:schemeClr val="accent1">
+              <a:shade val="50000"/>
+            </a:schemeClr>
+          </a:lnRef>
+          <a:fillRef idx="1">
+            <a:schemeClr val="accent1"/>
+          </a:fillRef>
+          <a:effectRef idx="0">
+            <a:schemeClr val="accent1"/>
+          </a:effectRef>
+          <a:fontRef idx="minor">
+            <a:schemeClr val="lt1"/>
+          </a:fontRef>
+        </p:style>
+        <p:txBody>
+          <a:bodyPr rtlCol="0" anchor="ctr"/>
+          <a:lstStyle/>
+          <a:p>
+            <a:pPr algn="ctr"/>
+            <a:r>
+              <a:rPr lang="en-US" altLang="ko-KR" dirty="0">
+                <a:solidFill>
+                  <a:schemeClr val="tx1"/>
+                </a:solidFill>
+              </a:rPr>
+              <a:t>EEE</a:t>
+            </a:r>
+            <a:endParaRPr lang="ko-KR" altLang="en-US" dirty="0">
+              <a:solidFill>
+                <a:schemeClr val="tx1"/>
+              </a:solidFill>
+            </a:endParaRPr>
+          </a:p>
+        </p:txBody>
+      </p:sp>
+      <p:sp>
+        <p:nvSpPr>
+          <p:cNvPr id="11" name="사각형: 빗면 10">
+            <a:extLst>
+              <a:ext uri="{FF2B5EF4-FFF2-40B4-BE49-F238E27FC236}">
+                <a16:creationId xmlns:a16="http://schemas.microsoft.com/office/drawing/2014/main" id="{1C5DC0AE-BB9C-C690-5903-3A6CF9C95CD0}"/>
+              </a:ext>
+            </a:extLst>
+          </p:cNvPr>
+          <p:cNvSpPr/>
+          <p:nvPr/>
+        </p:nvSpPr>
+        <p:spPr>
+          <a:xfrm>
+            <a:off x="4863063" y="4403819"/>
+            <a:ext cx="1104181" cy="1245933"/>
+          </a:xfrm>
+          <a:prstGeom prst="bevel">
+            <a:avLst/>
+          </a:prstGeom>
+        </p:spPr>
+        <p:style>
+          <a:lnRef idx="2">
+            <a:schemeClr val="accent1">
+              <a:shade val="50000"/>
+            </a:schemeClr>
+          </a:lnRef>
+          <a:fillRef idx="1">
+            <a:schemeClr val="accent1"/>
+          </a:fillRef>
+          <a:effectRef idx="0">
+            <a:schemeClr val="accent1"/>
+          </a:effectRef>
+          <a:fontRef idx="minor">
+            <a:schemeClr val="lt1"/>
+          </a:fontRef>
+        </p:style>
+        <p:txBody>
+          <a:bodyPr rtlCol="0" anchor="ctr"/>
+          <a:lstStyle/>
+          <a:p>
+            <a:pPr algn="ctr"/>
+            <a:r>
+              <a:rPr lang="en-US" altLang="ko-KR" dirty="0"/>
+              <a:t>SSS</a:t>
+            </a:r>
+            <a:endParaRPr lang="ko-KR" altLang="en-US" dirty="0"/>
+          </a:p>
+        </p:txBody>
+      </p:sp>
+      <p:sp>
+        <p:nvSpPr>
+          <p:cNvPr id="14" name="막힌 원호 13">
+            <a:extLst>
+              <a:ext uri="{FF2B5EF4-FFF2-40B4-BE49-F238E27FC236}">
+                <a16:creationId xmlns:a16="http://schemas.microsoft.com/office/drawing/2014/main" id="{DC166F15-3949-6826-10B5-CEE575BD20BC}"/>
+              </a:ext>
+            </a:extLst>
+          </p:cNvPr>
+          <p:cNvSpPr/>
+          <p:nvPr/>
+        </p:nvSpPr>
+        <p:spPr>
+          <a:xfrm>
+            <a:off x="4770408" y="3864668"/>
+            <a:ext cx="1196836" cy="1078302"/>
+          </a:xfrm>
+          <a:prstGeom prst="blockArc">
+            <a:avLst/>
+          </a:prstGeom>
+        </p:spPr>
+        <p:style>
+          <a:lnRef idx="2">
+            <a:schemeClr val="accent1">
+              <a:shade val="50000"/>
+            </a:schemeClr>
+          </a:lnRef>
+          <a:fillRef idx="1">
+            <a:schemeClr val="accent1"/>
+          </a:fillRef>
+          <a:effectRef idx="0">
+            <a:schemeClr val="accent1"/>
+          </a:effectRef>
+          <a:fontRef idx="minor">
+            <a:schemeClr val="lt1"/>
+          </a:fontRef>
+        </p:style>
+        <p:txBody>
+          <a:bodyPr rtlCol="0" anchor="ctr"/>
+          <a:lstStyle/>
+          <a:p>
+            <a:pPr algn="ctr"/>
+            <a:r>
+              <a:rPr lang="en-US" altLang="ko-KR" dirty="0" err="1">
+                <a:solidFill>
+                  <a:schemeClr val="tx1"/>
+                </a:solidFill>
+              </a:rPr>
+              <a:t>RRR</a:t>
+            </a:r>
+            <a:endParaRPr lang="ko-KR" altLang="en-US" dirty="0">
+              <a:solidFill>
+                <a:schemeClr val="tx1"/>
+              </a:solidFill>
+            </a:endParaRPr>
+          </a:p>
+        </p:txBody>
+      </p:sp>
+      <p:sp>
+        <p:nvSpPr>
+          <p:cNvPr id="15" name="원형: 비어 있음 14">
+            <a:extLst>
+              <a:ext uri="{FF2B5EF4-FFF2-40B4-BE49-F238E27FC236}">
+                <a16:creationId xmlns:a16="http://schemas.microsoft.com/office/drawing/2014/main" id="{D1691932-8F82-B188-4B07-3ADEE7A70C6F}"/>
+              </a:ext>
+            </a:extLst>
+          </p:cNvPr>
+          <p:cNvSpPr/>
+          <p:nvPr/>
+        </p:nvSpPr>
+        <p:spPr>
+          <a:xfrm>
+            <a:off x="6978770" y="4166558"/>
+            <a:ext cx="1673524" cy="1690778"/>
+          </a:xfrm>
+          <a:prstGeom prst="donut">
+            <a:avLst/>
+          </a:prstGeom>
+        </p:spPr>
+        <p:style>
+          <a:lnRef idx="2">
+            <a:schemeClr val="accent1">
+              <a:shade val="50000"/>
+            </a:schemeClr>
+          </a:lnRef>
+          <a:fillRef idx="1">
+            <a:schemeClr val="accent1"/>
+          </a:fillRef>
+          <a:effectRef idx="0">
+            <a:schemeClr val="accent1"/>
+          </a:effectRef>
+          <a:fontRef idx="minor">
+            <a:schemeClr val="lt1"/>
+          </a:fontRef>
+        </p:style>
+        <p:txBody>
+          <a:bodyPr rtlCol="0" anchor="ctr"/>
+          <a:lstStyle/>
+          <a:p>
+            <a:pPr algn="ctr"/>
+            <a:r>
+              <a:rPr lang="en-US" altLang="ko-KR" dirty="0">
+                <a:solidFill>
+                  <a:schemeClr val="tx1"/>
+                </a:solidFill>
+              </a:rPr>
+              <a:t>AAAA</a:t>
+            </a:r>
+            <a:endParaRPr lang="ko-KR" altLang="en-US" dirty="0">
+              <a:solidFill>
+                <a:schemeClr val="tx1"/>
+              </a:solidFill>
+            </a:endParaRPr>
+          </a:p>
+        </p:txBody>
+      </p:sp>
     </p:spTree>
     <p:extLst>
       <p:ext uri="{BB962C8B-B14F-4D97-AF65-F5344CB8AC3E}">
@@ -11494,6 +11718,64 @@
           </a:fontRef>
         </p:style>
       </p:cxnSp>
+      <p:sp>
+        <p:nvSpPr>
+          <p:cNvPr id="6" name="&quot;허용 안 됨&quot; 기호 5">
+            <a:extLst>
+              <a:ext uri="{FF2B5EF4-FFF2-40B4-BE49-F238E27FC236}">
+                <a16:creationId xmlns:a16="http://schemas.microsoft.com/office/drawing/2014/main" id="{24C1CEDE-6C7E-6F78-4877-759A0396F925}"/>
+              </a:ext>
+            </a:extLst>
+          </p:cNvPr>
+          <p:cNvSpPr/>
+          <p:nvPr/>
+        </p:nvSpPr>
+        <p:spPr>
+          <a:xfrm>
+            <a:off x="2449902" y="4364966"/>
+            <a:ext cx="2070340" cy="1492370"/>
+          </a:xfrm>
+          <a:prstGeom prst="noSmoking">
+            <a:avLst/>
+          </a:prstGeom>
+        </p:spPr>
+        <p:style>
+          <a:lnRef idx="2">
+            <a:schemeClr val="accent1">
+              <a:shade val="50000"/>
+            </a:schemeClr>
+          </a:lnRef>
+          <a:fillRef idx="1">
+            <a:schemeClr val="accent1"/>
+          </a:fillRef>
+          <a:effectRef idx="0">
+            <a:schemeClr val="accent1"/>
+          </a:effectRef>
+          <a:fontRef idx="minor">
+            <a:schemeClr val="lt1"/>
+          </a:fontRef>
+        </p:style>
+        <p:txBody>
+          <a:bodyPr rtlCol="0" anchor="ctr"/>
+          <a:lstStyle/>
+          <a:p>
+            <a:pPr algn="ctr"/>
+            <a:r>
+              <a:rPr lang="en-US" altLang="ko-KR" dirty="0">
+                <a:solidFill>
+                  <a:schemeClr val="tx1"/>
+                </a:solidFill>
+              </a:rPr>
+              <a:t>EEE</a:t>
+            </a:r>
+            <a:endParaRPr lang="ko-KR" altLang="en-US" dirty="0">
+              <a:solidFill>
+                <a:schemeClr val="tx1"/>
+              </a:solidFill>
+            </a:endParaRPr>
+          </a:p>
+        </p:txBody>
+      </p:sp>
     </p:spTree>
     <p:extLst>
       <p:ext uri="{BB962C8B-B14F-4D97-AF65-F5344CB8AC3E}">
@@ -16814,6 +17096,114 @@
           </a:p>
         </p:txBody>
       </p:sp>
+      <p:sp>
+        <p:nvSpPr>
+          <p:cNvPr id="3" name="사각형: 빗면 2">
+            <a:extLst>
+              <a:ext uri="{FF2B5EF4-FFF2-40B4-BE49-F238E27FC236}">
+                <a16:creationId xmlns:a16="http://schemas.microsoft.com/office/drawing/2014/main" id="{B8F43881-77C6-51AE-B5F9-90DF47B18DC1}"/>
+              </a:ext>
+            </a:extLst>
+          </p:cNvPr>
+          <p:cNvSpPr/>
+          <p:nvPr/>
+        </p:nvSpPr>
+        <p:spPr>
+          <a:xfrm>
+            <a:off x="4863063" y="4403819"/>
+            <a:ext cx="1104181" cy="1245933"/>
+          </a:xfrm>
+          <a:prstGeom prst="bevel">
+            <a:avLst/>
+          </a:prstGeom>
+        </p:spPr>
+        <p:style>
+          <a:lnRef idx="2">
+            <a:schemeClr val="accent1">
+              <a:shade val="50000"/>
+            </a:schemeClr>
+          </a:lnRef>
+          <a:fillRef idx="1">
+            <a:schemeClr val="accent1"/>
+          </a:fillRef>
+          <a:effectRef idx="0">
+            <a:schemeClr val="accent1"/>
+          </a:effectRef>
+          <a:fontRef idx="minor">
+            <a:schemeClr val="lt1"/>
+          </a:fontRef>
+        </p:style>
+        <p:txBody>
+          <a:bodyPr rtlCol="0" anchor="ctr"/>
+          <a:lstStyle/>
+          <a:p>
+            <a:pPr algn="ctr"/>
+            <a:r>
+              <a:rPr lang="en-US" altLang="ko-KR" dirty="0"/>
+              <a:t>SSS</a:t>
+            </a:r>
+            <a:endParaRPr lang="ko-KR" altLang="en-US" dirty="0"/>
+          </a:p>
+        </p:txBody>
+      </p:sp>
+      <p:sp>
+        <p:nvSpPr>
+          <p:cNvPr id="4" name="원형: 비어 있음 3">
+            <a:extLst>
+              <a:ext uri="{FF2B5EF4-FFF2-40B4-BE49-F238E27FC236}">
+                <a16:creationId xmlns:a16="http://schemas.microsoft.com/office/drawing/2014/main" id="{A815F440-D615-578E-27A5-F03820AF38B8}"/>
+              </a:ext>
+            </a:extLst>
+          </p:cNvPr>
+          <p:cNvSpPr/>
+          <p:nvPr/>
+        </p:nvSpPr>
+        <p:spPr>
+          <a:xfrm>
+            <a:off x="6978770" y="4166558"/>
+            <a:ext cx="1673524" cy="1690778"/>
+          </a:xfrm>
+          <a:prstGeom prst="donut">
+            <a:avLst/>
+          </a:prstGeom>
+        </p:spPr>
+        <p:style>
+          <a:lnRef idx="2">
+            <a:schemeClr val="accent1">
+              <a:shade val="50000"/>
+            </a:schemeClr>
+          </a:lnRef>
+          <a:fillRef idx="1">
+            <a:schemeClr val="accent1"/>
+          </a:fillRef>
+          <a:effectRef idx="0">
+            <a:schemeClr val="accent1"/>
+          </a:effectRef>
+          <a:fontRef idx="minor">
+            <a:schemeClr val="lt1"/>
+          </a:fontRef>
+        </p:style>
+        <p:txBody>
+          <a:bodyPr rtlCol="0" anchor="ctr"/>
+          <a:lstStyle/>
+          <a:p>
+            <a:pPr algn="ctr"/>
+            <a:r>
+              <a:rPr lang="en-US" altLang="ko-KR" dirty="0">
+                <a:solidFill>
+                  <a:schemeClr val="tx1"/>
+                </a:solidFill>
+              </a:rPr>
+              <a:t>AAAA</a:t>
+            </a:r>
+            <a:endParaRPr lang="ko-KR" altLang="en-US" dirty="0">
+              <a:solidFill>
+                <a:schemeClr val="tx1"/>
+              </a:solidFill>
+            </a:endParaRPr>
+          </a:p>
+        </p:txBody>
+      </p:sp>
     </p:spTree>
     <p:extLst>
       <p:ext uri="{BB962C8B-B14F-4D97-AF65-F5344CB8AC3E}">
@@ -19637,6 +20027,64 @@
               </a:rPr>
               <a:t>]</a:t>
             </a:r>
+          </a:p>
+        </p:txBody>
+      </p:sp>
+      <p:sp>
+        <p:nvSpPr>
+          <p:cNvPr id="6" name="&quot;허용 안 됨&quot; 기호 5">
+            <a:extLst>
+              <a:ext uri="{FF2B5EF4-FFF2-40B4-BE49-F238E27FC236}">
+                <a16:creationId xmlns:a16="http://schemas.microsoft.com/office/drawing/2014/main" id="{29589A9B-1DF3-0296-0748-B2291750D87F}"/>
+              </a:ext>
+            </a:extLst>
+          </p:cNvPr>
+          <p:cNvSpPr/>
+          <p:nvPr/>
+        </p:nvSpPr>
+        <p:spPr>
+          <a:xfrm>
+            <a:off x="2449902" y="4364966"/>
+            <a:ext cx="2070340" cy="1492370"/>
+          </a:xfrm>
+          <a:prstGeom prst="noSmoking">
+            <a:avLst/>
+          </a:prstGeom>
+        </p:spPr>
+        <p:style>
+          <a:lnRef idx="2">
+            <a:schemeClr val="accent1">
+              <a:shade val="50000"/>
+            </a:schemeClr>
+          </a:lnRef>
+          <a:fillRef idx="1">
+            <a:schemeClr val="accent1"/>
+          </a:fillRef>
+          <a:effectRef idx="0">
+            <a:schemeClr val="accent1"/>
+          </a:effectRef>
+          <a:fontRef idx="minor">
+            <a:schemeClr val="lt1"/>
+          </a:fontRef>
+        </p:style>
+        <p:txBody>
+          <a:bodyPr rtlCol="0" anchor="ctr"/>
+          <a:lstStyle/>
+          <a:p>
+            <a:pPr algn="ctr"/>
+            <a:r>
+              <a:rPr lang="en-US" altLang="ko-KR" dirty="0">
+                <a:solidFill>
+                  <a:schemeClr val="tx1"/>
+                </a:solidFill>
+              </a:rPr>
+              <a:t>EEE</a:t>
+            </a:r>
+            <a:endParaRPr lang="ko-KR" altLang="en-US" dirty="0">
+              <a:solidFill>
+                <a:schemeClr val="tx1"/>
+              </a:solidFill>
+            </a:endParaRPr>
           </a:p>
         </p:txBody>
       </p:sp>

--- a/DsDotNet/src/Model/Import/Model.Import.Office/sample/ds.pptx
+++ b/DsDotNet/src/Model/Import/Model.Import.Office/sample/ds.pptx
@@ -4014,7 +4014,7 @@
           </a:prstGeom>
           <a:ln>
             <a:prstDash val="solid"/>
-            <a:headEnd type="oval" w="med" len="med"/>
+            <a:headEnd type="none" w="med" len="med"/>
             <a:tailEnd type="triangle" w="med" len="med"/>
           </a:ln>
         </p:spPr>
@@ -4257,6 +4257,108 @@
           </a:p>
         </p:txBody>
       </p:sp>
+      <p:sp>
+        <p:nvSpPr>
+          <p:cNvPr id="3" name="직사각형 2">
+            <a:extLst>
+              <a:ext uri="{FF2B5EF4-FFF2-40B4-BE49-F238E27FC236}">
+                <a16:creationId xmlns:a16="http://schemas.microsoft.com/office/drawing/2014/main" id="{9C067513-F1C4-F44A-8026-892413CE99CD}"/>
+              </a:ext>
+            </a:extLst>
+          </p:cNvPr>
+          <p:cNvSpPr/>
+          <p:nvPr/>
+        </p:nvSpPr>
+        <p:spPr>
+          <a:xfrm>
+            <a:off x="1774837" y="3317055"/>
+            <a:ext cx="759613" cy="223889"/>
+          </a:xfrm>
+          <a:prstGeom prst="rect">
+            <a:avLst/>
+          </a:prstGeom>
+          <a:solidFill>
+            <a:schemeClr val="accent5">
+              <a:lumMod val="25000"/>
+            </a:schemeClr>
+          </a:solidFill>
+        </p:spPr>
+        <p:style>
+          <a:lnRef idx="2">
+            <a:schemeClr val="accent1">
+              <a:shade val="50000"/>
+            </a:schemeClr>
+          </a:lnRef>
+          <a:fillRef idx="1">
+            <a:schemeClr val="accent1"/>
+          </a:fillRef>
+          <a:effectRef idx="0">
+            <a:schemeClr val="accent1"/>
+          </a:effectRef>
+          <a:fontRef idx="minor">
+            <a:schemeClr val="lt1"/>
+          </a:fontRef>
+        </p:style>
+        <p:txBody>
+          <a:bodyPr rtlCol="0" anchor="ctr"/>
+          <a:lstStyle/>
+          <a:p>
+            <a:pPr algn="ctr"/>
+            <a:r>
+              <a:rPr lang="en-US" altLang="ko-KR" sz="1100" dirty="0"/>
+              <a:t>A</a:t>
+            </a:r>
+            <a:endParaRPr lang="ko-KR" altLang="en-US" sz="1200" dirty="0"/>
+          </a:p>
+        </p:txBody>
+      </p:sp>
+      <p:cxnSp>
+        <p:nvCxnSpPr>
+          <p:cNvPr id="12" name="연결선: 꺾임 11">
+            <a:extLst>
+              <a:ext uri="{FF2B5EF4-FFF2-40B4-BE49-F238E27FC236}">
+                <a16:creationId xmlns:a16="http://schemas.microsoft.com/office/drawing/2014/main" id="{0F3B2FC6-A0B0-2770-009F-84229B08A7AC}"/>
+              </a:ext>
+            </a:extLst>
+          </p:cNvPr>
+          <p:cNvCxnSpPr>
+            <a:cxnSpLocks/>
+            <a:stCxn id="3" idx="0"/>
+            <a:endCxn id="8" idx="0"/>
+          </p:cNvCxnSpPr>
+          <p:nvPr/>
+        </p:nvCxnSpPr>
+        <p:spPr>
+          <a:xfrm rot="5400000" flipH="1" flipV="1">
+            <a:off x="4430358" y="577205"/>
+            <a:ext cx="464137" cy="5015565"/>
+          </a:xfrm>
+          <a:prstGeom prst="bentConnector3">
+            <a:avLst>
+              <a:gd name="adj1" fmla="val 149253"/>
+            </a:avLst>
+          </a:prstGeom>
+          <a:ln>
+            <a:prstDash val="solid"/>
+            <a:headEnd type="none" w="med" len="med"/>
+            <a:tailEnd type="triangle" w="med" len="med"/>
+          </a:ln>
+        </p:spPr>
+        <p:style>
+          <a:lnRef idx="1">
+            <a:schemeClr val="accent1"/>
+          </a:lnRef>
+          <a:fillRef idx="0">
+            <a:schemeClr val="accent1"/>
+          </a:fillRef>
+          <a:effectRef idx="0">
+            <a:schemeClr val="accent1"/>
+          </a:effectRef>
+          <a:fontRef idx="minor">
+            <a:schemeClr val="tx1"/>
+          </a:fontRef>
+        </p:style>
+      </p:cxnSp>
     </p:spTree>
     <p:extLst>
       <p:ext uri="{BB962C8B-B14F-4D97-AF65-F5344CB8AC3E}">

--- a/DsDotNet/src/Model/Import/Model.Import.Office/sample/ds.pptx
+++ b/DsDotNet/src/Model/Import/Model.Import.Office/sample/ds.pptx
@@ -206,7 +206,7 @@
           <a:p>
             <a:fld id="{2B89E2EC-FE27-4C5F-972C-0BECC28DD028}" type="datetimeFigureOut">
               <a:rPr lang="ko-KR" altLang="en-US" smtClean="0"/>
-              <a:t>2022-10-19</a:t>
+              <a:t>2022-10-20</a:t>
             </a:fld>
             <a:endParaRPr lang="ko-KR" altLang="en-US"/>
           </a:p>
@@ -620,7 +620,7 @@
           <a:p>
             <a:fld id="{74A2778E-F063-4908-8427-F8B35A4747CF}" type="datetimeFigureOut">
               <a:rPr lang="ko-KR" altLang="en-US" smtClean="0"/>
-              <a:t>2022-10-19</a:t>
+              <a:t>2022-10-20</a:t>
             </a:fld>
             <a:endParaRPr lang="ko-KR" altLang="en-US"/>
           </a:p>
@@ -818,7 +818,7 @@
           <a:p>
             <a:fld id="{74A2778E-F063-4908-8427-F8B35A4747CF}" type="datetimeFigureOut">
               <a:rPr lang="ko-KR" altLang="en-US" smtClean="0"/>
-              <a:t>2022-10-19</a:t>
+              <a:t>2022-10-20</a:t>
             </a:fld>
             <a:endParaRPr lang="ko-KR" altLang="en-US"/>
           </a:p>
@@ -1026,7 +1026,7 @@
           <a:p>
             <a:fld id="{74A2778E-F063-4908-8427-F8B35A4747CF}" type="datetimeFigureOut">
               <a:rPr lang="ko-KR" altLang="en-US" smtClean="0"/>
-              <a:t>2022-10-19</a:t>
+              <a:t>2022-10-20</a:t>
             </a:fld>
             <a:endParaRPr lang="ko-KR" altLang="en-US"/>
           </a:p>
@@ -1224,7 +1224,7 @@
           <a:p>
             <a:fld id="{74A2778E-F063-4908-8427-F8B35A4747CF}" type="datetimeFigureOut">
               <a:rPr lang="ko-KR" altLang="en-US" smtClean="0"/>
-              <a:t>2022-10-19</a:t>
+              <a:t>2022-10-20</a:t>
             </a:fld>
             <a:endParaRPr lang="ko-KR" altLang="en-US"/>
           </a:p>
@@ -1499,7 +1499,7 @@
           <a:p>
             <a:fld id="{74A2778E-F063-4908-8427-F8B35A4747CF}" type="datetimeFigureOut">
               <a:rPr lang="ko-KR" altLang="en-US" smtClean="0"/>
-              <a:t>2022-10-19</a:t>
+              <a:t>2022-10-20</a:t>
             </a:fld>
             <a:endParaRPr lang="ko-KR" altLang="en-US"/>
           </a:p>
@@ -1764,7 +1764,7 @@
           <a:p>
             <a:fld id="{74A2778E-F063-4908-8427-F8B35A4747CF}" type="datetimeFigureOut">
               <a:rPr lang="ko-KR" altLang="en-US" smtClean="0"/>
-              <a:t>2022-10-19</a:t>
+              <a:t>2022-10-20</a:t>
             </a:fld>
             <a:endParaRPr lang="ko-KR" altLang="en-US"/>
           </a:p>
@@ -2176,7 +2176,7 @@
           <a:p>
             <a:fld id="{74A2778E-F063-4908-8427-F8B35A4747CF}" type="datetimeFigureOut">
               <a:rPr lang="ko-KR" altLang="en-US" smtClean="0"/>
-              <a:t>2022-10-19</a:t>
+              <a:t>2022-10-20</a:t>
             </a:fld>
             <a:endParaRPr lang="ko-KR" altLang="en-US"/>
           </a:p>
@@ -2317,7 +2317,7 @@
           <a:p>
             <a:fld id="{74A2778E-F063-4908-8427-F8B35A4747CF}" type="datetimeFigureOut">
               <a:rPr lang="ko-KR" altLang="en-US" smtClean="0"/>
-              <a:t>2022-10-19</a:t>
+              <a:t>2022-10-20</a:t>
             </a:fld>
             <a:endParaRPr lang="ko-KR" altLang="en-US"/>
           </a:p>
@@ -2430,7 +2430,7 @@
           <a:p>
             <a:fld id="{74A2778E-F063-4908-8427-F8B35A4747CF}" type="datetimeFigureOut">
               <a:rPr lang="ko-KR" altLang="en-US" smtClean="0"/>
-              <a:t>2022-10-19</a:t>
+              <a:t>2022-10-20</a:t>
             </a:fld>
             <a:endParaRPr lang="ko-KR" altLang="en-US"/>
           </a:p>
@@ -2741,7 +2741,7 @@
           <a:p>
             <a:fld id="{74A2778E-F063-4908-8427-F8B35A4747CF}" type="datetimeFigureOut">
               <a:rPr lang="ko-KR" altLang="en-US" smtClean="0"/>
-              <a:t>2022-10-19</a:t>
+              <a:t>2022-10-20</a:t>
             </a:fld>
             <a:endParaRPr lang="ko-KR" altLang="en-US"/>
           </a:p>
@@ -3029,7 +3029,7 @@
           <a:p>
             <a:fld id="{74A2778E-F063-4908-8427-F8B35A4747CF}" type="datetimeFigureOut">
               <a:rPr lang="ko-KR" altLang="en-US" smtClean="0"/>
-              <a:t>2022-10-19</a:t>
+              <a:t>2022-10-20</a:t>
             </a:fld>
             <a:endParaRPr lang="ko-KR" altLang="en-US"/>
           </a:p>
@@ -3270,7 +3270,7 @@
           <a:p>
             <a:fld id="{74A2778E-F063-4908-8427-F8B35A4747CF}" type="datetimeFigureOut">
               <a:rPr lang="ko-KR" altLang="en-US" smtClean="0"/>
-              <a:t>2022-10-19</a:t>
+              <a:t>2022-10-20</a:t>
             </a:fld>
             <a:endParaRPr lang="ko-KR" altLang="en-US"/>
           </a:p>
@@ -3671,7 +3671,7 @@
 </file>
 
 <file path=ppt/slides/slide1.xml><?xml version="1.0" encoding="utf-8"?>
-<p:sld xmlns:a="http://schemas.openxmlformats.org/drawingml/2006/main" xmlns:r="http://schemas.openxmlformats.org/officeDocument/2006/relationships" xmlns:p="http://schemas.openxmlformats.org/presentationml/2006/main">
+<p:sld xmlns:a="http://schemas.openxmlformats.org/drawingml/2006/main" xmlns:r="http://schemas.openxmlformats.org/officeDocument/2006/relationships" xmlns:p="http://schemas.openxmlformats.org/presentationml/2006/main" show="0">
   <p:cSld>
     <p:spTree>
       <p:nvGrpSpPr>
@@ -4272,7 +4272,7 @@
         <p:spPr>
           <a:xfrm>
             <a:off x="1774837" y="3317055"/>
-            <a:ext cx="759613" cy="223889"/>
+            <a:ext cx="2070340" cy="849503"/>
           </a:xfrm>
           <a:prstGeom prst="rect">
             <a:avLst/>
@@ -4330,8 +4330,8 @@
         </p:nvCxnSpPr>
         <p:spPr>
           <a:xfrm rot="5400000" flipH="1" flipV="1">
-            <a:off x="4430358" y="577205"/>
-            <a:ext cx="464137" cy="5015565"/>
+            <a:off x="4758040" y="904886"/>
+            <a:ext cx="464137" cy="4360202"/>
           </a:xfrm>
           <a:prstGeom prst="bentConnector3">
             <a:avLst>
@@ -11654,174 +11654,6 @@
       </p:cxnSp>
       <p:sp>
         <p:nvSpPr>
-          <p:cNvPr id="8" name="직사각형 7">
-            <a:extLst>
-              <a:ext uri="{FF2B5EF4-FFF2-40B4-BE49-F238E27FC236}">
-                <a16:creationId xmlns:a16="http://schemas.microsoft.com/office/drawing/2014/main" id="{589B3083-9267-376F-485D-0E44F0425077}"/>
-              </a:ext>
-            </a:extLst>
-          </p:cNvPr>
-          <p:cNvSpPr/>
-          <p:nvPr/>
-        </p:nvSpPr>
-        <p:spPr bwMode="auto">
-          <a:xfrm>
-            <a:off x="7780050" y="4569980"/>
-            <a:ext cx="2305242" cy="853766"/>
-          </a:xfrm>
-          <a:prstGeom prst="rect">
-            <a:avLst/>
-          </a:prstGeom>
-          <a:noFill/>
-          <a:ln>
-            <a:headEnd type="none" w="med" len="med"/>
-            <a:tailEnd type="none" w="med" len="med"/>
-          </a:ln>
-        </p:spPr>
-        <p:style>
-          <a:lnRef idx="2">
-            <a:schemeClr val="dk1"/>
-          </a:lnRef>
-          <a:fillRef idx="1">
-            <a:schemeClr val="lt1"/>
-          </a:fillRef>
-          <a:effectRef idx="0">
-            <a:schemeClr val="dk1"/>
-          </a:effectRef>
-          <a:fontRef idx="minor">
-            <a:schemeClr val="dk1"/>
-          </a:fontRef>
-        </p:style>
-        <p:txBody>
-          <a:bodyPr vert="horz" wrap="none" lIns="74295" tIns="37148" rIns="74295" bIns="37148" numCol="1" rtlCol="0" anchor="t" anchorCtr="0" compatLnSpc="1">
-            <a:prstTxWarp prst="textNoShape">
-              <a:avLst/>
-            </a:prstTxWarp>
-          </a:bodyPr>
-          <a:lstStyle/>
-          <a:p>
-            <a:pPr algn="ctr"/>
-            <a:r>
-              <a:rPr lang="en-US" altLang="ko-KR" sz="900" dirty="0"/>
-              <a:t>A </a:t>
-            </a:r>
-            <a:r>
-              <a:rPr lang="ko-KR" altLang="en-US" sz="900" dirty="0" err="1"/>
-              <a:t>ㅁㅁㅁ</a:t>
-            </a:r>
-            <a:endParaRPr lang="ko-KR" altLang="en-US" sz="900" dirty="0">
-              <a:ea typeface="현대하모니 M" panose="02020603020101020101"/>
-            </a:endParaRPr>
-          </a:p>
-        </p:txBody>
-      </p:sp>
-      <p:sp>
-        <p:nvSpPr>
-          <p:cNvPr id="9" name="직사각형 8">
-            <a:extLst>
-              <a:ext uri="{FF2B5EF4-FFF2-40B4-BE49-F238E27FC236}">
-                <a16:creationId xmlns:a16="http://schemas.microsoft.com/office/drawing/2014/main" id="{5772A739-4A34-5CA7-ADA4-F3C1DA795017}"/>
-              </a:ext>
-            </a:extLst>
-          </p:cNvPr>
-          <p:cNvSpPr/>
-          <p:nvPr/>
-        </p:nvSpPr>
-        <p:spPr bwMode="auto">
-          <a:xfrm>
-            <a:off x="7098732" y="5631753"/>
-            <a:ext cx="2305242" cy="853766"/>
-          </a:xfrm>
-          <a:prstGeom prst="rect">
-            <a:avLst/>
-          </a:prstGeom>
-          <a:noFill/>
-          <a:ln>
-            <a:headEnd type="none" w="med" len="med"/>
-            <a:tailEnd type="none" w="med" len="med"/>
-          </a:ln>
-        </p:spPr>
-        <p:style>
-          <a:lnRef idx="2">
-            <a:schemeClr val="dk1"/>
-          </a:lnRef>
-          <a:fillRef idx="1">
-            <a:schemeClr val="lt1"/>
-          </a:fillRef>
-          <a:effectRef idx="0">
-            <a:schemeClr val="dk1"/>
-          </a:effectRef>
-          <a:fontRef idx="minor">
-            <a:schemeClr val="dk1"/>
-          </a:fontRef>
-        </p:style>
-        <p:txBody>
-          <a:bodyPr vert="horz" wrap="none" lIns="74295" tIns="37148" rIns="74295" bIns="37148" numCol="1" rtlCol="0" anchor="t" anchorCtr="0" compatLnSpc="1">
-            <a:prstTxWarp prst="textNoShape">
-              <a:avLst/>
-            </a:prstTxWarp>
-          </a:bodyPr>
-          <a:lstStyle/>
-          <a:p>
-            <a:pPr algn="ctr"/>
-            <a:r>
-              <a:rPr lang="en-US" altLang="ko-KR" sz="900" dirty="0">
-                <a:ea typeface="현대하모니 M" panose="02020603020101020101"/>
-              </a:rPr>
-              <a:t>R1</a:t>
-            </a:r>
-            <a:endParaRPr lang="ko-KR" altLang="en-US" sz="900" dirty="0">
-              <a:ea typeface="현대하모니 M" panose="02020603020101020101"/>
-            </a:endParaRPr>
-          </a:p>
-        </p:txBody>
-      </p:sp>
-      <p:cxnSp>
-        <p:nvCxnSpPr>
-          <p:cNvPr id="14" name="직선 화살표 연결선 13">
-            <a:extLst>
-              <a:ext uri="{FF2B5EF4-FFF2-40B4-BE49-F238E27FC236}">
-                <a16:creationId xmlns:a16="http://schemas.microsoft.com/office/drawing/2014/main" id="{9D4A5FE2-1239-26A1-91C2-8CA79A49EDB4}"/>
-              </a:ext>
-            </a:extLst>
-          </p:cNvPr>
-          <p:cNvCxnSpPr>
-            <a:cxnSpLocks/>
-            <a:stCxn id="9" idx="0"/>
-            <a:endCxn id="8" idx="2"/>
-          </p:cNvCxnSpPr>
-          <p:nvPr/>
-        </p:nvCxnSpPr>
-        <p:spPr>
-          <a:xfrm flipV="1">
-            <a:off x="8251353" y="5423746"/>
-            <a:ext cx="681318" cy="208007"/>
-          </a:xfrm>
-          <a:prstGeom prst="straightConnector1">
-            <a:avLst/>
-          </a:prstGeom>
-          <a:ln>
-            <a:headEnd type="diamond" w="med" len="med"/>
-            <a:tailEnd type="triangle" w="med" len="med"/>
-          </a:ln>
-        </p:spPr>
-        <p:style>
-          <a:lnRef idx="1">
-            <a:schemeClr val="accent1"/>
-          </a:lnRef>
-          <a:fillRef idx="0">
-            <a:schemeClr val="accent1"/>
-          </a:fillRef>
-          <a:effectRef idx="0">
-            <a:schemeClr val="accent1"/>
-          </a:effectRef>
-          <a:fontRef idx="minor">
-            <a:schemeClr val="tx1"/>
-          </a:fontRef>
-        </p:style>
-      </p:cxnSp>
-      <p:sp>
-        <p:nvSpPr>
           <p:cNvPr id="6" name="&quot;허용 안 됨&quot; 기호 5">
             <a:extLst>
               <a:ext uri="{FF2B5EF4-FFF2-40B4-BE49-F238E27FC236}">
@@ -11878,6 +11710,108 @@
           </a:p>
         </p:txBody>
       </p:sp>
+      <p:sp>
+        <p:nvSpPr>
+          <p:cNvPr id="15" name="순서도: 대체 처리 14">
+            <a:extLst>
+              <a:ext uri="{FF2B5EF4-FFF2-40B4-BE49-F238E27FC236}">
+                <a16:creationId xmlns:a16="http://schemas.microsoft.com/office/drawing/2014/main" id="{1CE51D4B-F3B3-99A3-304D-1EEB9DFF892D}"/>
+              </a:ext>
+            </a:extLst>
+          </p:cNvPr>
+          <p:cNvSpPr/>
+          <p:nvPr/>
+        </p:nvSpPr>
+        <p:spPr bwMode="auto">
+          <a:xfrm>
+            <a:off x="9044074" y="1176036"/>
+            <a:ext cx="1429500" cy="168372"/>
+          </a:xfrm>
+          <a:prstGeom prst="flowChartAlternateProcess">
+            <a:avLst/>
+          </a:prstGeom>
+          <a:solidFill>
+            <a:schemeClr val="accent2"/>
+          </a:solidFill>
+          <a:ln w="22225" cap="flat" cmpd="sng" algn="ctr">
+            <a:solidFill>
+              <a:schemeClr val="tx1"/>
+            </a:solidFill>
+            <a:prstDash val="solid"/>
+            <a:round/>
+            <a:headEnd type="none" w="med" len="med"/>
+            <a:tailEnd type="none" w="med" len="med"/>
+          </a:ln>
+          <a:effectLst/>
+        </p:spPr>
+        <p:txBody>
+          <a:bodyPr vert="horz" wrap="none" lIns="74295" tIns="37148" rIns="74295" bIns="37148" numCol="1" rtlCol="0" anchor="ctr" anchorCtr="0" compatLnSpc="1">
+            <a:prstTxWarp prst="textNoShape">
+              <a:avLst/>
+            </a:prstTxWarp>
+          </a:bodyPr>
+          <a:lstStyle/>
+          <a:p>
+            <a:pPr algn="ctr"/>
+            <a:r>
+              <a:rPr lang="en-US" altLang="ko-KR" sz="900" dirty="0" err="1"/>
+              <a:t>REINF_Shift.RET</a:t>
+            </a:r>
+            <a:endParaRPr lang="ko-KR" altLang="en-US" sz="900" dirty="0"/>
+          </a:p>
+        </p:txBody>
+      </p:sp>
+      <p:sp>
+        <p:nvSpPr>
+          <p:cNvPr id="19" name="순서도: 대체 처리 18">
+            <a:extLst>
+              <a:ext uri="{FF2B5EF4-FFF2-40B4-BE49-F238E27FC236}">
+                <a16:creationId xmlns:a16="http://schemas.microsoft.com/office/drawing/2014/main" id="{76E81E7B-6735-0F2C-BE14-EE0B6A7EC282}"/>
+              </a:ext>
+            </a:extLst>
+          </p:cNvPr>
+          <p:cNvSpPr/>
+          <p:nvPr/>
+        </p:nvSpPr>
+        <p:spPr bwMode="auto">
+          <a:xfrm>
+            <a:off x="8851417" y="2321510"/>
+            <a:ext cx="1429500" cy="168372"/>
+          </a:xfrm>
+          <a:prstGeom prst="flowChartAlternateProcess">
+            <a:avLst/>
+          </a:prstGeom>
+          <a:solidFill>
+            <a:schemeClr val="accent2"/>
+          </a:solidFill>
+          <a:ln w="22225" cap="flat" cmpd="sng" algn="ctr">
+            <a:solidFill>
+              <a:schemeClr val="tx1"/>
+            </a:solidFill>
+            <a:prstDash val="solid"/>
+            <a:round/>
+            <a:headEnd type="none" w="med" len="med"/>
+            <a:tailEnd type="none" w="med" len="med"/>
+          </a:ln>
+          <a:effectLst/>
+        </p:spPr>
+        <p:txBody>
+          <a:bodyPr vert="horz" wrap="none" lIns="74295" tIns="37148" rIns="74295" bIns="37148" numCol="1" rtlCol="0" anchor="ctr" anchorCtr="0" compatLnSpc="1">
+            <a:prstTxWarp prst="textNoShape">
+              <a:avLst/>
+            </a:prstTxWarp>
+          </a:bodyPr>
+          <a:lstStyle/>
+          <a:p>
+            <a:pPr algn="ctr"/>
+            <a:r>
+              <a:rPr lang="en-US" altLang="ko-KR" sz="900" dirty="0" err="1"/>
+              <a:t>REINF_Shift.RET</a:t>
+            </a:r>
+            <a:endParaRPr lang="ko-KR" altLang="en-US" sz="900" dirty="0"/>
+          </a:p>
+        </p:txBody>
+      </p:sp>
     </p:spTree>
     <p:extLst>
       <p:ext uri="{BB962C8B-B14F-4D97-AF65-F5344CB8AC3E}">
@@ -11892,7 +11826,7 @@
 </file>
 
 <file path=ppt/slides/slide3.xml><?xml version="1.0" encoding="utf-8"?>
-<p:sld xmlns:a="http://schemas.openxmlformats.org/drawingml/2006/main" xmlns:r="http://schemas.openxmlformats.org/officeDocument/2006/relationships" xmlns:p="http://schemas.openxmlformats.org/presentationml/2006/main">
+<p:sld xmlns:a="http://schemas.openxmlformats.org/drawingml/2006/main" xmlns:r="http://schemas.openxmlformats.org/officeDocument/2006/relationships" xmlns:p="http://schemas.openxmlformats.org/presentationml/2006/main" show="0">
   <p:cSld>
     <p:spTree>
       <p:nvGrpSpPr>
@@ -17320,7 +17254,7 @@
 </file>
 
 <file path=ppt/slides/slide4.xml><?xml version="1.0" encoding="utf-8"?>
-<p:sld xmlns:a="http://schemas.openxmlformats.org/drawingml/2006/main" xmlns:r="http://schemas.openxmlformats.org/officeDocument/2006/relationships" xmlns:p="http://schemas.openxmlformats.org/presentationml/2006/main">
+<p:sld xmlns:a="http://schemas.openxmlformats.org/drawingml/2006/main" xmlns:r="http://schemas.openxmlformats.org/officeDocument/2006/relationships" xmlns:p="http://schemas.openxmlformats.org/presentationml/2006/main" show="0">
   <p:cSld>
     <p:spTree>
       <p:nvGrpSpPr>
@@ -20204,7 +20138,7 @@
 </file>
 
 <file path=ppt/slides/slide5.xml><?xml version="1.0" encoding="utf-8"?>
-<p:sld xmlns:a="http://schemas.openxmlformats.org/drawingml/2006/main" xmlns:r="http://schemas.openxmlformats.org/officeDocument/2006/relationships" xmlns:p="http://schemas.openxmlformats.org/presentationml/2006/main">
+<p:sld xmlns:a="http://schemas.openxmlformats.org/drawingml/2006/main" xmlns:r="http://schemas.openxmlformats.org/officeDocument/2006/relationships" xmlns:p="http://schemas.openxmlformats.org/presentationml/2006/main" show="0">
   <p:cSld>
     <p:spTree>
       <p:nvGrpSpPr>

--- a/DsDotNet/src/Model/Import/Model.Import.Office/sample/ds.pptx
+++ b/DsDotNet/src/Model/Import/Model.Import.Office/sample/ds.pptx
@@ -4416,9 +4416,7 @@
             </a:schemeClr>
           </a:solidFill>
           <a:ln>
-            <a:solidFill>
-              <a:schemeClr val="tx1"/>
-            </a:solidFill>
+            <a:noFill/>
           </a:ln>
         </p:spPr>
         <p:style>
@@ -4491,9 +4489,7 @@
             </a:schemeClr>
           </a:solidFill>
           <a:ln>
-            <a:solidFill>
-              <a:schemeClr val="tx1"/>
-            </a:solidFill>
+            <a:noFill/>
           </a:ln>
         </p:spPr>
         <p:style>
@@ -4566,9 +4562,7 @@
             </a:schemeClr>
           </a:solidFill>
           <a:ln>
-            <a:solidFill>
-              <a:schemeClr val="tx1"/>
-            </a:solidFill>
+            <a:noFill/>
           </a:ln>
         </p:spPr>
         <p:style>
@@ -4633,9 +4627,7 @@
             </a:schemeClr>
           </a:solidFill>
           <a:ln>
-            <a:solidFill>
-              <a:schemeClr val="tx1"/>
-            </a:solidFill>
+            <a:noFill/>
           </a:ln>
         </p:spPr>
         <p:style>
@@ -4708,9 +4700,7 @@
             </a:schemeClr>
           </a:solidFill>
           <a:ln>
-            <a:solidFill>
-              <a:schemeClr val="tx1"/>
-            </a:solidFill>
+            <a:noFill/>
           </a:ln>
         </p:spPr>
         <p:style>
@@ -4783,9 +4773,7 @@
             </a:schemeClr>
           </a:solidFill>
           <a:ln>
-            <a:solidFill>
-              <a:schemeClr val="tx1"/>
-            </a:solidFill>
+            <a:noFill/>
           </a:ln>
         </p:spPr>
         <p:style>
@@ -4858,9 +4846,7 @@
             </a:schemeClr>
           </a:solidFill>
           <a:ln>
-            <a:solidFill>
-              <a:schemeClr val="tx1"/>
-            </a:solidFill>
+            <a:noFill/>
           </a:ln>
         </p:spPr>
         <p:style>
@@ -4925,9 +4911,7 @@
             </a:schemeClr>
           </a:solidFill>
           <a:ln>
-            <a:solidFill>
-              <a:schemeClr val="tx1"/>
-            </a:solidFill>
+            <a:noFill/>
           </a:ln>
         </p:spPr>
         <p:style>
@@ -4992,9 +4976,7 @@
             </a:schemeClr>
           </a:solidFill>
           <a:ln>
-            <a:solidFill>
-              <a:schemeClr val="tx1"/>
-            </a:solidFill>
+            <a:noFill/>
           </a:ln>
         </p:spPr>
         <p:style>
@@ -5075,9 +5057,7 @@
             </a:schemeClr>
           </a:solidFill>
           <a:ln>
-            <a:solidFill>
-              <a:schemeClr val="tx1"/>
-            </a:solidFill>
+            <a:noFill/>
           </a:ln>
         </p:spPr>
         <p:style>
@@ -5158,9 +5138,7 @@
             </a:schemeClr>
           </a:solidFill>
           <a:ln>
-            <a:solidFill>
-              <a:schemeClr val="tx1"/>
-            </a:solidFill>
+            <a:noFill/>
           </a:ln>
         </p:spPr>
         <p:style>
@@ -5241,9 +5219,7 @@
             </a:schemeClr>
           </a:solidFill>
           <a:ln>
-            <a:solidFill>
-              <a:schemeClr val="tx1"/>
-            </a:solidFill>
+            <a:noFill/>
           </a:ln>
         </p:spPr>
         <p:style>
@@ -5324,9 +5300,7 @@
             </a:schemeClr>
           </a:solidFill>
           <a:ln>
-            <a:solidFill>
-              <a:schemeClr val="tx1"/>
-            </a:solidFill>
+            <a:noFill/>
           </a:ln>
         </p:spPr>
         <p:style>
@@ -5407,9 +5381,7 @@
             </a:schemeClr>
           </a:solidFill>
           <a:ln>
-            <a:solidFill>
-              <a:schemeClr val="tx1"/>
-            </a:solidFill>
+            <a:noFill/>
           </a:ln>
         </p:spPr>
         <p:style>
@@ -5490,9 +5462,7 @@
             </a:schemeClr>
           </a:solidFill>
           <a:ln>
-            <a:solidFill>
-              <a:schemeClr val="tx1"/>
-            </a:solidFill>
+            <a:noFill/>
           </a:ln>
         </p:spPr>
         <p:style>
@@ -5573,9 +5543,7 @@
             </a:schemeClr>
           </a:solidFill>
           <a:ln>
-            <a:solidFill>
-              <a:schemeClr val="tx1"/>
-            </a:solidFill>
+            <a:noFill/>
           </a:ln>
         </p:spPr>
         <p:style>
@@ -5656,9 +5624,7 @@
             </a:schemeClr>
           </a:solidFill>
           <a:ln>
-            <a:solidFill>
-              <a:schemeClr val="tx1"/>
-            </a:solidFill>
+            <a:noFill/>
           </a:ln>
         </p:spPr>
         <p:style>
@@ -5739,9 +5705,7 @@
             </a:schemeClr>
           </a:solidFill>
           <a:ln>
-            <a:solidFill>
-              <a:schemeClr val="tx1"/>
-            </a:solidFill>
+            <a:noFill/>
           </a:ln>
         </p:spPr>
         <p:style>
@@ -5822,9 +5786,7 @@
             </a:schemeClr>
           </a:solidFill>
           <a:ln>
-            <a:solidFill>
-              <a:schemeClr val="tx1"/>
-            </a:solidFill>
+            <a:noFill/>
           </a:ln>
         </p:spPr>
         <p:style>
@@ -5905,9 +5867,7 @@
             </a:schemeClr>
           </a:solidFill>
           <a:ln>
-            <a:solidFill>
-              <a:schemeClr val="tx1"/>
-            </a:solidFill>
+            <a:noFill/>
           </a:ln>
         </p:spPr>
         <p:style>
@@ -5988,9 +5948,7 @@
             </a:schemeClr>
           </a:solidFill>
           <a:ln>
-            <a:solidFill>
-              <a:schemeClr val="tx1"/>
-            </a:solidFill>
+            <a:noFill/>
           </a:ln>
         </p:spPr>
         <p:style>
@@ -6071,9 +6029,7 @@
             </a:schemeClr>
           </a:solidFill>
           <a:ln>
-            <a:solidFill>
-              <a:schemeClr val="tx1"/>
-            </a:solidFill>
+            <a:noFill/>
           </a:ln>
         </p:spPr>
         <p:style>
@@ -6154,9 +6110,7 @@
             </a:schemeClr>
           </a:solidFill>
           <a:ln>
-            <a:solidFill>
-              <a:schemeClr val="tx1"/>
-            </a:solidFill>
+            <a:noFill/>
           </a:ln>
         </p:spPr>
         <p:style>
@@ -6237,9 +6191,7 @@
             </a:schemeClr>
           </a:solidFill>
           <a:ln>
-            <a:solidFill>
-              <a:schemeClr val="tx1"/>
-            </a:solidFill>
+            <a:noFill/>
           </a:ln>
         </p:spPr>
         <p:style>
@@ -6320,9 +6272,7 @@
             </a:schemeClr>
           </a:solidFill>
           <a:ln>
-            <a:solidFill>
-              <a:schemeClr val="tx1"/>
-            </a:solidFill>
+            <a:noFill/>
           </a:ln>
         </p:spPr>
         <p:style>
@@ -6395,9 +6345,7 @@
             </a:schemeClr>
           </a:solidFill>
           <a:ln>
-            <a:solidFill>
-              <a:schemeClr val="tx1"/>
-            </a:solidFill>
+            <a:noFill/>
           </a:ln>
         </p:spPr>
         <p:style>
@@ -6470,9 +6418,7 @@
             </a:schemeClr>
           </a:solidFill>
           <a:ln>
-            <a:solidFill>
-              <a:schemeClr val="tx1"/>
-            </a:solidFill>
+            <a:noFill/>
           </a:ln>
         </p:spPr>
         <p:style>
@@ -6545,9 +6491,7 @@
             </a:schemeClr>
           </a:solidFill>
           <a:ln>
-            <a:solidFill>
-              <a:schemeClr val="tx1"/>
-            </a:solidFill>
+            <a:noFill/>
           </a:ln>
         </p:spPr>
         <p:style>
@@ -6620,9 +6564,7 @@
             </a:schemeClr>
           </a:solidFill>
           <a:ln>
-            <a:solidFill>
-              <a:schemeClr val="tx1"/>
-            </a:solidFill>
+            <a:noFill/>
           </a:ln>
         </p:spPr>
         <p:style>
@@ -6695,9 +6637,7 @@
             </a:schemeClr>
           </a:solidFill>
           <a:ln>
-            <a:solidFill>
-              <a:schemeClr val="tx1"/>
-            </a:solidFill>
+            <a:noFill/>
           </a:ln>
         </p:spPr>
         <p:style>
@@ -6770,9 +6710,7 @@
             </a:schemeClr>
           </a:solidFill>
           <a:ln>
-            <a:solidFill>
-              <a:schemeClr val="tx1"/>
-            </a:solidFill>
+            <a:noFill/>
           </a:ln>
         </p:spPr>
         <p:style>
@@ -6845,9 +6783,7 @@
             </a:schemeClr>
           </a:solidFill>
           <a:ln>
-            <a:solidFill>
-              <a:schemeClr val="tx1"/>
-            </a:solidFill>
+            <a:noFill/>
           </a:ln>
         </p:spPr>
         <p:style>
@@ -6928,9 +6864,7 @@
             </a:schemeClr>
           </a:solidFill>
           <a:ln>
-            <a:solidFill>
-              <a:schemeClr val="tx1"/>
-            </a:solidFill>
+            <a:noFill/>
           </a:ln>
         </p:spPr>
         <p:style>
@@ -7011,9 +6945,7 @@
             </a:schemeClr>
           </a:solidFill>
           <a:ln>
-            <a:solidFill>
-              <a:schemeClr val="tx1"/>
-            </a:solidFill>
+            <a:noFill/>
           </a:ln>
         </p:spPr>
         <p:style>
@@ -7094,9 +7026,7 @@
             </a:schemeClr>
           </a:solidFill>
           <a:ln>
-            <a:solidFill>
-              <a:schemeClr val="tx1"/>
-            </a:solidFill>
+            <a:noFill/>
           </a:ln>
         </p:spPr>
         <p:style>
@@ -7177,9 +7107,7 @@
             </a:schemeClr>
           </a:solidFill>
           <a:ln>
-            <a:solidFill>
-              <a:schemeClr val="tx1"/>
-            </a:solidFill>
+            <a:noFill/>
           </a:ln>
         </p:spPr>
         <p:style>
@@ -7260,9 +7188,7 @@
             </a:schemeClr>
           </a:solidFill>
           <a:ln>
-            <a:solidFill>
-              <a:schemeClr val="tx1"/>
-            </a:solidFill>
+            <a:noFill/>
           </a:ln>
         </p:spPr>
         <p:style>
@@ -7343,9 +7269,7 @@
             </a:schemeClr>
           </a:solidFill>
           <a:ln>
-            <a:solidFill>
-              <a:schemeClr val="tx1"/>
-            </a:solidFill>
+            <a:noFill/>
           </a:ln>
         </p:spPr>
         <p:style>
@@ -7426,9 +7350,7 @@
             </a:schemeClr>
           </a:solidFill>
           <a:ln>
-            <a:solidFill>
-              <a:schemeClr val="tx1"/>
-            </a:solidFill>
+            <a:noFill/>
           </a:ln>
         </p:spPr>
         <p:style>
@@ -7501,9 +7423,7 @@
             </a:schemeClr>
           </a:solidFill>
           <a:ln>
-            <a:solidFill>
-              <a:schemeClr val="tx1"/>
-            </a:solidFill>
+            <a:noFill/>
           </a:ln>
         </p:spPr>
         <p:style>
@@ -7576,9 +7496,7 @@
             </a:schemeClr>
           </a:solidFill>
           <a:ln>
-            <a:solidFill>
-              <a:schemeClr val="tx1"/>
-            </a:solidFill>
+            <a:noFill/>
           </a:ln>
         </p:spPr>
         <p:style>
@@ -7651,9 +7569,7 @@
             </a:schemeClr>
           </a:solidFill>
           <a:ln>
-            <a:solidFill>
-              <a:schemeClr val="tx1"/>
-            </a:solidFill>
+            <a:noFill/>
           </a:ln>
         </p:spPr>
         <p:style>
@@ -7726,9 +7642,7 @@
             </a:schemeClr>
           </a:solidFill>
           <a:ln>
-            <a:solidFill>
-              <a:schemeClr val="tx1"/>
-            </a:solidFill>
+            <a:noFill/>
           </a:ln>
         </p:spPr>
         <p:style>
@@ -7801,9 +7715,7 @@
             </a:schemeClr>
           </a:solidFill>
           <a:ln>
-            <a:solidFill>
-              <a:schemeClr val="tx1"/>
-            </a:solidFill>
+            <a:noFill/>
           </a:ln>
         </p:spPr>
         <p:style>
@@ -7868,9 +7780,7 @@
             </a:schemeClr>
           </a:solidFill>
           <a:ln>
-            <a:solidFill>
-              <a:schemeClr val="tx1"/>
-            </a:solidFill>
+            <a:noFill/>
           </a:ln>
         </p:spPr>
         <p:style>
@@ -7943,9 +7853,7 @@
             </a:schemeClr>
           </a:solidFill>
           <a:ln>
-            <a:solidFill>
-              <a:schemeClr val="tx1"/>
-            </a:solidFill>
+            <a:noFill/>
           </a:ln>
         </p:spPr>
         <p:style>
@@ -8026,9 +7934,7 @@
             </a:schemeClr>
           </a:solidFill>
           <a:ln>
-            <a:solidFill>
-              <a:schemeClr val="tx1"/>
-            </a:solidFill>
+            <a:noFill/>
           </a:ln>
         </p:spPr>
         <p:style>
@@ -8109,9 +8015,7 @@
             </a:schemeClr>
           </a:solidFill>
           <a:ln>
-            <a:solidFill>
-              <a:schemeClr val="tx1"/>
-            </a:solidFill>
+            <a:noFill/>
           </a:ln>
         </p:spPr>
         <p:style>
@@ -8192,9 +8096,7 @@
             </a:schemeClr>
           </a:solidFill>
           <a:ln>
-            <a:solidFill>
-              <a:schemeClr val="tx1"/>
-            </a:solidFill>
+            <a:noFill/>
           </a:ln>
         </p:spPr>
         <p:style>
@@ -8275,9 +8177,7 @@
             </a:schemeClr>
           </a:solidFill>
           <a:ln>
-            <a:solidFill>
-              <a:schemeClr val="tx1"/>
-            </a:solidFill>
+            <a:noFill/>
           </a:ln>
         </p:spPr>
         <p:style>
@@ -8342,9 +8242,7 @@
             </a:schemeClr>
           </a:solidFill>
           <a:ln>
-            <a:solidFill>
-              <a:schemeClr val="tx1"/>
-            </a:solidFill>
+            <a:noFill/>
           </a:ln>
         </p:spPr>
         <p:style>
@@ -8425,9 +8323,7 @@
             </a:schemeClr>
           </a:solidFill>
           <a:ln>
-            <a:solidFill>
-              <a:schemeClr val="tx1"/>
-            </a:solidFill>
+            <a:noFill/>
           </a:ln>
         </p:spPr>
         <p:style>
@@ -8500,9 +8396,7 @@
             </a:schemeClr>
           </a:solidFill>
           <a:ln>
-            <a:solidFill>
-              <a:schemeClr val="tx1"/>
-            </a:solidFill>
+            <a:noFill/>
           </a:ln>
         </p:spPr>
         <p:style>
@@ -8583,9 +8477,7 @@
             </a:schemeClr>
           </a:solidFill>
           <a:ln>
-            <a:solidFill>
-              <a:schemeClr val="tx1"/>
-            </a:solidFill>
+            <a:noFill/>
           </a:ln>
         </p:spPr>
         <p:style>
@@ -8666,9 +8558,7 @@
             </a:schemeClr>
           </a:solidFill>
           <a:ln>
-            <a:solidFill>
-              <a:schemeClr val="tx1"/>
-            </a:solidFill>
+            <a:noFill/>
           </a:ln>
         </p:spPr>
         <p:style>
@@ -8733,9 +8623,7 @@
             </a:schemeClr>
           </a:solidFill>
           <a:ln>
-            <a:solidFill>
-              <a:schemeClr val="tx1"/>
-            </a:solidFill>
+            <a:noFill/>
           </a:ln>
         </p:spPr>
         <p:style>
@@ -8800,9 +8688,7 @@
             </a:schemeClr>
           </a:solidFill>
           <a:ln>
-            <a:solidFill>
-              <a:schemeClr val="tx1"/>
-            </a:solidFill>
+            <a:noFill/>
           </a:ln>
         </p:spPr>
         <p:style>
@@ -8867,9 +8753,7 @@
             </a:schemeClr>
           </a:solidFill>
           <a:ln>
-            <a:solidFill>
-              <a:schemeClr val="tx1"/>
-            </a:solidFill>
+            <a:noFill/>
           </a:ln>
         </p:spPr>
         <p:style>
@@ -8934,9 +8818,7 @@
             </a:schemeClr>
           </a:solidFill>
           <a:ln>
-            <a:solidFill>
-              <a:schemeClr val="tx1"/>
-            </a:solidFill>
+            <a:noFill/>
           </a:ln>
         </p:spPr>
         <p:style>
@@ -9001,9 +8883,7 @@
             </a:schemeClr>
           </a:solidFill>
           <a:ln>
-            <a:solidFill>
-              <a:schemeClr val="tx1"/>
-            </a:solidFill>
+            <a:noFill/>
           </a:ln>
         </p:spPr>
         <p:style>
@@ -9068,9 +8948,7 @@
             </a:schemeClr>
           </a:solidFill>
           <a:ln>
-            <a:solidFill>
-              <a:schemeClr val="tx1"/>
-            </a:solidFill>
+            <a:noFill/>
           </a:ln>
         </p:spPr>
         <p:style>
@@ -9135,9 +9013,7 @@
             </a:schemeClr>
           </a:solidFill>
           <a:ln>
-            <a:solidFill>
-              <a:schemeClr val="tx1"/>
-            </a:solidFill>
+            <a:noFill/>
           </a:ln>
         </p:spPr>
         <p:style>
@@ -9202,9 +9078,7 @@
             </a:schemeClr>
           </a:solidFill>
           <a:ln>
-            <a:solidFill>
-              <a:schemeClr val="tx1"/>
-            </a:solidFill>
+            <a:noFill/>
           </a:ln>
         </p:spPr>
         <p:style>
@@ -9269,9 +9143,7 @@
             </a:schemeClr>
           </a:solidFill>
           <a:ln>
-            <a:solidFill>
-              <a:schemeClr val="tx1"/>
-            </a:solidFill>
+            <a:noFill/>
           </a:ln>
         </p:spPr>
         <p:style>
@@ -10397,10 +10269,10 @@
       </p:sp>
       <p:grpSp>
         <p:nvGrpSpPr>
-          <p:cNvPr id="159" name="그룹 158">
-            <a:extLst>
-              <a:ext uri="{FF2B5EF4-FFF2-40B4-BE49-F238E27FC236}">
-                <a16:creationId xmlns:a16="http://schemas.microsoft.com/office/drawing/2014/main" id="{56178D9F-D0D8-CF37-D448-F3FDD8AD4BC5}"/>
+          <p:cNvPr id="38" name="그룹 37">
+            <a:extLst>
+              <a:ext uri="{FF2B5EF4-FFF2-40B4-BE49-F238E27FC236}">
+                <a16:creationId xmlns:a16="http://schemas.microsoft.com/office/drawing/2014/main" id="{9F5AB3DB-1B26-D3CF-674B-625527D41BAD}"/>
               </a:ext>
             </a:extLst>
           </p:cNvPr>
@@ -10409,10 +10281,10 @@
         </p:nvGrpSpPr>
         <p:grpSpPr>
           <a:xfrm>
-            <a:off x="451032" y="649128"/>
-            <a:ext cx="6446421" cy="3681508"/>
-            <a:chOff x="270511" y="649128"/>
-            <a:chExt cx="6439100" cy="3640413"/>
+            <a:off x="658067" y="1981919"/>
+            <a:ext cx="6077402" cy="1417692"/>
+            <a:chOff x="451033" y="649128"/>
+            <a:chExt cx="6077402" cy="1417692"/>
           </a:xfrm>
         </p:grpSpPr>
         <p:sp>
@@ -10429,8 +10301,8 @@
           </p:nvSpPr>
           <p:spPr bwMode="auto">
             <a:xfrm>
-              <a:off x="270511" y="649128"/>
-              <a:ext cx="6439100" cy="3640413"/>
+              <a:off x="451033" y="649128"/>
+              <a:ext cx="6077402" cy="1417692"/>
             </a:xfrm>
             <a:prstGeom prst="rect">
               <a:avLst/>
@@ -10488,8 +10360,8 @@
           </p:nvSpPr>
           <p:spPr bwMode="auto">
             <a:xfrm>
-              <a:off x="2775240" y="890676"/>
-              <a:ext cx="1440000" cy="166492"/>
+              <a:off x="2958609" y="893403"/>
+              <a:ext cx="1441637" cy="168371"/>
             </a:xfrm>
             <a:prstGeom prst="flowChartAlternateProcess">
               <a:avLst/>
@@ -10528,12 +10400,135 @@
             </a:p>
           </p:txBody>
         </p:sp>
+      </p:grpSp>
+      <p:cxnSp>
+        <p:nvCxnSpPr>
+          <p:cNvPr id="7" name="직선 화살표 연결선 6">
+            <a:extLst>
+              <a:ext uri="{FF2B5EF4-FFF2-40B4-BE49-F238E27FC236}">
+                <a16:creationId xmlns:a16="http://schemas.microsoft.com/office/drawing/2014/main" id="{B2ECAB2B-50AC-76BA-FDD2-9AC770CAEA6D}"/>
+              </a:ext>
+            </a:extLst>
+          </p:cNvPr>
+          <p:cNvCxnSpPr>
+            <a:cxnSpLocks/>
+            <a:stCxn id="12" idx="3"/>
+            <a:endCxn id="4" idx="1"/>
+          </p:cNvCxnSpPr>
+          <p:nvPr/>
+        </p:nvCxnSpPr>
+        <p:spPr>
+          <a:xfrm flipV="1">
+            <a:off x="6735469" y="1877575"/>
+            <a:ext cx="1870735" cy="813190"/>
+          </a:xfrm>
+          <a:prstGeom prst="straightConnector1">
+            <a:avLst/>
+          </a:prstGeom>
+          <a:ln>
+            <a:headEnd type="diamond" w="med" len="med"/>
+            <a:tailEnd type="triangle" w="med" len="med"/>
+          </a:ln>
+        </p:spPr>
+        <p:style>
+          <a:lnRef idx="1">
+            <a:schemeClr val="accent1"/>
+          </a:lnRef>
+          <a:fillRef idx="0">
+            <a:schemeClr val="accent1"/>
+          </a:fillRef>
+          <a:effectRef idx="0">
+            <a:schemeClr val="accent1"/>
+          </a:effectRef>
+          <a:fontRef idx="minor">
+            <a:schemeClr val="tx1"/>
+          </a:fontRef>
+        </p:style>
+      </p:cxnSp>
+      <p:sp>
+        <p:nvSpPr>
+          <p:cNvPr id="6" name="&quot;허용 안 됨&quot; 기호 5">
+            <a:extLst>
+              <a:ext uri="{FF2B5EF4-FFF2-40B4-BE49-F238E27FC236}">
+                <a16:creationId xmlns:a16="http://schemas.microsoft.com/office/drawing/2014/main" id="{24C1CEDE-6C7E-6F78-4877-759A0396F925}"/>
+              </a:ext>
+            </a:extLst>
+          </p:cNvPr>
+          <p:cNvSpPr/>
+          <p:nvPr/>
+        </p:nvSpPr>
+        <p:spPr>
+          <a:xfrm>
+            <a:off x="2449902" y="4364966"/>
+            <a:ext cx="2070340" cy="1492370"/>
+          </a:xfrm>
+          <a:prstGeom prst="noSmoking">
+            <a:avLst/>
+          </a:prstGeom>
+        </p:spPr>
+        <p:style>
+          <a:lnRef idx="2">
+            <a:schemeClr val="accent1">
+              <a:shade val="50000"/>
+            </a:schemeClr>
+          </a:lnRef>
+          <a:fillRef idx="1">
+            <a:schemeClr val="accent1"/>
+          </a:fillRef>
+          <a:effectRef idx="0">
+            <a:schemeClr val="accent1"/>
+          </a:effectRef>
+          <a:fontRef idx="minor">
+            <a:schemeClr val="lt1"/>
+          </a:fontRef>
+        </p:style>
+        <p:txBody>
+          <a:bodyPr rtlCol="0" anchor="ctr"/>
+          <a:lstStyle/>
+          <a:p>
+            <a:pPr algn="ctr"/>
+            <a:r>
+              <a:rPr lang="en-US" altLang="ko-KR" dirty="0">
+                <a:solidFill>
+                  <a:schemeClr val="tx1"/>
+                </a:solidFill>
+              </a:rPr>
+              <a:t>EEE</a:t>
+            </a:r>
+            <a:endParaRPr lang="ko-KR" altLang="en-US" dirty="0">
+              <a:solidFill>
+                <a:schemeClr val="tx1"/>
+              </a:solidFill>
+            </a:endParaRPr>
+          </a:p>
+        </p:txBody>
+      </p:sp>
+      <p:grpSp>
+        <p:nvGrpSpPr>
+          <p:cNvPr id="36" name="그룹 35">
+            <a:extLst>
+              <a:ext uri="{FF2B5EF4-FFF2-40B4-BE49-F238E27FC236}">
+                <a16:creationId xmlns:a16="http://schemas.microsoft.com/office/drawing/2014/main" id="{49686F78-6348-8CF5-0C28-9B07F2D0230D}"/>
+              </a:ext>
+            </a:extLst>
+          </p:cNvPr>
+          <p:cNvGrpSpPr/>
+          <p:nvPr/>
+        </p:nvGrpSpPr>
+        <p:grpSpPr>
+          <a:xfrm>
+            <a:off x="8606204" y="812414"/>
+            <a:ext cx="2305242" cy="2130322"/>
+            <a:chOff x="8606204" y="812414"/>
+            <a:chExt cx="2305242" cy="2130322"/>
+          </a:xfrm>
+        </p:grpSpPr>
         <p:sp>
           <p:nvSpPr>
-            <p:cNvPr id="110" name="순서도: 대체 처리 109">
+            <p:cNvPr id="4" name="직사각형 3">
               <a:extLst>
                 <a:ext uri="{FF2B5EF4-FFF2-40B4-BE49-F238E27FC236}">
-                  <a16:creationId xmlns:a16="http://schemas.microsoft.com/office/drawing/2014/main" id="{876B3741-0E30-72E9-2149-F80F6311D11F}"/>
+                  <a16:creationId xmlns:a16="http://schemas.microsoft.com/office/drawing/2014/main" id="{D8B1B474-495E-8647-6082-66359A90E20C}"/>
                 </a:ext>
               </a:extLst>
             </p:cNvPr>
@@ -10542,8 +10537,71 @@
           </p:nvSpPr>
           <p:spPr bwMode="auto">
             <a:xfrm>
-              <a:off x="2775240" y="1253401"/>
-              <a:ext cx="1440000" cy="166492"/>
+              <a:off x="8606204" y="812414"/>
+              <a:ext cx="2305242" cy="2130322"/>
+            </a:xfrm>
+            <a:prstGeom prst="rect">
+              <a:avLst/>
+            </a:prstGeom>
+            <a:noFill/>
+            <a:ln>
+              <a:headEnd type="none" w="med" len="med"/>
+              <a:tailEnd type="none" w="med" len="med"/>
+            </a:ln>
+          </p:spPr>
+          <p:style>
+            <a:lnRef idx="2">
+              <a:schemeClr val="dk1"/>
+            </a:lnRef>
+            <a:fillRef idx="1">
+              <a:schemeClr val="lt1"/>
+            </a:fillRef>
+            <a:effectRef idx="0">
+              <a:schemeClr val="dk1"/>
+            </a:effectRef>
+            <a:fontRef idx="minor">
+              <a:schemeClr val="dk1"/>
+            </a:fontRef>
+          </p:style>
+          <p:txBody>
+            <a:bodyPr vert="horz" wrap="none" lIns="74295" tIns="37148" rIns="74295" bIns="37148" numCol="1" rtlCol="0" anchor="t" anchorCtr="0" compatLnSpc="1">
+              <a:prstTxWarp prst="textNoShape">
+                <a:avLst/>
+              </a:prstTxWarp>
+            </a:bodyPr>
+            <a:lstStyle/>
+            <a:p>
+              <a:pPr algn="ctr"/>
+              <a:r>
+                <a:rPr lang="en-US" altLang="ko-KR" sz="900" dirty="0"/>
+                <a:t>A </a:t>
+              </a:r>
+              <a:r>
+                <a:rPr lang="ko-KR" altLang="en-US" sz="900" dirty="0" err="1"/>
+                <a:t>ㅁㅁㅁ</a:t>
+              </a:r>
+              <a:endParaRPr lang="ko-KR" altLang="en-US" sz="900" dirty="0">
+                <a:ea typeface="현대하모니 M" panose="02020603020101020101"/>
+              </a:endParaRPr>
+            </a:p>
+          </p:txBody>
+        </p:sp>
+        <p:sp>
+          <p:nvSpPr>
+            <p:cNvPr id="22" name="순서도: 대체 처리 21">
+              <a:extLst>
+                <a:ext uri="{FF2B5EF4-FFF2-40B4-BE49-F238E27FC236}">
+                  <a16:creationId xmlns:a16="http://schemas.microsoft.com/office/drawing/2014/main" id="{50EF4542-0EFB-EE33-2E45-24F4F5D87804}"/>
+                </a:ext>
+              </a:extLst>
+            </p:cNvPr>
+            <p:cNvSpPr/>
+            <p:nvPr/>
+          </p:nvSpPr>
+          <p:spPr bwMode="auto">
+            <a:xfrm>
+              <a:off x="9044074" y="1176036"/>
+              <a:ext cx="1429500" cy="168372"/>
             </a:xfrm>
             <a:prstGeom prst="flowChartAlternateProcess">
               <a:avLst/>
@@ -10573,65 +10631,18 @@
               <a:pPr algn="ctr"/>
               <a:r>
                 <a:rPr lang="en-US" altLang="ko-KR" sz="900" dirty="0" err="1"/>
-                <a:t>REINF_Shift.ADV</a:t>
+                <a:t>REINF_Shift.RET</a:t>
               </a:r>
               <a:endParaRPr lang="ko-KR" altLang="en-US" sz="900" dirty="0"/>
             </a:p>
           </p:txBody>
         </p:sp>
-        <p:cxnSp>
-          <p:nvCxnSpPr>
-            <p:cNvPr id="111" name="직선 화살표 연결선 110">
+        <p:sp>
+          <p:nvSpPr>
+            <p:cNvPr id="23" name="순서도: 대체 처리 22">
               <a:extLst>
                 <a:ext uri="{FF2B5EF4-FFF2-40B4-BE49-F238E27FC236}">
-                  <a16:creationId xmlns:a16="http://schemas.microsoft.com/office/drawing/2014/main" id="{33F16C95-DCF4-A692-ADDB-0E4C6E9649F0}"/>
-                </a:ext>
-              </a:extLst>
-            </p:cNvPr>
-            <p:cNvCxnSpPr>
-              <a:cxnSpLocks/>
-              <a:stCxn id="3" idx="2"/>
-              <a:endCxn id="110" idx="0"/>
-            </p:cNvCxnSpPr>
-            <p:nvPr/>
-          </p:nvCxnSpPr>
-          <p:spPr bwMode="auto">
-            <a:xfrm>
-              <a:off x="3495240" y="1057168"/>
-              <a:ext cx="0" cy="196233"/>
-            </a:xfrm>
-            <a:prstGeom prst="straightConnector1">
-              <a:avLst/>
-            </a:prstGeom>
-            <a:ln>
-              <a:solidFill>
-                <a:srgbClr val="0070C0"/>
-              </a:solidFill>
-              <a:headEnd type="none" w="med" len="med"/>
-              <a:tailEnd type="triangle"/>
-            </a:ln>
-          </p:spPr>
-          <p:style>
-            <a:lnRef idx="1">
-              <a:schemeClr val="accent6"/>
-            </a:lnRef>
-            <a:fillRef idx="0">
-              <a:schemeClr val="accent6"/>
-            </a:fillRef>
-            <a:effectRef idx="0">
-              <a:schemeClr val="accent6"/>
-            </a:effectRef>
-            <a:fontRef idx="minor">
-              <a:schemeClr val="tx1"/>
-            </a:fontRef>
-          </p:style>
-        </p:cxnSp>
-        <p:sp>
-          <p:nvSpPr>
-            <p:cNvPr id="113" name="순서도: 대체 처리 112">
-              <a:extLst>
-                <a:ext uri="{FF2B5EF4-FFF2-40B4-BE49-F238E27FC236}">
-                  <a16:creationId xmlns:a16="http://schemas.microsoft.com/office/drawing/2014/main" id="{DFA4F305-1976-DA05-3B42-A6453E7F7313}"/>
+                  <a16:creationId xmlns:a16="http://schemas.microsoft.com/office/drawing/2014/main" id="{77CF2C48-5C3A-FCF5-A7CA-A0B359CD040C}"/>
                 </a:ext>
               </a:extLst>
             </p:cNvPr>
@@ -10640,474 +10651,14 @@
           </p:nvSpPr>
           <p:spPr bwMode="auto">
             <a:xfrm>
-              <a:off x="2775239" y="1592061"/>
-              <a:ext cx="1440000" cy="166492"/>
+              <a:off x="9037725" y="2066820"/>
+              <a:ext cx="1429500" cy="168372"/>
             </a:xfrm>
             <a:prstGeom prst="flowChartAlternateProcess">
               <a:avLst/>
             </a:prstGeom>
             <a:solidFill>
-              <a:srgbClr val="00B0F0"/>
-            </a:solidFill>
-            <a:ln w="22225" cap="flat" cmpd="sng" algn="ctr">
-              <a:solidFill>
-                <a:schemeClr val="tx1"/>
-              </a:solidFill>
-              <a:prstDash val="solid"/>
-              <a:round/>
-              <a:headEnd type="none" w="med" len="med"/>
-              <a:tailEnd type="none" w="med" len="med"/>
-            </a:ln>
-            <a:effectLst/>
-          </p:spPr>
-          <p:txBody>
-            <a:bodyPr vert="horz" wrap="none" lIns="74295" tIns="37148" rIns="74295" bIns="37148" numCol="1" rtlCol="0" anchor="ctr" anchorCtr="0" compatLnSpc="1">
-              <a:prstTxWarp prst="textNoShape">
-                <a:avLst/>
-              </a:prstTxWarp>
-            </a:bodyPr>
-            <a:lstStyle/>
-            <a:p>
-              <a:pPr algn="ctr"/>
-              <a:r>
-                <a:rPr lang="en-US" altLang="ko-KR" sz="900" dirty="0" err="1">
-                  <a:solidFill>
-                    <a:schemeClr val="tx1"/>
-                  </a:solidFill>
-                </a:rPr>
-                <a:t>REINF_Pin</a:t>
-              </a:r>
-              <a:r>
-                <a:rPr lang="en-US" altLang="ko-KR" sz="900" dirty="0" err="1"/>
-                <a:t>.UP</a:t>
-              </a:r>
-              <a:endParaRPr lang="ko-KR" altLang="en-US" sz="900" dirty="0"/>
-            </a:p>
-          </p:txBody>
-        </p:sp>
-        <p:cxnSp>
-          <p:nvCxnSpPr>
-            <p:cNvPr id="114" name="직선 화살표 연결선 113">
-              <a:extLst>
-                <a:ext uri="{FF2B5EF4-FFF2-40B4-BE49-F238E27FC236}">
-                  <a16:creationId xmlns:a16="http://schemas.microsoft.com/office/drawing/2014/main" id="{1AFC583A-D69E-A3DA-59F2-3B0864B28EE8}"/>
-                </a:ext>
-              </a:extLst>
-            </p:cNvPr>
-            <p:cNvCxnSpPr>
-              <a:cxnSpLocks/>
-              <a:stCxn id="110" idx="2"/>
-              <a:endCxn id="113" idx="0"/>
-            </p:cNvCxnSpPr>
-            <p:nvPr/>
-          </p:nvCxnSpPr>
-          <p:spPr bwMode="auto">
-            <a:xfrm flipH="1">
-              <a:off x="3495239" y="1419893"/>
-              <a:ext cx="1" cy="172168"/>
-            </a:xfrm>
-            <a:prstGeom prst="straightConnector1">
-              <a:avLst/>
-            </a:prstGeom>
-            <a:ln>
-              <a:solidFill>
-                <a:srgbClr val="0070C0"/>
-              </a:solidFill>
-              <a:headEnd type="none" w="med" len="med"/>
-              <a:tailEnd type="triangle"/>
-            </a:ln>
-          </p:spPr>
-          <p:style>
-            <a:lnRef idx="1">
-              <a:schemeClr val="accent6"/>
-            </a:lnRef>
-            <a:fillRef idx="0">
-              <a:schemeClr val="accent6"/>
-            </a:fillRef>
-            <a:effectRef idx="0">
-              <a:schemeClr val="accent6"/>
-            </a:effectRef>
-            <a:fontRef idx="minor">
-              <a:schemeClr val="tx1"/>
-            </a:fontRef>
-          </p:style>
-        </p:cxnSp>
-        <p:grpSp>
-          <p:nvGrpSpPr>
-            <p:cNvPr id="120" name="그룹 119">
-              <a:extLst>
-                <a:ext uri="{FF2B5EF4-FFF2-40B4-BE49-F238E27FC236}">
-                  <a16:creationId xmlns:a16="http://schemas.microsoft.com/office/drawing/2014/main" id="{782E6056-6F50-F37D-7E59-08B3275D683F}"/>
-                </a:ext>
-              </a:extLst>
-            </p:cNvPr>
-            <p:cNvGrpSpPr/>
-            <p:nvPr/>
-          </p:nvGrpSpPr>
-          <p:grpSpPr>
-            <a:xfrm>
-              <a:off x="1813030" y="2304302"/>
-              <a:ext cx="3352298" cy="352098"/>
-              <a:chOff x="3506578" y="1848060"/>
-              <a:chExt cx="2766509" cy="352098"/>
-            </a:xfrm>
-          </p:grpSpPr>
-          <p:sp>
-            <p:nvSpPr>
-              <p:cNvPr id="121" name="순서도: 대체 처리 120">
-                <a:extLst>
-                  <a:ext uri="{FF2B5EF4-FFF2-40B4-BE49-F238E27FC236}">
-                    <a16:creationId xmlns:a16="http://schemas.microsoft.com/office/drawing/2014/main" id="{73C6144B-61D9-08FB-1961-CCCD0F21D30D}"/>
-                  </a:ext>
-                </a:extLst>
-              </p:cNvPr>
-              <p:cNvSpPr/>
-              <p:nvPr/>
-            </p:nvSpPr>
-            <p:spPr bwMode="auto">
-              <a:xfrm>
-                <a:off x="3633925" y="1950558"/>
-                <a:ext cx="1178366" cy="166492"/>
-              </a:xfrm>
-              <a:prstGeom prst="flowChartAlternateProcess">
-                <a:avLst/>
-              </a:prstGeom>
-              <a:solidFill>
-                <a:schemeClr val="accent6"/>
-              </a:solidFill>
-              <a:ln w="22225" cap="flat" cmpd="sng" algn="ctr">
-                <a:solidFill>
-                  <a:schemeClr val="tx1"/>
-                </a:solidFill>
-                <a:prstDash val="solid"/>
-                <a:round/>
-                <a:headEnd type="none" w="med" len="med"/>
-                <a:tailEnd type="none" w="med" len="med"/>
-              </a:ln>
-              <a:effectLst/>
-            </p:spPr>
-            <p:txBody>
-              <a:bodyPr vert="horz" wrap="none" lIns="74295" tIns="37148" rIns="74295" bIns="37148" numCol="1" rtlCol="0" anchor="ctr" anchorCtr="0" compatLnSpc="1">
-                <a:prstTxWarp prst="textNoShape">
-                  <a:avLst/>
-                </a:prstTxWarp>
-              </a:bodyPr>
-              <a:lstStyle/>
-              <a:p>
-                <a:pPr algn="ctr"/>
-                <a:r>
-                  <a:rPr lang="en-US" altLang="ko-KR" sz="900" dirty="0">
-                    <a:solidFill>
-                      <a:schemeClr val="tx1"/>
-                    </a:solidFill>
-                  </a:rPr>
-                  <a:t>REINF1_Clamp</a:t>
-                </a:r>
-                <a:r>
-                  <a:rPr lang="en-US" altLang="ko-KR" sz="900" dirty="0"/>
-                  <a:t>.CLAMP</a:t>
-                </a:r>
-                <a:endParaRPr lang="ko-KR" altLang="en-US" sz="900" dirty="0"/>
-              </a:p>
-            </p:txBody>
-          </p:sp>
-          <p:sp>
-            <p:nvSpPr>
-              <p:cNvPr id="122" name="순서도: 대체 처리 121">
-                <a:extLst>
-                  <a:ext uri="{FF2B5EF4-FFF2-40B4-BE49-F238E27FC236}">
-                    <a16:creationId xmlns:a16="http://schemas.microsoft.com/office/drawing/2014/main" id="{5B497BA9-6C38-C5E5-605B-74F2C670A1F5}"/>
-                  </a:ext>
-                </a:extLst>
-              </p:cNvPr>
-              <p:cNvSpPr/>
-              <p:nvPr/>
-            </p:nvSpPr>
-            <p:spPr bwMode="auto">
-              <a:xfrm>
-                <a:off x="4924362" y="1950558"/>
-                <a:ext cx="1178366" cy="166492"/>
-              </a:xfrm>
-              <a:prstGeom prst="flowChartAlternateProcess">
-                <a:avLst/>
-              </a:prstGeom>
-              <a:solidFill>
-                <a:schemeClr val="accent6"/>
-              </a:solidFill>
-              <a:ln w="22225" cap="flat" cmpd="sng" algn="ctr">
-                <a:solidFill>
-                  <a:schemeClr val="tx1"/>
-                </a:solidFill>
-                <a:prstDash val="solid"/>
-                <a:round/>
-                <a:headEnd type="none" w="med" len="med"/>
-                <a:tailEnd type="none" w="med" len="med"/>
-              </a:ln>
-              <a:effectLst/>
-            </p:spPr>
-            <p:txBody>
-              <a:bodyPr vert="horz" wrap="none" lIns="74295" tIns="37148" rIns="74295" bIns="37148" numCol="1" rtlCol="0" anchor="ctr" anchorCtr="0" compatLnSpc="1">
-                <a:prstTxWarp prst="textNoShape">
-                  <a:avLst/>
-                </a:prstTxWarp>
-              </a:bodyPr>
-              <a:lstStyle/>
-              <a:p>
-                <a:pPr algn="ctr"/>
-                <a:r>
-                  <a:rPr lang="en-US" altLang="ko-KR" sz="900" dirty="0">
-                    <a:solidFill>
-                      <a:schemeClr val="tx1"/>
-                    </a:solidFill>
-                  </a:rPr>
-                  <a:t>REINF2_Clamp</a:t>
-                </a:r>
-                <a:r>
-                  <a:rPr lang="en-US" altLang="ko-KR" sz="900" dirty="0"/>
-                  <a:t>.CLAMP</a:t>
-                </a:r>
-                <a:endParaRPr lang="ko-KR" altLang="en-US" sz="900" dirty="0"/>
-              </a:p>
-            </p:txBody>
-          </p:sp>
-          <p:sp>
-            <p:nvSpPr>
-              <p:cNvPr id="123" name="순서도: 대체 처리 122">
-                <a:extLst>
-                  <a:ext uri="{FF2B5EF4-FFF2-40B4-BE49-F238E27FC236}">
-                    <a16:creationId xmlns:a16="http://schemas.microsoft.com/office/drawing/2014/main" id="{94AA23D8-9C3E-3629-E527-6061D3C3B2E9}"/>
-                  </a:ext>
-                </a:extLst>
-              </p:cNvPr>
-              <p:cNvSpPr/>
-              <p:nvPr/>
-            </p:nvSpPr>
-            <p:spPr bwMode="auto">
-              <a:xfrm>
-                <a:off x="3506578" y="1848060"/>
-                <a:ext cx="2766509" cy="352098"/>
-              </a:xfrm>
-              <a:prstGeom prst="flowChartAlternateProcess">
-                <a:avLst/>
-              </a:prstGeom>
-              <a:noFill/>
-              <a:ln w="9525" cap="flat" cmpd="sng" algn="ctr">
-                <a:solidFill>
-                  <a:schemeClr val="dk1"/>
-                </a:solidFill>
-                <a:prstDash val="dash"/>
-                <a:round/>
-                <a:headEnd type="none" w="med" len="med"/>
-                <a:tailEnd type="none" w="med" len="med"/>
-              </a:ln>
-            </p:spPr>
-            <p:style>
-              <a:lnRef idx="0">
-                <a:scrgbClr r="0" g="0" b="0"/>
-              </a:lnRef>
-              <a:fillRef idx="0">
-                <a:scrgbClr r="0" g="0" b="0"/>
-              </a:fillRef>
-              <a:effectRef idx="0">
-                <a:scrgbClr r="0" g="0" b="0"/>
-              </a:effectRef>
-              <a:fontRef idx="minor">
-                <a:schemeClr val="dk1"/>
-              </a:fontRef>
-            </p:style>
-            <p:txBody>
-              <a:bodyPr vert="horz" wrap="none" lIns="74295" tIns="37148" rIns="74295" bIns="37148" numCol="1" rtlCol="0" anchor="ctr" anchorCtr="0" compatLnSpc="1">
-                <a:prstTxWarp prst="textNoShape">
-                  <a:avLst/>
-                </a:prstTxWarp>
-              </a:bodyPr>
-              <a:lstStyle/>
-              <a:p>
-                <a:pPr algn="ctr" eaLnBrk="1" hangingPunct="1"/>
-                <a:endParaRPr lang="en-US" altLang="ko-KR" sz="900" dirty="0">
-                  <a:solidFill>
-                    <a:schemeClr val="tx1"/>
-                  </a:solidFill>
-                  <a:latin typeface="현대하모니 M" panose="02020603020101020101" pitchFamily="18" charset="-127"/>
-                  <a:ea typeface="현대하모니 M" panose="02020603020101020101"/>
-                </a:endParaRPr>
-              </a:p>
-            </p:txBody>
-          </p:sp>
-        </p:grpSp>
-        <p:sp>
-          <p:nvSpPr>
-            <p:cNvPr id="129" name="순서도: 대체 처리 128">
-              <a:extLst>
-                <a:ext uri="{FF2B5EF4-FFF2-40B4-BE49-F238E27FC236}">
-                  <a16:creationId xmlns:a16="http://schemas.microsoft.com/office/drawing/2014/main" id="{A4AC6A98-29D2-161C-9E23-BDC8D7083E75}"/>
-                </a:ext>
-              </a:extLst>
-            </p:cNvPr>
-            <p:cNvSpPr/>
-            <p:nvPr/>
-          </p:nvSpPr>
-          <p:spPr bwMode="auto">
-            <a:xfrm>
-              <a:off x="2775240" y="1969172"/>
-              <a:ext cx="1440000" cy="166492"/>
-            </a:xfrm>
-            <a:prstGeom prst="flowChartAlternateProcess">
-              <a:avLst/>
-            </a:prstGeom>
-            <a:solidFill>
-              <a:schemeClr val="accent4">
-                <a:lumMod val="60000"/>
-                <a:lumOff val="40000"/>
-              </a:schemeClr>
-            </a:solidFill>
-            <a:ln w="22225" cap="flat" cmpd="sng" algn="ctr">
-              <a:solidFill>
-                <a:schemeClr val="tx1"/>
-              </a:solidFill>
-              <a:prstDash val="solid"/>
-              <a:round/>
-              <a:headEnd type="none" w="med" len="med"/>
-              <a:tailEnd type="none" w="med" len="med"/>
-            </a:ln>
-            <a:effectLst/>
-          </p:spPr>
-          <p:txBody>
-            <a:bodyPr vert="horz" wrap="none" lIns="74295" tIns="37148" rIns="74295" bIns="37148" numCol="1" rtlCol="0" anchor="ctr" anchorCtr="0" compatLnSpc="1">
-              <a:prstTxWarp prst="textNoShape">
-                <a:avLst/>
-              </a:prstTxWarp>
-            </a:bodyPr>
-            <a:lstStyle/>
-            <a:p>
-              <a:pPr algn="ctr"/>
-              <a:r>
-                <a:rPr lang="en-US" altLang="ko-KR" sz="900" dirty="0"/>
-                <a:t>Handling.LOADING2</a:t>
-              </a:r>
-              <a:endParaRPr lang="ko-KR" altLang="en-US" sz="900" dirty="0"/>
-            </a:p>
-          </p:txBody>
-        </p:sp>
-        <p:cxnSp>
-          <p:nvCxnSpPr>
-            <p:cNvPr id="130" name="직선 화살표 연결선 129">
-              <a:extLst>
-                <a:ext uri="{FF2B5EF4-FFF2-40B4-BE49-F238E27FC236}">
-                  <a16:creationId xmlns:a16="http://schemas.microsoft.com/office/drawing/2014/main" id="{985D8B6D-5F4D-AB88-E58E-D6AB27DA3605}"/>
-                </a:ext>
-              </a:extLst>
-            </p:cNvPr>
-            <p:cNvCxnSpPr>
-              <a:cxnSpLocks/>
-              <a:stCxn id="113" idx="2"/>
-              <a:endCxn id="129" idx="0"/>
-            </p:cNvCxnSpPr>
-            <p:nvPr/>
-          </p:nvCxnSpPr>
-          <p:spPr bwMode="auto">
-            <a:xfrm>
-              <a:off x="3495239" y="1758553"/>
-              <a:ext cx="1" cy="210619"/>
-            </a:xfrm>
-            <a:prstGeom prst="straightConnector1">
-              <a:avLst/>
-            </a:prstGeom>
-            <a:ln>
-              <a:solidFill>
-                <a:srgbClr val="0070C0"/>
-              </a:solidFill>
-              <a:headEnd type="none" w="med" len="med"/>
-              <a:tailEnd type="triangle"/>
-            </a:ln>
-          </p:spPr>
-          <p:style>
-            <a:lnRef idx="1">
-              <a:schemeClr val="accent6"/>
-            </a:lnRef>
-            <a:fillRef idx="0">
-              <a:schemeClr val="accent6"/>
-            </a:fillRef>
-            <a:effectRef idx="0">
-              <a:schemeClr val="accent6"/>
-            </a:effectRef>
-            <a:fontRef idx="minor">
-              <a:schemeClr val="tx1"/>
-            </a:fontRef>
-          </p:style>
-        </p:cxnSp>
-        <p:cxnSp>
-          <p:nvCxnSpPr>
-            <p:cNvPr id="134" name="직선 화살표 연결선 133">
-              <a:extLst>
-                <a:ext uri="{FF2B5EF4-FFF2-40B4-BE49-F238E27FC236}">
-                  <a16:creationId xmlns:a16="http://schemas.microsoft.com/office/drawing/2014/main" id="{E3BF643B-CDE7-A17D-4F69-96F3E144FC53}"/>
-                </a:ext>
-              </a:extLst>
-            </p:cNvPr>
-            <p:cNvCxnSpPr>
-              <a:cxnSpLocks/>
-              <a:stCxn id="129" idx="2"/>
-              <a:endCxn id="123" idx="0"/>
-            </p:cNvCxnSpPr>
-            <p:nvPr/>
-          </p:nvCxnSpPr>
-          <p:spPr bwMode="auto">
-            <a:xfrm flipH="1">
-              <a:off x="3489179" y="2135664"/>
-              <a:ext cx="6061" cy="168638"/>
-            </a:xfrm>
-            <a:prstGeom prst="straightConnector1">
-              <a:avLst/>
-            </a:prstGeom>
-            <a:ln>
-              <a:solidFill>
-                <a:srgbClr val="0070C0"/>
-              </a:solidFill>
-              <a:headEnd type="none" w="med" len="med"/>
-              <a:tailEnd type="triangle"/>
-            </a:ln>
-          </p:spPr>
-          <p:style>
-            <a:lnRef idx="1">
-              <a:schemeClr val="accent6"/>
-            </a:lnRef>
-            <a:fillRef idx="0">
-              <a:schemeClr val="accent6"/>
-            </a:fillRef>
-            <a:effectRef idx="0">
-              <a:schemeClr val="accent6"/>
-            </a:effectRef>
-            <a:fontRef idx="minor">
-              <a:schemeClr val="tx1"/>
-            </a:fontRef>
-          </p:style>
-        </p:cxnSp>
-        <p:sp>
-          <p:nvSpPr>
-            <p:cNvPr id="138" name="순서도: 대체 처리 137">
-              <a:extLst>
-                <a:ext uri="{FF2B5EF4-FFF2-40B4-BE49-F238E27FC236}">
-                  <a16:creationId xmlns:a16="http://schemas.microsoft.com/office/drawing/2014/main" id="{12F3D78F-4C6E-6781-9AC9-F1F1425AA9F1}"/>
-                </a:ext>
-              </a:extLst>
-            </p:cNvPr>
-            <p:cNvSpPr/>
-            <p:nvPr/>
-          </p:nvSpPr>
-          <p:spPr bwMode="auto">
-            <a:xfrm>
-              <a:off x="2775239" y="2841545"/>
-              <a:ext cx="1427877" cy="166492"/>
-            </a:xfrm>
-            <a:prstGeom prst="flowChartAlternateProcess">
-              <a:avLst/>
-            </a:prstGeom>
-            <a:solidFill>
-              <a:schemeClr val="accent4">
-                <a:lumMod val="60000"/>
-                <a:lumOff val="40000"/>
-              </a:schemeClr>
+              <a:schemeClr val="accent2"/>
             </a:solidFill>
             <a:ln w="22225" cap="flat" cmpd="sng" algn="ctr">
               <a:solidFill>
@@ -11131,7 +10682,7 @@
               <a:pPr algn="ctr"/>
               <a:r>
                 <a:rPr lang="en-US" altLang="ko-KR" sz="900" dirty="0" err="1"/>
-                <a:t>Weld.WELDING</a:t>
+                <a:t>REINF_Shift.RET</a:t>
               </a:r>
               <a:endParaRPr lang="ko-KR" altLang="en-US" sz="900" dirty="0"/>
             </a:p>
@@ -11139,405 +10690,40 @@
         </p:sp>
         <p:cxnSp>
           <p:nvCxnSpPr>
-            <p:cNvPr id="139" name="직선 화살표 연결선 138">
+            <p:cNvPr id="26" name="연결선: 꺾임 25">
               <a:extLst>
                 <a:ext uri="{FF2B5EF4-FFF2-40B4-BE49-F238E27FC236}">
-                  <a16:creationId xmlns:a16="http://schemas.microsoft.com/office/drawing/2014/main" id="{5A85DB5C-F9AE-04CA-CC42-3CAFBB2AAA1A}"/>
+                  <a16:creationId xmlns:a16="http://schemas.microsoft.com/office/drawing/2014/main" id="{788EB856-6DB3-C64E-7EC9-01EDAD5D3DDB}"/>
                 </a:ext>
               </a:extLst>
             </p:cNvPr>
             <p:cNvCxnSpPr>
-              <a:cxnSpLocks/>
-              <a:stCxn id="123" idx="2"/>
-              <a:endCxn id="138" idx="0"/>
+              <a:stCxn id="22" idx="2"/>
+              <a:endCxn id="23" idx="0"/>
             </p:cNvCxnSpPr>
             <p:nvPr/>
           </p:nvCxnSpPr>
-          <p:spPr bwMode="auto">
-            <a:xfrm flipH="1">
-              <a:off x="3489178" y="2656400"/>
-              <a:ext cx="1" cy="185145"/>
+          <p:spPr>
+            <a:xfrm rot="5400000">
+              <a:off x="9394444" y="1702440"/>
+              <a:ext cx="722412" cy="6349"/>
             </a:xfrm>
-            <a:prstGeom prst="straightConnector1">
+            <a:prstGeom prst="bentConnector3">
               <a:avLst/>
             </a:prstGeom>
             <a:ln>
-              <a:solidFill>
-                <a:srgbClr val="0070C0"/>
-              </a:solidFill>
-              <a:headEnd type="none" w="med" len="med"/>
               <a:tailEnd type="triangle"/>
             </a:ln>
           </p:spPr>
           <p:style>
             <a:lnRef idx="1">
-              <a:schemeClr val="accent6"/>
+              <a:schemeClr val="accent1"/>
             </a:lnRef>
             <a:fillRef idx="0">
-              <a:schemeClr val="accent6"/>
+              <a:schemeClr val="accent1"/>
             </a:fillRef>
             <a:effectRef idx="0">
-              <a:schemeClr val="accent6"/>
-            </a:effectRef>
-            <a:fontRef idx="minor">
-              <a:schemeClr val="tx1"/>
-            </a:fontRef>
-          </p:style>
-        </p:cxnSp>
-        <p:grpSp>
-          <p:nvGrpSpPr>
-            <p:cNvPr id="145" name="그룹 144">
-              <a:extLst>
-                <a:ext uri="{FF2B5EF4-FFF2-40B4-BE49-F238E27FC236}">
-                  <a16:creationId xmlns:a16="http://schemas.microsoft.com/office/drawing/2014/main" id="{71254B1E-6F76-7008-97AE-14F9FF067F87}"/>
-                </a:ext>
-              </a:extLst>
-            </p:cNvPr>
-            <p:cNvGrpSpPr/>
-            <p:nvPr/>
-          </p:nvGrpSpPr>
-          <p:grpSpPr>
-            <a:xfrm>
-              <a:off x="353410" y="3197529"/>
-              <a:ext cx="6271534" cy="352098"/>
-              <a:chOff x="1704326" y="4440248"/>
-              <a:chExt cx="5175631" cy="352098"/>
-            </a:xfrm>
-          </p:grpSpPr>
-          <p:sp>
-            <p:nvSpPr>
-              <p:cNvPr id="146" name="순서도: 대체 처리 145">
-                <a:extLst>
-                  <a:ext uri="{FF2B5EF4-FFF2-40B4-BE49-F238E27FC236}">
-                    <a16:creationId xmlns:a16="http://schemas.microsoft.com/office/drawing/2014/main" id="{94A3621C-7D66-E972-9BA6-33BBA57B3D6F}"/>
-                  </a:ext>
-                </a:extLst>
-              </p:cNvPr>
-              <p:cNvSpPr/>
-              <p:nvPr/>
-            </p:nvSpPr>
-            <p:spPr bwMode="auto">
-              <a:xfrm>
-                <a:off x="1744751" y="4532171"/>
-                <a:ext cx="1178366" cy="166492"/>
-              </a:xfrm>
-              <a:prstGeom prst="flowChartAlternateProcess">
-                <a:avLst/>
-              </a:prstGeom>
-              <a:solidFill>
-                <a:schemeClr val="accent2"/>
-              </a:solidFill>
-              <a:ln w="22225" cap="flat" cmpd="sng" algn="ctr">
-                <a:solidFill>
-                  <a:schemeClr val="tx1"/>
-                </a:solidFill>
-                <a:prstDash val="solid"/>
-                <a:round/>
-                <a:headEnd type="none" w="med" len="med"/>
-                <a:tailEnd type="none" w="med" len="med"/>
-              </a:ln>
-              <a:effectLst/>
-            </p:spPr>
-            <p:txBody>
-              <a:bodyPr vert="horz" wrap="none" lIns="74295" tIns="37148" rIns="74295" bIns="37148" numCol="1" rtlCol="0" anchor="ctr" anchorCtr="0" compatLnSpc="1">
-                <a:prstTxWarp prst="textNoShape">
-                  <a:avLst/>
-                </a:prstTxWarp>
-              </a:bodyPr>
-              <a:lstStyle/>
-              <a:p>
-                <a:pPr algn="ctr"/>
-                <a:r>
-                  <a:rPr lang="en-US" altLang="ko-KR" sz="900" dirty="0" err="1"/>
-                  <a:t>REINF_Shift.RET</a:t>
-                </a:r>
-                <a:endParaRPr lang="ko-KR" altLang="en-US" sz="900" dirty="0"/>
-              </a:p>
-            </p:txBody>
-          </p:sp>
-          <p:sp>
-            <p:nvSpPr>
-              <p:cNvPr id="147" name="순서도: 대체 처리 146">
-                <a:extLst>
-                  <a:ext uri="{FF2B5EF4-FFF2-40B4-BE49-F238E27FC236}">
-                    <a16:creationId xmlns:a16="http://schemas.microsoft.com/office/drawing/2014/main" id="{BDB92362-4AC7-C411-875E-EE2ED310CF99}"/>
-                  </a:ext>
-                </a:extLst>
-              </p:cNvPr>
-              <p:cNvSpPr/>
-              <p:nvPr/>
-            </p:nvSpPr>
-            <p:spPr bwMode="auto">
-              <a:xfrm>
-                <a:off x="3035189" y="4532171"/>
-                <a:ext cx="1178366" cy="166492"/>
-              </a:xfrm>
-              <a:prstGeom prst="flowChartAlternateProcess">
-                <a:avLst/>
-              </a:prstGeom>
-              <a:solidFill>
-                <a:srgbClr val="00B0F0"/>
-              </a:solidFill>
-              <a:ln w="22225" cap="flat" cmpd="sng" algn="ctr">
-                <a:solidFill>
-                  <a:schemeClr val="tx1"/>
-                </a:solidFill>
-                <a:prstDash val="solid"/>
-                <a:round/>
-                <a:headEnd type="none" w="med" len="med"/>
-                <a:tailEnd type="none" w="med" len="med"/>
-              </a:ln>
-              <a:effectLst/>
-            </p:spPr>
-            <p:txBody>
-              <a:bodyPr vert="horz" wrap="none" lIns="74295" tIns="37148" rIns="74295" bIns="37148" numCol="1" rtlCol="0" anchor="ctr" anchorCtr="0" compatLnSpc="1">
-                <a:prstTxWarp prst="textNoShape">
-                  <a:avLst/>
-                </a:prstTxWarp>
-              </a:bodyPr>
-              <a:lstStyle/>
-              <a:p>
-                <a:pPr algn="ctr"/>
-                <a:r>
-                  <a:rPr lang="en-US" altLang="ko-KR" sz="900" dirty="0" err="1">
-                    <a:solidFill>
-                      <a:schemeClr val="tx1"/>
-                    </a:solidFill>
-                  </a:rPr>
-                  <a:t>REINF_Pin</a:t>
-                </a:r>
-                <a:r>
-                  <a:rPr lang="en-US" altLang="ko-KR" sz="900" dirty="0" err="1"/>
-                  <a:t>.DOWN</a:t>
-                </a:r>
-                <a:endParaRPr lang="ko-KR" altLang="en-US" sz="900" dirty="0"/>
-              </a:p>
-            </p:txBody>
-          </p:sp>
-          <p:sp>
-            <p:nvSpPr>
-              <p:cNvPr id="148" name="순서도: 대체 처리 147">
-                <a:extLst>
-                  <a:ext uri="{FF2B5EF4-FFF2-40B4-BE49-F238E27FC236}">
-                    <a16:creationId xmlns:a16="http://schemas.microsoft.com/office/drawing/2014/main" id="{F151732F-7ACB-9694-DC1F-6BB9E0EC7C10}"/>
-                  </a:ext>
-                </a:extLst>
-              </p:cNvPr>
-              <p:cNvSpPr/>
-              <p:nvPr/>
-            </p:nvSpPr>
-            <p:spPr bwMode="auto">
-              <a:xfrm>
-                <a:off x="1704326" y="4440248"/>
-                <a:ext cx="5175631" cy="352098"/>
-              </a:xfrm>
-              <a:prstGeom prst="flowChartAlternateProcess">
-                <a:avLst/>
-              </a:prstGeom>
-              <a:noFill/>
-              <a:ln w="9525" cap="flat" cmpd="sng" algn="ctr">
-                <a:solidFill>
-                  <a:schemeClr val="dk1"/>
-                </a:solidFill>
-                <a:prstDash val="dash"/>
-                <a:round/>
-                <a:headEnd type="none" w="med" len="med"/>
-                <a:tailEnd type="none" w="med" len="med"/>
-              </a:ln>
-            </p:spPr>
-            <p:style>
-              <a:lnRef idx="0">
-                <a:scrgbClr r="0" g="0" b="0"/>
-              </a:lnRef>
-              <a:fillRef idx="0">
-                <a:scrgbClr r="0" g="0" b="0"/>
-              </a:fillRef>
-              <a:effectRef idx="0">
-                <a:scrgbClr r="0" g="0" b="0"/>
-              </a:effectRef>
-              <a:fontRef idx="minor">
-                <a:schemeClr val="dk1"/>
-              </a:fontRef>
-            </p:style>
-            <p:txBody>
-              <a:bodyPr vert="horz" wrap="none" lIns="74295" tIns="37148" rIns="74295" bIns="37148" numCol="1" rtlCol="0" anchor="ctr" anchorCtr="0" compatLnSpc="1">
-                <a:prstTxWarp prst="textNoShape">
-                  <a:avLst/>
-                </a:prstTxWarp>
-              </a:bodyPr>
-              <a:lstStyle/>
-              <a:p>
-                <a:pPr algn="ctr" eaLnBrk="1" hangingPunct="1"/>
-                <a:endParaRPr lang="en-US" altLang="ko-KR" sz="900" dirty="0">
-                  <a:solidFill>
-                    <a:schemeClr val="tx1"/>
-                  </a:solidFill>
-                  <a:latin typeface="현대하모니 M" panose="02020603020101020101" pitchFamily="18" charset="-127"/>
-                  <a:ea typeface="현대하모니 M" panose="02020603020101020101"/>
-                </a:endParaRPr>
-              </a:p>
-            </p:txBody>
-          </p:sp>
-          <p:sp>
-            <p:nvSpPr>
-              <p:cNvPr id="149" name="순서도: 대체 처리 148">
-                <a:extLst>
-                  <a:ext uri="{FF2B5EF4-FFF2-40B4-BE49-F238E27FC236}">
-                    <a16:creationId xmlns:a16="http://schemas.microsoft.com/office/drawing/2014/main" id="{4365EFFB-BEAA-CEBF-320B-6F01EA4F6092}"/>
-                  </a:ext>
-                </a:extLst>
-              </p:cNvPr>
-              <p:cNvSpPr/>
-              <p:nvPr/>
-            </p:nvSpPr>
-            <p:spPr bwMode="auto">
-              <a:xfrm>
-                <a:off x="4342574" y="4532171"/>
-                <a:ext cx="1178366" cy="166492"/>
-              </a:xfrm>
-              <a:prstGeom prst="flowChartAlternateProcess">
-                <a:avLst/>
-              </a:prstGeom>
-              <a:solidFill>
-                <a:schemeClr val="accent6"/>
-              </a:solidFill>
-              <a:ln w="22225" cap="flat" cmpd="sng" algn="ctr">
-                <a:solidFill>
-                  <a:schemeClr val="tx1"/>
-                </a:solidFill>
-                <a:prstDash val="solid"/>
-                <a:round/>
-                <a:headEnd type="none" w="med" len="med"/>
-                <a:tailEnd type="none" w="med" len="med"/>
-              </a:ln>
-              <a:effectLst/>
-            </p:spPr>
-            <p:txBody>
-              <a:bodyPr vert="horz" wrap="none" lIns="74295" tIns="37148" rIns="74295" bIns="37148" numCol="1" rtlCol="0" anchor="ctr" anchorCtr="0" compatLnSpc="1">
-                <a:prstTxWarp prst="textNoShape">
-                  <a:avLst/>
-                </a:prstTxWarp>
-              </a:bodyPr>
-              <a:lstStyle/>
-              <a:p>
-                <a:pPr algn="ctr"/>
-                <a:r>
-                  <a:rPr lang="en-US" altLang="ko-KR" sz="900" dirty="0">
-                    <a:solidFill>
-                      <a:schemeClr val="tx1"/>
-                    </a:solidFill>
-                  </a:rPr>
-                  <a:t>REINF1_Clamp</a:t>
-                </a:r>
-                <a:r>
-                  <a:rPr lang="en-US" altLang="ko-KR" sz="900" dirty="0"/>
-                  <a:t>.UNCLAMP</a:t>
-                </a:r>
-                <a:endParaRPr lang="ko-KR" altLang="en-US" sz="900" dirty="0"/>
-              </a:p>
-            </p:txBody>
-          </p:sp>
-          <p:sp>
-            <p:nvSpPr>
-              <p:cNvPr id="150" name="순서도: 대체 처리 149">
-                <a:extLst>
-                  <a:ext uri="{FF2B5EF4-FFF2-40B4-BE49-F238E27FC236}">
-                    <a16:creationId xmlns:a16="http://schemas.microsoft.com/office/drawing/2014/main" id="{0E3400BF-928F-E8EB-8510-5BE4B30B3040}"/>
-                  </a:ext>
-                </a:extLst>
-              </p:cNvPr>
-              <p:cNvSpPr/>
-              <p:nvPr/>
-            </p:nvSpPr>
-            <p:spPr bwMode="auto">
-              <a:xfrm>
-                <a:off x="5621946" y="4532171"/>
-                <a:ext cx="1178366" cy="166492"/>
-              </a:xfrm>
-              <a:prstGeom prst="flowChartAlternateProcess">
-                <a:avLst/>
-              </a:prstGeom>
-              <a:solidFill>
-                <a:schemeClr val="accent6"/>
-              </a:solidFill>
-              <a:ln w="22225" cap="flat" cmpd="sng" algn="ctr">
-                <a:solidFill>
-                  <a:schemeClr val="tx1"/>
-                </a:solidFill>
-                <a:prstDash val="solid"/>
-                <a:round/>
-                <a:headEnd type="none" w="med" len="med"/>
-                <a:tailEnd type="none" w="med" len="med"/>
-              </a:ln>
-              <a:effectLst/>
-            </p:spPr>
-            <p:txBody>
-              <a:bodyPr vert="horz" wrap="none" lIns="74295" tIns="37148" rIns="74295" bIns="37148" numCol="1" rtlCol="0" anchor="ctr" anchorCtr="0" compatLnSpc="1">
-                <a:prstTxWarp prst="textNoShape">
-                  <a:avLst/>
-                </a:prstTxWarp>
-              </a:bodyPr>
-              <a:lstStyle/>
-              <a:p>
-                <a:pPr algn="ctr"/>
-                <a:r>
-                  <a:rPr lang="en-US" altLang="ko-KR" sz="900" dirty="0">
-                    <a:solidFill>
-                      <a:schemeClr val="tx1"/>
-                    </a:solidFill>
-                  </a:rPr>
-                  <a:t>REINF2_Clamp</a:t>
-                </a:r>
-                <a:r>
-                  <a:rPr lang="en-US" altLang="ko-KR" sz="900" dirty="0"/>
-                  <a:t>.UNCLAMP</a:t>
-                </a:r>
-                <a:endParaRPr lang="ko-KR" altLang="en-US" sz="900" dirty="0"/>
-              </a:p>
-            </p:txBody>
-          </p:sp>
-        </p:grpSp>
-        <p:cxnSp>
-          <p:nvCxnSpPr>
-            <p:cNvPr id="156" name="직선 화살표 연결선 155">
-              <a:extLst>
-                <a:ext uri="{FF2B5EF4-FFF2-40B4-BE49-F238E27FC236}">
-                  <a16:creationId xmlns:a16="http://schemas.microsoft.com/office/drawing/2014/main" id="{9AA47F3A-4AA4-4D99-01DB-B68BB7D3697C}"/>
-                </a:ext>
-              </a:extLst>
-            </p:cNvPr>
-            <p:cNvCxnSpPr>
-              <a:cxnSpLocks/>
-              <a:stCxn id="138" idx="2"/>
-              <a:endCxn id="148" idx="0"/>
-            </p:cNvCxnSpPr>
-            <p:nvPr/>
-          </p:nvCxnSpPr>
-          <p:spPr bwMode="auto">
-            <a:xfrm flipH="1">
-              <a:off x="3489177" y="3008037"/>
-              <a:ext cx="1" cy="189492"/>
-            </a:xfrm>
-            <a:prstGeom prst="straightConnector1">
-              <a:avLst/>
-            </a:prstGeom>
-            <a:ln>
-              <a:solidFill>
-                <a:srgbClr val="0070C0"/>
-              </a:solidFill>
-              <a:headEnd type="none" w="med" len="med"/>
-              <a:tailEnd type="triangle"/>
-            </a:ln>
-          </p:spPr>
-          <p:style>
-            <a:lnRef idx="1">
-              <a:schemeClr val="accent6"/>
-            </a:lnRef>
-            <a:fillRef idx="0">
-              <a:schemeClr val="accent6"/>
-            </a:fillRef>
-            <a:effectRef idx="0">
-              <a:schemeClr val="accent6"/>
+              <a:schemeClr val="accent1"/>
             </a:effectRef>
             <a:fontRef idx="minor">
               <a:schemeClr val="tx1"/>
@@ -11545,273 +10731,6 @@
           </p:style>
         </p:cxnSp>
       </p:grpSp>
-      <p:sp>
-        <p:nvSpPr>
-          <p:cNvPr id="4" name="직사각형 3">
-            <a:extLst>
-              <a:ext uri="{FF2B5EF4-FFF2-40B4-BE49-F238E27FC236}">
-                <a16:creationId xmlns:a16="http://schemas.microsoft.com/office/drawing/2014/main" id="{D8B1B474-495E-8647-6082-66359A90E20C}"/>
-              </a:ext>
-            </a:extLst>
-          </p:cNvPr>
-          <p:cNvSpPr/>
-          <p:nvPr/>
-        </p:nvSpPr>
-        <p:spPr bwMode="auto">
-          <a:xfrm>
-            <a:off x="9044074" y="2788676"/>
-            <a:ext cx="2305242" cy="853766"/>
-          </a:xfrm>
-          <a:prstGeom prst="rect">
-            <a:avLst/>
-          </a:prstGeom>
-          <a:noFill/>
-          <a:ln>
-            <a:headEnd type="none" w="med" len="med"/>
-            <a:tailEnd type="none" w="med" len="med"/>
-          </a:ln>
-        </p:spPr>
-        <p:style>
-          <a:lnRef idx="2">
-            <a:schemeClr val="dk1"/>
-          </a:lnRef>
-          <a:fillRef idx="1">
-            <a:schemeClr val="lt1"/>
-          </a:fillRef>
-          <a:effectRef idx="0">
-            <a:schemeClr val="dk1"/>
-          </a:effectRef>
-          <a:fontRef idx="minor">
-            <a:schemeClr val="dk1"/>
-          </a:fontRef>
-        </p:style>
-        <p:txBody>
-          <a:bodyPr vert="horz" wrap="none" lIns="74295" tIns="37148" rIns="74295" bIns="37148" numCol="1" rtlCol="0" anchor="t" anchorCtr="0" compatLnSpc="1">
-            <a:prstTxWarp prst="textNoShape">
-              <a:avLst/>
-            </a:prstTxWarp>
-          </a:bodyPr>
-          <a:lstStyle/>
-          <a:p>
-            <a:pPr algn="ctr"/>
-            <a:r>
-              <a:rPr lang="en-US" altLang="ko-KR" sz="900" dirty="0"/>
-              <a:t>A </a:t>
-            </a:r>
-            <a:r>
-              <a:rPr lang="ko-KR" altLang="en-US" sz="900" dirty="0" err="1"/>
-              <a:t>ㅁㅁㅁ</a:t>
-            </a:r>
-            <a:endParaRPr lang="ko-KR" altLang="en-US" sz="900" dirty="0">
-              <a:ea typeface="현대하모니 M" panose="02020603020101020101"/>
-            </a:endParaRPr>
-          </a:p>
-        </p:txBody>
-      </p:sp>
-      <p:cxnSp>
-        <p:nvCxnSpPr>
-          <p:cNvPr id="7" name="직선 화살표 연결선 6">
-            <a:extLst>
-              <a:ext uri="{FF2B5EF4-FFF2-40B4-BE49-F238E27FC236}">
-                <a16:creationId xmlns:a16="http://schemas.microsoft.com/office/drawing/2014/main" id="{B2ECAB2B-50AC-76BA-FDD2-9AC770CAEA6D}"/>
-              </a:ext>
-            </a:extLst>
-          </p:cNvPr>
-          <p:cNvCxnSpPr>
-            <a:cxnSpLocks/>
-            <a:stCxn id="12" idx="3"/>
-            <a:endCxn id="4" idx="1"/>
-          </p:cNvCxnSpPr>
-          <p:nvPr/>
-        </p:nvCxnSpPr>
-        <p:spPr>
-          <a:xfrm>
-            <a:off x="6897453" y="2489882"/>
-            <a:ext cx="2146621" cy="725677"/>
-          </a:xfrm>
-          <a:prstGeom prst="straightConnector1">
-            <a:avLst/>
-          </a:prstGeom>
-          <a:ln>
-            <a:headEnd type="diamond" w="med" len="med"/>
-            <a:tailEnd type="triangle" w="med" len="med"/>
-          </a:ln>
-        </p:spPr>
-        <p:style>
-          <a:lnRef idx="1">
-            <a:schemeClr val="accent1"/>
-          </a:lnRef>
-          <a:fillRef idx="0">
-            <a:schemeClr val="accent1"/>
-          </a:fillRef>
-          <a:effectRef idx="0">
-            <a:schemeClr val="accent1"/>
-          </a:effectRef>
-          <a:fontRef idx="minor">
-            <a:schemeClr val="tx1"/>
-          </a:fontRef>
-        </p:style>
-      </p:cxnSp>
-      <p:sp>
-        <p:nvSpPr>
-          <p:cNvPr id="6" name="&quot;허용 안 됨&quot; 기호 5">
-            <a:extLst>
-              <a:ext uri="{FF2B5EF4-FFF2-40B4-BE49-F238E27FC236}">
-                <a16:creationId xmlns:a16="http://schemas.microsoft.com/office/drawing/2014/main" id="{24C1CEDE-6C7E-6F78-4877-759A0396F925}"/>
-              </a:ext>
-            </a:extLst>
-          </p:cNvPr>
-          <p:cNvSpPr/>
-          <p:nvPr/>
-        </p:nvSpPr>
-        <p:spPr>
-          <a:xfrm>
-            <a:off x="2449902" y="4364966"/>
-            <a:ext cx="2070340" cy="1492370"/>
-          </a:xfrm>
-          <a:prstGeom prst="noSmoking">
-            <a:avLst/>
-          </a:prstGeom>
-        </p:spPr>
-        <p:style>
-          <a:lnRef idx="2">
-            <a:schemeClr val="accent1">
-              <a:shade val="50000"/>
-            </a:schemeClr>
-          </a:lnRef>
-          <a:fillRef idx="1">
-            <a:schemeClr val="accent1"/>
-          </a:fillRef>
-          <a:effectRef idx="0">
-            <a:schemeClr val="accent1"/>
-          </a:effectRef>
-          <a:fontRef idx="minor">
-            <a:schemeClr val="lt1"/>
-          </a:fontRef>
-        </p:style>
-        <p:txBody>
-          <a:bodyPr rtlCol="0" anchor="ctr"/>
-          <a:lstStyle/>
-          <a:p>
-            <a:pPr algn="ctr"/>
-            <a:r>
-              <a:rPr lang="en-US" altLang="ko-KR" dirty="0">
-                <a:solidFill>
-                  <a:schemeClr val="tx1"/>
-                </a:solidFill>
-              </a:rPr>
-              <a:t>EEE</a:t>
-            </a:r>
-            <a:endParaRPr lang="ko-KR" altLang="en-US" dirty="0">
-              <a:solidFill>
-                <a:schemeClr val="tx1"/>
-              </a:solidFill>
-            </a:endParaRPr>
-          </a:p>
-        </p:txBody>
-      </p:sp>
-      <p:sp>
-        <p:nvSpPr>
-          <p:cNvPr id="15" name="순서도: 대체 처리 14">
-            <a:extLst>
-              <a:ext uri="{FF2B5EF4-FFF2-40B4-BE49-F238E27FC236}">
-                <a16:creationId xmlns:a16="http://schemas.microsoft.com/office/drawing/2014/main" id="{1CE51D4B-F3B3-99A3-304D-1EEB9DFF892D}"/>
-              </a:ext>
-            </a:extLst>
-          </p:cNvPr>
-          <p:cNvSpPr/>
-          <p:nvPr/>
-        </p:nvSpPr>
-        <p:spPr bwMode="auto">
-          <a:xfrm>
-            <a:off x="9044074" y="1176036"/>
-            <a:ext cx="1429500" cy="168372"/>
-          </a:xfrm>
-          <a:prstGeom prst="flowChartAlternateProcess">
-            <a:avLst/>
-          </a:prstGeom>
-          <a:solidFill>
-            <a:schemeClr val="accent2"/>
-          </a:solidFill>
-          <a:ln w="22225" cap="flat" cmpd="sng" algn="ctr">
-            <a:solidFill>
-              <a:schemeClr val="tx1"/>
-            </a:solidFill>
-            <a:prstDash val="solid"/>
-            <a:round/>
-            <a:headEnd type="none" w="med" len="med"/>
-            <a:tailEnd type="none" w="med" len="med"/>
-          </a:ln>
-          <a:effectLst/>
-        </p:spPr>
-        <p:txBody>
-          <a:bodyPr vert="horz" wrap="none" lIns="74295" tIns="37148" rIns="74295" bIns="37148" numCol="1" rtlCol="0" anchor="ctr" anchorCtr="0" compatLnSpc="1">
-            <a:prstTxWarp prst="textNoShape">
-              <a:avLst/>
-            </a:prstTxWarp>
-          </a:bodyPr>
-          <a:lstStyle/>
-          <a:p>
-            <a:pPr algn="ctr"/>
-            <a:r>
-              <a:rPr lang="en-US" altLang="ko-KR" sz="900" dirty="0" err="1"/>
-              <a:t>REINF_Shift.RET</a:t>
-            </a:r>
-            <a:endParaRPr lang="ko-KR" altLang="en-US" sz="900" dirty="0"/>
-          </a:p>
-        </p:txBody>
-      </p:sp>
-      <p:sp>
-        <p:nvSpPr>
-          <p:cNvPr id="19" name="순서도: 대체 처리 18">
-            <a:extLst>
-              <a:ext uri="{FF2B5EF4-FFF2-40B4-BE49-F238E27FC236}">
-                <a16:creationId xmlns:a16="http://schemas.microsoft.com/office/drawing/2014/main" id="{76E81E7B-6735-0F2C-BE14-EE0B6A7EC282}"/>
-              </a:ext>
-            </a:extLst>
-          </p:cNvPr>
-          <p:cNvSpPr/>
-          <p:nvPr/>
-        </p:nvSpPr>
-        <p:spPr bwMode="auto">
-          <a:xfrm>
-            <a:off x="8851417" y="2321510"/>
-            <a:ext cx="1429500" cy="168372"/>
-          </a:xfrm>
-          <a:prstGeom prst="flowChartAlternateProcess">
-            <a:avLst/>
-          </a:prstGeom>
-          <a:solidFill>
-            <a:schemeClr val="accent2"/>
-          </a:solidFill>
-          <a:ln w="22225" cap="flat" cmpd="sng" algn="ctr">
-            <a:solidFill>
-              <a:schemeClr val="tx1"/>
-            </a:solidFill>
-            <a:prstDash val="solid"/>
-            <a:round/>
-            <a:headEnd type="none" w="med" len="med"/>
-            <a:tailEnd type="none" w="med" len="med"/>
-          </a:ln>
-          <a:effectLst/>
-        </p:spPr>
-        <p:txBody>
-          <a:bodyPr vert="horz" wrap="none" lIns="74295" tIns="37148" rIns="74295" bIns="37148" numCol="1" rtlCol="0" anchor="ctr" anchorCtr="0" compatLnSpc="1">
-            <a:prstTxWarp prst="textNoShape">
-              <a:avLst/>
-            </a:prstTxWarp>
-          </a:bodyPr>
-          <a:lstStyle/>
-          <a:p>
-            <a:pPr algn="ctr"/>
-            <a:r>
-              <a:rPr lang="en-US" altLang="ko-KR" sz="900" dirty="0" err="1"/>
-              <a:t>REINF_Shift.RET</a:t>
-            </a:r>
-            <a:endParaRPr lang="ko-KR" altLang="en-US" sz="900" dirty="0"/>
-          </a:p>
-        </p:txBody>
-      </p:sp>
     </p:spTree>
     <p:extLst>
       <p:ext uri="{BB962C8B-B14F-4D97-AF65-F5344CB8AC3E}">
@@ -11927,7 +10846,7 @@
             <a:pPr algn="ctr"/>
             <a:r>
               <a:rPr lang="en-US" altLang="ko-KR" sz="900" dirty="0"/>
-              <a:t>SIDE_QTR.#205-2</a:t>
+              <a:t>#101.#201-1</a:t>
             </a:r>
             <a:endParaRPr lang="ko-KR" altLang="en-US" sz="900" dirty="0">
               <a:ea typeface="현대하모니 M" panose="02020603020101020101"/>
@@ -17196,7 +16115,7 @@
         </p:nvSpPr>
         <p:spPr>
           <a:xfrm>
-            <a:off x="6978770" y="4166558"/>
+            <a:off x="9719656" y="3210198"/>
             <a:ext cx="1673524" cy="1690778"/>
           </a:xfrm>
           <a:prstGeom prst="donut">

--- a/DsDotNet/src/Model/Import/Model.Import.Office/sample/ds.pptx
+++ b/DsDotNet/src/Model/Import/Model.Import.Office/sample/ds.pptx
@@ -206,7 +206,7 @@
           <a:p>
             <a:fld id="{2B89E2EC-FE27-4C5F-972C-0BECC28DD028}" type="datetimeFigureOut">
               <a:rPr lang="ko-KR" altLang="en-US" smtClean="0"/>
-              <a:t>2022-10-20</a:t>
+              <a:t>2022-10-26</a:t>
             </a:fld>
             <a:endParaRPr lang="ko-KR" altLang="en-US"/>
           </a:p>
@@ -620,7 +620,7 @@
           <a:p>
             <a:fld id="{74A2778E-F063-4908-8427-F8B35A4747CF}" type="datetimeFigureOut">
               <a:rPr lang="ko-KR" altLang="en-US" smtClean="0"/>
-              <a:t>2022-10-20</a:t>
+              <a:t>2022-10-26</a:t>
             </a:fld>
             <a:endParaRPr lang="ko-KR" altLang="en-US"/>
           </a:p>
@@ -818,7 +818,7 @@
           <a:p>
             <a:fld id="{74A2778E-F063-4908-8427-F8B35A4747CF}" type="datetimeFigureOut">
               <a:rPr lang="ko-KR" altLang="en-US" smtClean="0"/>
-              <a:t>2022-10-20</a:t>
+              <a:t>2022-10-26</a:t>
             </a:fld>
             <a:endParaRPr lang="ko-KR" altLang="en-US"/>
           </a:p>
@@ -1026,7 +1026,7 @@
           <a:p>
             <a:fld id="{74A2778E-F063-4908-8427-F8B35A4747CF}" type="datetimeFigureOut">
               <a:rPr lang="ko-KR" altLang="en-US" smtClean="0"/>
-              <a:t>2022-10-20</a:t>
+              <a:t>2022-10-26</a:t>
             </a:fld>
             <a:endParaRPr lang="ko-KR" altLang="en-US"/>
           </a:p>
@@ -1224,7 +1224,7 @@
           <a:p>
             <a:fld id="{74A2778E-F063-4908-8427-F8B35A4747CF}" type="datetimeFigureOut">
               <a:rPr lang="ko-KR" altLang="en-US" smtClean="0"/>
-              <a:t>2022-10-20</a:t>
+              <a:t>2022-10-26</a:t>
             </a:fld>
             <a:endParaRPr lang="ko-KR" altLang="en-US"/>
           </a:p>
@@ -1499,7 +1499,7 @@
           <a:p>
             <a:fld id="{74A2778E-F063-4908-8427-F8B35A4747CF}" type="datetimeFigureOut">
               <a:rPr lang="ko-KR" altLang="en-US" smtClean="0"/>
-              <a:t>2022-10-20</a:t>
+              <a:t>2022-10-26</a:t>
             </a:fld>
             <a:endParaRPr lang="ko-KR" altLang="en-US"/>
           </a:p>
@@ -1764,7 +1764,7 @@
           <a:p>
             <a:fld id="{74A2778E-F063-4908-8427-F8B35A4747CF}" type="datetimeFigureOut">
               <a:rPr lang="ko-KR" altLang="en-US" smtClean="0"/>
-              <a:t>2022-10-20</a:t>
+              <a:t>2022-10-26</a:t>
             </a:fld>
             <a:endParaRPr lang="ko-KR" altLang="en-US"/>
           </a:p>
@@ -2176,7 +2176,7 @@
           <a:p>
             <a:fld id="{74A2778E-F063-4908-8427-F8B35A4747CF}" type="datetimeFigureOut">
               <a:rPr lang="ko-KR" altLang="en-US" smtClean="0"/>
-              <a:t>2022-10-20</a:t>
+              <a:t>2022-10-26</a:t>
             </a:fld>
             <a:endParaRPr lang="ko-KR" altLang="en-US"/>
           </a:p>
@@ -2317,7 +2317,7 @@
           <a:p>
             <a:fld id="{74A2778E-F063-4908-8427-F8B35A4747CF}" type="datetimeFigureOut">
               <a:rPr lang="ko-KR" altLang="en-US" smtClean="0"/>
-              <a:t>2022-10-20</a:t>
+              <a:t>2022-10-26</a:t>
             </a:fld>
             <a:endParaRPr lang="ko-KR" altLang="en-US"/>
           </a:p>
@@ -2430,7 +2430,7 @@
           <a:p>
             <a:fld id="{74A2778E-F063-4908-8427-F8B35A4747CF}" type="datetimeFigureOut">
               <a:rPr lang="ko-KR" altLang="en-US" smtClean="0"/>
-              <a:t>2022-10-20</a:t>
+              <a:t>2022-10-26</a:t>
             </a:fld>
             <a:endParaRPr lang="ko-KR" altLang="en-US"/>
           </a:p>
@@ -2741,7 +2741,7 @@
           <a:p>
             <a:fld id="{74A2778E-F063-4908-8427-F8B35A4747CF}" type="datetimeFigureOut">
               <a:rPr lang="ko-KR" altLang="en-US" smtClean="0"/>
-              <a:t>2022-10-20</a:t>
+              <a:t>2022-10-26</a:t>
             </a:fld>
             <a:endParaRPr lang="ko-KR" altLang="en-US"/>
           </a:p>
@@ -3029,7 +3029,7 @@
           <a:p>
             <a:fld id="{74A2778E-F063-4908-8427-F8B35A4747CF}" type="datetimeFigureOut">
               <a:rPr lang="ko-KR" altLang="en-US" smtClean="0"/>
-              <a:t>2022-10-20</a:t>
+              <a:t>2022-10-26</a:t>
             </a:fld>
             <a:endParaRPr lang="ko-KR" altLang="en-US"/>
           </a:p>
@@ -3270,7 +3270,7 @@
           <a:p>
             <a:fld id="{74A2778E-F063-4908-8427-F8B35A4747CF}" type="datetimeFigureOut">
               <a:rPr lang="ko-KR" altLang="en-US" smtClean="0"/>
-              <a:t>2022-10-20</a:t>
+              <a:t>2022-10-26</a:t>
             </a:fld>
             <a:endParaRPr lang="ko-KR" altLang="en-US"/>
           </a:p>
@@ -10267,140 +10267,6 @@
           </a:p>
         </p:txBody>
       </p:sp>
-      <p:grpSp>
-        <p:nvGrpSpPr>
-          <p:cNvPr id="38" name="그룹 37">
-            <a:extLst>
-              <a:ext uri="{FF2B5EF4-FFF2-40B4-BE49-F238E27FC236}">
-                <a16:creationId xmlns:a16="http://schemas.microsoft.com/office/drawing/2014/main" id="{9F5AB3DB-1B26-D3CF-674B-625527D41BAD}"/>
-              </a:ext>
-            </a:extLst>
-          </p:cNvPr>
-          <p:cNvGrpSpPr/>
-          <p:nvPr/>
-        </p:nvGrpSpPr>
-        <p:grpSpPr>
-          <a:xfrm>
-            <a:off x="658067" y="1981919"/>
-            <a:ext cx="6077402" cy="1417692"/>
-            <a:chOff x="451033" y="649128"/>
-            <a:chExt cx="6077402" cy="1417692"/>
-          </a:xfrm>
-        </p:grpSpPr>
-        <p:sp>
-          <p:nvSpPr>
-            <p:cNvPr id="12" name="직사각형 11">
-              <a:extLst>
-                <a:ext uri="{FF2B5EF4-FFF2-40B4-BE49-F238E27FC236}">
-                  <a16:creationId xmlns:a16="http://schemas.microsoft.com/office/drawing/2014/main" id="{55393502-E6AB-CD86-4B3E-50A3A19D3830}"/>
-                </a:ext>
-              </a:extLst>
-            </p:cNvPr>
-            <p:cNvSpPr/>
-            <p:nvPr/>
-          </p:nvSpPr>
-          <p:spPr bwMode="auto">
-            <a:xfrm>
-              <a:off x="451033" y="649128"/>
-              <a:ext cx="6077402" cy="1417692"/>
-            </a:xfrm>
-            <a:prstGeom prst="rect">
-              <a:avLst/>
-            </a:prstGeom>
-            <a:noFill/>
-            <a:ln>
-              <a:headEnd type="none" w="med" len="med"/>
-              <a:tailEnd type="none" w="med" len="med"/>
-            </a:ln>
-          </p:spPr>
-          <p:style>
-            <a:lnRef idx="2">
-              <a:schemeClr val="dk1"/>
-            </a:lnRef>
-            <a:fillRef idx="1">
-              <a:schemeClr val="lt1"/>
-            </a:fillRef>
-            <a:effectRef idx="0">
-              <a:schemeClr val="dk1"/>
-            </a:effectRef>
-            <a:fontRef idx="minor">
-              <a:schemeClr val="dk1"/>
-            </a:fontRef>
-          </p:style>
-          <p:txBody>
-            <a:bodyPr vert="horz" wrap="none" lIns="74295" tIns="37148" rIns="74295" bIns="37148" numCol="1" rtlCol="0" anchor="t" anchorCtr="0" compatLnSpc="1">
-              <a:prstTxWarp prst="textNoShape">
-                <a:avLst/>
-              </a:prstTxWarp>
-            </a:bodyPr>
-            <a:lstStyle/>
-            <a:p>
-              <a:pPr algn="ctr"/>
-              <a:r>
-                <a:rPr lang="en-US" altLang="ko-KR" sz="900" dirty="0"/>
-                <a:t>#201-1</a:t>
-              </a:r>
-              <a:endParaRPr lang="ko-KR" altLang="en-US" sz="900" dirty="0">
-                <a:ea typeface="현대하모니 M" panose="02020603020101020101"/>
-              </a:endParaRPr>
-            </a:p>
-          </p:txBody>
-        </p:sp>
-        <p:sp>
-          <p:nvSpPr>
-            <p:cNvPr id="3" name="순서도: 대체 처리 2">
-              <a:extLst>
-                <a:ext uri="{FF2B5EF4-FFF2-40B4-BE49-F238E27FC236}">
-                  <a16:creationId xmlns:a16="http://schemas.microsoft.com/office/drawing/2014/main" id="{8BF15E7E-6B0A-C1AC-A6F1-53015514CBD8}"/>
-                </a:ext>
-              </a:extLst>
-            </p:cNvPr>
-            <p:cNvSpPr/>
-            <p:nvPr/>
-          </p:nvSpPr>
-          <p:spPr bwMode="auto">
-            <a:xfrm>
-              <a:off x="2958609" y="893403"/>
-              <a:ext cx="1441637" cy="168371"/>
-            </a:xfrm>
-            <a:prstGeom prst="flowChartAlternateProcess">
-              <a:avLst/>
-            </a:prstGeom>
-            <a:solidFill>
-              <a:schemeClr val="accent4">
-                <a:lumMod val="60000"/>
-                <a:lumOff val="40000"/>
-              </a:schemeClr>
-            </a:solidFill>
-            <a:ln w="22225" cap="flat" cmpd="sng" algn="ctr">
-              <a:solidFill>
-                <a:schemeClr val="tx1"/>
-              </a:solidFill>
-              <a:prstDash val="solid"/>
-              <a:round/>
-              <a:headEnd type="none" w="med" len="med"/>
-              <a:tailEnd type="none" w="med" len="med"/>
-            </a:ln>
-            <a:effectLst/>
-          </p:spPr>
-          <p:txBody>
-            <a:bodyPr vert="horz" wrap="none" lIns="74295" tIns="37148" rIns="74295" bIns="37148" numCol="1" rtlCol="0" anchor="ctr" anchorCtr="0" compatLnSpc="1">
-              <a:prstTxWarp prst="textNoShape">
-                <a:avLst/>
-              </a:prstTxWarp>
-            </a:bodyPr>
-            <a:lstStyle/>
-            <a:p>
-              <a:pPr algn="ctr"/>
-              <a:r>
-                <a:rPr lang="en-US" altLang="ko-KR" sz="900" dirty="0"/>
-                <a:t>Handling.LOADING1</a:t>
-              </a:r>
-              <a:endParaRPr lang="ko-KR" altLang="en-US" sz="900" dirty="0"/>
-            </a:p>
-          </p:txBody>
-        </p:sp>
-      </p:grpSp>
       <p:cxnSp>
         <p:nvCxnSpPr>
           <p:cNvPr id="7" name="직선 화살표 연결선 6">
@@ -10707,6 +10573,376 @@
             <a:xfrm rot="5400000">
               <a:off x="9394444" y="1702440"/>
               <a:ext cx="722412" cy="6349"/>
+            </a:xfrm>
+            <a:prstGeom prst="bentConnector3">
+              <a:avLst/>
+            </a:prstGeom>
+            <a:ln>
+              <a:tailEnd type="triangle"/>
+            </a:ln>
+          </p:spPr>
+          <p:style>
+            <a:lnRef idx="1">
+              <a:schemeClr val="accent1"/>
+            </a:lnRef>
+            <a:fillRef idx="0">
+              <a:schemeClr val="accent1"/>
+            </a:fillRef>
+            <a:effectRef idx="0">
+              <a:schemeClr val="accent1"/>
+            </a:effectRef>
+            <a:fontRef idx="minor">
+              <a:schemeClr val="tx1"/>
+            </a:fontRef>
+          </p:style>
+        </p:cxnSp>
+      </p:grpSp>
+      <p:grpSp>
+        <p:nvGrpSpPr>
+          <p:cNvPr id="21" name="그룹 20">
+            <a:extLst>
+              <a:ext uri="{FF2B5EF4-FFF2-40B4-BE49-F238E27FC236}">
+                <a16:creationId xmlns:a16="http://schemas.microsoft.com/office/drawing/2014/main" id="{0BFFAF11-3184-BC52-D159-7E89966F6257}"/>
+              </a:ext>
+            </a:extLst>
+          </p:cNvPr>
+          <p:cNvGrpSpPr/>
+          <p:nvPr/>
+        </p:nvGrpSpPr>
+        <p:grpSpPr>
+          <a:xfrm>
+            <a:off x="658067" y="1981919"/>
+            <a:ext cx="6077402" cy="1417692"/>
+            <a:chOff x="658067" y="1981919"/>
+            <a:chExt cx="6077402" cy="1417692"/>
+          </a:xfrm>
+        </p:grpSpPr>
+        <p:sp>
+          <p:nvSpPr>
+            <p:cNvPr id="12" name="직사각형 11">
+              <a:extLst>
+                <a:ext uri="{FF2B5EF4-FFF2-40B4-BE49-F238E27FC236}">
+                  <a16:creationId xmlns:a16="http://schemas.microsoft.com/office/drawing/2014/main" id="{55393502-E6AB-CD86-4B3E-50A3A19D3830}"/>
+                </a:ext>
+              </a:extLst>
+            </p:cNvPr>
+            <p:cNvSpPr/>
+            <p:nvPr/>
+          </p:nvSpPr>
+          <p:spPr bwMode="auto">
+            <a:xfrm>
+              <a:off x="658067" y="1981919"/>
+              <a:ext cx="6077402" cy="1417692"/>
+            </a:xfrm>
+            <a:prstGeom prst="rect">
+              <a:avLst/>
+            </a:prstGeom>
+            <a:noFill/>
+            <a:ln>
+              <a:headEnd type="none" w="med" len="med"/>
+              <a:tailEnd type="none" w="med" len="med"/>
+            </a:ln>
+          </p:spPr>
+          <p:style>
+            <a:lnRef idx="2">
+              <a:schemeClr val="dk1"/>
+            </a:lnRef>
+            <a:fillRef idx="1">
+              <a:schemeClr val="lt1"/>
+            </a:fillRef>
+            <a:effectRef idx="0">
+              <a:schemeClr val="dk1"/>
+            </a:effectRef>
+            <a:fontRef idx="minor">
+              <a:schemeClr val="dk1"/>
+            </a:fontRef>
+          </p:style>
+          <p:txBody>
+            <a:bodyPr vert="horz" wrap="none" lIns="74295" tIns="37148" rIns="74295" bIns="37148" numCol="1" rtlCol="0" anchor="t" anchorCtr="0" compatLnSpc="1">
+              <a:prstTxWarp prst="textNoShape">
+                <a:avLst/>
+              </a:prstTxWarp>
+            </a:bodyPr>
+            <a:lstStyle/>
+            <a:p>
+              <a:pPr algn="ctr"/>
+              <a:r>
+                <a:rPr lang="en-US" altLang="ko-KR" sz="900" dirty="0"/>
+                <a:t>#201-1</a:t>
+              </a:r>
+              <a:endParaRPr lang="ko-KR" altLang="en-US" sz="900" dirty="0">
+                <a:ea typeface="현대하모니 M" panose="02020603020101020101"/>
+              </a:endParaRPr>
+            </a:p>
+          </p:txBody>
+        </p:sp>
+        <p:grpSp>
+          <p:nvGrpSpPr>
+            <p:cNvPr id="15" name="그룹 14">
+              <a:extLst>
+                <a:ext uri="{FF2B5EF4-FFF2-40B4-BE49-F238E27FC236}">
+                  <a16:creationId xmlns:a16="http://schemas.microsoft.com/office/drawing/2014/main" id="{80909996-6A5F-F728-70E5-C6BAD8C8F030}"/>
+                </a:ext>
+              </a:extLst>
+            </p:cNvPr>
+            <p:cNvGrpSpPr/>
+            <p:nvPr/>
+          </p:nvGrpSpPr>
+          <p:grpSpPr>
+            <a:xfrm>
+              <a:off x="1297878" y="2151006"/>
+              <a:ext cx="4236334" cy="590009"/>
+              <a:chOff x="1297878" y="2151006"/>
+              <a:chExt cx="4236334" cy="590009"/>
+            </a:xfrm>
+          </p:grpSpPr>
+          <p:sp>
+            <p:nvSpPr>
+              <p:cNvPr id="3" name="순서도: 대체 처리 2">
+                <a:extLst>
+                  <a:ext uri="{FF2B5EF4-FFF2-40B4-BE49-F238E27FC236}">
+                    <a16:creationId xmlns:a16="http://schemas.microsoft.com/office/drawing/2014/main" id="{8BF15E7E-6B0A-C1AC-A6F1-53015514CBD8}"/>
+                  </a:ext>
+                </a:extLst>
+              </p:cNvPr>
+              <p:cNvSpPr/>
+              <p:nvPr/>
+            </p:nvSpPr>
+            <p:spPr bwMode="auto">
+              <a:xfrm>
+                <a:off x="1729083" y="2277639"/>
+                <a:ext cx="1441637" cy="168371"/>
+              </a:xfrm>
+              <a:prstGeom prst="flowChartAlternateProcess">
+                <a:avLst/>
+              </a:prstGeom>
+              <a:solidFill>
+                <a:schemeClr val="accent4">
+                  <a:lumMod val="60000"/>
+                  <a:lumOff val="40000"/>
+                </a:schemeClr>
+              </a:solidFill>
+              <a:ln w="22225" cap="flat" cmpd="sng" algn="ctr">
+                <a:solidFill>
+                  <a:schemeClr val="tx1"/>
+                </a:solidFill>
+                <a:prstDash val="solid"/>
+                <a:round/>
+                <a:headEnd type="none" w="med" len="med"/>
+                <a:tailEnd type="none" w="med" len="med"/>
+              </a:ln>
+              <a:effectLst/>
+            </p:spPr>
+            <p:txBody>
+              <a:bodyPr vert="horz" wrap="none" lIns="74295" tIns="37148" rIns="74295" bIns="37148" numCol="1" rtlCol="0" anchor="ctr" anchorCtr="0" compatLnSpc="1">
+                <a:prstTxWarp prst="textNoShape">
+                  <a:avLst/>
+                </a:prstTxWarp>
+              </a:bodyPr>
+              <a:lstStyle/>
+              <a:p>
+                <a:pPr algn="ctr"/>
+                <a:r>
+                  <a:rPr lang="en-US" altLang="ko-KR" sz="900" dirty="0"/>
+                  <a:t>Handling.LOADING1</a:t>
+                </a:r>
+                <a:endParaRPr lang="ko-KR" altLang="en-US" sz="900" dirty="0"/>
+              </a:p>
+            </p:txBody>
+          </p:sp>
+          <p:sp>
+            <p:nvSpPr>
+              <p:cNvPr id="8" name="순서도: 대체 처리 7">
+                <a:extLst>
+                  <a:ext uri="{FF2B5EF4-FFF2-40B4-BE49-F238E27FC236}">
+                    <a16:creationId xmlns:a16="http://schemas.microsoft.com/office/drawing/2014/main" id="{EBE1B489-C826-84F4-9849-C6780210A328}"/>
+                  </a:ext>
+                </a:extLst>
+              </p:cNvPr>
+              <p:cNvSpPr/>
+              <p:nvPr/>
+            </p:nvSpPr>
+            <p:spPr bwMode="auto">
+              <a:xfrm>
+                <a:off x="1297878" y="2151006"/>
+                <a:ext cx="4236334" cy="590009"/>
+              </a:xfrm>
+              <a:prstGeom prst="flowChartAlternateProcess">
+                <a:avLst/>
+              </a:prstGeom>
+              <a:noFill/>
+              <a:ln w="9525" cap="flat" cmpd="sng" algn="ctr">
+                <a:solidFill>
+                  <a:schemeClr val="dk1"/>
+                </a:solidFill>
+                <a:prstDash val="dash"/>
+                <a:round/>
+                <a:headEnd type="none" w="med" len="med"/>
+                <a:tailEnd type="none" w="med" len="med"/>
+              </a:ln>
+            </p:spPr>
+            <p:style>
+              <a:lnRef idx="0">
+                <a:scrgbClr r="0" g="0" b="0"/>
+              </a:lnRef>
+              <a:fillRef idx="0">
+                <a:scrgbClr r="0" g="0" b="0"/>
+              </a:fillRef>
+              <a:effectRef idx="0">
+                <a:scrgbClr r="0" g="0" b="0"/>
+              </a:effectRef>
+              <a:fontRef idx="minor">
+                <a:schemeClr val="dk1"/>
+              </a:fontRef>
+            </p:style>
+            <p:txBody>
+              <a:bodyPr vert="horz" wrap="none" lIns="74295" tIns="37148" rIns="74295" bIns="37148" numCol="1" rtlCol="0" anchor="ctr" anchorCtr="0" compatLnSpc="1">
+                <a:prstTxWarp prst="textNoShape">
+                  <a:avLst/>
+                </a:prstTxWarp>
+              </a:bodyPr>
+              <a:lstStyle/>
+              <a:p>
+                <a:pPr algn="ctr" eaLnBrk="1" hangingPunct="1"/>
+                <a:endParaRPr lang="en-US" altLang="ko-KR" sz="300" dirty="0">
+                  <a:solidFill>
+                    <a:schemeClr val="tx1"/>
+                  </a:solidFill>
+                  <a:latin typeface="현대하모니 M" panose="02020603020101020101" pitchFamily="18" charset="-127"/>
+                  <a:ea typeface="현대하모니 M" panose="02020603020101020101"/>
+                </a:endParaRPr>
+              </a:p>
+            </p:txBody>
+          </p:sp>
+          <p:sp>
+            <p:nvSpPr>
+              <p:cNvPr id="9" name="순서도: 대체 처리 8">
+                <a:extLst>
+                  <a:ext uri="{FF2B5EF4-FFF2-40B4-BE49-F238E27FC236}">
+                    <a16:creationId xmlns:a16="http://schemas.microsoft.com/office/drawing/2014/main" id="{8B95A413-EEAC-4BC8-BB82-AD2045A3C69C}"/>
+                  </a:ext>
+                </a:extLst>
+              </p:cNvPr>
+              <p:cNvSpPr/>
+              <p:nvPr/>
+            </p:nvSpPr>
+            <p:spPr bwMode="auto">
+              <a:xfrm>
+                <a:off x="3799423" y="2387363"/>
+                <a:ext cx="1441637" cy="168371"/>
+              </a:xfrm>
+              <a:prstGeom prst="flowChartAlternateProcess">
+                <a:avLst/>
+              </a:prstGeom>
+              <a:solidFill>
+                <a:schemeClr val="accent4">
+                  <a:lumMod val="60000"/>
+                  <a:lumOff val="40000"/>
+                </a:schemeClr>
+              </a:solidFill>
+              <a:ln w="22225" cap="flat" cmpd="sng" algn="ctr">
+                <a:solidFill>
+                  <a:schemeClr val="tx1"/>
+                </a:solidFill>
+                <a:prstDash val="solid"/>
+                <a:round/>
+                <a:headEnd type="none" w="med" len="med"/>
+                <a:tailEnd type="none" w="med" len="med"/>
+              </a:ln>
+              <a:effectLst/>
+            </p:spPr>
+            <p:txBody>
+              <a:bodyPr vert="horz" wrap="none" lIns="74295" tIns="37148" rIns="74295" bIns="37148" numCol="1" rtlCol="0" anchor="ctr" anchorCtr="0" compatLnSpc="1">
+                <a:prstTxWarp prst="textNoShape">
+                  <a:avLst/>
+                </a:prstTxWarp>
+              </a:bodyPr>
+              <a:lstStyle/>
+              <a:p>
+                <a:pPr algn="ctr"/>
+                <a:r>
+                  <a:rPr lang="en-US" altLang="ko-KR" sz="900" dirty="0"/>
+                  <a:t>Handling.LOADING1</a:t>
+                </a:r>
+                <a:endParaRPr lang="ko-KR" altLang="en-US" sz="900" dirty="0"/>
+              </a:p>
+            </p:txBody>
+          </p:sp>
+        </p:grpSp>
+        <p:sp>
+          <p:nvSpPr>
+            <p:cNvPr id="14" name="순서도: 대체 처리 13">
+              <a:extLst>
+                <a:ext uri="{FF2B5EF4-FFF2-40B4-BE49-F238E27FC236}">
+                  <a16:creationId xmlns:a16="http://schemas.microsoft.com/office/drawing/2014/main" id="{3FF6A108-6FF3-6779-8CAF-C42114AD9C69}"/>
+                </a:ext>
+              </a:extLst>
+            </p:cNvPr>
+            <p:cNvSpPr/>
+            <p:nvPr/>
+          </p:nvSpPr>
+          <p:spPr bwMode="auto">
+            <a:xfrm>
+              <a:off x="2664381" y="3100342"/>
+              <a:ext cx="1441637" cy="168371"/>
+            </a:xfrm>
+            <a:prstGeom prst="flowChartAlternateProcess">
+              <a:avLst/>
+            </a:prstGeom>
+            <a:solidFill>
+              <a:schemeClr val="accent4">
+                <a:lumMod val="60000"/>
+                <a:lumOff val="40000"/>
+              </a:schemeClr>
+            </a:solidFill>
+            <a:ln w="22225" cap="flat" cmpd="sng" algn="ctr">
+              <a:solidFill>
+                <a:schemeClr val="tx1"/>
+              </a:solidFill>
+              <a:prstDash val="solid"/>
+              <a:round/>
+              <a:headEnd type="none" w="med" len="med"/>
+              <a:tailEnd type="none" w="med" len="med"/>
+            </a:ln>
+            <a:effectLst/>
+          </p:spPr>
+          <p:txBody>
+            <a:bodyPr vert="horz" wrap="none" lIns="74295" tIns="37148" rIns="74295" bIns="37148" numCol="1" rtlCol="0" anchor="ctr" anchorCtr="0" compatLnSpc="1">
+              <a:prstTxWarp prst="textNoShape">
+                <a:avLst/>
+              </a:prstTxWarp>
+            </a:bodyPr>
+            <a:lstStyle/>
+            <a:p>
+              <a:pPr algn="ctr"/>
+              <a:r>
+                <a:rPr lang="en-US" altLang="ko-KR" sz="900" dirty="0"/>
+                <a:t>Handling.LOADING1</a:t>
+              </a:r>
+              <a:endParaRPr lang="ko-KR" altLang="en-US" sz="900" dirty="0"/>
+            </a:p>
+          </p:txBody>
+        </p:sp>
+        <p:cxnSp>
+          <p:nvCxnSpPr>
+            <p:cNvPr id="17" name="연결선: 꺾임 16">
+              <a:extLst>
+                <a:ext uri="{FF2B5EF4-FFF2-40B4-BE49-F238E27FC236}">
+                  <a16:creationId xmlns:a16="http://schemas.microsoft.com/office/drawing/2014/main" id="{F4EF8C41-AF83-D0F6-7D45-FAA84926580C}"/>
+                </a:ext>
+              </a:extLst>
+            </p:cNvPr>
+            <p:cNvCxnSpPr>
+              <a:cxnSpLocks/>
+              <a:stCxn id="8" idx="2"/>
+              <a:endCxn id="14" idx="0"/>
+            </p:cNvCxnSpPr>
+            <p:nvPr/>
+          </p:nvCxnSpPr>
+          <p:spPr>
+            <a:xfrm rot="5400000">
+              <a:off x="3220960" y="2905256"/>
+              <a:ext cx="359327" cy="30845"/>
             </a:xfrm>
             <a:prstGeom prst="bentConnector3">
               <a:avLst/>

--- a/DsDotNet/src/Model/Import/Model.Import.Office/sample/ds.pptx
+++ b/DsDotNet/src/Model/Import/Model.Import.Office/sample/ds.pptx
@@ -206,7 +206,7 @@
           <a:p>
             <a:fld id="{2B89E2EC-FE27-4C5F-972C-0BECC28DD028}" type="datetimeFigureOut">
               <a:rPr lang="ko-KR" altLang="en-US" smtClean="0"/>
-              <a:t>2022-10-26</a:t>
+              <a:t>2022-10-28</a:t>
             </a:fld>
             <a:endParaRPr lang="ko-KR" altLang="en-US"/>
           </a:p>
@@ -620,7 +620,7 @@
           <a:p>
             <a:fld id="{74A2778E-F063-4908-8427-F8B35A4747CF}" type="datetimeFigureOut">
               <a:rPr lang="ko-KR" altLang="en-US" smtClean="0"/>
-              <a:t>2022-10-26</a:t>
+              <a:t>2022-10-28</a:t>
             </a:fld>
             <a:endParaRPr lang="ko-KR" altLang="en-US"/>
           </a:p>
@@ -818,7 +818,7 @@
           <a:p>
             <a:fld id="{74A2778E-F063-4908-8427-F8B35A4747CF}" type="datetimeFigureOut">
               <a:rPr lang="ko-KR" altLang="en-US" smtClean="0"/>
-              <a:t>2022-10-26</a:t>
+              <a:t>2022-10-28</a:t>
             </a:fld>
             <a:endParaRPr lang="ko-KR" altLang="en-US"/>
           </a:p>
@@ -1026,7 +1026,7 @@
           <a:p>
             <a:fld id="{74A2778E-F063-4908-8427-F8B35A4747CF}" type="datetimeFigureOut">
               <a:rPr lang="ko-KR" altLang="en-US" smtClean="0"/>
-              <a:t>2022-10-26</a:t>
+              <a:t>2022-10-28</a:t>
             </a:fld>
             <a:endParaRPr lang="ko-KR" altLang="en-US"/>
           </a:p>
@@ -1224,7 +1224,7 @@
           <a:p>
             <a:fld id="{74A2778E-F063-4908-8427-F8B35A4747CF}" type="datetimeFigureOut">
               <a:rPr lang="ko-KR" altLang="en-US" smtClean="0"/>
-              <a:t>2022-10-26</a:t>
+              <a:t>2022-10-28</a:t>
             </a:fld>
             <a:endParaRPr lang="ko-KR" altLang="en-US"/>
           </a:p>
@@ -1499,7 +1499,7 @@
           <a:p>
             <a:fld id="{74A2778E-F063-4908-8427-F8B35A4747CF}" type="datetimeFigureOut">
               <a:rPr lang="ko-KR" altLang="en-US" smtClean="0"/>
-              <a:t>2022-10-26</a:t>
+              <a:t>2022-10-28</a:t>
             </a:fld>
             <a:endParaRPr lang="ko-KR" altLang="en-US"/>
           </a:p>
@@ -1764,7 +1764,7 @@
           <a:p>
             <a:fld id="{74A2778E-F063-4908-8427-F8B35A4747CF}" type="datetimeFigureOut">
               <a:rPr lang="ko-KR" altLang="en-US" smtClean="0"/>
-              <a:t>2022-10-26</a:t>
+              <a:t>2022-10-28</a:t>
             </a:fld>
             <a:endParaRPr lang="ko-KR" altLang="en-US"/>
           </a:p>
@@ -2176,7 +2176,7 @@
           <a:p>
             <a:fld id="{74A2778E-F063-4908-8427-F8B35A4747CF}" type="datetimeFigureOut">
               <a:rPr lang="ko-KR" altLang="en-US" smtClean="0"/>
-              <a:t>2022-10-26</a:t>
+              <a:t>2022-10-28</a:t>
             </a:fld>
             <a:endParaRPr lang="ko-KR" altLang="en-US"/>
           </a:p>
@@ -2317,7 +2317,7 @@
           <a:p>
             <a:fld id="{74A2778E-F063-4908-8427-F8B35A4747CF}" type="datetimeFigureOut">
               <a:rPr lang="ko-KR" altLang="en-US" smtClean="0"/>
-              <a:t>2022-10-26</a:t>
+              <a:t>2022-10-28</a:t>
             </a:fld>
             <a:endParaRPr lang="ko-KR" altLang="en-US"/>
           </a:p>
@@ -2430,7 +2430,7 @@
           <a:p>
             <a:fld id="{74A2778E-F063-4908-8427-F8B35A4747CF}" type="datetimeFigureOut">
               <a:rPr lang="ko-KR" altLang="en-US" smtClean="0"/>
-              <a:t>2022-10-26</a:t>
+              <a:t>2022-10-28</a:t>
             </a:fld>
             <a:endParaRPr lang="ko-KR" altLang="en-US"/>
           </a:p>
@@ -2741,7 +2741,7 @@
           <a:p>
             <a:fld id="{74A2778E-F063-4908-8427-F8B35A4747CF}" type="datetimeFigureOut">
               <a:rPr lang="ko-KR" altLang="en-US" smtClean="0"/>
-              <a:t>2022-10-26</a:t>
+              <a:t>2022-10-28</a:t>
             </a:fld>
             <a:endParaRPr lang="ko-KR" altLang="en-US"/>
           </a:p>
@@ -3029,7 +3029,7 @@
           <a:p>
             <a:fld id="{74A2778E-F063-4908-8427-F8B35A4747CF}" type="datetimeFigureOut">
               <a:rPr lang="ko-KR" altLang="en-US" smtClean="0"/>
-              <a:t>2022-10-26</a:t>
+              <a:t>2022-10-28</a:t>
             </a:fld>
             <a:endParaRPr lang="ko-KR" altLang="en-US"/>
           </a:p>
@@ -3270,7 +3270,7 @@
           <a:p>
             <a:fld id="{74A2778E-F063-4908-8427-F8B35A4747CF}" type="datetimeFigureOut">
               <a:rPr lang="ko-KR" altLang="en-US" smtClean="0"/>
-              <a:t>2022-10-26</a:t>
+              <a:t>2022-10-28</a:t>
             </a:fld>
             <a:endParaRPr lang="ko-KR" altLang="en-US"/>
           </a:p>
@@ -4416,7 +4416,9 @@
             </a:schemeClr>
           </a:solidFill>
           <a:ln>
-            <a:noFill/>
+            <a:solidFill>
+              <a:schemeClr val="tx1"/>
+            </a:solidFill>
           </a:ln>
         </p:spPr>
         <p:style>
@@ -4489,7 +4491,9 @@
             </a:schemeClr>
           </a:solidFill>
           <a:ln>
-            <a:noFill/>
+            <a:solidFill>
+              <a:schemeClr val="tx1"/>
+            </a:solidFill>
           </a:ln>
         </p:spPr>
         <p:style>
@@ -4562,7 +4566,9 @@
             </a:schemeClr>
           </a:solidFill>
           <a:ln>
-            <a:noFill/>
+            <a:solidFill>
+              <a:schemeClr val="tx1"/>
+            </a:solidFill>
           </a:ln>
         </p:spPr>
         <p:style>
@@ -4627,7 +4633,9 @@
             </a:schemeClr>
           </a:solidFill>
           <a:ln>
-            <a:noFill/>
+            <a:solidFill>
+              <a:schemeClr val="tx1"/>
+            </a:solidFill>
           </a:ln>
         </p:spPr>
         <p:style>
@@ -4700,7 +4708,9 @@
             </a:schemeClr>
           </a:solidFill>
           <a:ln>
-            <a:noFill/>
+            <a:solidFill>
+              <a:schemeClr val="tx1"/>
+            </a:solidFill>
           </a:ln>
         </p:spPr>
         <p:style>
@@ -4773,7 +4783,9 @@
             </a:schemeClr>
           </a:solidFill>
           <a:ln>
-            <a:noFill/>
+            <a:solidFill>
+              <a:schemeClr val="tx1"/>
+            </a:solidFill>
           </a:ln>
         </p:spPr>
         <p:style>
@@ -4846,7 +4858,9 @@
             </a:schemeClr>
           </a:solidFill>
           <a:ln>
-            <a:noFill/>
+            <a:solidFill>
+              <a:schemeClr val="tx1"/>
+            </a:solidFill>
           </a:ln>
         </p:spPr>
         <p:style>
@@ -4911,7 +4925,9 @@
             </a:schemeClr>
           </a:solidFill>
           <a:ln>
-            <a:noFill/>
+            <a:solidFill>
+              <a:schemeClr val="tx1"/>
+            </a:solidFill>
           </a:ln>
         </p:spPr>
         <p:style>
@@ -4976,7 +4992,9 @@
             </a:schemeClr>
           </a:solidFill>
           <a:ln>
-            <a:noFill/>
+            <a:solidFill>
+              <a:schemeClr val="tx1"/>
+            </a:solidFill>
           </a:ln>
         </p:spPr>
         <p:style>
@@ -5057,7 +5075,9 @@
             </a:schemeClr>
           </a:solidFill>
           <a:ln>
-            <a:noFill/>
+            <a:solidFill>
+              <a:schemeClr val="tx1"/>
+            </a:solidFill>
           </a:ln>
         </p:spPr>
         <p:style>
@@ -5138,7 +5158,9 @@
             </a:schemeClr>
           </a:solidFill>
           <a:ln>
-            <a:noFill/>
+            <a:solidFill>
+              <a:schemeClr val="tx1"/>
+            </a:solidFill>
           </a:ln>
         </p:spPr>
         <p:style>
@@ -5219,7 +5241,9 @@
             </a:schemeClr>
           </a:solidFill>
           <a:ln>
-            <a:noFill/>
+            <a:solidFill>
+              <a:schemeClr val="tx1"/>
+            </a:solidFill>
           </a:ln>
         </p:spPr>
         <p:style>
@@ -5300,7 +5324,9 @@
             </a:schemeClr>
           </a:solidFill>
           <a:ln>
-            <a:noFill/>
+            <a:solidFill>
+              <a:schemeClr val="tx1"/>
+            </a:solidFill>
           </a:ln>
         </p:spPr>
         <p:style>
@@ -5381,7 +5407,9 @@
             </a:schemeClr>
           </a:solidFill>
           <a:ln>
-            <a:noFill/>
+            <a:solidFill>
+              <a:schemeClr val="tx1"/>
+            </a:solidFill>
           </a:ln>
         </p:spPr>
         <p:style>
@@ -5462,7 +5490,9 @@
             </a:schemeClr>
           </a:solidFill>
           <a:ln>
-            <a:noFill/>
+            <a:solidFill>
+              <a:schemeClr val="tx1"/>
+            </a:solidFill>
           </a:ln>
         </p:spPr>
         <p:style>
@@ -5543,7 +5573,9 @@
             </a:schemeClr>
           </a:solidFill>
           <a:ln>
-            <a:noFill/>
+            <a:solidFill>
+              <a:schemeClr val="tx1"/>
+            </a:solidFill>
           </a:ln>
         </p:spPr>
         <p:style>
@@ -5624,7 +5656,9 @@
             </a:schemeClr>
           </a:solidFill>
           <a:ln>
-            <a:noFill/>
+            <a:solidFill>
+              <a:schemeClr val="tx1"/>
+            </a:solidFill>
           </a:ln>
         </p:spPr>
         <p:style>
@@ -5705,7 +5739,9 @@
             </a:schemeClr>
           </a:solidFill>
           <a:ln>
-            <a:noFill/>
+            <a:solidFill>
+              <a:schemeClr val="tx1"/>
+            </a:solidFill>
           </a:ln>
         </p:spPr>
         <p:style>
@@ -5786,7 +5822,9 @@
             </a:schemeClr>
           </a:solidFill>
           <a:ln>
-            <a:noFill/>
+            <a:solidFill>
+              <a:schemeClr val="tx1"/>
+            </a:solidFill>
           </a:ln>
         </p:spPr>
         <p:style>
@@ -5867,7 +5905,9 @@
             </a:schemeClr>
           </a:solidFill>
           <a:ln>
-            <a:noFill/>
+            <a:solidFill>
+              <a:schemeClr val="tx1"/>
+            </a:solidFill>
           </a:ln>
         </p:spPr>
         <p:style>
@@ -5948,7 +5988,9 @@
             </a:schemeClr>
           </a:solidFill>
           <a:ln>
-            <a:noFill/>
+            <a:solidFill>
+              <a:schemeClr val="tx1"/>
+            </a:solidFill>
           </a:ln>
         </p:spPr>
         <p:style>
@@ -6029,7 +6071,9 @@
             </a:schemeClr>
           </a:solidFill>
           <a:ln>
-            <a:noFill/>
+            <a:solidFill>
+              <a:schemeClr val="tx1"/>
+            </a:solidFill>
           </a:ln>
         </p:spPr>
         <p:style>
@@ -6110,7 +6154,9 @@
             </a:schemeClr>
           </a:solidFill>
           <a:ln>
-            <a:noFill/>
+            <a:solidFill>
+              <a:schemeClr val="tx1"/>
+            </a:solidFill>
           </a:ln>
         </p:spPr>
         <p:style>
@@ -6191,7 +6237,9 @@
             </a:schemeClr>
           </a:solidFill>
           <a:ln>
-            <a:noFill/>
+            <a:solidFill>
+              <a:schemeClr val="tx1"/>
+            </a:solidFill>
           </a:ln>
         </p:spPr>
         <p:style>
@@ -6272,7 +6320,9 @@
             </a:schemeClr>
           </a:solidFill>
           <a:ln>
-            <a:noFill/>
+            <a:solidFill>
+              <a:schemeClr val="tx1"/>
+            </a:solidFill>
           </a:ln>
         </p:spPr>
         <p:style>
@@ -6345,7 +6395,9 @@
             </a:schemeClr>
           </a:solidFill>
           <a:ln>
-            <a:noFill/>
+            <a:solidFill>
+              <a:schemeClr val="tx1"/>
+            </a:solidFill>
           </a:ln>
         </p:spPr>
         <p:style>
@@ -6418,7 +6470,9 @@
             </a:schemeClr>
           </a:solidFill>
           <a:ln>
-            <a:noFill/>
+            <a:solidFill>
+              <a:schemeClr val="tx1"/>
+            </a:solidFill>
           </a:ln>
         </p:spPr>
         <p:style>
@@ -6491,7 +6545,9 @@
             </a:schemeClr>
           </a:solidFill>
           <a:ln>
-            <a:noFill/>
+            <a:solidFill>
+              <a:schemeClr val="tx1"/>
+            </a:solidFill>
           </a:ln>
         </p:spPr>
         <p:style>
@@ -6564,7 +6620,9 @@
             </a:schemeClr>
           </a:solidFill>
           <a:ln>
-            <a:noFill/>
+            <a:solidFill>
+              <a:schemeClr val="tx1"/>
+            </a:solidFill>
           </a:ln>
         </p:spPr>
         <p:style>
@@ -6637,7 +6695,9 @@
             </a:schemeClr>
           </a:solidFill>
           <a:ln>
-            <a:noFill/>
+            <a:solidFill>
+              <a:schemeClr val="tx1"/>
+            </a:solidFill>
           </a:ln>
         </p:spPr>
         <p:style>
@@ -6710,7 +6770,9 @@
             </a:schemeClr>
           </a:solidFill>
           <a:ln>
-            <a:noFill/>
+            <a:solidFill>
+              <a:schemeClr val="tx1"/>
+            </a:solidFill>
           </a:ln>
         </p:spPr>
         <p:style>
@@ -6783,7 +6845,9 @@
             </a:schemeClr>
           </a:solidFill>
           <a:ln>
-            <a:noFill/>
+            <a:solidFill>
+              <a:schemeClr val="tx1"/>
+            </a:solidFill>
           </a:ln>
         </p:spPr>
         <p:style>
@@ -6864,7 +6928,9 @@
             </a:schemeClr>
           </a:solidFill>
           <a:ln>
-            <a:noFill/>
+            <a:solidFill>
+              <a:schemeClr val="tx1"/>
+            </a:solidFill>
           </a:ln>
         </p:spPr>
         <p:style>
@@ -6945,7 +7011,9 @@
             </a:schemeClr>
           </a:solidFill>
           <a:ln>
-            <a:noFill/>
+            <a:solidFill>
+              <a:schemeClr val="tx1"/>
+            </a:solidFill>
           </a:ln>
         </p:spPr>
         <p:style>
@@ -7026,7 +7094,9 @@
             </a:schemeClr>
           </a:solidFill>
           <a:ln>
-            <a:noFill/>
+            <a:solidFill>
+              <a:schemeClr val="tx1"/>
+            </a:solidFill>
           </a:ln>
         </p:spPr>
         <p:style>
@@ -7107,7 +7177,9 @@
             </a:schemeClr>
           </a:solidFill>
           <a:ln>
-            <a:noFill/>
+            <a:solidFill>
+              <a:schemeClr val="tx1"/>
+            </a:solidFill>
           </a:ln>
         </p:spPr>
         <p:style>
@@ -7188,7 +7260,9 @@
             </a:schemeClr>
           </a:solidFill>
           <a:ln>
-            <a:noFill/>
+            <a:solidFill>
+              <a:schemeClr val="tx1"/>
+            </a:solidFill>
           </a:ln>
         </p:spPr>
         <p:style>
@@ -7269,7 +7343,9 @@
             </a:schemeClr>
           </a:solidFill>
           <a:ln>
-            <a:noFill/>
+            <a:solidFill>
+              <a:schemeClr val="tx1"/>
+            </a:solidFill>
           </a:ln>
         </p:spPr>
         <p:style>
@@ -7350,7 +7426,9 @@
             </a:schemeClr>
           </a:solidFill>
           <a:ln>
-            <a:noFill/>
+            <a:solidFill>
+              <a:schemeClr val="tx1"/>
+            </a:solidFill>
           </a:ln>
         </p:spPr>
         <p:style>
@@ -7423,7 +7501,9 @@
             </a:schemeClr>
           </a:solidFill>
           <a:ln>
-            <a:noFill/>
+            <a:solidFill>
+              <a:schemeClr val="tx1"/>
+            </a:solidFill>
           </a:ln>
         </p:spPr>
         <p:style>
@@ -7496,7 +7576,9 @@
             </a:schemeClr>
           </a:solidFill>
           <a:ln>
-            <a:noFill/>
+            <a:solidFill>
+              <a:schemeClr val="tx1"/>
+            </a:solidFill>
           </a:ln>
         </p:spPr>
         <p:style>
@@ -7569,7 +7651,9 @@
             </a:schemeClr>
           </a:solidFill>
           <a:ln>
-            <a:noFill/>
+            <a:solidFill>
+              <a:schemeClr val="tx1"/>
+            </a:solidFill>
           </a:ln>
         </p:spPr>
         <p:style>
@@ -7642,7 +7726,9 @@
             </a:schemeClr>
           </a:solidFill>
           <a:ln>
-            <a:noFill/>
+            <a:solidFill>
+              <a:schemeClr val="tx1"/>
+            </a:solidFill>
           </a:ln>
         </p:spPr>
         <p:style>
@@ -7715,7 +7801,9 @@
             </a:schemeClr>
           </a:solidFill>
           <a:ln>
-            <a:noFill/>
+            <a:solidFill>
+              <a:schemeClr val="tx1"/>
+            </a:solidFill>
           </a:ln>
         </p:spPr>
         <p:style>
@@ -7780,7 +7868,9 @@
             </a:schemeClr>
           </a:solidFill>
           <a:ln>
-            <a:noFill/>
+            <a:solidFill>
+              <a:schemeClr val="tx1"/>
+            </a:solidFill>
           </a:ln>
         </p:spPr>
         <p:style>
@@ -7853,7 +7943,9 @@
             </a:schemeClr>
           </a:solidFill>
           <a:ln>
-            <a:noFill/>
+            <a:solidFill>
+              <a:schemeClr val="tx1"/>
+            </a:solidFill>
           </a:ln>
         </p:spPr>
         <p:style>
@@ -7934,7 +8026,9 @@
             </a:schemeClr>
           </a:solidFill>
           <a:ln>
-            <a:noFill/>
+            <a:solidFill>
+              <a:schemeClr val="tx1"/>
+            </a:solidFill>
           </a:ln>
         </p:spPr>
         <p:style>
@@ -8015,7 +8109,9 @@
             </a:schemeClr>
           </a:solidFill>
           <a:ln>
-            <a:noFill/>
+            <a:solidFill>
+              <a:schemeClr val="tx1"/>
+            </a:solidFill>
           </a:ln>
         </p:spPr>
         <p:style>
@@ -8096,7 +8192,9 @@
             </a:schemeClr>
           </a:solidFill>
           <a:ln>
-            <a:noFill/>
+            <a:solidFill>
+              <a:schemeClr val="tx1"/>
+            </a:solidFill>
           </a:ln>
         </p:spPr>
         <p:style>
@@ -8177,7 +8275,9 @@
             </a:schemeClr>
           </a:solidFill>
           <a:ln>
-            <a:noFill/>
+            <a:solidFill>
+              <a:schemeClr val="tx1"/>
+            </a:solidFill>
           </a:ln>
         </p:spPr>
         <p:style>
@@ -8242,7 +8342,9 @@
             </a:schemeClr>
           </a:solidFill>
           <a:ln>
-            <a:noFill/>
+            <a:solidFill>
+              <a:schemeClr val="tx1"/>
+            </a:solidFill>
           </a:ln>
         </p:spPr>
         <p:style>
@@ -8323,7 +8425,9 @@
             </a:schemeClr>
           </a:solidFill>
           <a:ln>
-            <a:noFill/>
+            <a:solidFill>
+              <a:schemeClr val="tx1"/>
+            </a:solidFill>
           </a:ln>
         </p:spPr>
         <p:style>
@@ -8396,7 +8500,9 @@
             </a:schemeClr>
           </a:solidFill>
           <a:ln>
-            <a:noFill/>
+            <a:solidFill>
+              <a:schemeClr val="tx1"/>
+            </a:solidFill>
           </a:ln>
         </p:spPr>
         <p:style>
@@ -8477,7 +8583,9 @@
             </a:schemeClr>
           </a:solidFill>
           <a:ln>
-            <a:noFill/>
+            <a:solidFill>
+              <a:schemeClr val="tx1"/>
+            </a:solidFill>
           </a:ln>
         </p:spPr>
         <p:style>
@@ -8558,7 +8666,9 @@
             </a:schemeClr>
           </a:solidFill>
           <a:ln>
-            <a:noFill/>
+            <a:solidFill>
+              <a:schemeClr val="tx1"/>
+            </a:solidFill>
           </a:ln>
         </p:spPr>
         <p:style>
@@ -8623,7 +8733,9 @@
             </a:schemeClr>
           </a:solidFill>
           <a:ln>
-            <a:noFill/>
+            <a:solidFill>
+              <a:schemeClr val="tx1"/>
+            </a:solidFill>
           </a:ln>
         </p:spPr>
         <p:style>
@@ -8688,7 +8800,9 @@
             </a:schemeClr>
           </a:solidFill>
           <a:ln>
-            <a:noFill/>
+            <a:solidFill>
+              <a:schemeClr val="tx1"/>
+            </a:solidFill>
           </a:ln>
         </p:spPr>
         <p:style>
@@ -8753,7 +8867,9 @@
             </a:schemeClr>
           </a:solidFill>
           <a:ln>
-            <a:noFill/>
+            <a:solidFill>
+              <a:schemeClr val="tx1"/>
+            </a:solidFill>
           </a:ln>
         </p:spPr>
         <p:style>
@@ -8818,7 +8934,9 @@
             </a:schemeClr>
           </a:solidFill>
           <a:ln>
-            <a:noFill/>
+            <a:solidFill>
+              <a:schemeClr val="tx1"/>
+            </a:solidFill>
           </a:ln>
         </p:spPr>
         <p:style>
@@ -8883,7 +9001,9 @@
             </a:schemeClr>
           </a:solidFill>
           <a:ln>
-            <a:noFill/>
+            <a:solidFill>
+              <a:schemeClr val="tx1"/>
+            </a:solidFill>
           </a:ln>
         </p:spPr>
         <p:style>
@@ -8948,7 +9068,9 @@
             </a:schemeClr>
           </a:solidFill>
           <a:ln>
-            <a:noFill/>
+            <a:solidFill>
+              <a:schemeClr val="tx1"/>
+            </a:solidFill>
           </a:ln>
         </p:spPr>
         <p:style>
@@ -9013,7 +9135,9 @@
             </a:schemeClr>
           </a:solidFill>
           <a:ln>
-            <a:noFill/>
+            <a:solidFill>
+              <a:schemeClr val="tx1"/>
+            </a:solidFill>
           </a:ln>
         </p:spPr>
         <p:style>
@@ -9078,7 +9202,9 @@
             </a:schemeClr>
           </a:solidFill>
           <a:ln>
-            <a:noFill/>
+            <a:solidFill>
+              <a:schemeClr val="tx1"/>
+            </a:solidFill>
           </a:ln>
         </p:spPr>
         <p:style>
@@ -9143,7 +9269,9 @@
             </a:schemeClr>
           </a:solidFill>
           <a:ln>
-            <a:noFill/>
+            <a:solidFill>
+              <a:schemeClr val="tx1"/>
+            </a:solidFill>
           </a:ln>
         </p:spPr>
         <p:style>
@@ -9880,23 +10008,16 @@
             <p:ph type="title"/>
           </p:nvPr>
         </p:nvSpPr>
-        <p:spPr>
-          <a:xfrm>
-            <a:off x="838200" y="70025"/>
-            <a:ext cx="6917575" cy="1325563"/>
-          </a:xfrm>
-        </p:spPr>
+        <p:spPr/>
         <p:txBody>
-          <a:bodyPr>
-            <a:normAutofit/>
-          </a:bodyPr>
+          <a:bodyPr/>
           <a:lstStyle/>
           <a:p>
             <a:r>
-              <a:rPr lang="en-US" altLang="ko-KR" sz="2800" dirty="0"/>
+              <a:rPr lang="en-US" altLang="ko-KR" dirty="0"/>
               <a:t>$Robot</a:t>
             </a:r>
-            <a:endParaRPr lang="ko-KR" altLang="en-US" sz="2800" dirty="0"/>
+            <a:endParaRPr lang="ko-KR" altLang="en-US" dirty="0"/>
           </a:p>
         </p:txBody>
       </p:sp>

--- a/DsDotNet/src/Model/Import/Model.Import.Office/sample/ds.pptx
+++ b/DsDotNet/src/Model/Import/Model.Import.Office/sample/ds.pptx
@@ -13,8 +13,8 @@
     <p:sldId id="629" r:id="rId4"/>
     <p:sldId id="631" r:id="rId5"/>
     <p:sldId id="630" r:id="rId6"/>
-    <p:sldId id="626" r:id="rId7"/>
-    <p:sldId id="633" r:id="rId8"/>
+    <p:sldId id="633" r:id="rId7"/>
+    <p:sldId id="626" r:id="rId8"/>
     <p:sldId id="627" r:id="rId9"/>
     <p:sldId id="628" r:id="rId10"/>
     <p:sldId id="625" r:id="rId11"/>
@@ -3671,7 +3671,7 @@
 </file>
 
 <file path=ppt/slides/slide1.xml><?xml version="1.0" encoding="utf-8"?>
-<p:sld xmlns:a="http://schemas.openxmlformats.org/drawingml/2006/main" xmlns:r="http://schemas.openxmlformats.org/officeDocument/2006/relationships" xmlns:p="http://schemas.openxmlformats.org/presentationml/2006/main" show="0">
+<p:sld xmlns:a="http://schemas.openxmlformats.org/drawingml/2006/main" xmlns:r="http://schemas.openxmlformats.org/officeDocument/2006/relationships" xmlns:p="http://schemas.openxmlformats.org/presentationml/2006/main">
   <p:cSld>
     <p:spTree>
       <p:nvGrpSpPr>
@@ -4047,12 +4047,17 @@
         </p:nvSpPr>
         <p:spPr>
           <a:xfrm>
-            <a:off x="2449902" y="4364966"/>
+            <a:off x="256543" y="5155119"/>
             <a:ext cx="2070340" cy="1492370"/>
           </a:xfrm>
           <a:prstGeom prst="noSmoking">
             <a:avLst/>
           </a:prstGeom>
+          <a:ln>
+            <a:solidFill>
+              <a:schemeClr val="tx1"/>
+            </a:solidFill>
+          </a:ln>
         </p:spPr>
         <p:style>
           <a:lnRef idx="2">
@@ -4105,12 +4110,17 @@
         </p:nvSpPr>
         <p:spPr>
           <a:xfrm>
-            <a:off x="4863063" y="4403819"/>
+            <a:off x="3465517" y="5155119"/>
             <a:ext cx="1104181" cy="1245933"/>
           </a:xfrm>
           <a:prstGeom prst="bevel">
             <a:avLst/>
           </a:prstGeom>
+          <a:ln>
+            <a:solidFill>
+              <a:schemeClr val="tx1"/>
+            </a:solidFill>
+          </a:ln>
         </p:spPr>
         <p:style>
           <a:lnRef idx="2">
@@ -4143,10 +4153,10 @@
       </p:sp>
       <p:sp>
         <p:nvSpPr>
-          <p:cNvPr id="14" name="막힌 원호 13">
-            <a:extLst>
-              <a:ext uri="{FF2B5EF4-FFF2-40B4-BE49-F238E27FC236}">
-                <a16:creationId xmlns:a16="http://schemas.microsoft.com/office/drawing/2014/main" id="{DC166F15-3949-6826-10B5-CEE575BD20BC}"/>
+          <p:cNvPr id="15" name="원형: 비어 있음 14">
+            <a:extLst>
+              <a:ext uri="{FF2B5EF4-FFF2-40B4-BE49-F238E27FC236}">
+                <a16:creationId xmlns:a16="http://schemas.microsoft.com/office/drawing/2014/main" id="{D1691932-8F82-B188-4B07-3ADEE7A70C6F}"/>
               </a:ext>
             </a:extLst>
           </p:cNvPr>
@@ -4155,70 +4165,17 @@
         </p:nvSpPr>
         <p:spPr>
           <a:xfrm>
-            <a:off x="4770408" y="3864668"/>
-            <a:ext cx="1196836" cy="1078302"/>
-          </a:xfrm>
-          <a:prstGeom prst="blockArc">
-            <a:avLst/>
-          </a:prstGeom>
-        </p:spPr>
-        <p:style>
-          <a:lnRef idx="2">
-            <a:schemeClr val="accent1">
-              <a:shade val="50000"/>
-            </a:schemeClr>
-          </a:lnRef>
-          <a:fillRef idx="1">
-            <a:schemeClr val="accent1"/>
-          </a:fillRef>
-          <a:effectRef idx="0">
-            <a:schemeClr val="accent1"/>
-          </a:effectRef>
-          <a:fontRef idx="minor">
-            <a:schemeClr val="lt1"/>
-          </a:fontRef>
-        </p:style>
-        <p:txBody>
-          <a:bodyPr rtlCol="0" anchor="ctr"/>
-          <a:lstStyle/>
-          <a:p>
-            <a:pPr algn="ctr"/>
-            <a:r>
-              <a:rPr lang="en-US" altLang="ko-KR" dirty="0" err="1">
-                <a:solidFill>
-                  <a:schemeClr val="tx1"/>
-                </a:solidFill>
-              </a:rPr>
-              <a:t>RRR</a:t>
-            </a:r>
-            <a:endParaRPr lang="ko-KR" altLang="en-US" dirty="0">
-              <a:solidFill>
-                <a:schemeClr val="tx1"/>
-              </a:solidFill>
-            </a:endParaRPr>
-          </a:p>
-        </p:txBody>
-      </p:sp>
-      <p:sp>
-        <p:nvSpPr>
-          <p:cNvPr id="15" name="원형: 비어 있음 14">
-            <a:extLst>
-              <a:ext uri="{FF2B5EF4-FFF2-40B4-BE49-F238E27FC236}">
-                <a16:creationId xmlns:a16="http://schemas.microsoft.com/office/drawing/2014/main" id="{D1691932-8F82-B188-4B07-3ADEE7A70C6F}"/>
-              </a:ext>
-            </a:extLst>
-          </p:cNvPr>
-          <p:cNvSpPr/>
-          <p:nvPr/>
-        </p:nvSpPr>
-        <p:spPr>
-          <a:xfrm>
-            <a:off x="6978770" y="4166558"/>
+            <a:off x="5338878" y="4833493"/>
             <a:ext cx="1673524" cy="1690778"/>
           </a:xfrm>
           <a:prstGeom prst="donut">
             <a:avLst/>
           </a:prstGeom>
+          <a:ln>
+            <a:solidFill>
+              <a:schemeClr val="tx1"/>
+            </a:solidFill>
+          </a:ln>
         </p:spPr>
         <p:style>
           <a:lnRef idx="2">
@@ -4308,7 +4265,7 @@
               <a:rPr lang="en-US" altLang="ko-KR" sz="1100" dirty="0"/>
               <a:t>A</a:t>
             </a:r>
-            <a:endParaRPr lang="ko-KR" altLang="en-US" sz="1200" dirty="0"/>
+            <a:endParaRPr lang="ko-KR" altLang="en-US" sz="1100" dirty="0"/>
           </a:p>
         </p:txBody>
       </p:sp>
@@ -22995,7 +22952,7 @@
             <a:pPr algn="ctr"/>
             <a:r>
               <a:rPr lang="en-US" altLang="ko-KR" sz="1100" dirty="0"/>
-              <a:t>UP </a:t>
+              <a:t>ADV </a:t>
             </a:r>
           </a:p>
           <a:p>
@@ -23062,7 +23019,7 @@
             <a:pPr algn="ctr"/>
             <a:r>
               <a:rPr lang="en-US" altLang="ko-KR" sz="1100" dirty="0"/>
-              <a:t>DOWN</a:t>
+              <a:t>RET</a:t>
             </a:r>
           </a:p>
           <a:p>
@@ -23154,18 +23111,19 @@
             <p:ph type="title"/>
           </p:nvPr>
         </p:nvSpPr>
-        <p:spPr/>
+        <p:spPr>
+          <a:xfrm>
+            <a:off x="838200" y="365125"/>
+            <a:ext cx="5836920" cy="1325563"/>
+          </a:xfrm>
+        </p:spPr>
         <p:txBody>
           <a:bodyPr/>
           <a:lstStyle/>
           <a:p>
             <a:r>
               <a:rPr lang="en-US" altLang="ko-KR" sz="4400" dirty="0"/>
-              <a:t>$</a:t>
-            </a:r>
-            <a:r>
-              <a:rPr lang="en-US" altLang="ko-KR" dirty="0"/>
-              <a:t>Pin</a:t>
+              <a:t>$Shift</a:t>
             </a:r>
             <a:endParaRPr lang="ko-KR" altLang="en-US" dirty="0"/>
           </a:p>
@@ -23174,7 +23132,7 @@
     </p:spTree>
     <p:extLst>
       <p:ext uri="{BB962C8B-B14F-4D97-AF65-F5344CB8AC3E}">
-        <p14:creationId xmlns:p14="http://schemas.microsoft.com/office/powerpoint/2010/main" val="2361245852"/>
+        <p14:creationId xmlns:p14="http://schemas.microsoft.com/office/powerpoint/2010/main" val="4085891558"/>
       </p:ext>
     </p:extLst>
   </p:cSld>
@@ -23836,7 +23794,7 @@
             <a:pPr algn="ctr"/>
             <a:r>
               <a:rPr lang="en-US" altLang="ko-KR" sz="1100" dirty="0"/>
-              <a:t>ADV </a:t>
+              <a:t>UP </a:t>
             </a:r>
           </a:p>
           <a:p>
@@ -23903,7 +23861,7 @@
             <a:pPr algn="ctr"/>
             <a:r>
               <a:rPr lang="en-US" altLang="ko-KR" sz="1100" dirty="0"/>
-              <a:t>RET</a:t>
+              <a:t>DOWN</a:t>
             </a:r>
           </a:p>
           <a:p>
@@ -23995,19 +23953,18 @@
             <p:ph type="title"/>
           </p:nvPr>
         </p:nvSpPr>
-        <p:spPr>
-          <a:xfrm>
-            <a:off x="838200" y="365125"/>
-            <a:ext cx="5836920" cy="1325563"/>
-          </a:xfrm>
-        </p:spPr>
+        <p:spPr/>
         <p:txBody>
           <a:bodyPr/>
           <a:lstStyle/>
           <a:p>
             <a:r>
               <a:rPr lang="en-US" altLang="ko-KR" sz="4400" dirty="0"/>
-              <a:t>$Shift</a:t>
+              <a:t>$</a:t>
+            </a:r>
+            <a:r>
+              <a:rPr lang="en-US" altLang="ko-KR" dirty="0"/>
+              <a:t>Pin</a:t>
             </a:r>
             <a:endParaRPr lang="ko-KR" altLang="en-US" dirty="0"/>
           </a:p>
@@ -24016,7 +23973,7 @@
     </p:spTree>
     <p:extLst>
       <p:ext uri="{BB962C8B-B14F-4D97-AF65-F5344CB8AC3E}">
-        <p14:creationId xmlns:p14="http://schemas.microsoft.com/office/powerpoint/2010/main" val="4085891558"/>
+        <p14:creationId xmlns:p14="http://schemas.microsoft.com/office/powerpoint/2010/main" val="2361245852"/>
       </p:ext>
     </p:extLst>
   </p:cSld>

--- a/DsDotNet/src/Model/Import/Model.Import.Office/sample/ds.pptx
+++ b/DsDotNet/src/Model/Import/Model.Import.Office/sample/ds.pptx
@@ -5,7 +5,7 @@
     <p:sldMasterId id="2147483648" r:id="rId1"/>
   </p:sldMasterIdLst>
   <p:notesMasterIdLst>
-    <p:notesMasterId r:id="rId12"/>
+    <p:notesMasterId r:id="rId13"/>
   </p:notesMasterIdLst>
   <p:sldIdLst>
     <p:sldId id="635" r:id="rId2"/>
@@ -17,7 +17,8 @@
     <p:sldId id="626" r:id="rId8"/>
     <p:sldId id="627" r:id="rId9"/>
     <p:sldId id="628" r:id="rId10"/>
-    <p:sldId id="625" r:id="rId11"/>
+    <p:sldId id="636" r:id="rId11"/>
+    <p:sldId id="625" r:id="rId12"/>
   </p:sldIdLst>
   <p:sldSz cx="12192000" cy="6858000"/>
   <p:notesSz cx="6797675" cy="9926638"/>
@@ -206,7 +207,7 @@
           <a:p>
             <a:fld id="{2B89E2EC-FE27-4C5F-972C-0BECC28DD028}" type="datetimeFigureOut">
               <a:rPr lang="ko-KR" altLang="en-US" smtClean="0"/>
-              <a:t>2022-10-28</a:t>
+              <a:t>2022-10-29</a:t>
             </a:fld>
             <a:endParaRPr lang="ko-KR" altLang="en-US"/>
           </a:p>
@@ -620,7 +621,7 @@
           <a:p>
             <a:fld id="{74A2778E-F063-4908-8427-F8B35A4747CF}" type="datetimeFigureOut">
               <a:rPr lang="ko-KR" altLang="en-US" smtClean="0"/>
-              <a:t>2022-10-28</a:t>
+              <a:t>2022-10-29</a:t>
             </a:fld>
             <a:endParaRPr lang="ko-KR" altLang="en-US"/>
           </a:p>
@@ -818,7 +819,7 @@
           <a:p>
             <a:fld id="{74A2778E-F063-4908-8427-F8B35A4747CF}" type="datetimeFigureOut">
               <a:rPr lang="ko-KR" altLang="en-US" smtClean="0"/>
-              <a:t>2022-10-28</a:t>
+              <a:t>2022-10-29</a:t>
             </a:fld>
             <a:endParaRPr lang="ko-KR" altLang="en-US"/>
           </a:p>
@@ -1026,7 +1027,7 @@
           <a:p>
             <a:fld id="{74A2778E-F063-4908-8427-F8B35A4747CF}" type="datetimeFigureOut">
               <a:rPr lang="ko-KR" altLang="en-US" smtClean="0"/>
-              <a:t>2022-10-28</a:t>
+              <a:t>2022-10-29</a:t>
             </a:fld>
             <a:endParaRPr lang="ko-KR" altLang="en-US"/>
           </a:p>
@@ -1224,7 +1225,7 @@
           <a:p>
             <a:fld id="{74A2778E-F063-4908-8427-F8B35A4747CF}" type="datetimeFigureOut">
               <a:rPr lang="ko-KR" altLang="en-US" smtClean="0"/>
-              <a:t>2022-10-28</a:t>
+              <a:t>2022-10-29</a:t>
             </a:fld>
             <a:endParaRPr lang="ko-KR" altLang="en-US"/>
           </a:p>
@@ -1499,7 +1500,7 @@
           <a:p>
             <a:fld id="{74A2778E-F063-4908-8427-F8B35A4747CF}" type="datetimeFigureOut">
               <a:rPr lang="ko-KR" altLang="en-US" smtClean="0"/>
-              <a:t>2022-10-28</a:t>
+              <a:t>2022-10-29</a:t>
             </a:fld>
             <a:endParaRPr lang="ko-KR" altLang="en-US"/>
           </a:p>
@@ -1764,7 +1765,7 @@
           <a:p>
             <a:fld id="{74A2778E-F063-4908-8427-F8B35A4747CF}" type="datetimeFigureOut">
               <a:rPr lang="ko-KR" altLang="en-US" smtClean="0"/>
-              <a:t>2022-10-28</a:t>
+              <a:t>2022-10-29</a:t>
             </a:fld>
             <a:endParaRPr lang="ko-KR" altLang="en-US"/>
           </a:p>
@@ -2176,7 +2177,7 @@
           <a:p>
             <a:fld id="{74A2778E-F063-4908-8427-F8B35A4747CF}" type="datetimeFigureOut">
               <a:rPr lang="ko-KR" altLang="en-US" smtClean="0"/>
-              <a:t>2022-10-28</a:t>
+              <a:t>2022-10-29</a:t>
             </a:fld>
             <a:endParaRPr lang="ko-KR" altLang="en-US"/>
           </a:p>
@@ -2317,7 +2318,7 @@
           <a:p>
             <a:fld id="{74A2778E-F063-4908-8427-F8B35A4747CF}" type="datetimeFigureOut">
               <a:rPr lang="ko-KR" altLang="en-US" smtClean="0"/>
-              <a:t>2022-10-28</a:t>
+              <a:t>2022-10-29</a:t>
             </a:fld>
             <a:endParaRPr lang="ko-KR" altLang="en-US"/>
           </a:p>
@@ -2430,7 +2431,7 @@
           <a:p>
             <a:fld id="{74A2778E-F063-4908-8427-F8B35A4747CF}" type="datetimeFigureOut">
               <a:rPr lang="ko-KR" altLang="en-US" smtClean="0"/>
-              <a:t>2022-10-28</a:t>
+              <a:t>2022-10-29</a:t>
             </a:fld>
             <a:endParaRPr lang="ko-KR" altLang="en-US"/>
           </a:p>
@@ -2741,7 +2742,7 @@
           <a:p>
             <a:fld id="{74A2778E-F063-4908-8427-F8B35A4747CF}" type="datetimeFigureOut">
               <a:rPr lang="ko-KR" altLang="en-US" smtClean="0"/>
-              <a:t>2022-10-28</a:t>
+              <a:t>2022-10-29</a:t>
             </a:fld>
             <a:endParaRPr lang="ko-KR" altLang="en-US"/>
           </a:p>
@@ -3029,7 +3030,7 @@
           <a:p>
             <a:fld id="{74A2778E-F063-4908-8427-F8B35A4747CF}" type="datetimeFigureOut">
               <a:rPr lang="ko-KR" altLang="en-US" smtClean="0"/>
-              <a:t>2022-10-28</a:t>
+              <a:t>2022-10-29</a:t>
             </a:fld>
             <a:endParaRPr lang="ko-KR" altLang="en-US"/>
           </a:p>
@@ -3270,7 +3271,7 @@
           <a:p>
             <a:fld id="{74A2778E-F063-4908-8427-F8B35A4747CF}" type="datetimeFigureOut">
               <a:rPr lang="ko-KR" altLang="en-US" smtClean="0"/>
-              <a:t>2022-10-28</a:t>
+              <a:t>2022-10-29</a:t>
             </a:fld>
             <a:endParaRPr lang="ko-KR" altLang="en-US"/>
           </a:p>
@@ -4330,6 +4331,850 @@
 </file>
 
 <file path=ppt/slides/slide10.xml><?xml version="1.0" encoding="utf-8"?>
+<p:sld xmlns:a="http://schemas.openxmlformats.org/drawingml/2006/main" xmlns:r="http://schemas.openxmlformats.org/officeDocument/2006/relationships" xmlns:p="http://schemas.openxmlformats.org/presentationml/2006/main">
+  <p:cSld>
+    <p:spTree>
+      <p:nvGrpSpPr>
+        <p:cNvPr id="1" name=""/>
+        <p:cNvGrpSpPr/>
+        <p:nvPr/>
+      </p:nvGrpSpPr>
+      <p:grpSpPr>
+        <a:xfrm>
+          <a:off x="0" y="0"/>
+          <a:ext cx="0" cy="0"/>
+          <a:chOff x="0" y="0"/>
+          <a:chExt cx="0" cy="0"/>
+        </a:xfrm>
+      </p:grpSpPr>
+      <p:sp>
+        <p:nvSpPr>
+          <p:cNvPr id="6" name="직사각형 5">
+            <a:extLst>
+              <a:ext uri="{FF2B5EF4-FFF2-40B4-BE49-F238E27FC236}">
+                <a16:creationId xmlns:a16="http://schemas.microsoft.com/office/drawing/2014/main" id="{F7FFA879-D297-B806-362A-C7000F382F51}"/>
+              </a:ext>
+            </a:extLst>
+          </p:cNvPr>
+          <p:cNvSpPr/>
+          <p:nvPr/>
+        </p:nvSpPr>
+        <p:spPr>
+          <a:xfrm>
+            <a:off x="3765382" y="1080452"/>
+            <a:ext cx="759613" cy="223889"/>
+          </a:xfrm>
+          <a:prstGeom prst="rect">
+            <a:avLst/>
+          </a:prstGeom>
+          <a:solidFill>
+            <a:schemeClr val="accent5">
+              <a:lumMod val="25000"/>
+            </a:schemeClr>
+          </a:solidFill>
+        </p:spPr>
+        <p:style>
+          <a:lnRef idx="2">
+            <a:schemeClr val="accent1">
+              <a:shade val="50000"/>
+            </a:schemeClr>
+          </a:lnRef>
+          <a:fillRef idx="1">
+            <a:schemeClr val="accent1"/>
+          </a:fillRef>
+          <a:effectRef idx="0">
+            <a:schemeClr val="accent1"/>
+          </a:effectRef>
+          <a:fontRef idx="minor">
+            <a:schemeClr val="lt1"/>
+          </a:fontRef>
+        </p:style>
+        <p:txBody>
+          <a:bodyPr rtlCol="0" anchor="ctr"/>
+          <a:lstStyle/>
+          <a:p>
+            <a:pPr algn="ctr"/>
+            <a:r>
+              <a:rPr lang="en-US" altLang="ko-KR" sz="1200" dirty="0"/>
+              <a:t>Pp</a:t>
+            </a:r>
+            <a:endParaRPr lang="ko-KR" altLang="en-US" sz="1200" dirty="0"/>
+          </a:p>
+        </p:txBody>
+      </p:sp>
+      <p:sp>
+        <p:nvSpPr>
+          <p:cNvPr id="8" name="직사각형 7">
+            <a:extLst>
+              <a:ext uri="{FF2B5EF4-FFF2-40B4-BE49-F238E27FC236}">
+                <a16:creationId xmlns:a16="http://schemas.microsoft.com/office/drawing/2014/main" id="{06C1A465-92C8-CE21-05B5-347450C9FDC5}"/>
+              </a:ext>
+            </a:extLst>
+          </p:cNvPr>
+          <p:cNvSpPr/>
+          <p:nvPr/>
+        </p:nvSpPr>
+        <p:spPr>
+          <a:xfrm>
+            <a:off x="1774837" y="1080452"/>
+            <a:ext cx="759613" cy="223889"/>
+          </a:xfrm>
+          <a:prstGeom prst="rect">
+            <a:avLst/>
+          </a:prstGeom>
+          <a:solidFill>
+            <a:schemeClr val="accent5">
+              <a:lumMod val="25000"/>
+            </a:schemeClr>
+          </a:solidFill>
+        </p:spPr>
+        <p:style>
+          <a:lnRef idx="2">
+            <a:schemeClr val="accent1">
+              <a:shade val="50000"/>
+            </a:schemeClr>
+          </a:lnRef>
+          <a:fillRef idx="1">
+            <a:schemeClr val="accent1"/>
+          </a:fillRef>
+          <a:effectRef idx="0">
+            <a:schemeClr val="accent1"/>
+          </a:effectRef>
+          <a:fontRef idx="minor">
+            <a:schemeClr val="lt1"/>
+          </a:fontRef>
+        </p:style>
+        <p:txBody>
+          <a:bodyPr rtlCol="0" anchor="ctr"/>
+          <a:lstStyle/>
+          <a:p>
+            <a:pPr algn="ctr"/>
+            <a:r>
+              <a:rPr lang="en-US" altLang="ko-KR" sz="1100" dirty="0" err="1"/>
+              <a:t>Vp</a:t>
+            </a:r>
+            <a:endParaRPr lang="ko-KR" altLang="en-US" sz="1200" dirty="0"/>
+          </a:p>
+        </p:txBody>
+      </p:sp>
+      <p:cxnSp>
+        <p:nvCxnSpPr>
+          <p:cNvPr id="9" name="직선 화살표 연결선 8">
+            <a:extLst>
+              <a:ext uri="{FF2B5EF4-FFF2-40B4-BE49-F238E27FC236}">
+                <a16:creationId xmlns:a16="http://schemas.microsoft.com/office/drawing/2014/main" id="{CF85BCA6-174F-BBFA-C53F-64D95CF17953}"/>
+              </a:ext>
+            </a:extLst>
+          </p:cNvPr>
+          <p:cNvCxnSpPr>
+            <a:cxnSpLocks/>
+            <a:stCxn id="8" idx="3"/>
+            <a:endCxn id="6" idx="1"/>
+          </p:cNvCxnSpPr>
+          <p:nvPr/>
+        </p:nvCxnSpPr>
+        <p:spPr>
+          <a:xfrm>
+            <a:off x="2534449" y="1192396"/>
+            <a:ext cx="1230932" cy="0"/>
+          </a:xfrm>
+          <a:prstGeom prst="straightConnector1">
+            <a:avLst/>
+          </a:prstGeom>
+          <a:ln>
+            <a:tailEnd type="triangle"/>
+          </a:ln>
+        </p:spPr>
+        <p:style>
+          <a:lnRef idx="1">
+            <a:schemeClr val="accent1"/>
+          </a:lnRef>
+          <a:fillRef idx="0">
+            <a:schemeClr val="accent1"/>
+          </a:fillRef>
+          <a:effectRef idx="0">
+            <a:schemeClr val="accent1"/>
+          </a:effectRef>
+          <a:fontRef idx="minor">
+            <a:schemeClr val="tx1"/>
+          </a:fontRef>
+        </p:style>
+      </p:cxnSp>
+      <p:sp>
+        <p:nvSpPr>
+          <p:cNvPr id="10" name="직사각형 9">
+            <a:extLst>
+              <a:ext uri="{FF2B5EF4-FFF2-40B4-BE49-F238E27FC236}">
+                <a16:creationId xmlns:a16="http://schemas.microsoft.com/office/drawing/2014/main" id="{7F226DEE-6157-14A6-D5D4-03BAD7ED79A3}"/>
+              </a:ext>
+            </a:extLst>
+          </p:cNvPr>
+          <p:cNvSpPr/>
+          <p:nvPr/>
+        </p:nvSpPr>
+        <p:spPr>
+          <a:xfrm>
+            <a:off x="5755927" y="1080452"/>
+            <a:ext cx="759613" cy="223889"/>
+          </a:xfrm>
+          <a:prstGeom prst="rect">
+            <a:avLst/>
+          </a:prstGeom>
+          <a:solidFill>
+            <a:schemeClr val="accent5">
+              <a:lumMod val="25000"/>
+            </a:schemeClr>
+          </a:solidFill>
+        </p:spPr>
+        <p:style>
+          <a:lnRef idx="2">
+            <a:schemeClr val="accent1">
+              <a:shade val="50000"/>
+            </a:schemeClr>
+          </a:lnRef>
+          <a:fillRef idx="1">
+            <a:schemeClr val="accent1"/>
+          </a:fillRef>
+          <a:effectRef idx="0">
+            <a:schemeClr val="accent1"/>
+          </a:effectRef>
+          <a:fontRef idx="minor">
+            <a:schemeClr val="lt1"/>
+          </a:fontRef>
+        </p:style>
+        <p:txBody>
+          <a:bodyPr rtlCol="0" anchor="ctr"/>
+          <a:lstStyle/>
+          <a:p>
+            <a:pPr algn="ctr"/>
+            <a:r>
+              <a:rPr lang="en-US" altLang="ko-KR" sz="1200" dirty="0"/>
+              <a:t>Sp</a:t>
+            </a:r>
+            <a:endParaRPr lang="ko-KR" altLang="en-US" sz="1200" dirty="0"/>
+          </a:p>
+        </p:txBody>
+      </p:sp>
+      <p:cxnSp>
+        <p:nvCxnSpPr>
+          <p:cNvPr id="12" name="직선 화살표 연결선 11">
+            <a:extLst>
+              <a:ext uri="{FF2B5EF4-FFF2-40B4-BE49-F238E27FC236}">
+                <a16:creationId xmlns:a16="http://schemas.microsoft.com/office/drawing/2014/main" id="{75D5CFE6-0111-F5B7-4ED1-FB8753770B68}"/>
+              </a:ext>
+            </a:extLst>
+          </p:cNvPr>
+          <p:cNvCxnSpPr>
+            <a:cxnSpLocks/>
+            <a:stCxn id="6" idx="3"/>
+            <a:endCxn id="10" idx="1"/>
+          </p:cNvCxnSpPr>
+          <p:nvPr/>
+        </p:nvCxnSpPr>
+        <p:spPr>
+          <a:xfrm>
+            <a:off x="4524994" y="1192396"/>
+            <a:ext cx="1230932" cy="0"/>
+          </a:xfrm>
+          <a:prstGeom prst="straightConnector1">
+            <a:avLst/>
+          </a:prstGeom>
+          <a:ln>
+            <a:tailEnd type="triangle"/>
+          </a:ln>
+        </p:spPr>
+        <p:style>
+          <a:lnRef idx="1">
+            <a:schemeClr val="accent1"/>
+          </a:lnRef>
+          <a:fillRef idx="0">
+            <a:schemeClr val="accent1"/>
+          </a:fillRef>
+          <a:effectRef idx="0">
+            <a:schemeClr val="accent1"/>
+          </a:effectRef>
+          <a:fontRef idx="minor">
+            <a:schemeClr val="tx1"/>
+          </a:fontRef>
+        </p:style>
+      </p:cxnSp>
+      <p:sp>
+        <p:nvSpPr>
+          <p:cNvPr id="7" name="직사각형 6">
+            <a:extLst>
+              <a:ext uri="{FF2B5EF4-FFF2-40B4-BE49-F238E27FC236}">
+                <a16:creationId xmlns:a16="http://schemas.microsoft.com/office/drawing/2014/main" id="{C8BCFA11-98F4-0359-2550-17CAC34FBD25}"/>
+              </a:ext>
+            </a:extLst>
+          </p:cNvPr>
+          <p:cNvSpPr/>
+          <p:nvPr/>
+        </p:nvSpPr>
+        <p:spPr>
+          <a:xfrm>
+            <a:off x="4799857" y="1996707"/>
+            <a:ext cx="759613" cy="223889"/>
+          </a:xfrm>
+          <a:prstGeom prst="rect">
+            <a:avLst/>
+          </a:prstGeom>
+          <a:solidFill>
+            <a:schemeClr val="accent5">
+              <a:lumMod val="25000"/>
+            </a:schemeClr>
+          </a:solidFill>
+        </p:spPr>
+        <p:style>
+          <a:lnRef idx="2">
+            <a:schemeClr val="accent1">
+              <a:shade val="50000"/>
+            </a:schemeClr>
+          </a:lnRef>
+          <a:fillRef idx="1">
+            <a:schemeClr val="accent1"/>
+          </a:fillRef>
+          <a:effectRef idx="0">
+            <a:schemeClr val="accent1"/>
+          </a:effectRef>
+          <a:fontRef idx="minor">
+            <a:schemeClr val="lt1"/>
+          </a:fontRef>
+        </p:style>
+        <p:txBody>
+          <a:bodyPr rtlCol="0" anchor="ctr"/>
+          <a:lstStyle/>
+          <a:p>
+            <a:pPr algn="ctr"/>
+            <a:r>
+              <a:rPr lang="en-US" altLang="ko-KR" sz="1200" dirty="0"/>
+              <a:t>Pm</a:t>
+            </a:r>
+            <a:endParaRPr lang="ko-KR" altLang="en-US" sz="1200" dirty="0"/>
+          </a:p>
+        </p:txBody>
+      </p:sp>
+      <p:sp>
+        <p:nvSpPr>
+          <p:cNvPr id="11" name="직사각형 10">
+            <a:extLst>
+              <a:ext uri="{FF2B5EF4-FFF2-40B4-BE49-F238E27FC236}">
+                <a16:creationId xmlns:a16="http://schemas.microsoft.com/office/drawing/2014/main" id="{2D4550B1-F30D-637F-56E8-4C2DFC9CB461}"/>
+              </a:ext>
+            </a:extLst>
+          </p:cNvPr>
+          <p:cNvSpPr/>
+          <p:nvPr/>
+        </p:nvSpPr>
+        <p:spPr>
+          <a:xfrm>
+            <a:off x="2826667" y="1996706"/>
+            <a:ext cx="759613" cy="223889"/>
+          </a:xfrm>
+          <a:prstGeom prst="rect">
+            <a:avLst/>
+          </a:prstGeom>
+          <a:solidFill>
+            <a:schemeClr val="accent5">
+              <a:lumMod val="25000"/>
+            </a:schemeClr>
+          </a:solidFill>
+        </p:spPr>
+        <p:style>
+          <a:lnRef idx="2">
+            <a:schemeClr val="accent1">
+              <a:shade val="50000"/>
+            </a:schemeClr>
+          </a:lnRef>
+          <a:fillRef idx="1">
+            <a:schemeClr val="accent1"/>
+          </a:fillRef>
+          <a:effectRef idx="0">
+            <a:schemeClr val="accent1"/>
+          </a:effectRef>
+          <a:fontRef idx="minor">
+            <a:schemeClr val="lt1"/>
+          </a:fontRef>
+        </p:style>
+        <p:txBody>
+          <a:bodyPr rtlCol="0" anchor="ctr"/>
+          <a:lstStyle/>
+          <a:p>
+            <a:pPr algn="ctr"/>
+            <a:r>
+              <a:rPr lang="en-US" altLang="ko-KR" sz="1100" dirty="0" err="1"/>
+              <a:t>Vm</a:t>
+            </a:r>
+            <a:endParaRPr lang="ko-KR" altLang="en-US" sz="1200" dirty="0"/>
+          </a:p>
+        </p:txBody>
+      </p:sp>
+      <p:cxnSp>
+        <p:nvCxnSpPr>
+          <p:cNvPr id="15" name="직선 화살표 연결선 14">
+            <a:extLst>
+              <a:ext uri="{FF2B5EF4-FFF2-40B4-BE49-F238E27FC236}">
+                <a16:creationId xmlns:a16="http://schemas.microsoft.com/office/drawing/2014/main" id="{A1B8F672-384E-5E23-F864-E66E53B3ABA0}"/>
+              </a:ext>
+            </a:extLst>
+          </p:cNvPr>
+          <p:cNvCxnSpPr>
+            <a:cxnSpLocks/>
+            <a:stCxn id="11" idx="3"/>
+            <a:endCxn id="7" idx="1"/>
+          </p:cNvCxnSpPr>
+          <p:nvPr/>
+        </p:nvCxnSpPr>
+        <p:spPr>
+          <a:xfrm>
+            <a:off x="3586280" y="2108651"/>
+            <a:ext cx="1213577" cy="1"/>
+          </a:xfrm>
+          <a:prstGeom prst="straightConnector1">
+            <a:avLst/>
+          </a:prstGeom>
+          <a:ln>
+            <a:tailEnd type="triangle"/>
+          </a:ln>
+        </p:spPr>
+        <p:style>
+          <a:lnRef idx="1">
+            <a:schemeClr val="accent1"/>
+          </a:lnRef>
+          <a:fillRef idx="0">
+            <a:schemeClr val="accent1"/>
+          </a:fillRef>
+          <a:effectRef idx="0">
+            <a:schemeClr val="accent1"/>
+          </a:effectRef>
+          <a:fontRef idx="minor">
+            <a:schemeClr val="tx1"/>
+          </a:fontRef>
+        </p:style>
+      </p:cxnSp>
+      <p:sp>
+        <p:nvSpPr>
+          <p:cNvPr id="16" name="직사각형 15">
+            <a:extLst>
+              <a:ext uri="{FF2B5EF4-FFF2-40B4-BE49-F238E27FC236}">
+                <a16:creationId xmlns:a16="http://schemas.microsoft.com/office/drawing/2014/main" id="{D07CD127-6F91-FEFD-510E-E9ECBE02A8ED}"/>
+              </a:ext>
+            </a:extLst>
+          </p:cNvPr>
+          <p:cNvSpPr/>
+          <p:nvPr/>
+        </p:nvSpPr>
+        <p:spPr>
+          <a:xfrm>
+            <a:off x="6790402" y="1996706"/>
+            <a:ext cx="759613" cy="223889"/>
+          </a:xfrm>
+          <a:prstGeom prst="rect">
+            <a:avLst/>
+          </a:prstGeom>
+          <a:solidFill>
+            <a:schemeClr val="accent5">
+              <a:lumMod val="25000"/>
+            </a:schemeClr>
+          </a:solidFill>
+        </p:spPr>
+        <p:style>
+          <a:lnRef idx="2">
+            <a:schemeClr val="accent1">
+              <a:shade val="50000"/>
+            </a:schemeClr>
+          </a:lnRef>
+          <a:fillRef idx="1">
+            <a:schemeClr val="accent1"/>
+          </a:fillRef>
+          <a:effectRef idx="0">
+            <a:schemeClr val="accent1"/>
+          </a:effectRef>
+          <a:fontRef idx="minor">
+            <a:schemeClr val="lt1"/>
+          </a:fontRef>
+        </p:style>
+        <p:txBody>
+          <a:bodyPr rtlCol="0" anchor="ctr"/>
+          <a:lstStyle/>
+          <a:p>
+            <a:pPr algn="ctr"/>
+            <a:r>
+              <a:rPr lang="en-US" altLang="ko-KR" sz="1200" dirty="0" err="1"/>
+              <a:t>Sm</a:t>
+            </a:r>
+            <a:endParaRPr lang="ko-KR" altLang="en-US" sz="1200" dirty="0"/>
+          </a:p>
+        </p:txBody>
+      </p:sp>
+      <p:cxnSp>
+        <p:nvCxnSpPr>
+          <p:cNvPr id="17" name="직선 화살표 연결선 16">
+            <a:extLst>
+              <a:ext uri="{FF2B5EF4-FFF2-40B4-BE49-F238E27FC236}">
+                <a16:creationId xmlns:a16="http://schemas.microsoft.com/office/drawing/2014/main" id="{33274B50-5963-24B6-CDB4-2782CD0CDCD3}"/>
+              </a:ext>
+            </a:extLst>
+          </p:cNvPr>
+          <p:cNvCxnSpPr>
+            <a:cxnSpLocks/>
+            <a:stCxn id="7" idx="3"/>
+            <a:endCxn id="16" idx="1"/>
+          </p:cNvCxnSpPr>
+          <p:nvPr/>
+        </p:nvCxnSpPr>
+        <p:spPr>
+          <a:xfrm flipV="1">
+            <a:off x="5559469" y="2108651"/>
+            <a:ext cx="1230932" cy="1"/>
+          </a:xfrm>
+          <a:prstGeom prst="straightConnector1">
+            <a:avLst/>
+          </a:prstGeom>
+          <a:ln>
+            <a:tailEnd type="triangle"/>
+          </a:ln>
+        </p:spPr>
+        <p:style>
+          <a:lnRef idx="1">
+            <a:schemeClr val="accent1"/>
+          </a:lnRef>
+          <a:fillRef idx="0">
+            <a:schemeClr val="accent1"/>
+          </a:fillRef>
+          <a:effectRef idx="0">
+            <a:schemeClr val="accent1"/>
+          </a:effectRef>
+          <a:fontRef idx="minor">
+            <a:schemeClr val="tx1"/>
+          </a:fontRef>
+        </p:style>
+      </p:cxnSp>
+      <p:cxnSp>
+        <p:nvCxnSpPr>
+          <p:cNvPr id="19" name="연결선: 꺾임 18">
+            <a:extLst>
+              <a:ext uri="{FF2B5EF4-FFF2-40B4-BE49-F238E27FC236}">
+                <a16:creationId xmlns:a16="http://schemas.microsoft.com/office/drawing/2014/main" id="{EB65775B-028E-9EF0-13D9-EBE90D2F1DF0}"/>
+              </a:ext>
+            </a:extLst>
+          </p:cNvPr>
+          <p:cNvCxnSpPr>
+            <a:stCxn id="8" idx="2"/>
+            <a:endCxn id="16" idx="0"/>
+          </p:cNvCxnSpPr>
+          <p:nvPr/>
+        </p:nvCxnSpPr>
+        <p:spPr>
+          <a:xfrm rot="16200000" flipH="1">
+            <a:off x="4316244" y="-857261"/>
+            <a:ext cx="692365" cy="5015565"/>
+          </a:xfrm>
+          <a:prstGeom prst="bentConnector3">
+            <a:avLst/>
+          </a:prstGeom>
+          <a:ln>
+            <a:prstDash val="dash"/>
+            <a:tailEnd type="triangle"/>
+          </a:ln>
+        </p:spPr>
+        <p:style>
+          <a:lnRef idx="1">
+            <a:schemeClr val="accent1"/>
+          </a:lnRef>
+          <a:fillRef idx="0">
+            <a:schemeClr val="accent1"/>
+          </a:fillRef>
+          <a:effectRef idx="0">
+            <a:schemeClr val="accent1"/>
+          </a:effectRef>
+          <a:fontRef idx="minor">
+            <a:schemeClr val="tx1"/>
+          </a:fontRef>
+        </p:style>
+      </p:cxnSp>
+      <p:cxnSp>
+        <p:nvCxnSpPr>
+          <p:cNvPr id="24" name="연결선: 꺾임 23">
+            <a:extLst>
+              <a:ext uri="{FF2B5EF4-FFF2-40B4-BE49-F238E27FC236}">
+                <a16:creationId xmlns:a16="http://schemas.microsoft.com/office/drawing/2014/main" id="{C37A77EC-C59E-9A9F-143F-594E0EC9A35D}"/>
+              </a:ext>
+            </a:extLst>
+          </p:cNvPr>
+          <p:cNvCxnSpPr>
+            <a:cxnSpLocks/>
+            <a:stCxn id="11" idx="0"/>
+            <a:endCxn id="10" idx="2"/>
+          </p:cNvCxnSpPr>
+          <p:nvPr/>
+        </p:nvCxnSpPr>
+        <p:spPr>
+          <a:xfrm rot="5400000" flipH="1" flipV="1">
+            <a:off x="4324922" y="185893"/>
+            <a:ext cx="692365" cy="2929260"/>
+          </a:xfrm>
+          <a:prstGeom prst="bentConnector3">
+            <a:avLst>
+              <a:gd name="adj1" fmla="val 50000"/>
+            </a:avLst>
+          </a:prstGeom>
+          <a:ln>
+            <a:prstDash val="dash"/>
+            <a:tailEnd type="triangle"/>
+          </a:ln>
+        </p:spPr>
+        <p:style>
+          <a:lnRef idx="1">
+            <a:schemeClr val="accent1"/>
+          </a:lnRef>
+          <a:fillRef idx="0">
+            <a:schemeClr val="accent1"/>
+          </a:fillRef>
+          <a:effectRef idx="0">
+            <a:schemeClr val="accent1"/>
+          </a:effectRef>
+          <a:fontRef idx="minor">
+            <a:schemeClr val="tx1"/>
+          </a:fontRef>
+        </p:style>
+      </p:cxnSp>
+      <p:sp>
+        <p:nvSpPr>
+          <p:cNvPr id="3" name="화살표: 오각형 2">
+            <a:extLst>
+              <a:ext uri="{FF2B5EF4-FFF2-40B4-BE49-F238E27FC236}">
+                <a16:creationId xmlns:a16="http://schemas.microsoft.com/office/drawing/2014/main" id="{150D191B-3EEE-1472-97A1-DFB91C125370}"/>
+              </a:ext>
+            </a:extLst>
+          </p:cNvPr>
+          <p:cNvSpPr/>
+          <p:nvPr/>
+        </p:nvSpPr>
+        <p:spPr>
+          <a:xfrm>
+            <a:off x="8184232" y="177067"/>
+            <a:ext cx="1800200" cy="432048"/>
+          </a:xfrm>
+          <a:prstGeom prst="homePlate">
+            <a:avLst/>
+          </a:prstGeom>
+        </p:spPr>
+        <p:style>
+          <a:lnRef idx="2">
+            <a:schemeClr val="accent1">
+              <a:shade val="50000"/>
+            </a:schemeClr>
+          </a:lnRef>
+          <a:fillRef idx="1">
+            <a:schemeClr val="accent1"/>
+          </a:fillRef>
+          <a:effectRef idx="0">
+            <a:schemeClr val="accent1"/>
+          </a:effectRef>
+          <a:fontRef idx="minor">
+            <a:schemeClr val="lt1"/>
+          </a:fontRef>
+        </p:style>
+        <p:txBody>
+          <a:bodyPr rtlCol="0" anchor="ctr"/>
+          <a:lstStyle/>
+          <a:p>
+            <a:pPr algn="ctr"/>
+            <a:r>
+              <a:rPr lang="en-US" altLang="ko-KR" sz="1100" dirty="0"/>
+              <a:t>+</a:t>
+            </a:r>
+          </a:p>
+          <a:p>
+            <a:pPr algn="ctr"/>
+            <a:r>
+              <a:rPr lang="en-US" altLang="ko-KR" sz="1100" dirty="0"/>
+              <a:t>[</a:t>
+            </a:r>
+            <a:r>
+              <a:rPr lang="en-US" altLang="ko-KR" sz="1100" dirty="0" err="1"/>
+              <a:t>Vp</a:t>
+            </a:r>
+            <a:r>
+              <a:rPr lang="en-US" altLang="ko-KR" sz="1100" dirty="0"/>
+              <a:t> ~ Sp]</a:t>
+            </a:r>
+            <a:endParaRPr lang="ko-KR" altLang="en-US" sz="1100" dirty="0"/>
+          </a:p>
+        </p:txBody>
+      </p:sp>
+      <p:sp>
+        <p:nvSpPr>
+          <p:cNvPr id="5" name="화살표: 오각형 4">
+            <a:extLst>
+              <a:ext uri="{FF2B5EF4-FFF2-40B4-BE49-F238E27FC236}">
+                <a16:creationId xmlns:a16="http://schemas.microsoft.com/office/drawing/2014/main" id="{53DD68D7-E2E0-DA15-DBA0-EA1CB4C7FA18}"/>
+              </a:ext>
+            </a:extLst>
+          </p:cNvPr>
+          <p:cNvSpPr/>
+          <p:nvPr/>
+        </p:nvSpPr>
+        <p:spPr>
+          <a:xfrm>
+            <a:off x="8184232" y="836712"/>
+            <a:ext cx="1800200" cy="432048"/>
+          </a:xfrm>
+          <a:prstGeom prst="homePlate">
+            <a:avLst>
+              <a:gd name="adj" fmla="val 47194"/>
+            </a:avLst>
+          </a:prstGeom>
+        </p:spPr>
+        <p:style>
+          <a:lnRef idx="2">
+            <a:schemeClr val="accent1">
+              <a:shade val="50000"/>
+            </a:schemeClr>
+          </a:lnRef>
+          <a:fillRef idx="1">
+            <a:schemeClr val="accent1"/>
+          </a:fillRef>
+          <a:effectRef idx="0">
+            <a:schemeClr val="accent1"/>
+          </a:effectRef>
+          <a:fontRef idx="minor">
+            <a:schemeClr val="lt1"/>
+          </a:fontRef>
+        </p:style>
+        <p:txBody>
+          <a:bodyPr rtlCol="0" anchor="ctr"/>
+          <a:lstStyle/>
+          <a:p>
+            <a:pPr algn="ctr"/>
+            <a:r>
+              <a:rPr lang="en-US" altLang="ko-KR" sz="1100" dirty="0"/>
+              <a:t>- </a:t>
+            </a:r>
+          </a:p>
+          <a:p>
+            <a:pPr algn="ctr"/>
+            <a:r>
+              <a:rPr lang="en-US" altLang="ko-KR" sz="1100" dirty="0"/>
+              <a:t>[</a:t>
+            </a:r>
+            <a:r>
+              <a:rPr lang="en-US" altLang="ko-KR" sz="1100" dirty="0" err="1"/>
+              <a:t>Vm</a:t>
+            </a:r>
+            <a:r>
+              <a:rPr lang="en-US" altLang="ko-KR" sz="1100" dirty="0"/>
+              <a:t> ~ </a:t>
+            </a:r>
+            <a:r>
+              <a:rPr lang="en-US" altLang="ko-KR" sz="1100" dirty="0" err="1"/>
+              <a:t>Sm</a:t>
+            </a:r>
+            <a:r>
+              <a:rPr lang="en-US" altLang="ko-KR" sz="1100" dirty="0"/>
+              <a:t>]</a:t>
+            </a:r>
+            <a:endParaRPr lang="ko-KR" altLang="en-US" sz="1100" dirty="0"/>
+          </a:p>
+        </p:txBody>
+      </p:sp>
+      <p:cxnSp>
+        <p:nvCxnSpPr>
+          <p:cNvPr id="18" name="연결선: 꺾임 17">
+            <a:extLst>
+              <a:ext uri="{FF2B5EF4-FFF2-40B4-BE49-F238E27FC236}">
+                <a16:creationId xmlns:a16="http://schemas.microsoft.com/office/drawing/2014/main" id="{F715CCC7-D2F6-58ED-ADAB-B4E83DEDE80D}"/>
+              </a:ext>
+            </a:extLst>
+          </p:cNvPr>
+          <p:cNvCxnSpPr>
+            <a:cxnSpLocks/>
+            <a:stCxn id="3" idx="3"/>
+            <a:endCxn id="5" idx="3"/>
+          </p:cNvCxnSpPr>
+          <p:nvPr/>
+        </p:nvCxnSpPr>
+        <p:spPr>
+          <a:xfrm>
+            <a:off x="9984432" y="393092"/>
+            <a:ext cx="12700" cy="659645"/>
+          </a:xfrm>
+          <a:prstGeom prst="bentConnector3">
+            <a:avLst>
+              <a:gd name="adj1" fmla="val 1800000"/>
+            </a:avLst>
+          </a:prstGeom>
+          <a:ln>
+            <a:prstDash val="dash"/>
+            <a:headEnd type="triangle" w="med" len="med"/>
+            <a:tailEnd type="triangle" w="med" len="med"/>
+          </a:ln>
+        </p:spPr>
+        <p:style>
+          <a:lnRef idx="1">
+            <a:schemeClr val="accent1"/>
+          </a:lnRef>
+          <a:fillRef idx="0">
+            <a:schemeClr val="accent1"/>
+          </a:fillRef>
+          <a:effectRef idx="0">
+            <a:schemeClr val="accent1"/>
+          </a:effectRef>
+          <a:fontRef idx="minor">
+            <a:schemeClr val="tx1"/>
+          </a:fontRef>
+        </p:style>
+      </p:cxnSp>
+      <p:sp>
+        <p:nvSpPr>
+          <p:cNvPr id="4" name="제목 3">
+            <a:extLst>
+              <a:ext uri="{FF2B5EF4-FFF2-40B4-BE49-F238E27FC236}">
+                <a16:creationId xmlns:a16="http://schemas.microsoft.com/office/drawing/2014/main" id="{99FD32FD-15B3-DE9E-41E2-0F5A86F4634A}"/>
+              </a:ext>
+            </a:extLst>
+          </p:cNvPr>
+          <p:cNvSpPr>
+            <a:spLocks noGrp="1"/>
+          </p:cNvSpPr>
+          <p:nvPr>
+            <p:ph type="title"/>
+          </p:nvPr>
+        </p:nvSpPr>
+        <p:spPr>
+          <a:xfrm>
+            <a:off x="838200" y="70025"/>
+            <a:ext cx="6917575" cy="1325563"/>
+          </a:xfrm>
+        </p:spPr>
+        <p:txBody>
+          <a:bodyPr>
+            <a:normAutofit/>
+          </a:bodyPr>
+          <a:lstStyle/>
+          <a:p>
+            <a:r>
+              <a:rPr lang="en-US" altLang="ko-KR" sz="2800" dirty="0"/>
+              <a:t>$Ex</a:t>
+            </a:r>
+            <a:endParaRPr lang="ko-KR" altLang="en-US" sz="2800" dirty="0"/>
+          </a:p>
+        </p:txBody>
+      </p:sp>
+    </p:spTree>
+    <p:extLst>
+      <p:ext uri="{BB962C8B-B14F-4D97-AF65-F5344CB8AC3E}">
+        <p14:creationId xmlns:p14="http://schemas.microsoft.com/office/powerpoint/2010/main" val="1180571885"/>
+      </p:ext>
+    </p:extLst>
+  </p:cSld>
+  <p:clrMapOvr>
+    <a:masterClrMapping/>
+  </p:clrMapOvr>
+</p:sld>
+</file>
+
+<file path=ppt/slides/slide11.xml><?xml version="1.0" encoding="utf-8"?>
 <p:sld xmlns:a="http://schemas.openxmlformats.org/drawingml/2006/main" xmlns:r="http://schemas.openxmlformats.org/officeDocument/2006/relationships" xmlns:p="http://schemas.openxmlformats.org/presentationml/2006/main">
   <p:cSld>
     <p:spTree>
@@ -22623,61 +23468,6 @@
           </a:p>
         </p:txBody>
       </p:sp>
-      <p:sp>
-        <p:nvSpPr>
-          <p:cNvPr id="11" name="직사각형 10">
-            <a:extLst>
-              <a:ext uri="{FF2B5EF4-FFF2-40B4-BE49-F238E27FC236}">
-                <a16:creationId xmlns:a16="http://schemas.microsoft.com/office/drawing/2014/main" id="{2D4550B1-F30D-637F-56E8-4C2DFC9CB461}"/>
-              </a:ext>
-            </a:extLst>
-          </p:cNvPr>
-          <p:cNvSpPr/>
-          <p:nvPr/>
-        </p:nvSpPr>
-        <p:spPr>
-          <a:xfrm>
-            <a:off x="2826667" y="2852918"/>
-            <a:ext cx="759613" cy="223889"/>
-          </a:xfrm>
-          <a:prstGeom prst="rect">
-            <a:avLst/>
-          </a:prstGeom>
-          <a:solidFill>
-            <a:schemeClr val="accent5">
-              <a:lumMod val="25000"/>
-            </a:schemeClr>
-          </a:solidFill>
-        </p:spPr>
-        <p:style>
-          <a:lnRef idx="2">
-            <a:schemeClr val="accent1">
-              <a:shade val="50000"/>
-            </a:schemeClr>
-          </a:lnRef>
-          <a:fillRef idx="1">
-            <a:schemeClr val="accent1"/>
-          </a:fillRef>
-          <a:effectRef idx="0">
-            <a:schemeClr val="accent1"/>
-          </a:effectRef>
-          <a:fontRef idx="minor">
-            <a:schemeClr val="lt1"/>
-          </a:fontRef>
-        </p:style>
-        <p:txBody>
-          <a:bodyPr rtlCol="0" anchor="ctr"/>
-          <a:lstStyle/>
-          <a:p>
-            <a:pPr algn="ctr"/>
-            <a:r>
-              <a:rPr lang="en-US" altLang="ko-KR" sz="1100" dirty="0" err="1"/>
-              <a:t>Vm</a:t>
-            </a:r>
-            <a:endParaRPr lang="ko-KR" altLang="en-US" sz="1200" dirty="0"/>
-          </a:p>
-        </p:txBody>
-      </p:sp>
       <p:cxnSp>
         <p:nvCxnSpPr>
           <p:cNvPr id="15" name="직선 화살표 연결선 14">
@@ -22695,9 +23485,9 @@
           <p:nvPr/>
         </p:nvCxnSpPr>
         <p:spPr>
-          <a:xfrm>
-            <a:off x="3586280" y="2964863"/>
-            <a:ext cx="1213577" cy="1"/>
+          <a:xfrm flipV="1">
+            <a:off x="3586281" y="2964864"/>
+            <a:ext cx="1213576" cy="914283"/>
           </a:xfrm>
           <a:prstGeom prst="straightConnector1">
             <a:avLst/>
@@ -22880,8 +23670,8 @@
         </p:nvCxnSpPr>
         <p:spPr>
           <a:xfrm rot="5400000" flipH="1" flipV="1">
-            <a:off x="4324922" y="1042105"/>
-            <a:ext cx="692365" cy="2929260"/>
+            <a:off x="3827805" y="544990"/>
+            <a:ext cx="692365" cy="3923493"/>
           </a:xfrm>
           <a:prstGeom prst="bentConnector3">
             <a:avLst>
@@ -23126,6 +23916,381 @@
               <a:t>$Shift</a:t>
             </a:r>
             <a:endParaRPr lang="ko-KR" altLang="en-US" dirty="0"/>
+          </a:p>
+        </p:txBody>
+      </p:sp>
+      <p:grpSp>
+        <p:nvGrpSpPr>
+          <p:cNvPr id="27" name="그룹 26">
+            <a:extLst>
+              <a:ext uri="{FF2B5EF4-FFF2-40B4-BE49-F238E27FC236}">
+                <a16:creationId xmlns:a16="http://schemas.microsoft.com/office/drawing/2014/main" id="{2460E3D9-4351-F2B4-2E89-EBE359E41548}"/>
+              </a:ext>
+            </a:extLst>
+          </p:cNvPr>
+          <p:cNvGrpSpPr/>
+          <p:nvPr/>
+        </p:nvGrpSpPr>
+        <p:grpSpPr>
+          <a:xfrm>
+            <a:off x="838201" y="2852918"/>
+            <a:ext cx="2748080" cy="2052457"/>
+            <a:chOff x="838201" y="2852918"/>
+            <a:chExt cx="2748080" cy="2052457"/>
+          </a:xfrm>
+        </p:grpSpPr>
+        <p:sp>
+          <p:nvSpPr>
+            <p:cNvPr id="11" name="직사각형 10">
+              <a:extLst>
+                <a:ext uri="{FF2B5EF4-FFF2-40B4-BE49-F238E27FC236}">
+                  <a16:creationId xmlns:a16="http://schemas.microsoft.com/office/drawing/2014/main" id="{2D4550B1-F30D-637F-56E8-4C2DFC9CB461}"/>
+                </a:ext>
+              </a:extLst>
+            </p:cNvPr>
+            <p:cNvSpPr/>
+            <p:nvPr/>
+          </p:nvSpPr>
+          <p:spPr>
+            <a:xfrm>
+              <a:off x="838201" y="2852918"/>
+              <a:ext cx="2748080" cy="2052457"/>
+            </a:xfrm>
+            <a:prstGeom prst="rect">
+              <a:avLst/>
+            </a:prstGeom>
+            <a:solidFill>
+              <a:schemeClr val="accent5">
+                <a:lumMod val="25000"/>
+              </a:schemeClr>
+            </a:solidFill>
+          </p:spPr>
+          <p:style>
+            <a:lnRef idx="2">
+              <a:schemeClr val="accent1">
+                <a:shade val="50000"/>
+              </a:schemeClr>
+            </a:lnRef>
+            <a:fillRef idx="1">
+              <a:schemeClr val="accent1"/>
+            </a:fillRef>
+            <a:effectRef idx="0">
+              <a:schemeClr val="accent1"/>
+            </a:effectRef>
+            <a:fontRef idx="minor">
+              <a:schemeClr val="lt1"/>
+            </a:fontRef>
+          </p:style>
+          <p:txBody>
+            <a:bodyPr rtlCol="0" anchor="ctr"/>
+            <a:lstStyle/>
+            <a:p>
+              <a:pPr algn="ctr"/>
+              <a:r>
+                <a:rPr lang="en-US" altLang="ko-KR" sz="1100" dirty="0" err="1"/>
+                <a:t>Vm</a:t>
+              </a:r>
+              <a:endParaRPr lang="ko-KR" altLang="en-US" sz="1200" dirty="0"/>
+            </a:p>
+          </p:txBody>
+        </p:sp>
+        <p:sp>
+          <p:nvSpPr>
+            <p:cNvPr id="14" name="타원 13">
+              <a:extLst>
+                <a:ext uri="{FF2B5EF4-FFF2-40B4-BE49-F238E27FC236}">
+                  <a16:creationId xmlns:a16="http://schemas.microsoft.com/office/drawing/2014/main" id="{F3EB0F06-5241-EA34-5969-3147453EB651}"/>
+                </a:ext>
+              </a:extLst>
+            </p:cNvPr>
+            <p:cNvSpPr/>
+            <p:nvPr/>
+          </p:nvSpPr>
+          <p:spPr>
+            <a:xfrm>
+              <a:off x="1314449" y="3428999"/>
+              <a:ext cx="460387" cy="847725"/>
+            </a:xfrm>
+            <a:prstGeom prst="ellipse">
+              <a:avLst/>
+            </a:prstGeom>
+          </p:spPr>
+          <p:style>
+            <a:lnRef idx="2">
+              <a:schemeClr val="accent1">
+                <a:shade val="50000"/>
+              </a:schemeClr>
+            </a:lnRef>
+            <a:fillRef idx="1">
+              <a:schemeClr val="accent1"/>
+            </a:fillRef>
+            <a:effectRef idx="0">
+              <a:schemeClr val="accent1"/>
+            </a:effectRef>
+            <a:fontRef idx="minor">
+              <a:schemeClr val="lt1"/>
+            </a:fontRef>
+          </p:style>
+          <p:txBody>
+            <a:bodyPr rtlCol="0" anchor="ctr"/>
+            <a:lstStyle/>
+            <a:p>
+              <a:pPr algn="ctr"/>
+              <a:r>
+                <a:rPr lang="en-US" altLang="ko-KR" sz="1100" dirty="0" err="1">
+                  <a:solidFill>
+                    <a:schemeClr val="tx1"/>
+                  </a:solidFill>
+                </a:rPr>
+                <a:t>ExDevice</a:t>
+              </a:r>
+              <a:r>
+                <a:rPr lang="en-US" altLang="ko-KR" sz="1100" dirty="0"/>
+                <a:t>.+</a:t>
+              </a:r>
+              <a:endParaRPr lang="ko-KR" altLang="en-US" sz="1100" dirty="0"/>
+            </a:p>
+          </p:txBody>
+        </p:sp>
+        <p:sp>
+          <p:nvSpPr>
+            <p:cNvPr id="20" name="타원 19">
+              <a:extLst>
+                <a:ext uri="{FF2B5EF4-FFF2-40B4-BE49-F238E27FC236}">
+                  <a16:creationId xmlns:a16="http://schemas.microsoft.com/office/drawing/2014/main" id="{171040E4-8A67-CE61-F6D6-DDA952CB31A7}"/>
+                </a:ext>
+              </a:extLst>
+            </p:cNvPr>
+            <p:cNvSpPr/>
+            <p:nvPr/>
+          </p:nvSpPr>
+          <p:spPr>
+            <a:xfrm>
+              <a:off x="2791112" y="3313252"/>
+              <a:ext cx="460387" cy="847725"/>
+            </a:xfrm>
+            <a:prstGeom prst="ellipse">
+              <a:avLst/>
+            </a:prstGeom>
+          </p:spPr>
+          <p:style>
+            <a:lnRef idx="2">
+              <a:schemeClr val="accent1">
+                <a:shade val="50000"/>
+              </a:schemeClr>
+            </a:lnRef>
+            <a:fillRef idx="1">
+              <a:schemeClr val="accent1"/>
+            </a:fillRef>
+            <a:effectRef idx="0">
+              <a:schemeClr val="accent1"/>
+            </a:effectRef>
+            <a:fontRef idx="minor">
+              <a:schemeClr val="lt1"/>
+            </a:fontRef>
+          </p:style>
+          <p:txBody>
+            <a:bodyPr rtlCol="0" anchor="ctr"/>
+            <a:lstStyle/>
+            <a:p>
+              <a:pPr algn="ctr"/>
+              <a:r>
+                <a:rPr lang="en-US" altLang="ko-KR" sz="1100" dirty="0" err="1">
+                  <a:solidFill>
+                    <a:schemeClr val="tx1"/>
+                  </a:solidFill>
+                </a:rPr>
+                <a:t>ExDevice</a:t>
+              </a:r>
+              <a:r>
+                <a:rPr lang="en-US" altLang="ko-KR" sz="1100" dirty="0"/>
+                <a:t>.-</a:t>
+              </a:r>
+              <a:endParaRPr lang="ko-KR" altLang="en-US" sz="1100" dirty="0"/>
+            </a:p>
+          </p:txBody>
+        </p:sp>
+        <p:sp>
+          <p:nvSpPr>
+            <p:cNvPr id="21" name="타원 20">
+              <a:extLst>
+                <a:ext uri="{FF2B5EF4-FFF2-40B4-BE49-F238E27FC236}">
+                  <a16:creationId xmlns:a16="http://schemas.microsoft.com/office/drawing/2014/main" id="{A82B669A-275A-E2A7-3DA1-ED1E66D58631}"/>
+                </a:ext>
+              </a:extLst>
+            </p:cNvPr>
+            <p:cNvSpPr/>
+            <p:nvPr/>
+          </p:nvSpPr>
+          <p:spPr>
+            <a:xfrm>
+              <a:off x="2282974" y="3966583"/>
+              <a:ext cx="460387" cy="847725"/>
+            </a:xfrm>
+            <a:prstGeom prst="ellipse">
+              <a:avLst/>
+            </a:prstGeom>
+          </p:spPr>
+          <p:style>
+            <a:lnRef idx="2">
+              <a:schemeClr val="accent1">
+                <a:shade val="50000"/>
+              </a:schemeClr>
+            </a:lnRef>
+            <a:fillRef idx="1">
+              <a:schemeClr val="accent1"/>
+            </a:fillRef>
+            <a:effectRef idx="0">
+              <a:schemeClr val="accent1"/>
+            </a:effectRef>
+            <a:fontRef idx="minor">
+              <a:schemeClr val="lt1"/>
+            </a:fontRef>
+          </p:style>
+          <p:txBody>
+            <a:bodyPr rtlCol="0" anchor="ctr"/>
+            <a:lstStyle/>
+            <a:p>
+              <a:pPr algn="ctr"/>
+              <a:r>
+                <a:rPr lang="en-US" altLang="ko-KR" sz="1100" dirty="0" err="1">
+                  <a:solidFill>
+                    <a:schemeClr val="tx1"/>
+                  </a:solidFill>
+                </a:rPr>
+                <a:t>ExDevice</a:t>
+              </a:r>
+              <a:r>
+                <a:rPr lang="en-US" altLang="ko-KR" sz="1100" dirty="0"/>
+                <a:t>.-</a:t>
+              </a:r>
+              <a:endParaRPr lang="ko-KR" altLang="en-US" sz="1100" dirty="0"/>
+            </a:p>
+          </p:txBody>
+        </p:sp>
+        <p:cxnSp>
+          <p:nvCxnSpPr>
+            <p:cNvPr id="23" name="연결선: 꺾임 22">
+              <a:extLst>
+                <a:ext uri="{FF2B5EF4-FFF2-40B4-BE49-F238E27FC236}">
+                  <a16:creationId xmlns:a16="http://schemas.microsoft.com/office/drawing/2014/main" id="{EE5F4977-B3E3-8B2F-93E8-21809F1ECD54}"/>
+                </a:ext>
+              </a:extLst>
+            </p:cNvPr>
+            <p:cNvCxnSpPr>
+              <a:stCxn id="14" idx="6"/>
+              <a:endCxn id="20" idx="2"/>
+            </p:cNvCxnSpPr>
+            <p:nvPr/>
+          </p:nvCxnSpPr>
+          <p:spPr>
+            <a:xfrm flipV="1">
+              <a:off x="1774836" y="3737115"/>
+              <a:ext cx="1016276" cy="115747"/>
+            </a:xfrm>
+            <a:prstGeom prst="bentConnector3">
+              <a:avLst/>
+            </a:prstGeom>
+            <a:ln>
+              <a:tailEnd type="triangle"/>
+            </a:ln>
+          </p:spPr>
+          <p:style>
+            <a:lnRef idx="1">
+              <a:schemeClr val="accent1"/>
+            </a:lnRef>
+            <a:fillRef idx="0">
+              <a:schemeClr val="accent1"/>
+            </a:fillRef>
+            <a:effectRef idx="0">
+              <a:schemeClr val="accent1"/>
+            </a:effectRef>
+            <a:fontRef idx="minor">
+              <a:schemeClr val="tx1"/>
+            </a:fontRef>
+          </p:style>
+        </p:cxnSp>
+      </p:grpSp>
+      <p:sp>
+        <p:nvSpPr>
+          <p:cNvPr id="26" name="사각형: 모서리가 접힌 도형 25">
+            <a:extLst>
+              <a:ext uri="{FF2B5EF4-FFF2-40B4-BE49-F238E27FC236}">
+                <a16:creationId xmlns:a16="http://schemas.microsoft.com/office/drawing/2014/main" id="{1A7B8FA6-B752-62A0-D467-040CDC49EB74}"/>
+              </a:ext>
+            </a:extLst>
+          </p:cNvPr>
+          <p:cNvSpPr/>
+          <p:nvPr/>
+        </p:nvSpPr>
+        <p:spPr>
+          <a:xfrm>
+            <a:off x="470430" y="5997976"/>
+            <a:ext cx="2914770" cy="421792"/>
+          </a:xfrm>
+          <a:prstGeom prst="foldedCorner">
+            <a:avLst/>
+          </a:prstGeom>
+          <a:solidFill>
+            <a:srgbClr val="00B0F0"/>
+          </a:solidFill>
+        </p:spPr>
+        <p:style>
+          <a:lnRef idx="2">
+            <a:schemeClr val="accent1">
+              <a:shade val="50000"/>
+            </a:schemeClr>
+          </a:lnRef>
+          <a:fillRef idx="1">
+            <a:schemeClr val="accent1"/>
+          </a:fillRef>
+          <a:effectRef idx="0">
+            <a:schemeClr val="accent1"/>
+          </a:effectRef>
+          <a:fontRef idx="minor">
+            <a:schemeClr val="lt1"/>
+          </a:fontRef>
+        </p:style>
+        <p:txBody>
+          <a:bodyPr rtlCol="0" anchor="ctr"/>
+          <a:lstStyle/>
+          <a:p>
+            <a:pPr algn="ctr"/>
+            <a:r>
+              <a:rPr lang="en-US" altLang="ko-KR" sz="900" dirty="0">
+                <a:solidFill>
+                  <a:schemeClr val="tx1"/>
+                </a:solidFill>
+              </a:rPr>
+              <a:t>Ex</a:t>
+            </a:r>
+          </a:p>
+          <a:p>
+            <a:pPr algn="ctr"/>
+            <a:r>
+              <a:rPr lang="en-US" altLang="ko-KR" sz="900" dirty="0">
+                <a:solidFill>
+                  <a:schemeClr val="tx1"/>
+                </a:solidFill>
+              </a:rPr>
+              <a:t>[</a:t>
+            </a:r>
+            <a:r>
+              <a:rPr lang="en-US" altLang="ko-KR" sz="900" dirty="0" err="1">
+                <a:solidFill>
+                  <a:schemeClr val="tx1"/>
+                </a:solidFill>
+              </a:rPr>
+              <a:t>ExDevice</a:t>
+            </a:r>
+            <a:r>
+              <a:rPr lang="en-US" altLang="ko-KR" sz="900" dirty="0">
+                <a:solidFill>
+                  <a:schemeClr val="tx1"/>
+                </a:solidFill>
+              </a:rPr>
+              <a:t>]</a:t>
+            </a:r>
           </a:p>
         </p:txBody>
       </p:sp>

--- a/DsDotNet/src/Model/Import/Model.Import.Office/sample/ds.pptx
+++ b/DsDotNet/src/Model/Import/Model.Import.Office/sample/ds.pptx
@@ -207,7 +207,7 @@
           <a:p>
             <a:fld id="{2B89E2EC-FE27-4C5F-972C-0BECC28DD028}" type="datetimeFigureOut">
               <a:rPr lang="ko-KR" altLang="en-US" smtClean="0"/>
-              <a:t>2022-10-29</a:t>
+              <a:t>2022-10-30</a:t>
             </a:fld>
             <a:endParaRPr lang="ko-KR" altLang="en-US"/>
           </a:p>
@@ -621,7 +621,7 @@
           <a:p>
             <a:fld id="{74A2778E-F063-4908-8427-F8B35A4747CF}" type="datetimeFigureOut">
               <a:rPr lang="ko-KR" altLang="en-US" smtClean="0"/>
-              <a:t>2022-10-29</a:t>
+              <a:t>2022-10-30</a:t>
             </a:fld>
             <a:endParaRPr lang="ko-KR" altLang="en-US"/>
           </a:p>
@@ -819,7 +819,7 @@
           <a:p>
             <a:fld id="{74A2778E-F063-4908-8427-F8B35A4747CF}" type="datetimeFigureOut">
               <a:rPr lang="ko-KR" altLang="en-US" smtClean="0"/>
-              <a:t>2022-10-29</a:t>
+              <a:t>2022-10-30</a:t>
             </a:fld>
             <a:endParaRPr lang="ko-KR" altLang="en-US"/>
           </a:p>
@@ -1027,7 +1027,7 @@
           <a:p>
             <a:fld id="{74A2778E-F063-4908-8427-F8B35A4747CF}" type="datetimeFigureOut">
               <a:rPr lang="ko-KR" altLang="en-US" smtClean="0"/>
-              <a:t>2022-10-29</a:t>
+              <a:t>2022-10-30</a:t>
             </a:fld>
             <a:endParaRPr lang="ko-KR" altLang="en-US"/>
           </a:p>
@@ -1225,7 +1225,7 @@
           <a:p>
             <a:fld id="{74A2778E-F063-4908-8427-F8B35A4747CF}" type="datetimeFigureOut">
               <a:rPr lang="ko-KR" altLang="en-US" smtClean="0"/>
-              <a:t>2022-10-29</a:t>
+              <a:t>2022-10-30</a:t>
             </a:fld>
             <a:endParaRPr lang="ko-KR" altLang="en-US"/>
           </a:p>
@@ -1500,7 +1500,7 @@
           <a:p>
             <a:fld id="{74A2778E-F063-4908-8427-F8B35A4747CF}" type="datetimeFigureOut">
               <a:rPr lang="ko-KR" altLang="en-US" smtClean="0"/>
-              <a:t>2022-10-29</a:t>
+              <a:t>2022-10-30</a:t>
             </a:fld>
             <a:endParaRPr lang="ko-KR" altLang="en-US"/>
           </a:p>
@@ -1765,7 +1765,7 @@
           <a:p>
             <a:fld id="{74A2778E-F063-4908-8427-F8B35A4747CF}" type="datetimeFigureOut">
               <a:rPr lang="ko-KR" altLang="en-US" smtClean="0"/>
-              <a:t>2022-10-29</a:t>
+              <a:t>2022-10-30</a:t>
             </a:fld>
             <a:endParaRPr lang="ko-KR" altLang="en-US"/>
           </a:p>
@@ -2177,7 +2177,7 @@
           <a:p>
             <a:fld id="{74A2778E-F063-4908-8427-F8B35A4747CF}" type="datetimeFigureOut">
               <a:rPr lang="ko-KR" altLang="en-US" smtClean="0"/>
-              <a:t>2022-10-29</a:t>
+              <a:t>2022-10-30</a:t>
             </a:fld>
             <a:endParaRPr lang="ko-KR" altLang="en-US"/>
           </a:p>
@@ -2318,7 +2318,7 @@
           <a:p>
             <a:fld id="{74A2778E-F063-4908-8427-F8B35A4747CF}" type="datetimeFigureOut">
               <a:rPr lang="ko-KR" altLang="en-US" smtClean="0"/>
-              <a:t>2022-10-29</a:t>
+              <a:t>2022-10-30</a:t>
             </a:fld>
             <a:endParaRPr lang="ko-KR" altLang="en-US"/>
           </a:p>
@@ -2431,7 +2431,7 @@
           <a:p>
             <a:fld id="{74A2778E-F063-4908-8427-F8B35A4747CF}" type="datetimeFigureOut">
               <a:rPr lang="ko-KR" altLang="en-US" smtClean="0"/>
-              <a:t>2022-10-29</a:t>
+              <a:t>2022-10-30</a:t>
             </a:fld>
             <a:endParaRPr lang="ko-KR" altLang="en-US"/>
           </a:p>
@@ -2742,7 +2742,7 @@
           <a:p>
             <a:fld id="{74A2778E-F063-4908-8427-F8B35A4747CF}" type="datetimeFigureOut">
               <a:rPr lang="ko-KR" altLang="en-US" smtClean="0"/>
-              <a:t>2022-10-29</a:t>
+              <a:t>2022-10-30</a:t>
             </a:fld>
             <a:endParaRPr lang="ko-KR" altLang="en-US"/>
           </a:p>
@@ -3030,7 +3030,7 @@
           <a:p>
             <a:fld id="{74A2778E-F063-4908-8427-F8B35A4747CF}" type="datetimeFigureOut">
               <a:rPr lang="ko-KR" altLang="en-US" smtClean="0"/>
-              <a:t>2022-10-29</a:t>
+              <a:t>2022-10-30</a:t>
             </a:fld>
             <a:endParaRPr lang="ko-KR" altLang="en-US"/>
           </a:p>
@@ -3271,7 +3271,7 @@
           <a:p>
             <a:fld id="{74A2778E-F063-4908-8427-F8B35A4747CF}" type="datetimeFigureOut">
               <a:rPr lang="ko-KR" altLang="en-US" smtClean="0"/>
-              <a:t>2022-10-29</a:t>
+              <a:t>2022-10-30</a:t>
             </a:fld>
             <a:endParaRPr lang="ko-KR" altLang="en-US"/>
           </a:p>
@@ -24178,6 +24178,7 @@
               </a:extLst>
             </p:cNvPr>
             <p:cNvCxnSpPr>
+              <a:cxnSpLocks/>
               <a:stCxn id="14" idx="6"/>
               <a:endCxn id="20" idx="2"/>
             </p:cNvCxnSpPr>

--- a/DsDotNet/src/Model/Import/Model.Import.Office/sample/ds.pptx
+++ b/DsDotNet/src/Model/Import/Model.Import.Office/sample/ds.pptx
@@ -11035,7 +11035,7 @@
                   <a:schemeClr val="tx1"/>
                 </a:solidFill>
               </a:rPr>
-              <a:t>[Handling; Weld]</a:t>
+              <a:t>[Handling]</a:t>
             </a:r>
           </a:p>
         </p:txBody>
@@ -23486,8 +23486,8 @@
         </p:nvCxnSpPr>
         <p:spPr>
           <a:xfrm flipV="1">
-            <a:off x="3586281" y="2964864"/>
-            <a:ext cx="1213576" cy="914283"/>
+            <a:off x="3301855" y="2964864"/>
+            <a:ext cx="1498002" cy="1537019"/>
           </a:xfrm>
           <a:prstGeom prst="straightConnector1">
             <a:avLst/>
@@ -23670,8 +23670,8 @@
         </p:nvCxnSpPr>
         <p:spPr>
           <a:xfrm rot="5400000" flipH="1" flipV="1">
-            <a:off x="3827805" y="544990"/>
-            <a:ext cx="692365" cy="3923493"/>
+            <a:off x="3374224" y="714145"/>
+            <a:ext cx="1315101" cy="4207919"/>
           </a:xfrm>
           <a:prstGeom prst="bentConnector3">
             <a:avLst>
@@ -23933,7 +23933,7 @@
         </p:nvGrpSpPr>
         <p:grpSpPr>
           <a:xfrm>
-            <a:off x="838201" y="2852918"/>
+            <a:off x="553775" y="3475654"/>
             <a:ext cx="2748080" cy="2052457"/>
             <a:chOff x="838201" y="2852918"/>
             <a:chExt cx="2748080" cy="2052457"/>

--- a/DsDotNet/src/Model/Import/Model.Import.Office/sample/ds.pptx
+++ b/DsDotNet/src/Model/Import/Model.Import.Office/sample/ds.pptx
@@ -207,7 +207,7 @@
           <a:p>
             <a:fld id="{2B89E2EC-FE27-4C5F-972C-0BECC28DD028}" type="datetimeFigureOut">
               <a:rPr lang="ko-KR" altLang="en-US" smtClean="0"/>
-              <a:t>2022-10-30</a:t>
+              <a:t>2022-10-31</a:t>
             </a:fld>
             <a:endParaRPr lang="ko-KR" altLang="en-US"/>
           </a:p>
@@ -621,7 +621,7 @@
           <a:p>
             <a:fld id="{74A2778E-F063-4908-8427-F8B35A4747CF}" type="datetimeFigureOut">
               <a:rPr lang="ko-KR" altLang="en-US" smtClean="0"/>
-              <a:t>2022-10-30</a:t>
+              <a:t>2022-10-31</a:t>
             </a:fld>
             <a:endParaRPr lang="ko-KR" altLang="en-US"/>
           </a:p>
@@ -819,7 +819,7 @@
           <a:p>
             <a:fld id="{74A2778E-F063-4908-8427-F8B35A4747CF}" type="datetimeFigureOut">
               <a:rPr lang="ko-KR" altLang="en-US" smtClean="0"/>
-              <a:t>2022-10-30</a:t>
+              <a:t>2022-10-31</a:t>
             </a:fld>
             <a:endParaRPr lang="ko-KR" altLang="en-US"/>
           </a:p>
@@ -1027,7 +1027,7 @@
           <a:p>
             <a:fld id="{74A2778E-F063-4908-8427-F8B35A4747CF}" type="datetimeFigureOut">
               <a:rPr lang="ko-KR" altLang="en-US" smtClean="0"/>
-              <a:t>2022-10-30</a:t>
+              <a:t>2022-10-31</a:t>
             </a:fld>
             <a:endParaRPr lang="ko-KR" altLang="en-US"/>
           </a:p>
@@ -1225,7 +1225,7 @@
           <a:p>
             <a:fld id="{74A2778E-F063-4908-8427-F8B35A4747CF}" type="datetimeFigureOut">
               <a:rPr lang="ko-KR" altLang="en-US" smtClean="0"/>
-              <a:t>2022-10-30</a:t>
+              <a:t>2022-10-31</a:t>
             </a:fld>
             <a:endParaRPr lang="ko-KR" altLang="en-US"/>
           </a:p>
@@ -1500,7 +1500,7 @@
           <a:p>
             <a:fld id="{74A2778E-F063-4908-8427-F8B35A4747CF}" type="datetimeFigureOut">
               <a:rPr lang="ko-KR" altLang="en-US" smtClean="0"/>
-              <a:t>2022-10-30</a:t>
+              <a:t>2022-10-31</a:t>
             </a:fld>
             <a:endParaRPr lang="ko-KR" altLang="en-US"/>
           </a:p>
@@ -1765,7 +1765,7 @@
           <a:p>
             <a:fld id="{74A2778E-F063-4908-8427-F8B35A4747CF}" type="datetimeFigureOut">
               <a:rPr lang="ko-KR" altLang="en-US" smtClean="0"/>
-              <a:t>2022-10-30</a:t>
+              <a:t>2022-10-31</a:t>
             </a:fld>
             <a:endParaRPr lang="ko-KR" altLang="en-US"/>
           </a:p>
@@ -2177,7 +2177,7 @@
           <a:p>
             <a:fld id="{74A2778E-F063-4908-8427-F8B35A4747CF}" type="datetimeFigureOut">
               <a:rPr lang="ko-KR" altLang="en-US" smtClean="0"/>
-              <a:t>2022-10-30</a:t>
+              <a:t>2022-10-31</a:t>
             </a:fld>
             <a:endParaRPr lang="ko-KR" altLang="en-US"/>
           </a:p>
@@ -2318,7 +2318,7 @@
           <a:p>
             <a:fld id="{74A2778E-F063-4908-8427-F8B35A4747CF}" type="datetimeFigureOut">
               <a:rPr lang="ko-KR" altLang="en-US" smtClean="0"/>
-              <a:t>2022-10-30</a:t>
+              <a:t>2022-10-31</a:t>
             </a:fld>
             <a:endParaRPr lang="ko-KR" altLang="en-US"/>
           </a:p>
@@ -2431,7 +2431,7 @@
           <a:p>
             <a:fld id="{74A2778E-F063-4908-8427-F8B35A4747CF}" type="datetimeFigureOut">
               <a:rPr lang="ko-KR" altLang="en-US" smtClean="0"/>
-              <a:t>2022-10-30</a:t>
+              <a:t>2022-10-31</a:t>
             </a:fld>
             <a:endParaRPr lang="ko-KR" altLang="en-US"/>
           </a:p>
@@ -2742,7 +2742,7 @@
           <a:p>
             <a:fld id="{74A2778E-F063-4908-8427-F8B35A4747CF}" type="datetimeFigureOut">
               <a:rPr lang="ko-KR" altLang="en-US" smtClean="0"/>
-              <a:t>2022-10-30</a:t>
+              <a:t>2022-10-31</a:t>
             </a:fld>
             <a:endParaRPr lang="ko-KR" altLang="en-US"/>
           </a:p>
@@ -3030,7 +3030,7 @@
           <a:p>
             <a:fld id="{74A2778E-F063-4908-8427-F8B35A4747CF}" type="datetimeFigureOut">
               <a:rPr lang="ko-KR" altLang="en-US" smtClean="0"/>
-              <a:t>2022-10-30</a:t>
+              <a:t>2022-10-31</a:t>
             </a:fld>
             <a:endParaRPr lang="ko-KR" altLang="en-US"/>
           </a:p>
@@ -3271,7 +3271,7 @@
           <a:p>
             <a:fld id="{74A2778E-F063-4908-8427-F8B35A4747CF}" type="datetimeFigureOut">
               <a:rPr lang="ko-KR" altLang="en-US" smtClean="0"/>
-              <a:t>2022-10-30</a:t>
+              <a:t>2022-10-31</a:t>
             </a:fld>
             <a:endParaRPr lang="ko-KR" altLang="en-US"/>
           </a:p>
@@ -3949,7 +3949,7 @@
         </p:nvSpPr>
         <p:spPr>
           <a:xfrm>
-            <a:off x="6790402" y="2852918"/>
+            <a:off x="7424619" y="2160553"/>
             <a:ext cx="759613" cy="223889"/>
           </a:xfrm>
           <a:prstGeom prst="rect">
@@ -4000,18 +4000,21 @@
             </a:extLst>
           </p:cNvPr>
           <p:cNvCxnSpPr>
+            <a:cxnSpLocks/>
             <a:stCxn id="7" idx="2"/>
-            <a:endCxn id="8" idx="0"/>
+            <a:endCxn id="8" idx="2"/>
           </p:cNvCxnSpPr>
           <p:nvPr/>
         </p:nvCxnSpPr>
         <p:spPr>
           <a:xfrm rot="16200000" flipH="1">
-            <a:off x="4316244" y="-1049"/>
-            <a:ext cx="692365" cy="5015565"/>
+            <a:off x="4867591" y="-552394"/>
+            <a:ext cx="223889" cy="5649782"/>
           </a:xfrm>
           <a:prstGeom prst="bentConnector3">
-            <a:avLst/>
+            <a:avLst>
+              <a:gd name="adj1" fmla="val 202104"/>
+            </a:avLst>
           </a:prstGeom>
           <a:ln>
             <a:prstDash val="solid"/>
@@ -4111,7 +4114,7 @@
         </p:nvSpPr>
         <p:spPr>
           <a:xfrm>
-            <a:off x="3465517" y="5155119"/>
+            <a:off x="3208342" y="5246942"/>
             <a:ext cx="1104181" cy="1245933"/>
           </a:xfrm>
           <a:prstGeom prst="bevel">
@@ -4282,18 +4285,18 @@
           <p:cNvCxnSpPr>
             <a:cxnSpLocks/>
             <a:stCxn id="3" idx="0"/>
-            <a:endCxn id="8" idx="0"/>
+            <a:endCxn id="17" idx="0"/>
           </p:cNvCxnSpPr>
           <p:nvPr/>
         </p:nvCxnSpPr>
         <p:spPr>
-          <a:xfrm rot="5400000" flipH="1" flipV="1">
-            <a:off x="4758040" y="904886"/>
-            <a:ext cx="464137" cy="4360202"/>
+          <a:xfrm rot="16200000" flipH="1">
+            <a:off x="5140782" y="986279"/>
+            <a:ext cx="119059" cy="4780610"/>
           </a:xfrm>
           <a:prstGeom prst="bentConnector3">
             <a:avLst>
-              <a:gd name="adj1" fmla="val 149253"/>
+              <a:gd name="adj1" fmla="val -192006"/>
             </a:avLst>
           </a:prstGeom>
           <a:ln>
@@ -4317,6 +4320,338 @@
           </a:fontRef>
         </p:style>
       </p:cxnSp>
+      <p:sp>
+        <p:nvSpPr>
+          <p:cNvPr id="17" name="직사각형 16">
+            <a:extLst>
+              <a:ext uri="{FF2B5EF4-FFF2-40B4-BE49-F238E27FC236}">
+                <a16:creationId xmlns:a16="http://schemas.microsoft.com/office/drawing/2014/main" id="{C74958CD-A5CB-4BEC-1D8E-B685A798984D}"/>
+              </a:ext>
+            </a:extLst>
+          </p:cNvPr>
+          <p:cNvSpPr/>
+          <p:nvPr/>
+        </p:nvSpPr>
+        <p:spPr>
+          <a:xfrm>
+            <a:off x="7210810" y="3436114"/>
+            <a:ext cx="759613" cy="223889"/>
+          </a:xfrm>
+          <a:prstGeom prst="rect">
+            <a:avLst/>
+          </a:prstGeom>
+          <a:solidFill>
+            <a:schemeClr val="accent5">
+              <a:lumMod val="25000"/>
+            </a:schemeClr>
+          </a:solidFill>
+        </p:spPr>
+        <p:style>
+          <a:lnRef idx="2">
+            <a:schemeClr val="accent1">
+              <a:shade val="50000"/>
+            </a:schemeClr>
+          </a:lnRef>
+          <a:fillRef idx="1">
+            <a:schemeClr val="accent1"/>
+          </a:fillRef>
+          <a:effectRef idx="0">
+            <a:schemeClr val="accent1"/>
+          </a:effectRef>
+          <a:fontRef idx="minor">
+            <a:schemeClr val="lt1"/>
+          </a:fontRef>
+        </p:style>
+        <p:txBody>
+          <a:bodyPr rtlCol="0" anchor="ctr"/>
+          <a:lstStyle/>
+          <a:p>
+            <a:pPr algn="ctr"/>
+            <a:r>
+              <a:rPr lang="en-US" altLang="ko-KR" sz="1200" dirty="0"/>
+              <a:t>C</a:t>
+            </a:r>
+            <a:endParaRPr lang="ko-KR" altLang="en-US" sz="1200" dirty="0"/>
+          </a:p>
+        </p:txBody>
+      </p:sp>
+      <p:sp>
+        <p:nvSpPr>
+          <p:cNvPr id="21" name="사각형: 모서리가 접힌 도형 20">
+            <a:extLst>
+              <a:ext uri="{FF2B5EF4-FFF2-40B4-BE49-F238E27FC236}">
+                <a16:creationId xmlns:a16="http://schemas.microsoft.com/office/drawing/2014/main" id="{45A651BF-BC83-69C5-F4A7-49FBB426FA5D}"/>
+              </a:ext>
+            </a:extLst>
+          </p:cNvPr>
+          <p:cNvSpPr/>
+          <p:nvPr/>
+        </p:nvSpPr>
+        <p:spPr>
+          <a:xfrm>
+            <a:off x="470430" y="5997976"/>
+            <a:ext cx="2914770" cy="421792"/>
+          </a:xfrm>
+          <a:prstGeom prst="foldedCorner">
+            <a:avLst/>
+          </a:prstGeom>
+          <a:solidFill>
+            <a:srgbClr val="00B0F0"/>
+          </a:solidFill>
+        </p:spPr>
+        <p:style>
+          <a:lnRef idx="2">
+            <a:schemeClr val="accent1">
+              <a:shade val="50000"/>
+            </a:schemeClr>
+          </a:lnRef>
+          <a:fillRef idx="1">
+            <a:schemeClr val="accent1"/>
+          </a:fillRef>
+          <a:effectRef idx="0">
+            <a:schemeClr val="accent1"/>
+          </a:effectRef>
+          <a:fontRef idx="minor">
+            <a:schemeClr val="lt1"/>
+          </a:fontRef>
+        </p:style>
+        <p:txBody>
+          <a:bodyPr rtlCol="0" anchor="ctr"/>
+          <a:lstStyle/>
+          <a:p>
+            <a:pPr algn="ctr"/>
+            <a:r>
+              <a:rPr lang="en-US" altLang="ko-KR" sz="900" dirty="0">
+                <a:solidFill>
+                  <a:schemeClr val="tx1"/>
+                </a:solidFill>
+              </a:rPr>
+              <a:t>Pin</a:t>
+            </a:r>
+          </a:p>
+          <a:p>
+            <a:pPr algn="ctr"/>
+            <a:r>
+              <a:rPr lang="en-US" altLang="ko-KR" sz="900" dirty="0">
+                <a:solidFill>
+                  <a:schemeClr val="tx1"/>
+                </a:solidFill>
+              </a:rPr>
+              <a:t>[</a:t>
+            </a:r>
+            <a:r>
+              <a:rPr lang="en-US" altLang="ko-KR" sz="900" dirty="0" err="1">
+                <a:solidFill>
+                  <a:schemeClr val="tx1"/>
+                </a:solidFill>
+              </a:rPr>
+              <a:t>PIN1</a:t>
+            </a:r>
+            <a:r>
+              <a:rPr lang="en-US" altLang="ko-KR" sz="900" dirty="0">
+                <a:solidFill>
+                  <a:schemeClr val="tx1"/>
+                </a:solidFill>
+              </a:rPr>
+              <a:t>]</a:t>
+            </a:r>
+          </a:p>
+        </p:txBody>
+      </p:sp>
+      <p:grpSp>
+        <p:nvGrpSpPr>
+          <p:cNvPr id="30" name="그룹 29">
+            <a:extLst>
+              <a:ext uri="{FF2B5EF4-FFF2-40B4-BE49-F238E27FC236}">
+                <a16:creationId xmlns:a16="http://schemas.microsoft.com/office/drawing/2014/main" id="{5EAD2397-E0B2-2828-11AD-2AEF431E43F7}"/>
+              </a:ext>
+            </a:extLst>
+          </p:cNvPr>
+          <p:cNvGrpSpPr/>
+          <p:nvPr/>
+        </p:nvGrpSpPr>
+        <p:grpSpPr>
+          <a:xfrm>
+            <a:off x="8788545" y="3548058"/>
+            <a:ext cx="2070340" cy="2473230"/>
+            <a:chOff x="8788545" y="3548058"/>
+            <a:chExt cx="2070340" cy="2473230"/>
+          </a:xfrm>
+        </p:grpSpPr>
+        <p:grpSp>
+          <p:nvGrpSpPr>
+            <p:cNvPr id="23" name="그룹 22">
+              <a:extLst>
+                <a:ext uri="{FF2B5EF4-FFF2-40B4-BE49-F238E27FC236}">
+                  <a16:creationId xmlns:a16="http://schemas.microsoft.com/office/drawing/2014/main" id="{EFFF6915-B4FA-415B-8BD5-68627273DEC7}"/>
+                </a:ext>
+              </a:extLst>
+            </p:cNvPr>
+            <p:cNvGrpSpPr/>
+            <p:nvPr/>
+          </p:nvGrpSpPr>
+          <p:grpSpPr>
+            <a:xfrm>
+              <a:off x="8788545" y="3548058"/>
+              <a:ext cx="2070340" cy="2473230"/>
+              <a:chOff x="8788545" y="3548058"/>
+              <a:chExt cx="2070340" cy="2473230"/>
+            </a:xfrm>
+          </p:grpSpPr>
+          <p:sp>
+            <p:nvSpPr>
+              <p:cNvPr id="13" name="직사각형 12">
+                <a:extLst>
+                  <a:ext uri="{FF2B5EF4-FFF2-40B4-BE49-F238E27FC236}">
+                    <a16:creationId xmlns:a16="http://schemas.microsoft.com/office/drawing/2014/main" id="{465E041F-7D5A-95AB-4D8B-DD342E08D945}"/>
+                  </a:ext>
+                </a:extLst>
+              </p:cNvPr>
+              <p:cNvSpPr/>
+              <p:nvPr/>
+            </p:nvSpPr>
+            <p:spPr>
+              <a:xfrm>
+                <a:off x="8788545" y="3548058"/>
+                <a:ext cx="2070340" cy="2473230"/>
+              </a:xfrm>
+              <a:prstGeom prst="rect">
+                <a:avLst/>
+              </a:prstGeom>
+            </p:spPr>
+            <p:style>
+              <a:lnRef idx="1">
+                <a:schemeClr val="dk1"/>
+              </a:lnRef>
+              <a:fillRef idx="2">
+                <a:schemeClr val="dk1"/>
+              </a:fillRef>
+              <a:effectRef idx="1">
+                <a:schemeClr val="dk1"/>
+              </a:effectRef>
+              <a:fontRef idx="minor">
+                <a:schemeClr val="dk1"/>
+              </a:fontRef>
+            </p:style>
+            <p:txBody>
+              <a:bodyPr rtlCol="0" anchor="ctr"/>
+              <a:lstStyle/>
+              <a:p>
+                <a:pPr algn="ctr"/>
+                <a:r>
+                  <a:rPr lang="en-US" altLang="ko-KR" sz="1100" dirty="0"/>
+                  <a:t>A</a:t>
+                </a:r>
+                <a:endParaRPr lang="ko-KR" altLang="en-US" sz="1100" dirty="0"/>
+              </a:p>
+            </p:txBody>
+          </p:sp>
+          <p:sp>
+            <p:nvSpPr>
+              <p:cNvPr id="25" name="타원 24">
+                <a:extLst>
+                  <a:ext uri="{FF2B5EF4-FFF2-40B4-BE49-F238E27FC236}">
+                    <a16:creationId xmlns:a16="http://schemas.microsoft.com/office/drawing/2014/main" id="{DEA60632-11A1-99E4-1D24-C238F35F3EFF}"/>
+                  </a:ext>
+                </a:extLst>
+              </p:cNvPr>
+              <p:cNvSpPr/>
+              <p:nvPr/>
+            </p:nvSpPr>
+            <p:spPr>
+              <a:xfrm>
+                <a:off x="9984432" y="4501069"/>
+                <a:ext cx="755650" cy="1308100"/>
+              </a:xfrm>
+              <a:prstGeom prst="ellipse">
+                <a:avLst/>
+              </a:prstGeom>
+            </p:spPr>
+            <p:style>
+              <a:lnRef idx="1">
+                <a:schemeClr val="dk1"/>
+              </a:lnRef>
+              <a:fillRef idx="2">
+                <a:schemeClr val="dk1"/>
+              </a:fillRef>
+              <a:effectRef idx="1">
+                <a:schemeClr val="dk1"/>
+              </a:effectRef>
+              <a:fontRef idx="minor">
+                <a:schemeClr val="dk1"/>
+              </a:fontRef>
+            </p:style>
+            <p:txBody>
+              <a:bodyPr rtlCol="0" anchor="ctr"/>
+              <a:lstStyle/>
+              <a:p>
+                <a:pPr algn="ctr"/>
+                <a:r>
+                  <a:rPr lang="en-US" altLang="ko-KR" sz="1050" dirty="0" err="1">
+                    <a:solidFill>
+                      <a:schemeClr val="tx1"/>
+                    </a:solidFill>
+                  </a:rPr>
+                  <a:t>PIN1.DOWN</a:t>
+                </a:r>
+                <a:endParaRPr lang="ko-KR" altLang="en-US" sz="1050" dirty="0"/>
+              </a:p>
+            </p:txBody>
+          </p:sp>
+        </p:grpSp>
+        <p:sp>
+          <p:nvSpPr>
+            <p:cNvPr id="26" name="타원 25">
+              <a:extLst>
+                <a:ext uri="{FF2B5EF4-FFF2-40B4-BE49-F238E27FC236}">
+                  <a16:creationId xmlns:a16="http://schemas.microsoft.com/office/drawing/2014/main" id="{4CF8B78A-E617-4CBA-FB3F-D6EDD6C7D0CD}"/>
+                </a:ext>
+              </a:extLst>
+            </p:cNvPr>
+            <p:cNvSpPr/>
+            <p:nvPr/>
+          </p:nvSpPr>
+          <p:spPr>
+            <a:xfrm>
+              <a:off x="9036051" y="4254500"/>
+              <a:ext cx="755650" cy="1308100"/>
+            </a:xfrm>
+            <a:prstGeom prst="ellipse">
+              <a:avLst/>
+            </a:prstGeom>
+          </p:spPr>
+          <p:style>
+            <a:lnRef idx="1">
+              <a:schemeClr val="dk1"/>
+            </a:lnRef>
+            <a:fillRef idx="2">
+              <a:schemeClr val="dk1"/>
+            </a:fillRef>
+            <a:effectRef idx="1">
+              <a:schemeClr val="dk1"/>
+            </a:effectRef>
+            <a:fontRef idx="minor">
+              <a:schemeClr val="dk1"/>
+            </a:fontRef>
+          </p:style>
+          <p:txBody>
+            <a:bodyPr rtlCol="0" anchor="ctr"/>
+            <a:lstStyle/>
+            <a:p>
+              <a:pPr algn="ctr"/>
+              <a:r>
+                <a:rPr lang="en-US" altLang="ko-KR" sz="1050" dirty="0" err="1">
+                  <a:solidFill>
+                    <a:schemeClr val="tx1"/>
+                  </a:solidFill>
+                </a:rPr>
+                <a:t>PIN1.UP</a:t>
+              </a:r>
+              <a:endParaRPr lang="ko-KR" altLang="en-US" sz="1050" dirty="0"/>
+            </a:p>
+          </p:txBody>
+        </p:sp>
+      </p:grpSp>
     </p:spTree>
     <p:extLst>
       <p:ext uri="{BB962C8B-B14F-4D97-AF65-F5344CB8AC3E}">
@@ -10837,7 +11172,7 @@
 </file>
 
 <file path=ppt/slides/slide2.xml><?xml version="1.0" encoding="utf-8"?>
-<p:sld xmlns:a="http://schemas.openxmlformats.org/drawingml/2006/main" xmlns:r="http://schemas.openxmlformats.org/officeDocument/2006/relationships" xmlns:p="http://schemas.openxmlformats.org/presentationml/2006/main">
+<p:sld xmlns:a="http://schemas.openxmlformats.org/drawingml/2006/main" xmlns:r="http://schemas.openxmlformats.org/officeDocument/2006/relationships" xmlns:p="http://schemas.openxmlformats.org/presentationml/2006/main" show="0">
   <p:cSld>
     <p:spTree>
       <p:nvGrpSpPr>

--- a/DsDotNet/src/Model/Import/Model.Import.Office/sample/ds.pptx
+++ b/DsDotNet/src/Model/Import/Model.Import.Office/sample/ds.pptx
@@ -4051,7 +4051,7 @@
         </p:nvSpPr>
         <p:spPr>
           <a:xfrm>
-            <a:off x="256543" y="5155119"/>
+            <a:off x="-78033" y="4527503"/>
             <a:ext cx="2070340" cy="1492370"/>
           </a:xfrm>
           <a:prstGeom prst="noSmoking">
@@ -4114,7 +4114,7 @@
         </p:nvSpPr>
         <p:spPr>
           <a:xfrm>
-            <a:off x="3208342" y="5246942"/>
+            <a:off x="2810965" y="4501069"/>
             <a:ext cx="1104181" cy="1245933"/>
           </a:xfrm>
           <a:prstGeom prst="bevel">
@@ -4169,7 +4169,7 @@
         </p:nvSpPr>
         <p:spPr>
           <a:xfrm>
-            <a:off x="5338878" y="4833493"/>
+            <a:off x="5537286" y="4368726"/>
             <a:ext cx="1673524" cy="1690778"/>
           </a:xfrm>
           <a:prstGeom prst="donut">
@@ -4652,6 +4652,245 @@
           </p:txBody>
         </p:sp>
       </p:grpSp>
+      <p:sp>
+        <p:nvSpPr>
+          <p:cNvPr id="31" name="원형: 비어 있음 30">
+            <a:extLst>
+              <a:ext uri="{FF2B5EF4-FFF2-40B4-BE49-F238E27FC236}">
+                <a16:creationId xmlns:a16="http://schemas.microsoft.com/office/drawing/2014/main" id="{32E8FDD3-608D-2966-8ECF-2909148E0A92}"/>
+              </a:ext>
+            </a:extLst>
+          </p:cNvPr>
+          <p:cNvSpPr/>
+          <p:nvPr/>
+        </p:nvSpPr>
+        <p:spPr>
+          <a:xfrm>
+            <a:off x="4103520" y="3409111"/>
+            <a:ext cx="1673524" cy="1690778"/>
+          </a:xfrm>
+          <a:prstGeom prst="donut">
+            <a:avLst/>
+          </a:prstGeom>
+          <a:ln>
+            <a:solidFill>
+              <a:schemeClr val="tx1"/>
+            </a:solidFill>
+          </a:ln>
+        </p:spPr>
+        <p:style>
+          <a:lnRef idx="2">
+            <a:schemeClr val="accent1">
+              <a:shade val="50000"/>
+            </a:schemeClr>
+          </a:lnRef>
+          <a:fillRef idx="1">
+            <a:schemeClr val="accent1"/>
+          </a:fillRef>
+          <a:effectRef idx="0">
+            <a:schemeClr val="accent1"/>
+          </a:effectRef>
+          <a:fontRef idx="minor">
+            <a:schemeClr val="lt1"/>
+          </a:fontRef>
+        </p:style>
+        <p:txBody>
+          <a:bodyPr rtlCol="0" anchor="ctr"/>
+          <a:lstStyle/>
+          <a:p>
+            <a:pPr algn="ctr"/>
+            <a:r>
+              <a:rPr lang="en-US" altLang="ko-KR" dirty="0">
+                <a:solidFill>
+                  <a:schemeClr val="tx1"/>
+                </a:solidFill>
+              </a:rPr>
+              <a:t>BBB</a:t>
+            </a:r>
+            <a:endParaRPr lang="ko-KR" altLang="en-US" dirty="0">
+              <a:solidFill>
+                <a:schemeClr val="tx1"/>
+              </a:solidFill>
+            </a:endParaRPr>
+          </a:p>
+        </p:txBody>
+      </p:sp>
+      <p:sp>
+        <p:nvSpPr>
+          <p:cNvPr id="32" name="원형: 비어 있음 31">
+            <a:extLst>
+              <a:ext uri="{FF2B5EF4-FFF2-40B4-BE49-F238E27FC236}">
+                <a16:creationId xmlns:a16="http://schemas.microsoft.com/office/drawing/2014/main" id="{C3343768-FF83-2F94-0388-55490E5580E5}"/>
+              </a:ext>
+            </a:extLst>
+          </p:cNvPr>
+          <p:cNvSpPr/>
+          <p:nvPr/>
+        </p:nvSpPr>
+        <p:spPr>
+          <a:xfrm>
+            <a:off x="5863849" y="-151724"/>
+            <a:ext cx="1673524" cy="1690778"/>
+          </a:xfrm>
+          <a:prstGeom prst="donut">
+            <a:avLst/>
+          </a:prstGeom>
+          <a:ln>
+            <a:solidFill>
+              <a:schemeClr val="tx1"/>
+            </a:solidFill>
+          </a:ln>
+        </p:spPr>
+        <p:style>
+          <a:lnRef idx="2">
+            <a:schemeClr val="accent1">
+              <a:shade val="50000"/>
+            </a:schemeClr>
+          </a:lnRef>
+          <a:fillRef idx="1">
+            <a:schemeClr val="accent1"/>
+          </a:fillRef>
+          <a:effectRef idx="0">
+            <a:schemeClr val="accent1"/>
+          </a:effectRef>
+          <a:fontRef idx="minor">
+            <a:schemeClr val="lt1"/>
+          </a:fontRef>
+        </p:style>
+        <p:txBody>
+          <a:bodyPr rtlCol="0" anchor="ctr"/>
+          <a:lstStyle/>
+          <a:p>
+            <a:pPr algn="ctr"/>
+            <a:r>
+              <a:rPr lang="en-US" altLang="ko-KR">
+                <a:solidFill>
+                  <a:schemeClr val="tx1"/>
+                </a:solidFill>
+              </a:rPr>
+              <a:t>CCC</a:t>
+            </a:r>
+            <a:endParaRPr lang="ko-KR" altLang="en-US" dirty="0">
+              <a:solidFill>
+                <a:schemeClr val="tx1"/>
+              </a:solidFill>
+            </a:endParaRPr>
+          </a:p>
+        </p:txBody>
+      </p:sp>
+      <p:sp>
+        <p:nvSpPr>
+          <p:cNvPr id="33" name="원형: 비어 있음 32">
+            <a:extLst>
+              <a:ext uri="{FF2B5EF4-FFF2-40B4-BE49-F238E27FC236}">
+                <a16:creationId xmlns:a16="http://schemas.microsoft.com/office/drawing/2014/main" id="{A39D28FB-7573-000B-8395-3753A2D4FA89}"/>
+              </a:ext>
+            </a:extLst>
+          </p:cNvPr>
+          <p:cNvSpPr/>
+          <p:nvPr/>
+        </p:nvSpPr>
+        <p:spPr>
+          <a:xfrm>
+            <a:off x="3803558" y="592000"/>
+            <a:ext cx="1673524" cy="1690778"/>
+          </a:xfrm>
+          <a:prstGeom prst="donut">
+            <a:avLst/>
+          </a:prstGeom>
+          <a:ln>
+            <a:solidFill>
+              <a:schemeClr val="tx1"/>
+            </a:solidFill>
+          </a:ln>
+        </p:spPr>
+        <p:style>
+          <a:lnRef idx="2">
+            <a:schemeClr val="accent1">
+              <a:shade val="50000"/>
+            </a:schemeClr>
+          </a:lnRef>
+          <a:fillRef idx="1">
+            <a:schemeClr val="accent1"/>
+          </a:fillRef>
+          <a:effectRef idx="0">
+            <a:schemeClr val="accent1"/>
+          </a:effectRef>
+          <a:fontRef idx="minor">
+            <a:schemeClr val="lt1"/>
+          </a:fontRef>
+        </p:style>
+        <p:txBody>
+          <a:bodyPr rtlCol="0" anchor="ctr"/>
+          <a:lstStyle/>
+          <a:p>
+            <a:pPr algn="ctr"/>
+            <a:r>
+              <a:rPr lang="en-US" altLang="ko-KR" dirty="0">
+                <a:solidFill>
+                  <a:schemeClr val="tx1"/>
+                </a:solidFill>
+              </a:rPr>
+              <a:t>DD</a:t>
+            </a:r>
+            <a:endParaRPr lang="ko-KR" altLang="en-US" dirty="0">
+              <a:solidFill>
+                <a:schemeClr val="tx1"/>
+              </a:solidFill>
+            </a:endParaRPr>
+          </a:p>
+        </p:txBody>
+      </p:sp>
+      <p:sp>
+        <p:nvSpPr>
+          <p:cNvPr id="35" name="순서도: 다른 페이지 연결선 34">
+            <a:extLst>
+              <a:ext uri="{FF2B5EF4-FFF2-40B4-BE49-F238E27FC236}">
+                <a16:creationId xmlns:a16="http://schemas.microsoft.com/office/drawing/2014/main" id="{6BDDBF30-1236-DA19-E5DD-06F3CEB22662}"/>
+              </a:ext>
+            </a:extLst>
+          </p:cNvPr>
+          <p:cNvSpPr/>
+          <p:nvPr/>
+        </p:nvSpPr>
+        <p:spPr>
+          <a:xfrm>
+            <a:off x="9286875" y="2085975"/>
+            <a:ext cx="1009650" cy="1462083"/>
+          </a:xfrm>
+          <a:prstGeom prst="flowChartOffpageConnector">
+            <a:avLst/>
+          </a:prstGeom>
+        </p:spPr>
+        <p:style>
+          <a:lnRef idx="2">
+            <a:schemeClr val="accent1">
+              <a:shade val="50000"/>
+            </a:schemeClr>
+          </a:lnRef>
+          <a:fillRef idx="1">
+            <a:schemeClr val="accent1"/>
+          </a:fillRef>
+          <a:effectRef idx="0">
+            <a:schemeClr val="accent1"/>
+          </a:effectRef>
+          <a:fontRef idx="minor">
+            <a:schemeClr val="lt1"/>
+          </a:fontRef>
+        </p:style>
+        <p:txBody>
+          <a:bodyPr rtlCol="0" anchor="ctr"/>
+          <a:lstStyle/>
+          <a:p>
+            <a:pPr algn="ctr"/>
+            <a:r>
+              <a:rPr lang="en-US" altLang="ko-KR" dirty="0" err="1"/>
+              <a:t>asdasd</a:t>
+            </a:r>
+            <a:endParaRPr lang="ko-KR" altLang="en-US" dirty="0"/>
+          </a:p>
+        </p:txBody>
+      </p:sp>
     </p:spTree>
     <p:extLst>
       <p:ext uri="{BB962C8B-B14F-4D97-AF65-F5344CB8AC3E}">

--- a/DsDotNet/src/Model/Import/Model.Import.Office/sample/ds.pptx
+++ b/DsDotNet/src/Model/Import/Model.Import.Office/sample/ds.pptx
@@ -5,20 +5,21 @@
     <p:sldMasterId id="2147483648" r:id="rId1"/>
   </p:sldMasterIdLst>
   <p:notesMasterIdLst>
-    <p:notesMasterId r:id="rId13"/>
+    <p:notesMasterId r:id="rId14"/>
   </p:notesMasterIdLst>
   <p:sldIdLst>
     <p:sldId id="635" r:id="rId2"/>
-    <p:sldId id="632" r:id="rId3"/>
-    <p:sldId id="629" r:id="rId4"/>
-    <p:sldId id="631" r:id="rId5"/>
-    <p:sldId id="630" r:id="rId6"/>
-    <p:sldId id="633" r:id="rId7"/>
-    <p:sldId id="626" r:id="rId8"/>
-    <p:sldId id="627" r:id="rId9"/>
-    <p:sldId id="628" r:id="rId10"/>
-    <p:sldId id="636" r:id="rId11"/>
-    <p:sldId id="625" r:id="rId12"/>
+    <p:sldId id="637" r:id="rId3"/>
+    <p:sldId id="632" r:id="rId4"/>
+    <p:sldId id="629" r:id="rId5"/>
+    <p:sldId id="631" r:id="rId6"/>
+    <p:sldId id="630" r:id="rId7"/>
+    <p:sldId id="633" r:id="rId8"/>
+    <p:sldId id="626" r:id="rId9"/>
+    <p:sldId id="627" r:id="rId10"/>
+    <p:sldId id="628" r:id="rId11"/>
+    <p:sldId id="636" r:id="rId12"/>
+    <p:sldId id="625" r:id="rId13"/>
   </p:sldIdLst>
   <p:sldSz cx="12192000" cy="6858000"/>
   <p:notesSz cx="6797675" cy="9926638"/>
@@ -5556,7 +5557,7 @@
             <a:pPr algn="ctr"/>
             <a:r>
               <a:rPr lang="en-US" altLang="ko-KR" sz="1100" dirty="0"/>
-              <a:t>+</a:t>
+              <a:t>LATCH</a:t>
             </a:r>
           </a:p>
           <a:p>
@@ -5623,7 +5624,7 @@
             <a:pPr algn="ctr"/>
             <a:r>
               <a:rPr lang="en-US" altLang="ko-KR" sz="1100" dirty="0"/>
-              <a:t>- </a:t>
+              <a:t>UNLATCH </a:t>
             </a:r>
           </a:p>
           <a:p>
@@ -5729,6 +5730,850 @@
           <a:p>
             <a:r>
               <a:rPr lang="en-US" altLang="ko-KR" sz="2800" dirty="0"/>
+              <a:t>$Latch</a:t>
+            </a:r>
+            <a:endParaRPr lang="ko-KR" altLang="en-US" sz="2800" dirty="0"/>
+          </a:p>
+        </p:txBody>
+      </p:sp>
+    </p:spTree>
+    <p:extLst>
+      <p:ext uri="{BB962C8B-B14F-4D97-AF65-F5344CB8AC3E}">
+        <p14:creationId xmlns:p14="http://schemas.microsoft.com/office/powerpoint/2010/main" val="2592641526"/>
+      </p:ext>
+    </p:extLst>
+  </p:cSld>
+  <p:clrMapOvr>
+    <a:masterClrMapping/>
+  </p:clrMapOvr>
+</p:sld>
+</file>
+
+<file path=ppt/slides/slide11.xml><?xml version="1.0" encoding="utf-8"?>
+<p:sld xmlns:a="http://schemas.openxmlformats.org/drawingml/2006/main" xmlns:r="http://schemas.openxmlformats.org/officeDocument/2006/relationships" xmlns:p="http://schemas.openxmlformats.org/presentationml/2006/main">
+  <p:cSld>
+    <p:spTree>
+      <p:nvGrpSpPr>
+        <p:cNvPr id="1" name=""/>
+        <p:cNvGrpSpPr/>
+        <p:nvPr/>
+      </p:nvGrpSpPr>
+      <p:grpSpPr>
+        <a:xfrm>
+          <a:off x="0" y="0"/>
+          <a:ext cx="0" cy="0"/>
+          <a:chOff x="0" y="0"/>
+          <a:chExt cx="0" cy="0"/>
+        </a:xfrm>
+      </p:grpSpPr>
+      <p:sp>
+        <p:nvSpPr>
+          <p:cNvPr id="6" name="직사각형 5">
+            <a:extLst>
+              <a:ext uri="{FF2B5EF4-FFF2-40B4-BE49-F238E27FC236}">
+                <a16:creationId xmlns:a16="http://schemas.microsoft.com/office/drawing/2014/main" id="{F7FFA879-D297-B806-362A-C7000F382F51}"/>
+              </a:ext>
+            </a:extLst>
+          </p:cNvPr>
+          <p:cNvSpPr/>
+          <p:nvPr/>
+        </p:nvSpPr>
+        <p:spPr>
+          <a:xfrm>
+            <a:off x="3765382" y="1080452"/>
+            <a:ext cx="759613" cy="223889"/>
+          </a:xfrm>
+          <a:prstGeom prst="rect">
+            <a:avLst/>
+          </a:prstGeom>
+          <a:solidFill>
+            <a:schemeClr val="accent5">
+              <a:lumMod val="25000"/>
+            </a:schemeClr>
+          </a:solidFill>
+        </p:spPr>
+        <p:style>
+          <a:lnRef idx="2">
+            <a:schemeClr val="accent1">
+              <a:shade val="50000"/>
+            </a:schemeClr>
+          </a:lnRef>
+          <a:fillRef idx="1">
+            <a:schemeClr val="accent1"/>
+          </a:fillRef>
+          <a:effectRef idx="0">
+            <a:schemeClr val="accent1"/>
+          </a:effectRef>
+          <a:fontRef idx="minor">
+            <a:schemeClr val="lt1"/>
+          </a:fontRef>
+        </p:style>
+        <p:txBody>
+          <a:bodyPr rtlCol="0" anchor="ctr"/>
+          <a:lstStyle/>
+          <a:p>
+            <a:pPr algn="ctr"/>
+            <a:r>
+              <a:rPr lang="en-US" altLang="ko-KR" sz="1200" dirty="0"/>
+              <a:t>Pp</a:t>
+            </a:r>
+            <a:endParaRPr lang="ko-KR" altLang="en-US" sz="1200" dirty="0"/>
+          </a:p>
+        </p:txBody>
+      </p:sp>
+      <p:sp>
+        <p:nvSpPr>
+          <p:cNvPr id="8" name="직사각형 7">
+            <a:extLst>
+              <a:ext uri="{FF2B5EF4-FFF2-40B4-BE49-F238E27FC236}">
+                <a16:creationId xmlns:a16="http://schemas.microsoft.com/office/drawing/2014/main" id="{06C1A465-92C8-CE21-05B5-347450C9FDC5}"/>
+              </a:ext>
+            </a:extLst>
+          </p:cNvPr>
+          <p:cNvSpPr/>
+          <p:nvPr/>
+        </p:nvSpPr>
+        <p:spPr>
+          <a:xfrm>
+            <a:off x="1774837" y="1080452"/>
+            <a:ext cx="759613" cy="223889"/>
+          </a:xfrm>
+          <a:prstGeom prst="rect">
+            <a:avLst/>
+          </a:prstGeom>
+          <a:solidFill>
+            <a:schemeClr val="accent5">
+              <a:lumMod val="25000"/>
+            </a:schemeClr>
+          </a:solidFill>
+        </p:spPr>
+        <p:style>
+          <a:lnRef idx="2">
+            <a:schemeClr val="accent1">
+              <a:shade val="50000"/>
+            </a:schemeClr>
+          </a:lnRef>
+          <a:fillRef idx="1">
+            <a:schemeClr val="accent1"/>
+          </a:fillRef>
+          <a:effectRef idx="0">
+            <a:schemeClr val="accent1"/>
+          </a:effectRef>
+          <a:fontRef idx="minor">
+            <a:schemeClr val="lt1"/>
+          </a:fontRef>
+        </p:style>
+        <p:txBody>
+          <a:bodyPr rtlCol="0" anchor="ctr"/>
+          <a:lstStyle/>
+          <a:p>
+            <a:pPr algn="ctr"/>
+            <a:r>
+              <a:rPr lang="en-US" altLang="ko-KR" sz="1100" dirty="0" err="1"/>
+              <a:t>Vp</a:t>
+            </a:r>
+            <a:endParaRPr lang="ko-KR" altLang="en-US" sz="1200" dirty="0"/>
+          </a:p>
+        </p:txBody>
+      </p:sp>
+      <p:cxnSp>
+        <p:nvCxnSpPr>
+          <p:cNvPr id="9" name="직선 화살표 연결선 8">
+            <a:extLst>
+              <a:ext uri="{FF2B5EF4-FFF2-40B4-BE49-F238E27FC236}">
+                <a16:creationId xmlns:a16="http://schemas.microsoft.com/office/drawing/2014/main" id="{CF85BCA6-174F-BBFA-C53F-64D95CF17953}"/>
+              </a:ext>
+            </a:extLst>
+          </p:cNvPr>
+          <p:cNvCxnSpPr>
+            <a:cxnSpLocks/>
+            <a:stCxn id="8" idx="3"/>
+            <a:endCxn id="6" idx="1"/>
+          </p:cNvCxnSpPr>
+          <p:nvPr/>
+        </p:nvCxnSpPr>
+        <p:spPr>
+          <a:xfrm>
+            <a:off x="2534449" y="1192396"/>
+            <a:ext cx="1230932" cy="0"/>
+          </a:xfrm>
+          <a:prstGeom prst="straightConnector1">
+            <a:avLst/>
+          </a:prstGeom>
+          <a:ln>
+            <a:tailEnd type="triangle"/>
+          </a:ln>
+        </p:spPr>
+        <p:style>
+          <a:lnRef idx="1">
+            <a:schemeClr val="accent1"/>
+          </a:lnRef>
+          <a:fillRef idx="0">
+            <a:schemeClr val="accent1"/>
+          </a:fillRef>
+          <a:effectRef idx="0">
+            <a:schemeClr val="accent1"/>
+          </a:effectRef>
+          <a:fontRef idx="minor">
+            <a:schemeClr val="tx1"/>
+          </a:fontRef>
+        </p:style>
+      </p:cxnSp>
+      <p:sp>
+        <p:nvSpPr>
+          <p:cNvPr id="10" name="직사각형 9">
+            <a:extLst>
+              <a:ext uri="{FF2B5EF4-FFF2-40B4-BE49-F238E27FC236}">
+                <a16:creationId xmlns:a16="http://schemas.microsoft.com/office/drawing/2014/main" id="{7F226DEE-6157-14A6-D5D4-03BAD7ED79A3}"/>
+              </a:ext>
+            </a:extLst>
+          </p:cNvPr>
+          <p:cNvSpPr/>
+          <p:nvPr/>
+        </p:nvSpPr>
+        <p:spPr>
+          <a:xfrm>
+            <a:off x="5755927" y="1080452"/>
+            <a:ext cx="759613" cy="223889"/>
+          </a:xfrm>
+          <a:prstGeom prst="rect">
+            <a:avLst/>
+          </a:prstGeom>
+          <a:solidFill>
+            <a:schemeClr val="accent5">
+              <a:lumMod val="25000"/>
+            </a:schemeClr>
+          </a:solidFill>
+        </p:spPr>
+        <p:style>
+          <a:lnRef idx="2">
+            <a:schemeClr val="accent1">
+              <a:shade val="50000"/>
+            </a:schemeClr>
+          </a:lnRef>
+          <a:fillRef idx="1">
+            <a:schemeClr val="accent1"/>
+          </a:fillRef>
+          <a:effectRef idx="0">
+            <a:schemeClr val="accent1"/>
+          </a:effectRef>
+          <a:fontRef idx="minor">
+            <a:schemeClr val="lt1"/>
+          </a:fontRef>
+        </p:style>
+        <p:txBody>
+          <a:bodyPr rtlCol="0" anchor="ctr"/>
+          <a:lstStyle/>
+          <a:p>
+            <a:pPr algn="ctr"/>
+            <a:r>
+              <a:rPr lang="en-US" altLang="ko-KR" sz="1200" dirty="0"/>
+              <a:t>Sp</a:t>
+            </a:r>
+            <a:endParaRPr lang="ko-KR" altLang="en-US" sz="1200" dirty="0"/>
+          </a:p>
+        </p:txBody>
+      </p:sp>
+      <p:cxnSp>
+        <p:nvCxnSpPr>
+          <p:cNvPr id="12" name="직선 화살표 연결선 11">
+            <a:extLst>
+              <a:ext uri="{FF2B5EF4-FFF2-40B4-BE49-F238E27FC236}">
+                <a16:creationId xmlns:a16="http://schemas.microsoft.com/office/drawing/2014/main" id="{75D5CFE6-0111-F5B7-4ED1-FB8753770B68}"/>
+              </a:ext>
+            </a:extLst>
+          </p:cNvPr>
+          <p:cNvCxnSpPr>
+            <a:cxnSpLocks/>
+            <a:stCxn id="6" idx="3"/>
+            <a:endCxn id="10" idx="1"/>
+          </p:cNvCxnSpPr>
+          <p:nvPr/>
+        </p:nvCxnSpPr>
+        <p:spPr>
+          <a:xfrm>
+            <a:off x="4524994" y="1192396"/>
+            <a:ext cx="1230932" cy="0"/>
+          </a:xfrm>
+          <a:prstGeom prst="straightConnector1">
+            <a:avLst/>
+          </a:prstGeom>
+          <a:ln>
+            <a:tailEnd type="triangle"/>
+          </a:ln>
+        </p:spPr>
+        <p:style>
+          <a:lnRef idx="1">
+            <a:schemeClr val="accent1"/>
+          </a:lnRef>
+          <a:fillRef idx="0">
+            <a:schemeClr val="accent1"/>
+          </a:fillRef>
+          <a:effectRef idx="0">
+            <a:schemeClr val="accent1"/>
+          </a:effectRef>
+          <a:fontRef idx="minor">
+            <a:schemeClr val="tx1"/>
+          </a:fontRef>
+        </p:style>
+      </p:cxnSp>
+      <p:sp>
+        <p:nvSpPr>
+          <p:cNvPr id="7" name="직사각형 6">
+            <a:extLst>
+              <a:ext uri="{FF2B5EF4-FFF2-40B4-BE49-F238E27FC236}">
+                <a16:creationId xmlns:a16="http://schemas.microsoft.com/office/drawing/2014/main" id="{C8BCFA11-98F4-0359-2550-17CAC34FBD25}"/>
+              </a:ext>
+            </a:extLst>
+          </p:cNvPr>
+          <p:cNvSpPr/>
+          <p:nvPr/>
+        </p:nvSpPr>
+        <p:spPr>
+          <a:xfrm>
+            <a:off x="4799857" y="1996707"/>
+            <a:ext cx="759613" cy="223889"/>
+          </a:xfrm>
+          <a:prstGeom prst="rect">
+            <a:avLst/>
+          </a:prstGeom>
+          <a:solidFill>
+            <a:schemeClr val="accent5">
+              <a:lumMod val="25000"/>
+            </a:schemeClr>
+          </a:solidFill>
+        </p:spPr>
+        <p:style>
+          <a:lnRef idx="2">
+            <a:schemeClr val="accent1">
+              <a:shade val="50000"/>
+            </a:schemeClr>
+          </a:lnRef>
+          <a:fillRef idx="1">
+            <a:schemeClr val="accent1"/>
+          </a:fillRef>
+          <a:effectRef idx="0">
+            <a:schemeClr val="accent1"/>
+          </a:effectRef>
+          <a:fontRef idx="minor">
+            <a:schemeClr val="lt1"/>
+          </a:fontRef>
+        </p:style>
+        <p:txBody>
+          <a:bodyPr rtlCol="0" anchor="ctr"/>
+          <a:lstStyle/>
+          <a:p>
+            <a:pPr algn="ctr"/>
+            <a:r>
+              <a:rPr lang="en-US" altLang="ko-KR" sz="1200" dirty="0"/>
+              <a:t>Pm</a:t>
+            </a:r>
+            <a:endParaRPr lang="ko-KR" altLang="en-US" sz="1200" dirty="0"/>
+          </a:p>
+        </p:txBody>
+      </p:sp>
+      <p:sp>
+        <p:nvSpPr>
+          <p:cNvPr id="11" name="직사각형 10">
+            <a:extLst>
+              <a:ext uri="{FF2B5EF4-FFF2-40B4-BE49-F238E27FC236}">
+                <a16:creationId xmlns:a16="http://schemas.microsoft.com/office/drawing/2014/main" id="{2D4550B1-F30D-637F-56E8-4C2DFC9CB461}"/>
+              </a:ext>
+            </a:extLst>
+          </p:cNvPr>
+          <p:cNvSpPr/>
+          <p:nvPr/>
+        </p:nvSpPr>
+        <p:spPr>
+          <a:xfrm>
+            <a:off x="2826667" y="1996706"/>
+            <a:ext cx="759613" cy="223889"/>
+          </a:xfrm>
+          <a:prstGeom prst="rect">
+            <a:avLst/>
+          </a:prstGeom>
+          <a:solidFill>
+            <a:schemeClr val="accent5">
+              <a:lumMod val="25000"/>
+            </a:schemeClr>
+          </a:solidFill>
+        </p:spPr>
+        <p:style>
+          <a:lnRef idx="2">
+            <a:schemeClr val="accent1">
+              <a:shade val="50000"/>
+            </a:schemeClr>
+          </a:lnRef>
+          <a:fillRef idx="1">
+            <a:schemeClr val="accent1"/>
+          </a:fillRef>
+          <a:effectRef idx="0">
+            <a:schemeClr val="accent1"/>
+          </a:effectRef>
+          <a:fontRef idx="minor">
+            <a:schemeClr val="lt1"/>
+          </a:fontRef>
+        </p:style>
+        <p:txBody>
+          <a:bodyPr rtlCol="0" anchor="ctr"/>
+          <a:lstStyle/>
+          <a:p>
+            <a:pPr algn="ctr"/>
+            <a:r>
+              <a:rPr lang="en-US" altLang="ko-KR" sz="1100" dirty="0" err="1"/>
+              <a:t>Vm</a:t>
+            </a:r>
+            <a:endParaRPr lang="ko-KR" altLang="en-US" sz="1200" dirty="0"/>
+          </a:p>
+        </p:txBody>
+      </p:sp>
+      <p:cxnSp>
+        <p:nvCxnSpPr>
+          <p:cNvPr id="15" name="직선 화살표 연결선 14">
+            <a:extLst>
+              <a:ext uri="{FF2B5EF4-FFF2-40B4-BE49-F238E27FC236}">
+                <a16:creationId xmlns:a16="http://schemas.microsoft.com/office/drawing/2014/main" id="{A1B8F672-384E-5E23-F864-E66E53B3ABA0}"/>
+              </a:ext>
+            </a:extLst>
+          </p:cNvPr>
+          <p:cNvCxnSpPr>
+            <a:cxnSpLocks/>
+            <a:stCxn id="11" idx="3"/>
+            <a:endCxn id="7" idx="1"/>
+          </p:cNvCxnSpPr>
+          <p:nvPr/>
+        </p:nvCxnSpPr>
+        <p:spPr>
+          <a:xfrm>
+            <a:off x="3586280" y="2108651"/>
+            <a:ext cx="1213577" cy="1"/>
+          </a:xfrm>
+          <a:prstGeom prst="straightConnector1">
+            <a:avLst/>
+          </a:prstGeom>
+          <a:ln>
+            <a:tailEnd type="triangle"/>
+          </a:ln>
+        </p:spPr>
+        <p:style>
+          <a:lnRef idx="1">
+            <a:schemeClr val="accent1"/>
+          </a:lnRef>
+          <a:fillRef idx="0">
+            <a:schemeClr val="accent1"/>
+          </a:fillRef>
+          <a:effectRef idx="0">
+            <a:schemeClr val="accent1"/>
+          </a:effectRef>
+          <a:fontRef idx="minor">
+            <a:schemeClr val="tx1"/>
+          </a:fontRef>
+        </p:style>
+      </p:cxnSp>
+      <p:sp>
+        <p:nvSpPr>
+          <p:cNvPr id="16" name="직사각형 15">
+            <a:extLst>
+              <a:ext uri="{FF2B5EF4-FFF2-40B4-BE49-F238E27FC236}">
+                <a16:creationId xmlns:a16="http://schemas.microsoft.com/office/drawing/2014/main" id="{D07CD127-6F91-FEFD-510E-E9ECBE02A8ED}"/>
+              </a:ext>
+            </a:extLst>
+          </p:cNvPr>
+          <p:cNvSpPr/>
+          <p:nvPr/>
+        </p:nvSpPr>
+        <p:spPr>
+          <a:xfrm>
+            <a:off x="6790402" y="1996706"/>
+            <a:ext cx="759613" cy="223889"/>
+          </a:xfrm>
+          <a:prstGeom prst="rect">
+            <a:avLst/>
+          </a:prstGeom>
+          <a:solidFill>
+            <a:schemeClr val="accent5">
+              <a:lumMod val="25000"/>
+            </a:schemeClr>
+          </a:solidFill>
+        </p:spPr>
+        <p:style>
+          <a:lnRef idx="2">
+            <a:schemeClr val="accent1">
+              <a:shade val="50000"/>
+            </a:schemeClr>
+          </a:lnRef>
+          <a:fillRef idx="1">
+            <a:schemeClr val="accent1"/>
+          </a:fillRef>
+          <a:effectRef idx="0">
+            <a:schemeClr val="accent1"/>
+          </a:effectRef>
+          <a:fontRef idx="minor">
+            <a:schemeClr val="lt1"/>
+          </a:fontRef>
+        </p:style>
+        <p:txBody>
+          <a:bodyPr rtlCol="0" anchor="ctr"/>
+          <a:lstStyle/>
+          <a:p>
+            <a:pPr algn="ctr"/>
+            <a:r>
+              <a:rPr lang="en-US" altLang="ko-KR" sz="1200" dirty="0" err="1"/>
+              <a:t>Sm</a:t>
+            </a:r>
+            <a:endParaRPr lang="ko-KR" altLang="en-US" sz="1200" dirty="0"/>
+          </a:p>
+        </p:txBody>
+      </p:sp>
+      <p:cxnSp>
+        <p:nvCxnSpPr>
+          <p:cNvPr id="17" name="직선 화살표 연결선 16">
+            <a:extLst>
+              <a:ext uri="{FF2B5EF4-FFF2-40B4-BE49-F238E27FC236}">
+                <a16:creationId xmlns:a16="http://schemas.microsoft.com/office/drawing/2014/main" id="{33274B50-5963-24B6-CDB4-2782CD0CDCD3}"/>
+              </a:ext>
+            </a:extLst>
+          </p:cNvPr>
+          <p:cNvCxnSpPr>
+            <a:cxnSpLocks/>
+            <a:stCxn id="7" idx="3"/>
+            <a:endCxn id="16" idx="1"/>
+          </p:cNvCxnSpPr>
+          <p:nvPr/>
+        </p:nvCxnSpPr>
+        <p:spPr>
+          <a:xfrm flipV="1">
+            <a:off x="5559469" y="2108651"/>
+            <a:ext cx="1230932" cy="1"/>
+          </a:xfrm>
+          <a:prstGeom prst="straightConnector1">
+            <a:avLst/>
+          </a:prstGeom>
+          <a:ln>
+            <a:tailEnd type="triangle"/>
+          </a:ln>
+        </p:spPr>
+        <p:style>
+          <a:lnRef idx="1">
+            <a:schemeClr val="accent1"/>
+          </a:lnRef>
+          <a:fillRef idx="0">
+            <a:schemeClr val="accent1"/>
+          </a:fillRef>
+          <a:effectRef idx="0">
+            <a:schemeClr val="accent1"/>
+          </a:effectRef>
+          <a:fontRef idx="minor">
+            <a:schemeClr val="tx1"/>
+          </a:fontRef>
+        </p:style>
+      </p:cxnSp>
+      <p:cxnSp>
+        <p:nvCxnSpPr>
+          <p:cNvPr id="19" name="연결선: 꺾임 18">
+            <a:extLst>
+              <a:ext uri="{FF2B5EF4-FFF2-40B4-BE49-F238E27FC236}">
+                <a16:creationId xmlns:a16="http://schemas.microsoft.com/office/drawing/2014/main" id="{EB65775B-028E-9EF0-13D9-EBE90D2F1DF0}"/>
+              </a:ext>
+            </a:extLst>
+          </p:cNvPr>
+          <p:cNvCxnSpPr>
+            <a:stCxn id="8" idx="2"/>
+            <a:endCxn id="16" idx="0"/>
+          </p:cNvCxnSpPr>
+          <p:nvPr/>
+        </p:nvCxnSpPr>
+        <p:spPr>
+          <a:xfrm rot="16200000" flipH="1">
+            <a:off x="4316244" y="-857261"/>
+            <a:ext cx="692365" cy="5015565"/>
+          </a:xfrm>
+          <a:prstGeom prst="bentConnector3">
+            <a:avLst/>
+          </a:prstGeom>
+          <a:ln>
+            <a:prstDash val="dash"/>
+            <a:tailEnd type="triangle"/>
+          </a:ln>
+        </p:spPr>
+        <p:style>
+          <a:lnRef idx="1">
+            <a:schemeClr val="accent1"/>
+          </a:lnRef>
+          <a:fillRef idx="0">
+            <a:schemeClr val="accent1"/>
+          </a:fillRef>
+          <a:effectRef idx="0">
+            <a:schemeClr val="accent1"/>
+          </a:effectRef>
+          <a:fontRef idx="minor">
+            <a:schemeClr val="tx1"/>
+          </a:fontRef>
+        </p:style>
+      </p:cxnSp>
+      <p:cxnSp>
+        <p:nvCxnSpPr>
+          <p:cNvPr id="24" name="연결선: 꺾임 23">
+            <a:extLst>
+              <a:ext uri="{FF2B5EF4-FFF2-40B4-BE49-F238E27FC236}">
+                <a16:creationId xmlns:a16="http://schemas.microsoft.com/office/drawing/2014/main" id="{C37A77EC-C59E-9A9F-143F-594E0EC9A35D}"/>
+              </a:ext>
+            </a:extLst>
+          </p:cNvPr>
+          <p:cNvCxnSpPr>
+            <a:cxnSpLocks/>
+            <a:stCxn id="11" idx="0"/>
+            <a:endCxn id="10" idx="2"/>
+          </p:cNvCxnSpPr>
+          <p:nvPr/>
+        </p:nvCxnSpPr>
+        <p:spPr>
+          <a:xfrm rot="5400000" flipH="1" flipV="1">
+            <a:off x="4324922" y="185893"/>
+            <a:ext cx="692365" cy="2929260"/>
+          </a:xfrm>
+          <a:prstGeom prst="bentConnector3">
+            <a:avLst>
+              <a:gd name="adj1" fmla="val 50000"/>
+            </a:avLst>
+          </a:prstGeom>
+          <a:ln>
+            <a:prstDash val="dash"/>
+            <a:tailEnd type="triangle"/>
+          </a:ln>
+        </p:spPr>
+        <p:style>
+          <a:lnRef idx="1">
+            <a:schemeClr val="accent1"/>
+          </a:lnRef>
+          <a:fillRef idx="0">
+            <a:schemeClr val="accent1"/>
+          </a:fillRef>
+          <a:effectRef idx="0">
+            <a:schemeClr val="accent1"/>
+          </a:effectRef>
+          <a:fontRef idx="minor">
+            <a:schemeClr val="tx1"/>
+          </a:fontRef>
+        </p:style>
+      </p:cxnSp>
+      <p:sp>
+        <p:nvSpPr>
+          <p:cNvPr id="3" name="화살표: 오각형 2">
+            <a:extLst>
+              <a:ext uri="{FF2B5EF4-FFF2-40B4-BE49-F238E27FC236}">
+                <a16:creationId xmlns:a16="http://schemas.microsoft.com/office/drawing/2014/main" id="{150D191B-3EEE-1472-97A1-DFB91C125370}"/>
+              </a:ext>
+            </a:extLst>
+          </p:cNvPr>
+          <p:cNvSpPr/>
+          <p:nvPr/>
+        </p:nvSpPr>
+        <p:spPr>
+          <a:xfrm>
+            <a:off x="8184232" y="177067"/>
+            <a:ext cx="1800200" cy="432048"/>
+          </a:xfrm>
+          <a:prstGeom prst="homePlate">
+            <a:avLst/>
+          </a:prstGeom>
+        </p:spPr>
+        <p:style>
+          <a:lnRef idx="2">
+            <a:schemeClr val="accent1">
+              <a:shade val="50000"/>
+            </a:schemeClr>
+          </a:lnRef>
+          <a:fillRef idx="1">
+            <a:schemeClr val="accent1"/>
+          </a:fillRef>
+          <a:effectRef idx="0">
+            <a:schemeClr val="accent1"/>
+          </a:effectRef>
+          <a:fontRef idx="minor">
+            <a:schemeClr val="lt1"/>
+          </a:fontRef>
+        </p:style>
+        <p:txBody>
+          <a:bodyPr rtlCol="0" anchor="ctr"/>
+          <a:lstStyle/>
+          <a:p>
+            <a:pPr algn="ctr"/>
+            <a:r>
+              <a:rPr lang="en-US" altLang="ko-KR" sz="1100" dirty="0"/>
+              <a:t>+</a:t>
+            </a:r>
+          </a:p>
+          <a:p>
+            <a:pPr algn="ctr"/>
+            <a:r>
+              <a:rPr lang="en-US" altLang="ko-KR" sz="1100" dirty="0"/>
+              <a:t>[</a:t>
+            </a:r>
+            <a:r>
+              <a:rPr lang="en-US" altLang="ko-KR" sz="1100" dirty="0" err="1"/>
+              <a:t>Vp</a:t>
+            </a:r>
+            <a:r>
+              <a:rPr lang="en-US" altLang="ko-KR" sz="1100" dirty="0"/>
+              <a:t> ~ Sp]</a:t>
+            </a:r>
+            <a:endParaRPr lang="ko-KR" altLang="en-US" sz="1100" dirty="0"/>
+          </a:p>
+        </p:txBody>
+      </p:sp>
+      <p:sp>
+        <p:nvSpPr>
+          <p:cNvPr id="5" name="화살표: 오각형 4">
+            <a:extLst>
+              <a:ext uri="{FF2B5EF4-FFF2-40B4-BE49-F238E27FC236}">
+                <a16:creationId xmlns:a16="http://schemas.microsoft.com/office/drawing/2014/main" id="{53DD68D7-E2E0-DA15-DBA0-EA1CB4C7FA18}"/>
+              </a:ext>
+            </a:extLst>
+          </p:cNvPr>
+          <p:cNvSpPr/>
+          <p:nvPr/>
+        </p:nvSpPr>
+        <p:spPr>
+          <a:xfrm>
+            <a:off x="8184232" y="836712"/>
+            <a:ext cx="1800200" cy="432048"/>
+          </a:xfrm>
+          <a:prstGeom prst="homePlate">
+            <a:avLst>
+              <a:gd name="adj" fmla="val 47194"/>
+            </a:avLst>
+          </a:prstGeom>
+        </p:spPr>
+        <p:style>
+          <a:lnRef idx="2">
+            <a:schemeClr val="accent1">
+              <a:shade val="50000"/>
+            </a:schemeClr>
+          </a:lnRef>
+          <a:fillRef idx="1">
+            <a:schemeClr val="accent1"/>
+          </a:fillRef>
+          <a:effectRef idx="0">
+            <a:schemeClr val="accent1"/>
+          </a:effectRef>
+          <a:fontRef idx="minor">
+            <a:schemeClr val="lt1"/>
+          </a:fontRef>
+        </p:style>
+        <p:txBody>
+          <a:bodyPr rtlCol="0" anchor="ctr"/>
+          <a:lstStyle/>
+          <a:p>
+            <a:pPr algn="ctr"/>
+            <a:r>
+              <a:rPr lang="en-US" altLang="ko-KR" sz="1100" dirty="0"/>
+              <a:t>- </a:t>
+            </a:r>
+          </a:p>
+          <a:p>
+            <a:pPr algn="ctr"/>
+            <a:r>
+              <a:rPr lang="en-US" altLang="ko-KR" sz="1100" dirty="0"/>
+              <a:t>[</a:t>
+            </a:r>
+            <a:r>
+              <a:rPr lang="en-US" altLang="ko-KR" sz="1100" dirty="0" err="1"/>
+              <a:t>Vm</a:t>
+            </a:r>
+            <a:r>
+              <a:rPr lang="en-US" altLang="ko-KR" sz="1100" dirty="0"/>
+              <a:t> ~ </a:t>
+            </a:r>
+            <a:r>
+              <a:rPr lang="en-US" altLang="ko-KR" sz="1100" dirty="0" err="1"/>
+              <a:t>Sm</a:t>
+            </a:r>
+            <a:r>
+              <a:rPr lang="en-US" altLang="ko-KR" sz="1100" dirty="0"/>
+              <a:t>]</a:t>
+            </a:r>
+            <a:endParaRPr lang="ko-KR" altLang="en-US" sz="1100" dirty="0"/>
+          </a:p>
+        </p:txBody>
+      </p:sp>
+      <p:cxnSp>
+        <p:nvCxnSpPr>
+          <p:cNvPr id="18" name="연결선: 꺾임 17">
+            <a:extLst>
+              <a:ext uri="{FF2B5EF4-FFF2-40B4-BE49-F238E27FC236}">
+                <a16:creationId xmlns:a16="http://schemas.microsoft.com/office/drawing/2014/main" id="{F715CCC7-D2F6-58ED-ADAB-B4E83DEDE80D}"/>
+              </a:ext>
+            </a:extLst>
+          </p:cNvPr>
+          <p:cNvCxnSpPr>
+            <a:cxnSpLocks/>
+            <a:stCxn id="3" idx="3"/>
+            <a:endCxn id="5" idx="3"/>
+          </p:cNvCxnSpPr>
+          <p:nvPr/>
+        </p:nvCxnSpPr>
+        <p:spPr>
+          <a:xfrm>
+            <a:off x="9984432" y="393092"/>
+            <a:ext cx="12700" cy="659645"/>
+          </a:xfrm>
+          <a:prstGeom prst="bentConnector3">
+            <a:avLst>
+              <a:gd name="adj1" fmla="val 1800000"/>
+            </a:avLst>
+          </a:prstGeom>
+          <a:ln>
+            <a:prstDash val="dash"/>
+            <a:headEnd type="triangle" w="med" len="med"/>
+            <a:tailEnd type="triangle" w="med" len="med"/>
+          </a:ln>
+        </p:spPr>
+        <p:style>
+          <a:lnRef idx="1">
+            <a:schemeClr val="accent1"/>
+          </a:lnRef>
+          <a:fillRef idx="0">
+            <a:schemeClr val="accent1"/>
+          </a:fillRef>
+          <a:effectRef idx="0">
+            <a:schemeClr val="accent1"/>
+          </a:effectRef>
+          <a:fontRef idx="minor">
+            <a:schemeClr val="tx1"/>
+          </a:fontRef>
+        </p:style>
+      </p:cxnSp>
+      <p:sp>
+        <p:nvSpPr>
+          <p:cNvPr id="4" name="제목 3">
+            <a:extLst>
+              <a:ext uri="{FF2B5EF4-FFF2-40B4-BE49-F238E27FC236}">
+                <a16:creationId xmlns:a16="http://schemas.microsoft.com/office/drawing/2014/main" id="{99FD32FD-15B3-DE9E-41E2-0F5A86F4634A}"/>
+              </a:ext>
+            </a:extLst>
+          </p:cNvPr>
+          <p:cNvSpPr>
+            <a:spLocks noGrp="1"/>
+          </p:cNvSpPr>
+          <p:nvPr>
+            <p:ph type="title"/>
+          </p:nvPr>
+        </p:nvSpPr>
+        <p:spPr>
+          <a:xfrm>
+            <a:off x="838200" y="70025"/>
+            <a:ext cx="6917575" cy="1325563"/>
+          </a:xfrm>
+        </p:spPr>
+        <p:txBody>
+          <a:bodyPr>
+            <a:normAutofit/>
+          </a:bodyPr>
+          <a:lstStyle/>
+          <a:p>
+            <a:r>
+              <a:rPr lang="en-US" altLang="ko-KR" sz="2800" dirty="0"/>
               <a:t>$Ex</a:t>
             </a:r>
             <a:endParaRPr lang="ko-KR" altLang="en-US" sz="2800" dirty="0"/>
@@ -5748,7 +6593,7 @@
 </p:sld>
 </file>
 
-<file path=ppt/slides/slide11.xml><?xml version="1.0" encoding="utf-8"?>
+<file path=ppt/slides/slide12.xml><?xml version="1.0" encoding="utf-8"?>
 <p:sld xmlns:a="http://schemas.openxmlformats.org/drawingml/2006/main" xmlns:r="http://schemas.openxmlformats.org/officeDocument/2006/relationships" xmlns:p="http://schemas.openxmlformats.org/presentationml/2006/main">
   <p:cSld>
     <p:spTree>
@@ -11411,6 +12256,1026 @@
 </file>
 
 <file path=ppt/slides/slide2.xml><?xml version="1.0" encoding="utf-8"?>
+<p:sld xmlns:a="http://schemas.openxmlformats.org/drawingml/2006/main" xmlns:r="http://schemas.openxmlformats.org/officeDocument/2006/relationships" xmlns:p="http://schemas.openxmlformats.org/presentationml/2006/main">
+  <p:cSld>
+    <p:spTree>
+      <p:nvGrpSpPr>
+        <p:cNvPr id="1" name=""/>
+        <p:cNvGrpSpPr/>
+        <p:nvPr/>
+      </p:nvGrpSpPr>
+      <p:grpSpPr>
+        <a:xfrm>
+          <a:off x="0" y="0"/>
+          <a:ext cx="0" cy="0"/>
+          <a:chOff x="0" y="0"/>
+          <a:chExt cx="0" cy="0"/>
+        </a:xfrm>
+      </p:grpSpPr>
+      <p:sp>
+        <p:nvSpPr>
+          <p:cNvPr id="2" name="제목 1">
+            <a:extLst>
+              <a:ext uri="{FF2B5EF4-FFF2-40B4-BE49-F238E27FC236}">
+                <a16:creationId xmlns:a16="http://schemas.microsoft.com/office/drawing/2014/main" id="{38517E30-C9CC-5B40-F364-3EC1B12C6ACA}"/>
+              </a:ext>
+            </a:extLst>
+          </p:cNvPr>
+          <p:cNvSpPr>
+            <a:spLocks noGrp="1"/>
+          </p:cNvSpPr>
+          <p:nvPr>
+            <p:ph type="title"/>
+          </p:nvPr>
+        </p:nvSpPr>
+        <p:spPr/>
+        <p:txBody>
+          <a:bodyPr/>
+          <a:lstStyle/>
+          <a:p>
+            <a:r>
+              <a:rPr lang="en-US" altLang="ko-KR" dirty="0"/>
+              <a:t>F1</a:t>
+            </a:r>
+            <a:endParaRPr lang="ko-KR" altLang="en-US" dirty="0"/>
+          </a:p>
+        </p:txBody>
+      </p:sp>
+      <p:sp>
+        <p:nvSpPr>
+          <p:cNvPr id="7" name="직사각형 6">
+            <a:extLst>
+              <a:ext uri="{FF2B5EF4-FFF2-40B4-BE49-F238E27FC236}">
+                <a16:creationId xmlns:a16="http://schemas.microsoft.com/office/drawing/2014/main" id="{316515C1-77B9-E234-E793-BE7C5735A730}"/>
+              </a:ext>
+            </a:extLst>
+          </p:cNvPr>
+          <p:cNvSpPr/>
+          <p:nvPr/>
+        </p:nvSpPr>
+        <p:spPr>
+          <a:xfrm>
+            <a:off x="1774837" y="1936664"/>
+            <a:ext cx="759613" cy="223889"/>
+          </a:xfrm>
+          <a:prstGeom prst="rect">
+            <a:avLst/>
+          </a:prstGeom>
+          <a:solidFill>
+            <a:schemeClr val="accent5">
+              <a:lumMod val="25000"/>
+            </a:schemeClr>
+          </a:solidFill>
+        </p:spPr>
+        <p:style>
+          <a:lnRef idx="2">
+            <a:schemeClr val="accent1">
+              <a:shade val="50000"/>
+            </a:schemeClr>
+          </a:lnRef>
+          <a:fillRef idx="1">
+            <a:schemeClr val="accent1"/>
+          </a:fillRef>
+          <a:effectRef idx="0">
+            <a:schemeClr val="accent1"/>
+          </a:effectRef>
+          <a:fontRef idx="minor">
+            <a:schemeClr val="lt1"/>
+          </a:fontRef>
+        </p:style>
+        <p:txBody>
+          <a:bodyPr rtlCol="0" anchor="ctr"/>
+          <a:lstStyle/>
+          <a:p>
+            <a:pPr algn="ctr"/>
+            <a:r>
+              <a:rPr lang="en-US" altLang="ko-KR" sz="1100" dirty="0"/>
+              <a:t>A</a:t>
+            </a:r>
+            <a:endParaRPr lang="ko-KR" altLang="en-US" sz="1200" dirty="0"/>
+          </a:p>
+        </p:txBody>
+      </p:sp>
+      <p:sp>
+        <p:nvSpPr>
+          <p:cNvPr id="8" name="직사각형 7">
+            <a:extLst>
+              <a:ext uri="{FF2B5EF4-FFF2-40B4-BE49-F238E27FC236}">
+                <a16:creationId xmlns:a16="http://schemas.microsoft.com/office/drawing/2014/main" id="{59F7FB5D-FE70-9A7D-9167-C45C50D2DEAF}"/>
+              </a:ext>
+            </a:extLst>
+          </p:cNvPr>
+          <p:cNvSpPr/>
+          <p:nvPr/>
+        </p:nvSpPr>
+        <p:spPr>
+          <a:xfrm>
+            <a:off x="7424619" y="2160553"/>
+            <a:ext cx="759613" cy="223889"/>
+          </a:xfrm>
+          <a:prstGeom prst="rect">
+            <a:avLst/>
+          </a:prstGeom>
+          <a:solidFill>
+            <a:schemeClr val="accent5">
+              <a:lumMod val="25000"/>
+            </a:schemeClr>
+          </a:solidFill>
+        </p:spPr>
+        <p:style>
+          <a:lnRef idx="2">
+            <a:schemeClr val="accent1">
+              <a:shade val="50000"/>
+            </a:schemeClr>
+          </a:lnRef>
+          <a:fillRef idx="1">
+            <a:schemeClr val="accent1"/>
+          </a:fillRef>
+          <a:effectRef idx="0">
+            <a:schemeClr val="accent1"/>
+          </a:effectRef>
+          <a:fontRef idx="minor">
+            <a:schemeClr val="lt1"/>
+          </a:fontRef>
+        </p:style>
+        <p:txBody>
+          <a:bodyPr rtlCol="0" anchor="ctr"/>
+          <a:lstStyle/>
+          <a:p>
+            <a:pPr algn="ctr"/>
+            <a:r>
+              <a:rPr lang="en-US" altLang="ko-KR" sz="1200" dirty="0"/>
+              <a:t>B</a:t>
+            </a:r>
+            <a:endParaRPr lang="ko-KR" altLang="en-US" sz="1200" dirty="0"/>
+          </a:p>
+        </p:txBody>
+      </p:sp>
+      <p:cxnSp>
+        <p:nvCxnSpPr>
+          <p:cNvPr id="9" name="연결선: 꺾임 8">
+            <a:extLst>
+              <a:ext uri="{FF2B5EF4-FFF2-40B4-BE49-F238E27FC236}">
+                <a16:creationId xmlns:a16="http://schemas.microsoft.com/office/drawing/2014/main" id="{7B1BF6DC-68B5-18B0-BEE0-4A45D1300C58}"/>
+              </a:ext>
+            </a:extLst>
+          </p:cNvPr>
+          <p:cNvCxnSpPr>
+            <a:cxnSpLocks/>
+            <a:stCxn id="7" idx="2"/>
+            <a:endCxn id="8" idx="2"/>
+          </p:cNvCxnSpPr>
+          <p:nvPr/>
+        </p:nvCxnSpPr>
+        <p:spPr>
+          <a:xfrm rot="16200000" flipH="1">
+            <a:off x="4867591" y="-552394"/>
+            <a:ext cx="223889" cy="5649782"/>
+          </a:xfrm>
+          <a:prstGeom prst="bentConnector3">
+            <a:avLst>
+              <a:gd name="adj1" fmla="val 202104"/>
+            </a:avLst>
+          </a:prstGeom>
+          <a:ln>
+            <a:prstDash val="solid"/>
+            <a:headEnd type="none" w="med" len="med"/>
+            <a:tailEnd type="triangle" w="med" len="med"/>
+          </a:ln>
+        </p:spPr>
+        <p:style>
+          <a:lnRef idx="1">
+            <a:schemeClr val="accent1"/>
+          </a:lnRef>
+          <a:fillRef idx="0">
+            <a:schemeClr val="accent1"/>
+          </a:fillRef>
+          <a:effectRef idx="0">
+            <a:schemeClr val="accent1"/>
+          </a:effectRef>
+          <a:fontRef idx="minor">
+            <a:schemeClr val="tx1"/>
+          </a:fontRef>
+        </p:style>
+      </p:cxnSp>
+      <p:sp>
+        <p:nvSpPr>
+          <p:cNvPr id="10" name="&quot;허용 안 됨&quot; 기호 9">
+            <a:extLst>
+              <a:ext uri="{FF2B5EF4-FFF2-40B4-BE49-F238E27FC236}">
+                <a16:creationId xmlns:a16="http://schemas.microsoft.com/office/drawing/2014/main" id="{DAE75020-D0C5-6B0A-3792-8CE6FC3760CC}"/>
+              </a:ext>
+            </a:extLst>
+          </p:cNvPr>
+          <p:cNvSpPr/>
+          <p:nvPr/>
+        </p:nvSpPr>
+        <p:spPr>
+          <a:xfrm>
+            <a:off x="-78033" y="4527503"/>
+            <a:ext cx="2070340" cy="1492370"/>
+          </a:xfrm>
+          <a:prstGeom prst="noSmoking">
+            <a:avLst/>
+          </a:prstGeom>
+          <a:ln>
+            <a:solidFill>
+              <a:schemeClr val="tx1"/>
+            </a:solidFill>
+          </a:ln>
+        </p:spPr>
+        <p:style>
+          <a:lnRef idx="2">
+            <a:schemeClr val="accent1">
+              <a:shade val="50000"/>
+            </a:schemeClr>
+          </a:lnRef>
+          <a:fillRef idx="1">
+            <a:schemeClr val="accent1"/>
+          </a:fillRef>
+          <a:effectRef idx="0">
+            <a:schemeClr val="accent1"/>
+          </a:effectRef>
+          <a:fontRef idx="minor">
+            <a:schemeClr val="lt1"/>
+          </a:fontRef>
+        </p:style>
+        <p:txBody>
+          <a:bodyPr rtlCol="0" anchor="ctr"/>
+          <a:lstStyle/>
+          <a:p>
+            <a:pPr algn="ctr"/>
+            <a:r>
+              <a:rPr lang="en-US" altLang="ko-KR" dirty="0">
+                <a:solidFill>
+                  <a:schemeClr val="tx1"/>
+                </a:solidFill>
+              </a:rPr>
+              <a:t>EEE</a:t>
+            </a:r>
+            <a:endParaRPr lang="ko-KR" altLang="en-US" dirty="0">
+              <a:solidFill>
+                <a:schemeClr val="tx1"/>
+              </a:solidFill>
+            </a:endParaRPr>
+          </a:p>
+        </p:txBody>
+      </p:sp>
+      <p:sp>
+        <p:nvSpPr>
+          <p:cNvPr id="11" name="사각형: 빗면 10">
+            <a:extLst>
+              <a:ext uri="{FF2B5EF4-FFF2-40B4-BE49-F238E27FC236}">
+                <a16:creationId xmlns:a16="http://schemas.microsoft.com/office/drawing/2014/main" id="{1C5DC0AE-BB9C-C690-5903-3A6CF9C95CD0}"/>
+              </a:ext>
+            </a:extLst>
+          </p:cNvPr>
+          <p:cNvSpPr/>
+          <p:nvPr/>
+        </p:nvSpPr>
+        <p:spPr>
+          <a:xfrm>
+            <a:off x="2810965" y="4501069"/>
+            <a:ext cx="1104181" cy="1245933"/>
+          </a:xfrm>
+          <a:prstGeom prst="bevel">
+            <a:avLst/>
+          </a:prstGeom>
+          <a:ln>
+            <a:solidFill>
+              <a:schemeClr val="tx1"/>
+            </a:solidFill>
+          </a:ln>
+        </p:spPr>
+        <p:style>
+          <a:lnRef idx="2">
+            <a:schemeClr val="accent1">
+              <a:shade val="50000"/>
+            </a:schemeClr>
+          </a:lnRef>
+          <a:fillRef idx="1">
+            <a:schemeClr val="accent1"/>
+          </a:fillRef>
+          <a:effectRef idx="0">
+            <a:schemeClr val="accent1"/>
+          </a:effectRef>
+          <a:fontRef idx="minor">
+            <a:schemeClr val="lt1"/>
+          </a:fontRef>
+        </p:style>
+        <p:txBody>
+          <a:bodyPr rtlCol="0" anchor="ctr"/>
+          <a:lstStyle/>
+          <a:p>
+            <a:pPr algn="ctr"/>
+            <a:r>
+              <a:rPr lang="en-US" altLang="ko-KR" dirty="0"/>
+              <a:t>SSS</a:t>
+            </a:r>
+            <a:endParaRPr lang="ko-KR" altLang="en-US" dirty="0"/>
+          </a:p>
+        </p:txBody>
+      </p:sp>
+      <p:sp>
+        <p:nvSpPr>
+          <p:cNvPr id="15" name="원형: 비어 있음 14">
+            <a:extLst>
+              <a:ext uri="{FF2B5EF4-FFF2-40B4-BE49-F238E27FC236}">
+                <a16:creationId xmlns:a16="http://schemas.microsoft.com/office/drawing/2014/main" id="{D1691932-8F82-B188-4B07-3ADEE7A70C6F}"/>
+              </a:ext>
+            </a:extLst>
+          </p:cNvPr>
+          <p:cNvSpPr/>
+          <p:nvPr/>
+        </p:nvSpPr>
+        <p:spPr>
+          <a:xfrm>
+            <a:off x="5537286" y="4368726"/>
+            <a:ext cx="1673524" cy="1690778"/>
+          </a:xfrm>
+          <a:prstGeom prst="donut">
+            <a:avLst/>
+          </a:prstGeom>
+          <a:ln>
+            <a:solidFill>
+              <a:schemeClr val="tx1"/>
+            </a:solidFill>
+          </a:ln>
+        </p:spPr>
+        <p:style>
+          <a:lnRef idx="2">
+            <a:schemeClr val="accent1">
+              <a:shade val="50000"/>
+            </a:schemeClr>
+          </a:lnRef>
+          <a:fillRef idx="1">
+            <a:schemeClr val="accent1"/>
+          </a:fillRef>
+          <a:effectRef idx="0">
+            <a:schemeClr val="accent1"/>
+          </a:effectRef>
+          <a:fontRef idx="minor">
+            <a:schemeClr val="lt1"/>
+          </a:fontRef>
+        </p:style>
+        <p:txBody>
+          <a:bodyPr rtlCol="0" anchor="ctr"/>
+          <a:lstStyle/>
+          <a:p>
+            <a:pPr algn="ctr"/>
+            <a:r>
+              <a:rPr lang="en-US" altLang="ko-KR" dirty="0">
+                <a:solidFill>
+                  <a:schemeClr val="tx1"/>
+                </a:solidFill>
+              </a:rPr>
+              <a:t>AAAA</a:t>
+            </a:r>
+            <a:endParaRPr lang="ko-KR" altLang="en-US" dirty="0">
+              <a:solidFill>
+                <a:schemeClr val="tx1"/>
+              </a:solidFill>
+            </a:endParaRPr>
+          </a:p>
+        </p:txBody>
+      </p:sp>
+      <p:sp>
+        <p:nvSpPr>
+          <p:cNvPr id="3" name="직사각형 2">
+            <a:extLst>
+              <a:ext uri="{FF2B5EF4-FFF2-40B4-BE49-F238E27FC236}">
+                <a16:creationId xmlns:a16="http://schemas.microsoft.com/office/drawing/2014/main" id="{9C067513-F1C4-F44A-8026-892413CE99CD}"/>
+              </a:ext>
+            </a:extLst>
+          </p:cNvPr>
+          <p:cNvSpPr/>
+          <p:nvPr/>
+        </p:nvSpPr>
+        <p:spPr>
+          <a:xfrm>
+            <a:off x="1774837" y="3317055"/>
+            <a:ext cx="2070340" cy="849503"/>
+          </a:xfrm>
+          <a:prstGeom prst="rect">
+            <a:avLst/>
+          </a:prstGeom>
+          <a:solidFill>
+            <a:schemeClr val="accent5">
+              <a:lumMod val="25000"/>
+            </a:schemeClr>
+          </a:solidFill>
+        </p:spPr>
+        <p:style>
+          <a:lnRef idx="2">
+            <a:schemeClr val="accent1">
+              <a:shade val="50000"/>
+            </a:schemeClr>
+          </a:lnRef>
+          <a:fillRef idx="1">
+            <a:schemeClr val="accent1"/>
+          </a:fillRef>
+          <a:effectRef idx="0">
+            <a:schemeClr val="accent1"/>
+          </a:effectRef>
+          <a:fontRef idx="minor">
+            <a:schemeClr val="lt1"/>
+          </a:fontRef>
+        </p:style>
+        <p:txBody>
+          <a:bodyPr rtlCol="0" anchor="ctr"/>
+          <a:lstStyle/>
+          <a:p>
+            <a:pPr algn="ctr"/>
+            <a:r>
+              <a:rPr lang="en-US" altLang="ko-KR" sz="1100" dirty="0"/>
+              <a:t>A</a:t>
+            </a:r>
+            <a:endParaRPr lang="ko-KR" altLang="en-US" sz="1100" dirty="0"/>
+          </a:p>
+        </p:txBody>
+      </p:sp>
+      <p:cxnSp>
+        <p:nvCxnSpPr>
+          <p:cNvPr id="12" name="연결선: 꺾임 11">
+            <a:extLst>
+              <a:ext uri="{FF2B5EF4-FFF2-40B4-BE49-F238E27FC236}">
+                <a16:creationId xmlns:a16="http://schemas.microsoft.com/office/drawing/2014/main" id="{0F3B2FC6-A0B0-2770-009F-84229B08A7AC}"/>
+              </a:ext>
+            </a:extLst>
+          </p:cNvPr>
+          <p:cNvCxnSpPr>
+            <a:cxnSpLocks/>
+            <a:stCxn id="3" idx="0"/>
+            <a:endCxn id="17" idx="0"/>
+          </p:cNvCxnSpPr>
+          <p:nvPr/>
+        </p:nvCxnSpPr>
+        <p:spPr>
+          <a:xfrm rot="16200000" flipH="1">
+            <a:off x="5140782" y="986279"/>
+            <a:ext cx="119059" cy="4780610"/>
+          </a:xfrm>
+          <a:prstGeom prst="bentConnector3">
+            <a:avLst>
+              <a:gd name="adj1" fmla="val -192006"/>
+            </a:avLst>
+          </a:prstGeom>
+          <a:ln>
+            <a:prstDash val="solid"/>
+            <a:headEnd type="none" w="med" len="med"/>
+            <a:tailEnd type="triangle" w="med" len="med"/>
+          </a:ln>
+        </p:spPr>
+        <p:style>
+          <a:lnRef idx="1">
+            <a:schemeClr val="accent1"/>
+          </a:lnRef>
+          <a:fillRef idx="0">
+            <a:schemeClr val="accent1"/>
+          </a:fillRef>
+          <a:effectRef idx="0">
+            <a:schemeClr val="accent1"/>
+          </a:effectRef>
+          <a:fontRef idx="minor">
+            <a:schemeClr val="tx1"/>
+          </a:fontRef>
+        </p:style>
+      </p:cxnSp>
+      <p:sp>
+        <p:nvSpPr>
+          <p:cNvPr id="17" name="직사각형 16">
+            <a:extLst>
+              <a:ext uri="{FF2B5EF4-FFF2-40B4-BE49-F238E27FC236}">
+                <a16:creationId xmlns:a16="http://schemas.microsoft.com/office/drawing/2014/main" id="{C74958CD-A5CB-4BEC-1D8E-B685A798984D}"/>
+              </a:ext>
+            </a:extLst>
+          </p:cNvPr>
+          <p:cNvSpPr/>
+          <p:nvPr/>
+        </p:nvSpPr>
+        <p:spPr>
+          <a:xfrm>
+            <a:off x="7210810" y="3436114"/>
+            <a:ext cx="759613" cy="223889"/>
+          </a:xfrm>
+          <a:prstGeom prst="rect">
+            <a:avLst/>
+          </a:prstGeom>
+          <a:solidFill>
+            <a:schemeClr val="accent5">
+              <a:lumMod val="25000"/>
+            </a:schemeClr>
+          </a:solidFill>
+        </p:spPr>
+        <p:style>
+          <a:lnRef idx="2">
+            <a:schemeClr val="accent1">
+              <a:shade val="50000"/>
+            </a:schemeClr>
+          </a:lnRef>
+          <a:fillRef idx="1">
+            <a:schemeClr val="accent1"/>
+          </a:fillRef>
+          <a:effectRef idx="0">
+            <a:schemeClr val="accent1"/>
+          </a:effectRef>
+          <a:fontRef idx="minor">
+            <a:schemeClr val="lt1"/>
+          </a:fontRef>
+        </p:style>
+        <p:txBody>
+          <a:bodyPr rtlCol="0" anchor="ctr"/>
+          <a:lstStyle/>
+          <a:p>
+            <a:pPr algn="ctr"/>
+            <a:r>
+              <a:rPr lang="en-US" altLang="ko-KR" sz="1200" dirty="0"/>
+              <a:t>C</a:t>
+            </a:r>
+            <a:endParaRPr lang="ko-KR" altLang="en-US" sz="1200" dirty="0"/>
+          </a:p>
+        </p:txBody>
+      </p:sp>
+      <p:sp>
+        <p:nvSpPr>
+          <p:cNvPr id="21" name="사각형: 모서리가 접힌 도형 20">
+            <a:extLst>
+              <a:ext uri="{FF2B5EF4-FFF2-40B4-BE49-F238E27FC236}">
+                <a16:creationId xmlns:a16="http://schemas.microsoft.com/office/drawing/2014/main" id="{45A651BF-BC83-69C5-F4A7-49FBB426FA5D}"/>
+              </a:ext>
+            </a:extLst>
+          </p:cNvPr>
+          <p:cNvSpPr/>
+          <p:nvPr/>
+        </p:nvSpPr>
+        <p:spPr>
+          <a:xfrm>
+            <a:off x="470430" y="5997976"/>
+            <a:ext cx="2914770" cy="421792"/>
+          </a:xfrm>
+          <a:prstGeom prst="foldedCorner">
+            <a:avLst/>
+          </a:prstGeom>
+          <a:solidFill>
+            <a:srgbClr val="00B0F0"/>
+          </a:solidFill>
+        </p:spPr>
+        <p:style>
+          <a:lnRef idx="2">
+            <a:schemeClr val="accent1">
+              <a:shade val="50000"/>
+            </a:schemeClr>
+          </a:lnRef>
+          <a:fillRef idx="1">
+            <a:schemeClr val="accent1"/>
+          </a:fillRef>
+          <a:effectRef idx="0">
+            <a:schemeClr val="accent1"/>
+          </a:effectRef>
+          <a:fontRef idx="minor">
+            <a:schemeClr val="lt1"/>
+          </a:fontRef>
+        </p:style>
+        <p:txBody>
+          <a:bodyPr rtlCol="0" anchor="ctr"/>
+          <a:lstStyle/>
+          <a:p>
+            <a:pPr algn="ctr"/>
+            <a:r>
+              <a:rPr lang="en-US" altLang="ko-KR" sz="900" dirty="0">
+                <a:solidFill>
+                  <a:schemeClr val="tx1"/>
+                </a:solidFill>
+              </a:rPr>
+              <a:t>Pin</a:t>
+            </a:r>
+          </a:p>
+          <a:p>
+            <a:pPr algn="ctr"/>
+            <a:r>
+              <a:rPr lang="en-US" altLang="ko-KR" sz="900" dirty="0">
+                <a:solidFill>
+                  <a:schemeClr val="tx1"/>
+                </a:solidFill>
+              </a:rPr>
+              <a:t>[</a:t>
+            </a:r>
+            <a:r>
+              <a:rPr lang="en-US" altLang="ko-KR" sz="900" dirty="0" err="1">
+                <a:solidFill>
+                  <a:schemeClr val="tx1"/>
+                </a:solidFill>
+              </a:rPr>
+              <a:t>PIN1</a:t>
+            </a:r>
+            <a:r>
+              <a:rPr lang="en-US" altLang="ko-KR" sz="900" dirty="0">
+                <a:solidFill>
+                  <a:schemeClr val="tx1"/>
+                </a:solidFill>
+              </a:rPr>
+              <a:t>]</a:t>
+            </a:r>
+          </a:p>
+        </p:txBody>
+      </p:sp>
+      <p:grpSp>
+        <p:nvGrpSpPr>
+          <p:cNvPr id="30" name="그룹 29">
+            <a:extLst>
+              <a:ext uri="{FF2B5EF4-FFF2-40B4-BE49-F238E27FC236}">
+                <a16:creationId xmlns:a16="http://schemas.microsoft.com/office/drawing/2014/main" id="{5EAD2397-E0B2-2828-11AD-2AEF431E43F7}"/>
+              </a:ext>
+            </a:extLst>
+          </p:cNvPr>
+          <p:cNvGrpSpPr/>
+          <p:nvPr/>
+        </p:nvGrpSpPr>
+        <p:grpSpPr>
+          <a:xfrm>
+            <a:off x="8788545" y="3548058"/>
+            <a:ext cx="2070340" cy="2473230"/>
+            <a:chOff x="8788545" y="3548058"/>
+            <a:chExt cx="2070340" cy="2473230"/>
+          </a:xfrm>
+        </p:grpSpPr>
+        <p:grpSp>
+          <p:nvGrpSpPr>
+            <p:cNvPr id="23" name="그룹 22">
+              <a:extLst>
+                <a:ext uri="{FF2B5EF4-FFF2-40B4-BE49-F238E27FC236}">
+                  <a16:creationId xmlns:a16="http://schemas.microsoft.com/office/drawing/2014/main" id="{EFFF6915-B4FA-415B-8BD5-68627273DEC7}"/>
+                </a:ext>
+              </a:extLst>
+            </p:cNvPr>
+            <p:cNvGrpSpPr/>
+            <p:nvPr/>
+          </p:nvGrpSpPr>
+          <p:grpSpPr>
+            <a:xfrm>
+              <a:off x="8788545" y="3548058"/>
+              <a:ext cx="2070340" cy="2473230"/>
+              <a:chOff x="8788545" y="3548058"/>
+              <a:chExt cx="2070340" cy="2473230"/>
+            </a:xfrm>
+          </p:grpSpPr>
+          <p:sp>
+            <p:nvSpPr>
+              <p:cNvPr id="13" name="직사각형 12">
+                <a:extLst>
+                  <a:ext uri="{FF2B5EF4-FFF2-40B4-BE49-F238E27FC236}">
+                    <a16:creationId xmlns:a16="http://schemas.microsoft.com/office/drawing/2014/main" id="{465E041F-7D5A-95AB-4D8B-DD342E08D945}"/>
+                  </a:ext>
+                </a:extLst>
+              </p:cNvPr>
+              <p:cNvSpPr/>
+              <p:nvPr/>
+            </p:nvSpPr>
+            <p:spPr>
+              <a:xfrm>
+                <a:off x="8788545" y="3548058"/>
+                <a:ext cx="2070340" cy="2473230"/>
+              </a:xfrm>
+              <a:prstGeom prst="rect">
+                <a:avLst/>
+              </a:prstGeom>
+            </p:spPr>
+            <p:style>
+              <a:lnRef idx="1">
+                <a:schemeClr val="dk1"/>
+              </a:lnRef>
+              <a:fillRef idx="2">
+                <a:schemeClr val="dk1"/>
+              </a:fillRef>
+              <a:effectRef idx="1">
+                <a:schemeClr val="dk1"/>
+              </a:effectRef>
+              <a:fontRef idx="minor">
+                <a:schemeClr val="dk1"/>
+              </a:fontRef>
+            </p:style>
+            <p:txBody>
+              <a:bodyPr rtlCol="0" anchor="ctr"/>
+              <a:lstStyle/>
+              <a:p>
+                <a:pPr algn="ctr"/>
+                <a:r>
+                  <a:rPr lang="en-US" altLang="ko-KR" sz="1100" dirty="0"/>
+                  <a:t>A</a:t>
+                </a:r>
+                <a:endParaRPr lang="ko-KR" altLang="en-US" sz="1100" dirty="0"/>
+              </a:p>
+            </p:txBody>
+          </p:sp>
+          <p:sp>
+            <p:nvSpPr>
+              <p:cNvPr id="25" name="타원 24">
+                <a:extLst>
+                  <a:ext uri="{FF2B5EF4-FFF2-40B4-BE49-F238E27FC236}">
+                    <a16:creationId xmlns:a16="http://schemas.microsoft.com/office/drawing/2014/main" id="{DEA60632-11A1-99E4-1D24-C238F35F3EFF}"/>
+                  </a:ext>
+                </a:extLst>
+              </p:cNvPr>
+              <p:cNvSpPr/>
+              <p:nvPr/>
+            </p:nvSpPr>
+            <p:spPr>
+              <a:xfrm>
+                <a:off x="9984432" y="4501069"/>
+                <a:ext cx="755650" cy="1308100"/>
+              </a:xfrm>
+              <a:prstGeom prst="ellipse">
+                <a:avLst/>
+              </a:prstGeom>
+            </p:spPr>
+            <p:style>
+              <a:lnRef idx="1">
+                <a:schemeClr val="dk1"/>
+              </a:lnRef>
+              <a:fillRef idx="2">
+                <a:schemeClr val="dk1"/>
+              </a:fillRef>
+              <a:effectRef idx="1">
+                <a:schemeClr val="dk1"/>
+              </a:effectRef>
+              <a:fontRef idx="minor">
+                <a:schemeClr val="dk1"/>
+              </a:fontRef>
+            </p:style>
+            <p:txBody>
+              <a:bodyPr rtlCol="0" anchor="ctr"/>
+              <a:lstStyle/>
+              <a:p>
+                <a:pPr algn="ctr"/>
+                <a:r>
+                  <a:rPr lang="en-US" altLang="ko-KR" sz="1050" dirty="0" err="1">
+                    <a:solidFill>
+                      <a:schemeClr val="tx1"/>
+                    </a:solidFill>
+                  </a:rPr>
+                  <a:t>PIN1.DOWN</a:t>
+                </a:r>
+                <a:endParaRPr lang="ko-KR" altLang="en-US" sz="1050" dirty="0"/>
+              </a:p>
+            </p:txBody>
+          </p:sp>
+        </p:grpSp>
+        <p:sp>
+          <p:nvSpPr>
+            <p:cNvPr id="26" name="타원 25">
+              <a:extLst>
+                <a:ext uri="{FF2B5EF4-FFF2-40B4-BE49-F238E27FC236}">
+                  <a16:creationId xmlns:a16="http://schemas.microsoft.com/office/drawing/2014/main" id="{4CF8B78A-E617-4CBA-FB3F-D6EDD6C7D0CD}"/>
+                </a:ext>
+              </a:extLst>
+            </p:cNvPr>
+            <p:cNvSpPr/>
+            <p:nvPr/>
+          </p:nvSpPr>
+          <p:spPr>
+            <a:xfrm>
+              <a:off x="9036051" y="4254500"/>
+              <a:ext cx="755650" cy="1308100"/>
+            </a:xfrm>
+            <a:prstGeom prst="ellipse">
+              <a:avLst/>
+            </a:prstGeom>
+          </p:spPr>
+          <p:style>
+            <a:lnRef idx="1">
+              <a:schemeClr val="dk1"/>
+            </a:lnRef>
+            <a:fillRef idx="2">
+              <a:schemeClr val="dk1"/>
+            </a:fillRef>
+            <a:effectRef idx="1">
+              <a:schemeClr val="dk1"/>
+            </a:effectRef>
+            <a:fontRef idx="minor">
+              <a:schemeClr val="dk1"/>
+            </a:fontRef>
+          </p:style>
+          <p:txBody>
+            <a:bodyPr rtlCol="0" anchor="ctr"/>
+            <a:lstStyle/>
+            <a:p>
+              <a:pPr algn="ctr"/>
+              <a:r>
+                <a:rPr lang="en-US" altLang="ko-KR" sz="1050" dirty="0" err="1">
+                  <a:solidFill>
+                    <a:schemeClr val="tx1"/>
+                  </a:solidFill>
+                </a:rPr>
+                <a:t>PIN1.UP</a:t>
+              </a:r>
+              <a:endParaRPr lang="ko-KR" altLang="en-US" sz="1050" dirty="0"/>
+            </a:p>
+          </p:txBody>
+        </p:sp>
+      </p:grpSp>
+      <p:sp>
+        <p:nvSpPr>
+          <p:cNvPr id="31" name="원형: 비어 있음 30">
+            <a:extLst>
+              <a:ext uri="{FF2B5EF4-FFF2-40B4-BE49-F238E27FC236}">
+                <a16:creationId xmlns:a16="http://schemas.microsoft.com/office/drawing/2014/main" id="{32E8FDD3-608D-2966-8ECF-2909148E0A92}"/>
+              </a:ext>
+            </a:extLst>
+          </p:cNvPr>
+          <p:cNvSpPr/>
+          <p:nvPr/>
+        </p:nvSpPr>
+        <p:spPr>
+          <a:xfrm>
+            <a:off x="4103520" y="3409111"/>
+            <a:ext cx="1673524" cy="1690778"/>
+          </a:xfrm>
+          <a:prstGeom prst="donut">
+            <a:avLst/>
+          </a:prstGeom>
+          <a:ln>
+            <a:solidFill>
+              <a:schemeClr val="tx1"/>
+            </a:solidFill>
+          </a:ln>
+        </p:spPr>
+        <p:style>
+          <a:lnRef idx="2">
+            <a:schemeClr val="accent1">
+              <a:shade val="50000"/>
+            </a:schemeClr>
+          </a:lnRef>
+          <a:fillRef idx="1">
+            <a:schemeClr val="accent1"/>
+          </a:fillRef>
+          <a:effectRef idx="0">
+            <a:schemeClr val="accent1"/>
+          </a:effectRef>
+          <a:fontRef idx="minor">
+            <a:schemeClr val="lt1"/>
+          </a:fontRef>
+        </p:style>
+        <p:txBody>
+          <a:bodyPr rtlCol="0" anchor="ctr"/>
+          <a:lstStyle/>
+          <a:p>
+            <a:pPr algn="ctr"/>
+            <a:r>
+              <a:rPr lang="en-US" altLang="ko-KR" dirty="0">
+                <a:solidFill>
+                  <a:schemeClr val="tx1"/>
+                </a:solidFill>
+              </a:rPr>
+              <a:t>BBB</a:t>
+            </a:r>
+            <a:endParaRPr lang="ko-KR" altLang="en-US" dirty="0">
+              <a:solidFill>
+                <a:schemeClr val="tx1"/>
+              </a:solidFill>
+            </a:endParaRPr>
+          </a:p>
+        </p:txBody>
+      </p:sp>
+      <p:sp>
+        <p:nvSpPr>
+          <p:cNvPr id="32" name="원형: 비어 있음 31">
+            <a:extLst>
+              <a:ext uri="{FF2B5EF4-FFF2-40B4-BE49-F238E27FC236}">
+                <a16:creationId xmlns:a16="http://schemas.microsoft.com/office/drawing/2014/main" id="{C3343768-FF83-2F94-0388-55490E5580E5}"/>
+              </a:ext>
+            </a:extLst>
+          </p:cNvPr>
+          <p:cNvSpPr/>
+          <p:nvPr/>
+        </p:nvSpPr>
+        <p:spPr>
+          <a:xfrm>
+            <a:off x="5863849" y="-151724"/>
+            <a:ext cx="1673524" cy="1690778"/>
+          </a:xfrm>
+          <a:prstGeom prst="donut">
+            <a:avLst/>
+          </a:prstGeom>
+          <a:ln>
+            <a:solidFill>
+              <a:schemeClr val="tx1"/>
+            </a:solidFill>
+          </a:ln>
+        </p:spPr>
+        <p:style>
+          <a:lnRef idx="2">
+            <a:schemeClr val="accent1">
+              <a:shade val="50000"/>
+            </a:schemeClr>
+          </a:lnRef>
+          <a:fillRef idx="1">
+            <a:schemeClr val="accent1"/>
+          </a:fillRef>
+          <a:effectRef idx="0">
+            <a:schemeClr val="accent1"/>
+          </a:effectRef>
+          <a:fontRef idx="minor">
+            <a:schemeClr val="lt1"/>
+          </a:fontRef>
+        </p:style>
+        <p:txBody>
+          <a:bodyPr rtlCol="0" anchor="ctr"/>
+          <a:lstStyle/>
+          <a:p>
+            <a:pPr algn="ctr"/>
+            <a:r>
+              <a:rPr lang="en-US" altLang="ko-KR">
+                <a:solidFill>
+                  <a:schemeClr val="tx1"/>
+                </a:solidFill>
+              </a:rPr>
+              <a:t>CCC</a:t>
+            </a:r>
+            <a:endParaRPr lang="ko-KR" altLang="en-US" dirty="0">
+              <a:solidFill>
+                <a:schemeClr val="tx1"/>
+              </a:solidFill>
+            </a:endParaRPr>
+          </a:p>
+        </p:txBody>
+      </p:sp>
+      <p:sp>
+        <p:nvSpPr>
+          <p:cNvPr id="33" name="원형: 비어 있음 32">
+            <a:extLst>
+              <a:ext uri="{FF2B5EF4-FFF2-40B4-BE49-F238E27FC236}">
+                <a16:creationId xmlns:a16="http://schemas.microsoft.com/office/drawing/2014/main" id="{A39D28FB-7573-000B-8395-3753A2D4FA89}"/>
+              </a:ext>
+            </a:extLst>
+          </p:cNvPr>
+          <p:cNvSpPr/>
+          <p:nvPr/>
+        </p:nvSpPr>
+        <p:spPr>
+          <a:xfrm>
+            <a:off x="3803558" y="592000"/>
+            <a:ext cx="1673524" cy="1690778"/>
+          </a:xfrm>
+          <a:prstGeom prst="donut">
+            <a:avLst/>
+          </a:prstGeom>
+          <a:ln>
+            <a:solidFill>
+              <a:schemeClr val="tx1"/>
+            </a:solidFill>
+          </a:ln>
+        </p:spPr>
+        <p:style>
+          <a:lnRef idx="2">
+            <a:schemeClr val="accent1">
+              <a:shade val="50000"/>
+            </a:schemeClr>
+          </a:lnRef>
+          <a:fillRef idx="1">
+            <a:schemeClr val="accent1"/>
+          </a:fillRef>
+          <a:effectRef idx="0">
+            <a:schemeClr val="accent1"/>
+          </a:effectRef>
+          <a:fontRef idx="minor">
+            <a:schemeClr val="lt1"/>
+          </a:fontRef>
+        </p:style>
+        <p:txBody>
+          <a:bodyPr rtlCol="0" anchor="ctr"/>
+          <a:lstStyle/>
+          <a:p>
+            <a:pPr algn="ctr"/>
+            <a:r>
+              <a:rPr lang="en-US" altLang="ko-KR" dirty="0">
+                <a:solidFill>
+                  <a:schemeClr val="tx1"/>
+                </a:solidFill>
+              </a:rPr>
+              <a:t>DD</a:t>
+            </a:r>
+            <a:endParaRPr lang="ko-KR" altLang="en-US" dirty="0">
+              <a:solidFill>
+                <a:schemeClr val="tx1"/>
+              </a:solidFill>
+            </a:endParaRPr>
+          </a:p>
+        </p:txBody>
+      </p:sp>
+    </p:spTree>
+    <p:extLst>
+      <p:ext uri="{BB962C8B-B14F-4D97-AF65-F5344CB8AC3E}">
+        <p14:creationId xmlns:p14="http://schemas.microsoft.com/office/powerpoint/2010/main" val="2118480418"/>
+      </p:ext>
+    </p:extLst>
+  </p:cSld>
+  <p:clrMapOvr>
+    <a:masterClrMapping/>
+  </p:clrMapOvr>
+</p:sld>
+</file>
+
+<file path=ppt/slides/slide3.xml><?xml version="1.0" encoding="utf-8"?>
 <p:sld xmlns:a="http://schemas.openxmlformats.org/drawingml/2006/main" xmlns:r="http://schemas.openxmlformats.org/officeDocument/2006/relationships" xmlns:p="http://schemas.openxmlformats.org/presentationml/2006/main" show="0">
   <p:cSld>
     <p:spTree>
@@ -12477,7 +14342,7 @@
 </p:sld>
 </file>
 
-<file path=ppt/slides/slide3.xml><?xml version="1.0" encoding="utf-8"?>
+<file path=ppt/slides/slide4.xml><?xml version="1.0" encoding="utf-8"?>
 <p:sld xmlns:a="http://schemas.openxmlformats.org/drawingml/2006/main" xmlns:r="http://schemas.openxmlformats.org/officeDocument/2006/relationships" xmlns:p="http://schemas.openxmlformats.org/presentationml/2006/main" show="0">
   <p:cSld>
     <p:spTree>
@@ -17905,7 +19770,7 @@
 </p:sld>
 </file>
 
-<file path=ppt/slides/slide4.xml><?xml version="1.0" encoding="utf-8"?>
+<file path=ppt/slides/slide5.xml><?xml version="1.0" encoding="utf-8"?>
 <p:sld xmlns:a="http://schemas.openxmlformats.org/drawingml/2006/main" xmlns:r="http://schemas.openxmlformats.org/officeDocument/2006/relationships" xmlns:p="http://schemas.openxmlformats.org/presentationml/2006/main" show="0">
   <p:cSld>
     <p:spTree>
@@ -20789,7 +22654,7 @@
 </p:sld>
 </file>
 
-<file path=ppt/slides/slide5.xml><?xml version="1.0" encoding="utf-8"?>
+<file path=ppt/slides/slide6.xml><?xml version="1.0" encoding="utf-8"?>
 <p:sld xmlns:a="http://schemas.openxmlformats.org/drawingml/2006/main" xmlns:r="http://schemas.openxmlformats.org/officeDocument/2006/relationships" xmlns:p="http://schemas.openxmlformats.org/presentationml/2006/main" show="0">
   <p:cSld>
     <p:spTree>
@@ -23719,7 +25584,7 @@
 </p:sld>
 </file>
 
-<file path=ppt/slides/slide6.xml><?xml version="1.0" encoding="utf-8"?>
+<file path=ppt/slides/slide7.xml><?xml version="1.0" encoding="utf-8"?>
 <p:sld xmlns:a="http://schemas.openxmlformats.org/drawingml/2006/main" xmlns:r="http://schemas.openxmlformats.org/officeDocument/2006/relationships" xmlns:p="http://schemas.openxmlformats.org/presentationml/2006/main">
   <p:cSld>
     <p:spTree>
@@ -24882,7 +26747,7 @@
 </p:sld>
 </file>
 
-<file path=ppt/slides/slide7.xml><?xml version="1.0" encoding="utf-8"?>
+<file path=ppt/slides/slide8.xml><?xml version="1.0" encoding="utf-8"?>
 <p:sld xmlns:a="http://schemas.openxmlformats.org/drawingml/2006/main" xmlns:r="http://schemas.openxmlformats.org/officeDocument/2006/relationships" xmlns:p="http://schemas.openxmlformats.org/presentationml/2006/main">
   <p:cSld>
     <p:spTree>
@@ -25714,850 +27579,6 @@
     <p:extLst>
       <p:ext uri="{BB962C8B-B14F-4D97-AF65-F5344CB8AC3E}">
         <p14:creationId xmlns:p14="http://schemas.microsoft.com/office/powerpoint/2010/main" val="2361245852"/>
-      </p:ext>
-    </p:extLst>
-  </p:cSld>
-  <p:clrMapOvr>
-    <a:masterClrMapping/>
-  </p:clrMapOvr>
-</p:sld>
-</file>
-
-<file path=ppt/slides/slide8.xml><?xml version="1.0" encoding="utf-8"?>
-<p:sld xmlns:a="http://schemas.openxmlformats.org/drawingml/2006/main" xmlns:r="http://schemas.openxmlformats.org/officeDocument/2006/relationships" xmlns:p="http://schemas.openxmlformats.org/presentationml/2006/main">
-  <p:cSld>
-    <p:spTree>
-      <p:nvGrpSpPr>
-        <p:cNvPr id="1" name=""/>
-        <p:cNvGrpSpPr/>
-        <p:nvPr/>
-      </p:nvGrpSpPr>
-      <p:grpSpPr>
-        <a:xfrm>
-          <a:off x="0" y="0"/>
-          <a:ext cx="0" cy="0"/>
-          <a:chOff x="0" y="0"/>
-          <a:chExt cx="0" cy="0"/>
-        </a:xfrm>
-      </p:grpSpPr>
-      <p:sp>
-        <p:nvSpPr>
-          <p:cNvPr id="6" name="직사각형 5">
-            <a:extLst>
-              <a:ext uri="{FF2B5EF4-FFF2-40B4-BE49-F238E27FC236}">
-                <a16:creationId xmlns:a16="http://schemas.microsoft.com/office/drawing/2014/main" id="{F7FFA879-D297-B806-362A-C7000F382F51}"/>
-              </a:ext>
-            </a:extLst>
-          </p:cNvPr>
-          <p:cNvSpPr/>
-          <p:nvPr/>
-        </p:nvSpPr>
-        <p:spPr>
-          <a:xfrm>
-            <a:off x="3765382" y="1080452"/>
-            <a:ext cx="759613" cy="223889"/>
-          </a:xfrm>
-          <a:prstGeom prst="rect">
-            <a:avLst/>
-          </a:prstGeom>
-          <a:solidFill>
-            <a:schemeClr val="accent5">
-              <a:lumMod val="25000"/>
-            </a:schemeClr>
-          </a:solidFill>
-        </p:spPr>
-        <p:style>
-          <a:lnRef idx="2">
-            <a:schemeClr val="accent1">
-              <a:shade val="50000"/>
-            </a:schemeClr>
-          </a:lnRef>
-          <a:fillRef idx="1">
-            <a:schemeClr val="accent1"/>
-          </a:fillRef>
-          <a:effectRef idx="0">
-            <a:schemeClr val="accent1"/>
-          </a:effectRef>
-          <a:fontRef idx="minor">
-            <a:schemeClr val="lt1"/>
-          </a:fontRef>
-        </p:style>
-        <p:txBody>
-          <a:bodyPr rtlCol="0" anchor="ctr"/>
-          <a:lstStyle/>
-          <a:p>
-            <a:pPr algn="ctr"/>
-            <a:r>
-              <a:rPr lang="en-US" altLang="ko-KR" sz="1200" dirty="0"/>
-              <a:t>Pp</a:t>
-            </a:r>
-            <a:endParaRPr lang="ko-KR" altLang="en-US" sz="1200" dirty="0"/>
-          </a:p>
-        </p:txBody>
-      </p:sp>
-      <p:sp>
-        <p:nvSpPr>
-          <p:cNvPr id="8" name="직사각형 7">
-            <a:extLst>
-              <a:ext uri="{FF2B5EF4-FFF2-40B4-BE49-F238E27FC236}">
-                <a16:creationId xmlns:a16="http://schemas.microsoft.com/office/drawing/2014/main" id="{06C1A465-92C8-CE21-05B5-347450C9FDC5}"/>
-              </a:ext>
-            </a:extLst>
-          </p:cNvPr>
-          <p:cNvSpPr/>
-          <p:nvPr/>
-        </p:nvSpPr>
-        <p:spPr>
-          <a:xfrm>
-            <a:off x="1774837" y="1080452"/>
-            <a:ext cx="759613" cy="223889"/>
-          </a:xfrm>
-          <a:prstGeom prst="rect">
-            <a:avLst/>
-          </a:prstGeom>
-          <a:solidFill>
-            <a:schemeClr val="accent5">
-              <a:lumMod val="25000"/>
-            </a:schemeClr>
-          </a:solidFill>
-        </p:spPr>
-        <p:style>
-          <a:lnRef idx="2">
-            <a:schemeClr val="accent1">
-              <a:shade val="50000"/>
-            </a:schemeClr>
-          </a:lnRef>
-          <a:fillRef idx="1">
-            <a:schemeClr val="accent1"/>
-          </a:fillRef>
-          <a:effectRef idx="0">
-            <a:schemeClr val="accent1"/>
-          </a:effectRef>
-          <a:fontRef idx="minor">
-            <a:schemeClr val="lt1"/>
-          </a:fontRef>
-        </p:style>
-        <p:txBody>
-          <a:bodyPr rtlCol="0" anchor="ctr"/>
-          <a:lstStyle/>
-          <a:p>
-            <a:pPr algn="ctr"/>
-            <a:r>
-              <a:rPr lang="en-US" altLang="ko-KR" sz="1100" dirty="0" err="1"/>
-              <a:t>Vp</a:t>
-            </a:r>
-            <a:endParaRPr lang="ko-KR" altLang="en-US" sz="1200" dirty="0"/>
-          </a:p>
-        </p:txBody>
-      </p:sp>
-      <p:cxnSp>
-        <p:nvCxnSpPr>
-          <p:cNvPr id="9" name="직선 화살표 연결선 8">
-            <a:extLst>
-              <a:ext uri="{FF2B5EF4-FFF2-40B4-BE49-F238E27FC236}">
-                <a16:creationId xmlns:a16="http://schemas.microsoft.com/office/drawing/2014/main" id="{CF85BCA6-174F-BBFA-C53F-64D95CF17953}"/>
-              </a:ext>
-            </a:extLst>
-          </p:cNvPr>
-          <p:cNvCxnSpPr>
-            <a:cxnSpLocks/>
-            <a:stCxn id="8" idx="3"/>
-            <a:endCxn id="6" idx="1"/>
-          </p:cNvCxnSpPr>
-          <p:nvPr/>
-        </p:nvCxnSpPr>
-        <p:spPr>
-          <a:xfrm>
-            <a:off x="2534449" y="1192396"/>
-            <a:ext cx="1230932" cy="0"/>
-          </a:xfrm>
-          <a:prstGeom prst="straightConnector1">
-            <a:avLst/>
-          </a:prstGeom>
-          <a:ln>
-            <a:tailEnd type="triangle"/>
-          </a:ln>
-        </p:spPr>
-        <p:style>
-          <a:lnRef idx="1">
-            <a:schemeClr val="accent1"/>
-          </a:lnRef>
-          <a:fillRef idx="0">
-            <a:schemeClr val="accent1"/>
-          </a:fillRef>
-          <a:effectRef idx="0">
-            <a:schemeClr val="accent1"/>
-          </a:effectRef>
-          <a:fontRef idx="minor">
-            <a:schemeClr val="tx1"/>
-          </a:fontRef>
-        </p:style>
-      </p:cxnSp>
-      <p:sp>
-        <p:nvSpPr>
-          <p:cNvPr id="10" name="직사각형 9">
-            <a:extLst>
-              <a:ext uri="{FF2B5EF4-FFF2-40B4-BE49-F238E27FC236}">
-                <a16:creationId xmlns:a16="http://schemas.microsoft.com/office/drawing/2014/main" id="{7F226DEE-6157-14A6-D5D4-03BAD7ED79A3}"/>
-              </a:ext>
-            </a:extLst>
-          </p:cNvPr>
-          <p:cNvSpPr/>
-          <p:nvPr/>
-        </p:nvSpPr>
-        <p:spPr>
-          <a:xfrm>
-            <a:off x="5755927" y="1080452"/>
-            <a:ext cx="759613" cy="223889"/>
-          </a:xfrm>
-          <a:prstGeom prst="rect">
-            <a:avLst/>
-          </a:prstGeom>
-          <a:solidFill>
-            <a:schemeClr val="accent5">
-              <a:lumMod val="25000"/>
-            </a:schemeClr>
-          </a:solidFill>
-        </p:spPr>
-        <p:style>
-          <a:lnRef idx="2">
-            <a:schemeClr val="accent1">
-              <a:shade val="50000"/>
-            </a:schemeClr>
-          </a:lnRef>
-          <a:fillRef idx="1">
-            <a:schemeClr val="accent1"/>
-          </a:fillRef>
-          <a:effectRef idx="0">
-            <a:schemeClr val="accent1"/>
-          </a:effectRef>
-          <a:fontRef idx="minor">
-            <a:schemeClr val="lt1"/>
-          </a:fontRef>
-        </p:style>
-        <p:txBody>
-          <a:bodyPr rtlCol="0" anchor="ctr"/>
-          <a:lstStyle/>
-          <a:p>
-            <a:pPr algn="ctr"/>
-            <a:r>
-              <a:rPr lang="en-US" altLang="ko-KR" sz="1200" dirty="0"/>
-              <a:t>Sp</a:t>
-            </a:r>
-            <a:endParaRPr lang="ko-KR" altLang="en-US" sz="1200" dirty="0"/>
-          </a:p>
-        </p:txBody>
-      </p:sp>
-      <p:cxnSp>
-        <p:nvCxnSpPr>
-          <p:cNvPr id="12" name="직선 화살표 연결선 11">
-            <a:extLst>
-              <a:ext uri="{FF2B5EF4-FFF2-40B4-BE49-F238E27FC236}">
-                <a16:creationId xmlns:a16="http://schemas.microsoft.com/office/drawing/2014/main" id="{75D5CFE6-0111-F5B7-4ED1-FB8753770B68}"/>
-              </a:ext>
-            </a:extLst>
-          </p:cNvPr>
-          <p:cNvCxnSpPr>
-            <a:cxnSpLocks/>
-            <a:stCxn id="6" idx="3"/>
-            <a:endCxn id="10" idx="1"/>
-          </p:cNvCxnSpPr>
-          <p:nvPr/>
-        </p:nvCxnSpPr>
-        <p:spPr>
-          <a:xfrm>
-            <a:off x="4524994" y="1192396"/>
-            <a:ext cx="1230932" cy="0"/>
-          </a:xfrm>
-          <a:prstGeom prst="straightConnector1">
-            <a:avLst/>
-          </a:prstGeom>
-          <a:ln>
-            <a:tailEnd type="triangle"/>
-          </a:ln>
-        </p:spPr>
-        <p:style>
-          <a:lnRef idx="1">
-            <a:schemeClr val="accent1"/>
-          </a:lnRef>
-          <a:fillRef idx="0">
-            <a:schemeClr val="accent1"/>
-          </a:fillRef>
-          <a:effectRef idx="0">
-            <a:schemeClr val="accent1"/>
-          </a:effectRef>
-          <a:fontRef idx="minor">
-            <a:schemeClr val="tx1"/>
-          </a:fontRef>
-        </p:style>
-      </p:cxnSp>
-      <p:sp>
-        <p:nvSpPr>
-          <p:cNvPr id="7" name="직사각형 6">
-            <a:extLst>
-              <a:ext uri="{FF2B5EF4-FFF2-40B4-BE49-F238E27FC236}">
-                <a16:creationId xmlns:a16="http://schemas.microsoft.com/office/drawing/2014/main" id="{C8BCFA11-98F4-0359-2550-17CAC34FBD25}"/>
-              </a:ext>
-            </a:extLst>
-          </p:cNvPr>
-          <p:cNvSpPr/>
-          <p:nvPr/>
-        </p:nvSpPr>
-        <p:spPr>
-          <a:xfrm>
-            <a:off x="4799857" y="1996707"/>
-            <a:ext cx="759613" cy="223889"/>
-          </a:xfrm>
-          <a:prstGeom prst="rect">
-            <a:avLst/>
-          </a:prstGeom>
-          <a:solidFill>
-            <a:schemeClr val="accent5">
-              <a:lumMod val="25000"/>
-            </a:schemeClr>
-          </a:solidFill>
-        </p:spPr>
-        <p:style>
-          <a:lnRef idx="2">
-            <a:schemeClr val="accent1">
-              <a:shade val="50000"/>
-            </a:schemeClr>
-          </a:lnRef>
-          <a:fillRef idx="1">
-            <a:schemeClr val="accent1"/>
-          </a:fillRef>
-          <a:effectRef idx="0">
-            <a:schemeClr val="accent1"/>
-          </a:effectRef>
-          <a:fontRef idx="minor">
-            <a:schemeClr val="lt1"/>
-          </a:fontRef>
-        </p:style>
-        <p:txBody>
-          <a:bodyPr rtlCol="0" anchor="ctr"/>
-          <a:lstStyle/>
-          <a:p>
-            <a:pPr algn="ctr"/>
-            <a:r>
-              <a:rPr lang="en-US" altLang="ko-KR" sz="1200" dirty="0"/>
-              <a:t>Pm</a:t>
-            </a:r>
-            <a:endParaRPr lang="ko-KR" altLang="en-US" sz="1200" dirty="0"/>
-          </a:p>
-        </p:txBody>
-      </p:sp>
-      <p:sp>
-        <p:nvSpPr>
-          <p:cNvPr id="11" name="직사각형 10">
-            <a:extLst>
-              <a:ext uri="{FF2B5EF4-FFF2-40B4-BE49-F238E27FC236}">
-                <a16:creationId xmlns:a16="http://schemas.microsoft.com/office/drawing/2014/main" id="{2D4550B1-F30D-637F-56E8-4C2DFC9CB461}"/>
-              </a:ext>
-            </a:extLst>
-          </p:cNvPr>
-          <p:cNvSpPr/>
-          <p:nvPr/>
-        </p:nvSpPr>
-        <p:spPr>
-          <a:xfrm>
-            <a:off x="2826667" y="1996706"/>
-            <a:ext cx="759613" cy="223889"/>
-          </a:xfrm>
-          <a:prstGeom prst="rect">
-            <a:avLst/>
-          </a:prstGeom>
-          <a:solidFill>
-            <a:schemeClr val="accent5">
-              <a:lumMod val="25000"/>
-            </a:schemeClr>
-          </a:solidFill>
-        </p:spPr>
-        <p:style>
-          <a:lnRef idx="2">
-            <a:schemeClr val="accent1">
-              <a:shade val="50000"/>
-            </a:schemeClr>
-          </a:lnRef>
-          <a:fillRef idx="1">
-            <a:schemeClr val="accent1"/>
-          </a:fillRef>
-          <a:effectRef idx="0">
-            <a:schemeClr val="accent1"/>
-          </a:effectRef>
-          <a:fontRef idx="minor">
-            <a:schemeClr val="lt1"/>
-          </a:fontRef>
-        </p:style>
-        <p:txBody>
-          <a:bodyPr rtlCol="0" anchor="ctr"/>
-          <a:lstStyle/>
-          <a:p>
-            <a:pPr algn="ctr"/>
-            <a:r>
-              <a:rPr lang="en-US" altLang="ko-KR" sz="1100" dirty="0" err="1"/>
-              <a:t>Vm</a:t>
-            </a:r>
-            <a:endParaRPr lang="ko-KR" altLang="en-US" sz="1200" dirty="0"/>
-          </a:p>
-        </p:txBody>
-      </p:sp>
-      <p:cxnSp>
-        <p:nvCxnSpPr>
-          <p:cNvPr id="15" name="직선 화살표 연결선 14">
-            <a:extLst>
-              <a:ext uri="{FF2B5EF4-FFF2-40B4-BE49-F238E27FC236}">
-                <a16:creationId xmlns:a16="http://schemas.microsoft.com/office/drawing/2014/main" id="{A1B8F672-384E-5E23-F864-E66E53B3ABA0}"/>
-              </a:ext>
-            </a:extLst>
-          </p:cNvPr>
-          <p:cNvCxnSpPr>
-            <a:cxnSpLocks/>
-            <a:stCxn id="11" idx="3"/>
-            <a:endCxn id="7" idx="1"/>
-          </p:cNvCxnSpPr>
-          <p:nvPr/>
-        </p:nvCxnSpPr>
-        <p:spPr>
-          <a:xfrm>
-            <a:off x="3586280" y="2108651"/>
-            <a:ext cx="1213577" cy="1"/>
-          </a:xfrm>
-          <a:prstGeom prst="straightConnector1">
-            <a:avLst/>
-          </a:prstGeom>
-          <a:ln>
-            <a:tailEnd type="triangle"/>
-          </a:ln>
-        </p:spPr>
-        <p:style>
-          <a:lnRef idx="1">
-            <a:schemeClr val="accent1"/>
-          </a:lnRef>
-          <a:fillRef idx="0">
-            <a:schemeClr val="accent1"/>
-          </a:fillRef>
-          <a:effectRef idx="0">
-            <a:schemeClr val="accent1"/>
-          </a:effectRef>
-          <a:fontRef idx="minor">
-            <a:schemeClr val="tx1"/>
-          </a:fontRef>
-        </p:style>
-      </p:cxnSp>
-      <p:sp>
-        <p:nvSpPr>
-          <p:cNvPr id="16" name="직사각형 15">
-            <a:extLst>
-              <a:ext uri="{FF2B5EF4-FFF2-40B4-BE49-F238E27FC236}">
-                <a16:creationId xmlns:a16="http://schemas.microsoft.com/office/drawing/2014/main" id="{D07CD127-6F91-FEFD-510E-E9ECBE02A8ED}"/>
-              </a:ext>
-            </a:extLst>
-          </p:cNvPr>
-          <p:cNvSpPr/>
-          <p:nvPr/>
-        </p:nvSpPr>
-        <p:spPr>
-          <a:xfrm>
-            <a:off x="6790402" y="1996706"/>
-            <a:ext cx="759613" cy="223889"/>
-          </a:xfrm>
-          <a:prstGeom prst="rect">
-            <a:avLst/>
-          </a:prstGeom>
-          <a:solidFill>
-            <a:schemeClr val="accent5">
-              <a:lumMod val="25000"/>
-            </a:schemeClr>
-          </a:solidFill>
-        </p:spPr>
-        <p:style>
-          <a:lnRef idx="2">
-            <a:schemeClr val="accent1">
-              <a:shade val="50000"/>
-            </a:schemeClr>
-          </a:lnRef>
-          <a:fillRef idx="1">
-            <a:schemeClr val="accent1"/>
-          </a:fillRef>
-          <a:effectRef idx="0">
-            <a:schemeClr val="accent1"/>
-          </a:effectRef>
-          <a:fontRef idx="minor">
-            <a:schemeClr val="lt1"/>
-          </a:fontRef>
-        </p:style>
-        <p:txBody>
-          <a:bodyPr rtlCol="0" anchor="ctr"/>
-          <a:lstStyle/>
-          <a:p>
-            <a:pPr algn="ctr"/>
-            <a:r>
-              <a:rPr lang="en-US" altLang="ko-KR" sz="1200" dirty="0" err="1"/>
-              <a:t>Sm</a:t>
-            </a:r>
-            <a:endParaRPr lang="ko-KR" altLang="en-US" sz="1200" dirty="0"/>
-          </a:p>
-        </p:txBody>
-      </p:sp>
-      <p:cxnSp>
-        <p:nvCxnSpPr>
-          <p:cNvPr id="17" name="직선 화살표 연결선 16">
-            <a:extLst>
-              <a:ext uri="{FF2B5EF4-FFF2-40B4-BE49-F238E27FC236}">
-                <a16:creationId xmlns:a16="http://schemas.microsoft.com/office/drawing/2014/main" id="{33274B50-5963-24B6-CDB4-2782CD0CDCD3}"/>
-              </a:ext>
-            </a:extLst>
-          </p:cNvPr>
-          <p:cNvCxnSpPr>
-            <a:cxnSpLocks/>
-            <a:stCxn id="7" idx="3"/>
-            <a:endCxn id="16" idx="1"/>
-          </p:cNvCxnSpPr>
-          <p:nvPr/>
-        </p:nvCxnSpPr>
-        <p:spPr>
-          <a:xfrm flipV="1">
-            <a:off x="5559469" y="2108651"/>
-            <a:ext cx="1230932" cy="1"/>
-          </a:xfrm>
-          <a:prstGeom prst="straightConnector1">
-            <a:avLst/>
-          </a:prstGeom>
-          <a:ln>
-            <a:tailEnd type="triangle"/>
-          </a:ln>
-        </p:spPr>
-        <p:style>
-          <a:lnRef idx="1">
-            <a:schemeClr val="accent1"/>
-          </a:lnRef>
-          <a:fillRef idx="0">
-            <a:schemeClr val="accent1"/>
-          </a:fillRef>
-          <a:effectRef idx="0">
-            <a:schemeClr val="accent1"/>
-          </a:effectRef>
-          <a:fontRef idx="minor">
-            <a:schemeClr val="tx1"/>
-          </a:fontRef>
-        </p:style>
-      </p:cxnSp>
-      <p:cxnSp>
-        <p:nvCxnSpPr>
-          <p:cNvPr id="19" name="연결선: 꺾임 18">
-            <a:extLst>
-              <a:ext uri="{FF2B5EF4-FFF2-40B4-BE49-F238E27FC236}">
-                <a16:creationId xmlns:a16="http://schemas.microsoft.com/office/drawing/2014/main" id="{EB65775B-028E-9EF0-13D9-EBE90D2F1DF0}"/>
-              </a:ext>
-            </a:extLst>
-          </p:cNvPr>
-          <p:cNvCxnSpPr>
-            <a:stCxn id="8" idx="2"/>
-            <a:endCxn id="16" idx="0"/>
-          </p:cNvCxnSpPr>
-          <p:nvPr/>
-        </p:nvCxnSpPr>
-        <p:spPr>
-          <a:xfrm rot="16200000" flipH="1">
-            <a:off x="4316244" y="-857261"/>
-            <a:ext cx="692365" cy="5015565"/>
-          </a:xfrm>
-          <a:prstGeom prst="bentConnector3">
-            <a:avLst/>
-          </a:prstGeom>
-          <a:ln>
-            <a:prstDash val="dash"/>
-            <a:tailEnd type="triangle"/>
-          </a:ln>
-        </p:spPr>
-        <p:style>
-          <a:lnRef idx="1">
-            <a:schemeClr val="accent1"/>
-          </a:lnRef>
-          <a:fillRef idx="0">
-            <a:schemeClr val="accent1"/>
-          </a:fillRef>
-          <a:effectRef idx="0">
-            <a:schemeClr val="accent1"/>
-          </a:effectRef>
-          <a:fontRef idx="minor">
-            <a:schemeClr val="tx1"/>
-          </a:fontRef>
-        </p:style>
-      </p:cxnSp>
-      <p:cxnSp>
-        <p:nvCxnSpPr>
-          <p:cNvPr id="24" name="연결선: 꺾임 23">
-            <a:extLst>
-              <a:ext uri="{FF2B5EF4-FFF2-40B4-BE49-F238E27FC236}">
-                <a16:creationId xmlns:a16="http://schemas.microsoft.com/office/drawing/2014/main" id="{C37A77EC-C59E-9A9F-143F-594E0EC9A35D}"/>
-              </a:ext>
-            </a:extLst>
-          </p:cNvPr>
-          <p:cNvCxnSpPr>
-            <a:cxnSpLocks/>
-            <a:stCxn id="11" idx="0"/>
-            <a:endCxn id="10" idx="2"/>
-          </p:cNvCxnSpPr>
-          <p:nvPr/>
-        </p:nvCxnSpPr>
-        <p:spPr>
-          <a:xfrm rot="5400000" flipH="1" flipV="1">
-            <a:off x="4324922" y="185893"/>
-            <a:ext cx="692365" cy="2929260"/>
-          </a:xfrm>
-          <a:prstGeom prst="bentConnector3">
-            <a:avLst>
-              <a:gd name="adj1" fmla="val 50000"/>
-            </a:avLst>
-          </a:prstGeom>
-          <a:ln>
-            <a:prstDash val="dash"/>
-            <a:tailEnd type="triangle"/>
-          </a:ln>
-        </p:spPr>
-        <p:style>
-          <a:lnRef idx="1">
-            <a:schemeClr val="accent1"/>
-          </a:lnRef>
-          <a:fillRef idx="0">
-            <a:schemeClr val="accent1"/>
-          </a:fillRef>
-          <a:effectRef idx="0">
-            <a:schemeClr val="accent1"/>
-          </a:effectRef>
-          <a:fontRef idx="minor">
-            <a:schemeClr val="tx1"/>
-          </a:fontRef>
-        </p:style>
-      </p:cxnSp>
-      <p:sp>
-        <p:nvSpPr>
-          <p:cNvPr id="3" name="화살표: 오각형 2">
-            <a:extLst>
-              <a:ext uri="{FF2B5EF4-FFF2-40B4-BE49-F238E27FC236}">
-                <a16:creationId xmlns:a16="http://schemas.microsoft.com/office/drawing/2014/main" id="{150D191B-3EEE-1472-97A1-DFB91C125370}"/>
-              </a:ext>
-            </a:extLst>
-          </p:cNvPr>
-          <p:cNvSpPr/>
-          <p:nvPr/>
-        </p:nvSpPr>
-        <p:spPr>
-          <a:xfrm>
-            <a:off x="8184232" y="177067"/>
-            <a:ext cx="1800200" cy="432048"/>
-          </a:xfrm>
-          <a:prstGeom prst="homePlate">
-            <a:avLst/>
-          </a:prstGeom>
-        </p:spPr>
-        <p:style>
-          <a:lnRef idx="2">
-            <a:schemeClr val="accent1">
-              <a:shade val="50000"/>
-            </a:schemeClr>
-          </a:lnRef>
-          <a:fillRef idx="1">
-            <a:schemeClr val="accent1"/>
-          </a:fillRef>
-          <a:effectRef idx="0">
-            <a:schemeClr val="accent1"/>
-          </a:effectRef>
-          <a:fontRef idx="minor">
-            <a:schemeClr val="lt1"/>
-          </a:fontRef>
-        </p:style>
-        <p:txBody>
-          <a:bodyPr rtlCol="0" anchor="ctr"/>
-          <a:lstStyle/>
-          <a:p>
-            <a:pPr algn="ctr"/>
-            <a:r>
-              <a:rPr lang="en-US" altLang="ko-KR" sz="1100" dirty="0"/>
-              <a:t>CLAMP </a:t>
-            </a:r>
-          </a:p>
-          <a:p>
-            <a:pPr algn="ctr"/>
-            <a:r>
-              <a:rPr lang="en-US" altLang="ko-KR" sz="1100" dirty="0"/>
-              <a:t>[</a:t>
-            </a:r>
-            <a:r>
-              <a:rPr lang="en-US" altLang="ko-KR" sz="1100" dirty="0" err="1"/>
-              <a:t>Vp</a:t>
-            </a:r>
-            <a:r>
-              <a:rPr lang="en-US" altLang="ko-KR" sz="1100" dirty="0"/>
-              <a:t> ~ Sp]</a:t>
-            </a:r>
-            <a:endParaRPr lang="ko-KR" altLang="en-US" sz="1100" dirty="0"/>
-          </a:p>
-        </p:txBody>
-      </p:sp>
-      <p:sp>
-        <p:nvSpPr>
-          <p:cNvPr id="5" name="화살표: 오각형 4">
-            <a:extLst>
-              <a:ext uri="{FF2B5EF4-FFF2-40B4-BE49-F238E27FC236}">
-                <a16:creationId xmlns:a16="http://schemas.microsoft.com/office/drawing/2014/main" id="{53DD68D7-E2E0-DA15-DBA0-EA1CB4C7FA18}"/>
-              </a:ext>
-            </a:extLst>
-          </p:cNvPr>
-          <p:cNvSpPr/>
-          <p:nvPr/>
-        </p:nvSpPr>
-        <p:spPr>
-          <a:xfrm>
-            <a:off x="8184232" y="836712"/>
-            <a:ext cx="1800200" cy="432048"/>
-          </a:xfrm>
-          <a:prstGeom prst="homePlate">
-            <a:avLst>
-              <a:gd name="adj" fmla="val 47194"/>
-            </a:avLst>
-          </a:prstGeom>
-        </p:spPr>
-        <p:style>
-          <a:lnRef idx="2">
-            <a:schemeClr val="accent1">
-              <a:shade val="50000"/>
-            </a:schemeClr>
-          </a:lnRef>
-          <a:fillRef idx="1">
-            <a:schemeClr val="accent1"/>
-          </a:fillRef>
-          <a:effectRef idx="0">
-            <a:schemeClr val="accent1"/>
-          </a:effectRef>
-          <a:fontRef idx="minor">
-            <a:schemeClr val="lt1"/>
-          </a:fontRef>
-        </p:style>
-        <p:txBody>
-          <a:bodyPr rtlCol="0" anchor="ctr"/>
-          <a:lstStyle/>
-          <a:p>
-            <a:pPr algn="ctr"/>
-            <a:r>
-              <a:rPr lang="en-US" altLang="ko-KR" sz="1100" dirty="0"/>
-              <a:t>UNCLAMP </a:t>
-            </a:r>
-          </a:p>
-          <a:p>
-            <a:pPr algn="ctr"/>
-            <a:r>
-              <a:rPr lang="en-US" altLang="ko-KR" sz="1100" dirty="0"/>
-              <a:t>[</a:t>
-            </a:r>
-            <a:r>
-              <a:rPr lang="en-US" altLang="ko-KR" sz="1100" dirty="0" err="1"/>
-              <a:t>Vm</a:t>
-            </a:r>
-            <a:r>
-              <a:rPr lang="en-US" altLang="ko-KR" sz="1100" dirty="0"/>
-              <a:t> ~ </a:t>
-            </a:r>
-            <a:r>
-              <a:rPr lang="en-US" altLang="ko-KR" sz="1100" dirty="0" err="1"/>
-              <a:t>Sm</a:t>
-            </a:r>
-            <a:r>
-              <a:rPr lang="en-US" altLang="ko-KR" sz="1100" dirty="0"/>
-              <a:t>]</a:t>
-            </a:r>
-            <a:endParaRPr lang="ko-KR" altLang="en-US" sz="1100" dirty="0"/>
-          </a:p>
-        </p:txBody>
-      </p:sp>
-      <p:cxnSp>
-        <p:nvCxnSpPr>
-          <p:cNvPr id="18" name="연결선: 꺾임 17">
-            <a:extLst>
-              <a:ext uri="{FF2B5EF4-FFF2-40B4-BE49-F238E27FC236}">
-                <a16:creationId xmlns:a16="http://schemas.microsoft.com/office/drawing/2014/main" id="{F715CCC7-D2F6-58ED-ADAB-B4E83DEDE80D}"/>
-              </a:ext>
-            </a:extLst>
-          </p:cNvPr>
-          <p:cNvCxnSpPr>
-            <a:cxnSpLocks/>
-            <a:stCxn id="3" idx="3"/>
-            <a:endCxn id="5" idx="3"/>
-          </p:cNvCxnSpPr>
-          <p:nvPr/>
-        </p:nvCxnSpPr>
-        <p:spPr>
-          <a:xfrm>
-            <a:off x="9984432" y="393092"/>
-            <a:ext cx="12700" cy="659645"/>
-          </a:xfrm>
-          <a:prstGeom prst="bentConnector3">
-            <a:avLst>
-              <a:gd name="adj1" fmla="val 1800000"/>
-            </a:avLst>
-          </a:prstGeom>
-          <a:ln>
-            <a:prstDash val="dash"/>
-            <a:headEnd type="triangle" w="med" len="med"/>
-            <a:tailEnd type="triangle" w="med" len="med"/>
-          </a:ln>
-        </p:spPr>
-        <p:style>
-          <a:lnRef idx="1">
-            <a:schemeClr val="accent1"/>
-          </a:lnRef>
-          <a:fillRef idx="0">
-            <a:schemeClr val="accent1"/>
-          </a:fillRef>
-          <a:effectRef idx="0">
-            <a:schemeClr val="accent1"/>
-          </a:effectRef>
-          <a:fontRef idx="minor">
-            <a:schemeClr val="tx1"/>
-          </a:fontRef>
-        </p:style>
-      </p:cxnSp>
-      <p:sp>
-        <p:nvSpPr>
-          <p:cNvPr id="4" name="제목 3">
-            <a:extLst>
-              <a:ext uri="{FF2B5EF4-FFF2-40B4-BE49-F238E27FC236}">
-                <a16:creationId xmlns:a16="http://schemas.microsoft.com/office/drawing/2014/main" id="{99FD32FD-15B3-DE9E-41E2-0F5A86F4634A}"/>
-              </a:ext>
-            </a:extLst>
-          </p:cNvPr>
-          <p:cNvSpPr>
-            <a:spLocks noGrp="1"/>
-          </p:cNvSpPr>
-          <p:nvPr>
-            <p:ph type="title"/>
-          </p:nvPr>
-        </p:nvSpPr>
-        <p:spPr>
-          <a:xfrm>
-            <a:off x="838200" y="70025"/>
-            <a:ext cx="7037878" cy="1325563"/>
-          </a:xfrm>
-        </p:spPr>
-        <p:txBody>
-          <a:bodyPr>
-            <a:normAutofit/>
-          </a:bodyPr>
-          <a:lstStyle/>
-          <a:p>
-            <a:r>
-              <a:rPr lang="en-US" altLang="ko-KR" sz="2800" dirty="0"/>
-              <a:t>$Clamp</a:t>
-            </a:r>
-            <a:endParaRPr lang="ko-KR" altLang="en-US" sz="2800" dirty="0"/>
-          </a:p>
-        </p:txBody>
-      </p:sp>
-    </p:spTree>
-    <p:extLst>
-      <p:ext uri="{BB962C8B-B14F-4D97-AF65-F5344CB8AC3E}">
-        <p14:creationId xmlns:p14="http://schemas.microsoft.com/office/powerpoint/2010/main" val="713481948"/>
       </p:ext>
     </p:extLst>
   </p:cSld>
@@ -27219,7 +28240,7 @@
             <a:pPr algn="ctr"/>
             <a:r>
               <a:rPr lang="en-US" altLang="ko-KR" sz="1100" dirty="0"/>
-              <a:t>LATCH</a:t>
+              <a:t>CLAMP </a:t>
             </a:r>
           </a:p>
           <a:p>
@@ -27286,7 +28307,7 @@
             <a:pPr algn="ctr"/>
             <a:r>
               <a:rPr lang="en-US" altLang="ko-KR" sz="1100" dirty="0"/>
-              <a:t>UNLATCH </a:t>
+              <a:t>UNCLAMP </a:t>
             </a:r>
           </a:p>
           <a:p>
@@ -27381,7 +28402,7 @@
         <p:spPr>
           <a:xfrm>
             <a:off x="838200" y="70025"/>
-            <a:ext cx="6917575" cy="1325563"/>
+            <a:ext cx="7037878" cy="1325563"/>
           </a:xfrm>
         </p:spPr>
         <p:txBody>
@@ -27392,7 +28413,7 @@
           <a:p>
             <a:r>
               <a:rPr lang="en-US" altLang="ko-KR" sz="2800" dirty="0"/>
-              <a:t>$Latch</a:t>
+              <a:t>$Clamp</a:t>
             </a:r>
             <a:endParaRPr lang="ko-KR" altLang="en-US" sz="2800" dirty="0"/>
           </a:p>
@@ -27401,7 +28422,7 @@
     </p:spTree>
     <p:extLst>
       <p:ext uri="{BB962C8B-B14F-4D97-AF65-F5344CB8AC3E}">
-        <p14:creationId xmlns:p14="http://schemas.microsoft.com/office/powerpoint/2010/main" val="2592641526"/>
+        <p14:creationId xmlns:p14="http://schemas.microsoft.com/office/powerpoint/2010/main" val="713481948"/>
       </p:ext>
     </p:extLst>
   </p:cSld>
